--- a/desandere.pptx
+++ b/desandere.pptx
@@ -5,13 +5,21 @@
     <p:sldMasterId id="2147483648" r:id="rId1"/>
   </p:sldMasterIdLst>
   <p:notesMasterIdLst>
-    <p:notesMasterId r:id="rId6"/>
+    <p:notesMasterId r:id="rId14"/>
   </p:notesMasterIdLst>
   <p:sldIdLst>
     <p:sldId id="256" r:id="rId2"/>
     <p:sldId id="258" r:id="rId3"/>
     <p:sldId id="257" r:id="rId4"/>
     <p:sldId id="259" r:id="rId5"/>
+    <p:sldId id="260" r:id="rId6"/>
+    <p:sldId id="261" r:id="rId7"/>
+    <p:sldId id="262" r:id="rId8"/>
+    <p:sldId id="264" r:id="rId9"/>
+    <p:sldId id="263" r:id="rId10"/>
+    <p:sldId id="265" r:id="rId11"/>
+    <p:sldId id="266" r:id="rId12"/>
+    <p:sldId id="267" r:id="rId13"/>
   </p:sldIdLst>
   <p:sldSz cx="12192000" cy="6858000"/>
   <p:notesSz cx="6858000" cy="9144000"/>
@@ -110,6 +118,11 @@
       </a:defRPr>
     </a:lvl9pPr>
   </p:defaultTextStyle>
+  <p:extLst>
+    <p:ext uri="{EFAFB233-063F-42B5-8137-9DF3F51BA10A}">
+      <p15:sldGuideLst xmlns:p15="http://schemas.microsoft.com/office/powerpoint/2012/main"/>
+    </p:ext>
+  </p:extLst>
 </p:presentation>
 </file>
 
@@ -460,6 +473,174 @@
     </a:lvl9pPr>
   </p:notesStyle>
 </p:notesMaster>
+</file>
+
+<file path=ppt/notesSlides/notesSlide1.xml><?xml version="1.0" encoding="utf-8"?>
+<p:notes xmlns:a="http://schemas.openxmlformats.org/drawingml/2006/main" xmlns:r="http://schemas.openxmlformats.org/officeDocument/2006/relationships" xmlns:p="http://schemas.openxmlformats.org/presentationml/2006/main">
+  <p:cSld>
+    <p:spTree>
+      <p:nvGrpSpPr>
+        <p:cNvPr id="1" name=""/>
+        <p:cNvGrpSpPr/>
+        <p:nvPr/>
+      </p:nvGrpSpPr>
+      <p:grpSpPr>
+        <a:xfrm>
+          <a:off x="0" y="0"/>
+          <a:ext cx="0" cy="0"/>
+          <a:chOff x="0" y="0"/>
+          <a:chExt cx="0" cy="0"/>
+        </a:xfrm>
+      </p:grpSpPr>
+      <p:sp>
+        <p:nvSpPr>
+          <p:cNvPr id="2" name="Folienbildplatzhalter 1"/>
+          <p:cNvSpPr>
+            <a:spLocks noGrp="1" noRot="1" noChangeAspect="1"/>
+          </p:cNvSpPr>
+          <p:nvPr>
+            <p:ph type="sldImg"/>
+          </p:nvPr>
+        </p:nvSpPr>
+        <p:spPr/>
+      </p:sp>
+      <p:sp>
+        <p:nvSpPr>
+          <p:cNvPr id="3" name="Notizenplatzhalter 2"/>
+          <p:cNvSpPr>
+            <a:spLocks noGrp="1"/>
+          </p:cNvSpPr>
+          <p:nvPr>
+            <p:ph type="body" idx="1"/>
+          </p:nvPr>
+        </p:nvSpPr>
+        <p:spPr/>
+        <p:txBody>
+          <a:bodyPr/>
+          <a:lstStyle/>
+          <a:p>
+            <a:endParaRPr lang="de-DE" dirty="0"/>
+          </a:p>
+        </p:txBody>
+      </p:sp>
+      <p:sp>
+        <p:nvSpPr>
+          <p:cNvPr id="4" name="Foliennummernplatzhalter 3"/>
+          <p:cNvSpPr>
+            <a:spLocks noGrp="1"/>
+          </p:cNvSpPr>
+          <p:nvPr>
+            <p:ph type="sldNum" sz="quarter" idx="5"/>
+          </p:nvPr>
+        </p:nvSpPr>
+        <p:spPr/>
+        <p:txBody>
+          <a:bodyPr/>
+          <a:lstStyle/>
+          <a:p>
+            <a:fld id="{29069B50-3D81-4561-A687-67DF6C04CA10}" type="slidenum">
+              <a:rPr lang="de-DE" smtClean="0"/>
+              <a:t>1</a:t>
+            </a:fld>
+            <a:endParaRPr lang="de-DE"/>
+          </a:p>
+        </p:txBody>
+      </p:sp>
+    </p:spTree>
+    <p:extLst>
+      <p:ext uri="{BB962C8B-B14F-4D97-AF65-F5344CB8AC3E}">
+        <p14:creationId xmlns:p14="http://schemas.microsoft.com/office/powerpoint/2010/main" val="886739114"/>
+      </p:ext>
+    </p:extLst>
+  </p:cSld>
+  <p:clrMapOvr>
+    <a:masterClrMapping/>
+  </p:clrMapOvr>
+</p:notes>
+</file>
+
+<file path=ppt/notesSlides/notesSlide2.xml><?xml version="1.0" encoding="utf-8"?>
+<p:notes xmlns:a="http://schemas.openxmlformats.org/drawingml/2006/main" xmlns:r="http://schemas.openxmlformats.org/officeDocument/2006/relationships" xmlns:p="http://schemas.openxmlformats.org/presentationml/2006/main">
+  <p:cSld>
+    <p:spTree>
+      <p:nvGrpSpPr>
+        <p:cNvPr id="1" name=""/>
+        <p:cNvGrpSpPr/>
+        <p:nvPr/>
+      </p:nvGrpSpPr>
+      <p:grpSpPr>
+        <a:xfrm>
+          <a:off x="0" y="0"/>
+          <a:ext cx="0" cy="0"/>
+          <a:chOff x="0" y="0"/>
+          <a:chExt cx="0" cy="0"/>
+        </a:xfrm>
+      </p:grpSpPr>
+      <p:sp>
+        <p:nvSpPr>
+          <p:cNvPr id="2" name="Folienbildplatzhalter 1"/>
+          <p:cNvSpPr>
+            <a:spLocks noGrp="1" noRot="1" noChangeAspect="1"/>
+          </p:cNvSpPr>
+          <p:nvPr>
+            <p:ph type="sldImg"/>
+          </p:nvPr>
+        </p:nvSpPr>
+        <p:spPr/>
+      </p:sp>
+      <p:sp>
+        <p:nvSpPr>
+          <p:cNvPr id="3" name="Notizenplatzhalter 2"/>
+          <p:cNvSpPr>
+            <a:spLocks noGrp="1"/>
+          </p:cNvSpPr>
+          <p:nvPr>
+            <p:ph type="body" idx="1"/>
+          </p:nvPr>
+        </p:nvSpPr>
+        <p:spPr/>
+        <p:txBody>
+          <a:bodyPr/>
+          <a:lstStyle/>
+          <a:p>
+            <a:endParaRPr lang="de-DE" dirty="0"/>
+          </a:p>
+        </p:txBody>
+      </p:sp>
+      <p:sp>
+        <p:nvSpPr>
+          <p:cNvPr id="4" name="Foliennummernplatzhalter 3"/>
+          <p:cNvSpPr>
+            <a:spLocks noGrp="1"/>
+          </p:cNvSpPr>
+          <p:nvPr>
+            <p:ph type="sldNum" sz="quarter" idx="5"/>
+          </p:nvPr>
+        </p:nvSpPr>
+        <p:spPr/>
+        <p:txBody>
+          <a:bodyPr/>
+          <a:lstStyle/>
+          <a:p>
+            <a:fld id="{29069B50-3D81-4561-A687-67DF6C04CA10}" type="slidenum">
+              <a:rPr lang="de-DE" smtClean="0"/>
+              <a:t>4</a:t>
+            </a:fld>
+            <a:endParaRPr lang="de-DE"/>
+          </a:p>
+        </p:txBody>
+      </p:sp>
+    </p:spTree>
+    <p:extLst>
+      <p:ext uri="{BB962C8B-B14F-4D97-AF65-F5344CB8AC3E}">
+        <p14:creationId xmlns:p14="http://schemas.microsoft.com/office/powerpoint/2010/main" val="2833018386"/>
+      </p:ext>
+    </p:extLst>
+  </p:cSld>
+  <p:clrMapOvr>
+    <a:masterClrMapping/>
+  </p:clrMapOvr>
+</p:notes>
 </file>
 
 <file path=ppt/slideLayouts/slideLayout1.xml><?xml version="1.0" encoding="utf-8"?>
@@ -3750,35 +3931,1503 @@
           </a:p>
         </p:txBody>
       </p:sp>
-      <p:sp>
-        <p:nvSpPr>
-          <p:cNvPr id="3" name="Untertitel 2">
-            <a:extLst>
-              <a:ext uri="{FF2B5EF4-FFF2-40B4-BE49-F238E27FC236}">
-                <a16:creationId xmlns:a16="http://schemas.microsoft.com/office/drawing/2014/main" id="{A124DD3D-84F5-49A3-8774-ADA22DABC8B0}"/>
-              </a:ext>
-            </a:extLst>
-          </p:cNvPr>
-          <p:cNvSpPr>
-            <a:spLocks noGrp="1"/>
-          </p:cNvSpPr>
-          <p:nvPr>
-            <p:ph type="subTitle" idx="1"/>
-          </p:nvPr>
-        </p:nvSpPr>
-        <p:spPr/>
-        <p:txBody>
-          <a:bodyPr/>
-          <a:lstStyle/>
-          <a:p>
-            <a:endParaRPr lang="de-DE"/>
-          </a:p>
-        </p:txBody>
-      </p:sp>
     </p:spTree>
     <p:extLst>
       <p:ext uri="{BB962C8B-B14F-4D97-AF65-F5344CB8AC3E}">
         <p14:creationId xmlns:p14="http://schemas.microsoft.com/office/powerpoint/2010/main" val="2472699406"/>
+      </p:ext>
+    </p:extLst>
+  </p:cSld>
+  <p:clrMapOvr>
+    <a:masterClrMapping/>
+  </p:clrMapOvr>
+</p:sld>
+</file>
+
+<file path=ppt/slides/slide10.xml><?xml version="1.0" encoding="utf-8"?>
+<p:sld xmlns:a="http://schemas.openxmlformats.org/drawingml/2006/main" xmlns:r="http://schemas.openxmlformats.org/officeDocument/2006/relationships" xmlns:p="http://schemas.openxmlformats.org/presentationml/2006/main">
+  <p:cSld>
+    <p:spTree>
+      <p:nvGrpSpPr>
+        <p:cNvPr id="1" name=""/>
+        <p:cNvGrpSpPr/>
+        <p:nvPr/>
+      </p:nvGrpSpPr>
+      <p:grpSpPr>
+        <a:xfrm>
+          <a:off x="0" y="0"/>
+          <a:ext cx="0" cy="0"/>
+          <a:chOff x="0" y="0"/>
+          <a:chExt cx="0" cy="0"/>
+        </a:xfrm>
+      </p:grpSpPr>
+      <p:sp>
+        <p:nvSpPr>
+          <p:cNvPr id="6" name="Titel 1">
+            <a:extLst>
+              <a:ext uri="{FF2B5EF4-FFF2-40B4-BE49-F238E27FC236}">
+                <a16:creationId xmlns:a16="http://schemas.microsoft.com/office/drawing/2014/main" id="{3E3A3AA1-58AA-4EE7-BE49-4C9A67AF7D24}"/>
+              </a:ext>
+            </a:extLst>
+          </p:cNvPr>
+          <p:cNvSpPr txBox="1">
+            <a:spLocks/>
+          </p:cNvSpPr>
+          <p:nvPr/>
+        </p:nvSpPr>
+        <p:spPr>
+          <a:xfrm>
+            <a:off x="704961" y="119416"/>
+            <a:ext cx="10515600" cy="1325563"/>
+          </a:xfrm>
+          <a:prstGeom prst="rect">
+            <a:avLst/>
+          </a:prstGeom>
+        </p:spPr>
+        <p:txBody>
+          <a:bodyPr vert="horz" lIns="91440" tIns="45720" rIns="91440" bIns="45720" rtlCol="0" anchor="ctr">
+            <a:normAutofit/>
+          </a:bodyPr>
+          <a:lstStyle>
+            <a:lvl1pPr algn="l" defTabSz="914400" rtl="0" eaLnBrk="1" latinLnBrk="0" hangingPunct="1">
+              <a:lnSpc>
+                <a:spcPct val="90000"/>
+              </a:lnSpc>
+              <a:spcBef>
+                <a:spcPct val="0"/>
+              </a:spcBef>
+              <a:buNone/>
+              <a:defRPr sz="4400" kern="1200">
+                <a:solidFill>
+                  <a:schemeClr val="tx1"/>
+                </a:solidFill>
+                <a:latin typeface="+mj-lt"/>
+                <a:ea typeface="+mj-ea"/>
+                <a:cs typeface="+mj-cs"/>
+              </a:defRPr>
+            </a:lvl1pPr>
+          </a:lstStyle>
+          <a:p>
+            <a:r>
+              <a:rPr lang="de-DE" dirty="0"/>
+              <a:t>Solutions (2)</a:t>
+            </a:r>
+          </a:p>
+        </p:txBody>
+      </p:sp>
+      <p:sp>
+        <p:nvSpPr>
+          <p:cNvPr id="8" name="Inhaltsplatzhalter 2">
+            <a:extLst>
+              <a:ext uri="{FF2B5EF4-FFF2-40B4-BE49-F238E27FC236}">
+                <a16:creationId xmlns:a16="http://schemas.microsoft.com/office/drawing/2014/main" id="{7C0E275A-9D3E-43B8-BA3A-558CD1B27E31}"/>
+              </a:ext>
+            </a:extLst>
+          </p:cNvPr>
+          <p:cNvSpPr txBox="1">
+            <a:spLocks/>
+          </p:cNvSpPr>
+          <p:nvPr/>
+        </p:nvSpPr>
+        <p:spPr>
+          <a:xfrm>
+            <a:off x="838200" y="1686757"/>
+            <a:ext cx="10515600" cy="4483224"/>
+          </a:xfrm>
+          <a:prstGeom prst="rect">
+            <a:avLst/>
+          </a:prstGeom>
+        </p:spPr>
+        <p:txBody>
+          <a:bodyPr vert="horz" lIns="91440" tIns="45720" rIns="91440" bIns="45720" rtlCol="0">
+            <a:normAutofit/>
+          </a:bodyPr>
+          <a:lstStyle>
+            <a:lvl1pPr marL="228600" indent="-228600" algn="l" defTabSz="914400" rtl="0" eaLnBrk="1" latinLnBrk="0" hangingPunct="1">
+              <a:lnSpc>
+                <a:spcPct val="90000"/>
+              </a:lnSpc>
+              <a:spcBef>
+                <a:spcPts val="1000"/>
+              </a:spcBef>
+              <a:buFont typeface="Arial" panose="020B0604020202020204" pitchFamily="34" charset="0"/>
+              <a:buChar char="•"/>
+              <a:defRPr sz="2800" kern="1200">
+                <a:solidFill>
+                  <a:schemeClr val="tx1"/>
+                </a:solidFill>
+                <a:latin typeface="+mn-lt"/>
+                <a:ea typeface="+mn-ea"/>
+                <a:cs typeface="+mn-cs"/>
+              </a:defRPr>
+            </a:lvl1pPr>
+            <a:lvl2pPr marL="685800" indent="-228600" algn="l" defTabSz="914400" rtl="0" eaLnBrk="1" latinLnBrk="0" hangingPunct="1">
+              <a:lnSpc>
+                <a:spcPct val="90000"/>
+              </a:lnSpc>
+              <a:spcBef>
+                <a:spcPts val="500"/>
+              </a:spcBef>
+              <a:buFont typeface="Arial" panose="020B0604020202020204" pitchFamily="34" charset="0"/>
+              <a:buChar char="•"/>
+              <a:defRPr sz="2400" kern="1200">
+                <a:solidFill>
+                  <a:schemeClr val="tx1"/>
+                </a:solidFill>
+                <a:latin typeface="+mn-lt"/>
+                <a:ea typeface="+mn-ea"/>
+                <a:cs typeface="+mn-cs"/>
+              </a:defRPr>
+            </a:lvl2pPr>
+            <a:lvl3pPr marL="1143000" indent="-228600" algn="l" defTabSz="914400" rtl="0" eaLnBrk="1" latinLnBrk="0" hangingPunct="1">
+              <a:lnSpc>
+                <a:spcPct val="90000"/>
+              </a:lnSpc>
+              <a:spcBef>
+                <a:spcPts val="500"/>
+              </a:spcBef>
+              <a:buFont typeface="Arial" panose="020B0604020202020204" pitchFamily="34" charset="0"/>
+              <a:buChar char="•"/>
+              <a:defRPr sz="2000" kern="1200">
+                <a:solidFill>
+                  <a:schemeClr val="tx1"/>
+                </a:solidFill>
+                <a:latin typeface="+mn-lt"/>
+                <a:ea typeface="+mn-ea"/>
+                <a:cs typeface="+mn-cs"/>
+              </a:defRPr>
+            </a:lvl3pPr>
+            <a:lvl4pPr marL="1600200" indent="-228600" algn="l" defTabSz="914400" rtl="0" eaLnBrk="1" latinLnBrk="0" hangingPunct="1">
+              <a:lnSpc>
+                <a:spcPct val="90000"/>
+              </a:lnSpc>
+              <a:spcBef>
+                <a:spcPts val="500"/>
+              </a:spcBef>
+              <a:buFont typeface="Arial" panose="020B0604020202020204" pitchFamily="34" charset="0"/>
+              <a:buChar char="•"/>
+              <a:defRPr sz="1800" kern="1200">
+                <a:solidFill>
+                  <a:schemeClr val="tx1"/>
+                </a:solidFill>
+                <a:latin typeface="+mn-lt"/>
+                <a:ea typeface="+mn-ea"/>
+                <a:cs typeface="+mn-cs"/>
+              </a:defRPr>
+            </a:lvl4pPr>
+            <a:lvl5pPr marL="2057400" indent="-228600" algn="l" defTabSz="914400" rtl="0" eaLnBrk="1" latinLnBrk="0" hangingPunct="1">
+              <a:lnSpc>
+                <a:spcPct val="90000"/>
+              </a:lnSpc>
+              <a:spcBef>
+                <a:spcPts val="500"/>
+              </a:spcBef>
+              <a:buFont typeface="Arial" panose="020B0604020202020204" pitchFamily="34" charset="0"/>
+              <a:buChar char="•"/>
+              <a:defRPr sz="1800" kern="1200">
+                <a:solidFill>
+                  <a:schemeClr val="tx1"/>
+                </a:solidFill>
+                <a:latin typeface="+mn-lt"/>
+                <a:ea typeface="+mn-ea"/>
+                <a:cs typeface="+mn-cs"/>
+              </a:defRPr>
+            </a:lvl5pPr>
+            <a:lvl6pPr marL="2514600" indent="-228600" algn="l" defTabSz="914400" rtl="0" eaLnBrk="1" latinLnBrk="0" hangingPunct="1">
+              <a:lnSpc>
+                <a:spcPct val="90000"/>
+              </a:lnSpc>
+              <a:spcBef>
+                <a:spcPts val="500"/>
+              </a:spcBef>
+              <a:buFont typeface="Arial" panose="020B0604020202020204" pitchFamily="34" charset="0"/>
+              <a:buChar char="•"/>
+              <a:defRPr sz="1800" kern="1200">
+                <a:solidFill>
+                  <a:schemeClr val="tx1"/>
+                </a:solidFill>
+                <a:latin typeface="+mn-lt"/>
+                <a:ea typeface="+mn-ea"/>
+                <a:cs typeface="+mn-cs"/>
+              </a:defRPr>
+            </a:lvl6pPr>
+            <a:lvl7pPr marL="2971800" indent="-228600" algn="l" defTabSz="914400" rtl="0" eaLnBrk="1" latinLnBrk="0" hangingPunct="1">
+              <a:lnSpc>
+                <a:spcPct val="90000"/>
+              </a:lnSpc>
+              <a:spcBef>
+                <a:spcPts val="500"/>
+              </a:spcBef>
+              <a:buFont typeface="Arial" panose="020B0604020202020204" pitchFamily="34" charset="0"/>
+              <a:buChar char="•"/>
+              <a:defRPr sz="1800" kern="1200">
+                <a:solidFill>
+                  <a:schemeClr val="tx1"/>
+                </a:solidFill>
+                <a:latin typeface="+mn-lt"/>
+                <a:ea typeface="+mn-ea"/>
+                <a:cs typeface="+mn-cs"/>
+              </a:defRPr>
+            </a:lvl7pPr>
+            <a:lvl8pPr marL="3429000" indent="-228600" algn="l" defTabSz="914400" rtl="0" eaLnBrk="1" latinLnBrk="0" hangingPunct="1">
+              <a:lnSpc>
+                <a:spcPct val="90000"/>
+              </a:lnSpc>
+              <a:spcBef>
+                <a:spcPts val="500"/>
+              </a:spcBef>
+              <a:buFont typeface="Arial" panose="020B0604020202020204" pitchFamily="34" charset="0"/>
+              <a:buChar char="•"/>
+              <a:defRPr sz="1800" kern="1200">
+                <a:solidFill>
+                  <a:schemeClr val="tx1"/>
+                </a:solidFill>
+                <a:latin typeface="+mn-lt"/>
+                <a:ea typeface="+mn-ea"/>
+                <a:cs typeface="+mn-cs"/>
+              </a:defRPr>
+            </a:lvl8pPr>
+            <a:lvl9pPr marL="3886200" indent="-228600" algn="l" defTabSz="914400" rtl="0" eaLnBrk="1" latinLnBrk="0" hangingPunct="1">
+              <a:lnSpc>
+                <a:spcPct val="90000"/>
+              </a:lnSpc>
+              <a:spcBef>
+                <a:spcPts val="500"/>
+              </a:spcBef>
+              <a:buFont typeface="Arial" panose="020B0604020202020204" pitchFamily="34" charset="0"/>
+              <a:buChar char="•"/>
+              <a:defRPr sz="1800" kern="1200">
+                <a:solidFill>
+                  <a:schemeClr val="tx1"/>
+                </a:solidFill>
+                <a:latin typeface="+mn-lt"/>
+                <a:ea typeface="+mn-ea"/>
+                <a:cs typeface="+mn-cs"/>
+              </a:defRPr>
+            </a:lvl9pPr>
+          </a:lstStyle>
+          <a:p>
+            <a:pPr marL="0" indent="0">
+              <a:buNone/>
+            </a:pPr>
+            <a:r>
+              <a:rPr lang="de-DE" dirty="0"/>
+              <a:t>Problem: Need </a:t>
+            </a:r>
+            <a:r>
+              <a:rPr lang="de-DE" dirty="0" err="1"/>
+              <a:t>to</a:t>
+            </a:r>
+            <a:r>
+              <a:rPr lang="de-DE" dirty="0"/>
+              <a:t> </a:t>
+            </a:r>
+            <a:r>
+              <a:rPr lang="de-DE" dirty="0" err="1"/>
+              <a:t>priorize</a:t>
+            </a:r>
+            <a:r>
+              <a:rPr lang="de-DE" dirty="0"/>
+              <a:t> </a:t>
+            </a:r>
+            <a:r>
+              <a:rPr lang="de-DE" dirty="0" err="1"/>
+              <a:t>demand</a:t>
+            </a:r>
+            <a:r>
+              <a:rPr lang="de-DE" dirty="0"/>
+              <a:t> </a:t>
+            </a:r>
+            <a:r>
+              <a:rPr lang="de-DE" dirty="0" err="1"/>
+              <a:t>of</a:t>
+            </a:r>
+            <a:r>
+              <a:rPr lang="de-DE" dirty="0"/>
+              <a:t> </a:t>
+            </a:r>
+            <a:r>
+              <a:rPr lang="de-DE" dirty="0" err="1"/>
+              <a:t>customer</a:t>
+            </a:r>
+            <a:endParaRPr lang="de-DE" dirty="0"/>
+          </a:p>
+          <a:p>
+            <a:pPr marL="0" indent="0">
+              <a:buFont typeface="Arial" panose="020B0604020202020204" pitchFamily="34" charset="0"/>
+              <a:buNone/>
+            </a:pPr>
+            <a:endParaRPr lang="de-DE" dirty="0"/>
+          </a:p>
+          <a:p>
+            <a:r>
+              <a:rPr lang="de-DE" dirty="0"/>
+              <a:t>Case 1: Lack </a:t>
+            </a:r>
+            <a:r>
+              <a:rPr lang="de-DE" dirty="0" err="1"/>
+              <a:t>of</a:t>
+            </a:r>
+            <a:r>
+              <a:rPr lang="de-DE" dirty="0"/>
+              <a:t> </a:t>
+            </a:r>
+            <a:r>
+              <a:rPr lang="de-DE" dirty="0" err="1"/>
+              <a:t>data</a:t>
+            </a:r>
+            <a:endParaRPr lang="de-DE" dirty="0"/>
+          </a:p>
+          <a:p>
+            <a:pPr lvl="1"/>
+            <a:r>
+              <a:rPr lang="de-DE" sz="2800" dirty="0"/>
+              <a:t>Combine expert </a:t>
+            </a:r>
+            <a:r>
+              <a:rPr lang="de-DE" sz="2800" dirty="0" err="1"/>
+              <a:t>system</a:t>
+            </a:r>
+            <a:r>
+              <a:rPr lang="de-DE" sz="2800" dirty="0"/>
+              <a:t> </a:t>
+            </a:r>
+            <a:r>
+              <a:rPr lang="de-DE" sz="2800" dirty="0" err="1"/>
+              <a:t>with</a:t>
+            </a:r>
+            <a:r>
+              <a:rPr lang="de-DE" sz="2800" dirty="0"/>
+              <a:t> </a:t>
+            </a:r>
+            <a:r>
+              <a:rPr lang="de-DE" sz="2800" dirty="0" err="1"/>
+              <a:t>machine</a:t>
+            </a:r>
+            <a:r>
+              <a:rPr lang="de-DE" sz="2800" dirty="0"/>
+              <a:t> </a:t>
+            </a:r>
+            <a:r>
+              <a:rPr lang="de-DE" sz="2800" dirty="0" err="1"/>
+              <a:t>learning</a:t>
+            </a:r>
+            <a:r>
+              <a:rPr lang="de-DE" sz="2800" dirty="0"/>
+              <a:t> (</a:t>
+            </a:r>
+            <a:r>
+              <a:rPr lang="de-DE" sz="2800" dirty="0" err="1"/>
+              <a:t>priorize</a:t>
+            </a:r>
+            <a:r>
+              <a:rPr lang="de-DE" sz="2800" dirty="0"/>
+              <a:t> </a:t>
+            </a:r>
+            <a:r>
+              <a:rPr lang="de-DE" sz="2800" dirty="0" err="1"/>
+              <a:t>rule</a:t>
+            </a:r>
+            <a:r>
+              <a:rPr lang="de-DE" sz="2800" dirty="0"/>
+              <a:t> </a:t>
+            </a:r>
+            <a:r>
+              <a:rPr lang="de-DE" sz="2800" dirty="0" err="1"/>
+              <a:t>based</a:t>
+            </a:r>
+            <a:r>
+              <a:rPr lang="de-DE" sz="2800" dirty="0"/>
+              <a:t> </a:t>
+            </a:r>
+            <a:r>
+              <a:rPr lang="de-DE" sz="2800" dirty="0" err="1"/>
+              <a:t>when</a:t>
+            </a:r>
+            <a:r>
+              <a:rPr lang="de-DE" sz="2800" dirty="0"/>
+              <a:t> not </a:t>
+            </a:r>
+            <a:r>
+              <a:rPr lang="de-DE" sz="2800" dirty="0" err="1"/>
+              <a:t>enough</a:t>
+            </a:r>
+            <a:r>
+              <a:rPr lang="de-DE" sz="2800" dirty="0"/>
+              <a:t> </a:t>
+            </a:r>
+            <a:r>
+              <a:rPr lang="de-DE" sz="2800" dirty="0" err="1"/>
+              <a:t>historic</a:t>
+            </a:r>
+            <a:r>
+              <a:rPr lang="de-DE" sz="2800" dirty="0"/>
+              <a:t> </a:t>
+            </a:r>
+            <a:r>
+              <a:rPr lang="de-DE" sz="2800" dirty="0" err="1"/>
+              <a:t>data</a:t>
+            </a:r>
+            <a:r>
+              <a:rPr lang="de-DE" sz="2800" dirty="0"/>
+              <a:t> </a:t>
+            </a:r>
+            <a:r>
+              <a:rPr lang="de-DE" sz="2800" dirty="0" err="1"/>
+              <a:t>is</a:t>
+            </a:r>
+            <a:r>
+              <a:rPr lang="de-DE" sz="2800" dirty="0"/>
+              <a:t> </a:t>
+            </a:r>
+            <a:r>
+              <a:rPr lang="de-DE" sz="2800" dirty="0" err="1"/>
+              <a:t>available</a:t>
+            </a:r>
+            <a:r>
+              <a:rPr lang="de-DE" sz="2800" dirty="0"/>
+              <a:t>)</a:t>
+            </a:r>
+          </a:p>
+          <a:p>
+            <a:r>
+              <a:rPr lang="de-DE" dirty="0"/>
+              <a:t>Case 2: </a:t>
+            </a:r>
+            <a:r>
+              <a:rPr lang="de-DE" dirty="0" err="1"/>
+              <a:t>Sufficient</a:t>
+            </a:r>
+            <a:r>
+              <a:rPr lang="de-DE" dirty="0"/>
+              <a:t> </a:t>
+            </a:r>
+            <a:r>
+              <a:rPr lang="de-DE" dirty="0" err="1"/>
+              <a:t>data</a:t>
+            </a:r>
+            <a:endParaRPr lang="de-DE" dirty="0"/>
+          </a:p>
+          <a:p>
+            <a:pPr lvl="1"/>
+            <a:r>
+              <a:rPr lang="de-DE" sz="2800" dirty="0"/>
+              <a:t>Use </a:t>
+            </a:r>
+            <a:r>
+              <a:rPr lang="de-DE" sz="2800" dirty="0" err="1"/>
+              <a:t>machine</a:t>
+            </a:r>
+            <a:r>
+              <a:rPr lang="de-DE" sz="2800" dirty="0"/>
+              <a:t> </a:t>
+            </a:r>
+            <a:r>
+              <a:rPr lang="de-DE" sz="2800" dirty="0" err="1"/>
+              <a:t>learning</a:t>
+            </a:r>
+            <a:r>
+              <a:rPr lang="de-DE" sz="2800" dirty="0"/>
+              <a:t> </a:t>
+            </a:r>
+            <a:r>
+              <a:rPr lang="de-DE" sz="2800" dirty="0" err="1"/>
+              <a:t>exclusively</a:t>
+            </a:r>
+            <a:r>
+              <a:rPr lang="de-DE" sz="2800" dirty="0"/>
+              <a:t> </a:t>
+            </a:r>
+            <a:r>
+              <a:rPr lang="de-DE" sz="2800" dirty="0" err="1"/>
+              <a:t>without</a:t>
+            </a:r>
+            <a:r>
+              <a:rPr lang="de-DE" sz="2800" dirty="0"/>
+              <a:t> </a:t>
+            </a:r>
+            <a:r>
+              <a:rPr lang="de-DE" sz="2800" dirty="0" err="1"/>
+              <a:t>rule</a:t>
+            </a:r>
+            <a:r>
+              <a:rPr lang="de-DE" sz="2800" dirty="0"/>
+              <a:t> </a:t>
+            </a:r>
+            <a:r>
+              <a:rPr lang="de-DE" sz="2800" dirty="0" err="1"/>
+              <a:t>based</a:t>
+            </a:r>
+            <a:r>
+              <a:rPr lang="de-DE" sz="2800" dirty="0"/>
+              <a:t> </a:t>
+            </a:r>
+            <a:r>
+              <a:rPr lang="de-DE" sz="2800" dirty="0" err="1"/>
+              <a:t>constraints</a:t>
+            </a:r>
+            <a:endParaRPr lang="de-DE" sz="2800" dirty="0"/>
+          </a:p>
+        </p:txBody>
+      </p:sp>
+    </p:spTree>
+    <p:extLst>
+      <p:ext uri="{BB962C8B-B14F-4D97-AF65-F5344CB8AC3E}">
+        <p14:creationId xmlns:p14="http://schemas.microsoft.com/office/powerpoint/2010/main" val="1923879552"/>
+      </p:ext>
+    </p:extLst>
+  </p:cSld>
+  <p:clrMapOvr>
+    <a:masterClrMapping/>
+  </p:clrMapOvr>
+</p:sld>
+</file>
+
+<file path=ppt/slides/slide11.xml><?xml version="1.0" encoding="utf-8"?>
+<p:sld xmlns:a="http://schemas.openxmlformats.org/drawingml/2006/main" xmlns:r="http://schemas.openxmlformats.org/officeDocument/2006/relationships" xmlns:p="http://schemas.openxmlformats.org/presentationml/2006/main">
+  <p:cSld>
+    <p:spTree>
+      <p:nvGrpSpPr>
+        <p:cNvPr id="1" name=""/>
+        <p:cNvGrpSpPr/>
+        <p:nvPr/>
+      </p:nvGrpSpPr>
+      <p:grpSpPr>
+        <a:xfrm>
+          <a:off x="0" y="0"/>
+          <a:ext cx="0" cy="0"/>
+          <a:chOff x="0" y="0"/>
+          <a:chExt cx="0" cy="0"/>
+        </a:xfrm>
+      </p:grpSpPr>
+      <p:sp>
+        <p:nvSpPr>
+          <p:cNvPr id="6" name="Titel 1">
+            <a:extLst>
+              <a:ext uri="{FF2B5EF4-FFF2-40B4-BE49-F238E27FC236}">
+                <a16:creationId xmlns:a16="http://schemas.microsoft.com/office/drawing/2014/main" id="{3E3A3AA1-58AA-4EE7-BE49-4C9A67AF7D24}"/>
+              </a:ext>
+            </a:extLst>
+          </p:cNvPr>
+          <p:cNvSpPr txBox="1">
+            <a:spLocks/>
+          </p:cNvSpPr>
+          <p:nvPr/>
+        </p:nvSpPr>
+        <p:spPr>
+          <a:xfrm>
+            <a:off x="704961" y="119416"/>
+            <a:ext cx="10515600" cy="1325563"/>
+          </a:xfrm>
+          <a:prstGeom prst="rect">
+            <a:avLst/>
+          </a:prstGeom>
+        </p:spPr>
+        <p:txBody>
+          <a:bodyPr vert="horz" lIns="91440" tIns="45720" rIns="91440" bIns="45720" rtlCol="0" anchor="ctr">
+            <a:normAutofit/>
+          </a:bodyPr>
+          <a:lstStyle>
+            <a:lvl1pPr algn="l" defTabSz="914400" rtl="0" eaLnBrk="1" latinLnBrk="0" hangingPunct="1">
+              <a:lnSpc>
+                <a:spcPct val="90000"/>
+              </a:lnSpc>
+              <a:spcBef>
+                <a:spcPct val="0"/>
+              </a:spcBef>
+              <a:buNone/>
+              <a:defRPr sz="4400" kern="1200">
+                <a:solidFill>
+                  <a:schemeClr val="tx1"/>
+                </a:solidFill>
+                <a:latin typeface="+mj-lt"/>
+                <a:ea typeface="+mj-ea"/>
+                <a:cs typeface="+mj-cs"/>
+              </a:defRPr>
+            </a:lvl1pPr>
+          </a:lstStyle>
+          <a:p>
+            <a:r>
+              <a:rPr lang="de-DE" dirty="0"/>
+              <a:t>Solutions (3)</a:t>
+            </a:r>
+          </a:p>
+        </p:txBody>
+      </p:sp>
+      <p:sp>
+        <p:nvSpPr>
+          <p:cNvPr id="7" name="Inhaltsplatzhalter 2">
+            <a:extLst>
+              <a:ext uri="{FF2B5EF4-FFF2-40B4-BE49-F238E27FC236}">
+                <a16:creationId xmlns:a16="http://schemas.microsoft.com/office/drawing/2014/main" id="{134155ED-8CF0-466D-8F68-910A3A54FD4B}"/>
+              </a:ext>
+            </a:extLst>
+          </p:cNvPr>
+          <p:cNvSpPr txBox="1">
+            <a:spLocks/>
+          </p:cNvSpPr>
+          <p:nvPr/>
+        </p:nvSpPr>
+        <p:spPr>
+          <a:xfrm>
+            <a:off x="838200" y="1686757"/>
+            <a:ext cx="10515600" cy="4483224"/>
+          </a:xfrm>
+          <a:prstGeom prst="rect">
+            <a:avLst/>
+          </a:prstGeom>
+        </p:spPr>
+        <p:txBody>
+          <a:bodyPr vert="horz" lIns="91440" tIns="45720" rIns="91440" bIns="45720" rtlCol="0">
+            <a:normAutofit/>
+          </a:bodyPr>
+          <a:lstStyle>
+            <a:lvl1pPr marL="228600" indent="-228600" algn="l" defTabSz="914400" rtl="0" eaLnBrk="1" latinLnBrk="0" hangingPunct="1">
+              <a:lnSpc>
+                <a:spcPct val="90000"/>
+              </a:lnSpc>
+              <a:spcBef>
+                <a:spcPts val="1000"/>
+              </a:spcBef>
+              <a:buFont typeface="Arial" panose="020B0604020202020204" pitchFamily="34" charset="0"/>
+              <a:buChar char="•"/>
+              <a:defRPr sz="2800" kern="1200">
+                <a:solidFill>
+                  <a:schemeClr val="tx1"/>
+                </a:solidFill>
+                <a:latin typeface="+mn-lt"/>
+                <a:ea typeface="+mn-ea"/>
+                <a:cs typeface="+mn-cs"/>
+              </a:defRPr>
+            </a:lvl1pPr>
+            <a:lvl2pPr marL="685800" indent="-228600" algn="l" defTabSz="914400" rtl="0" eaLnBrk="1" latinLnBrk="0" hangingPunct="1">
+              <a:lnSpc>
+                <a:spcPct val="90000"/>
+              </a:lnSpc>
+              <a:spcBef>
+                <a:spcPts val="500"/>
+              </a:spcBef>
+              <a:buFont typeface="Arial" panose="020B0604020202020204" pitchFamily="34" charset="0"/>
+              <a:buChar char="•"/>
+              <a:defRPr sz="2400" kern="1200">
+                <a:solidFill>
+                  <a:schemeClr val="tx1"/>
+                </a:solidFill>
+                <a:latin typeface="+mn-lt"/>
+                <a:ea typeface="+mn-ea"/>
+                <a:cs typeface="+mn-cs"/>
+              </a:defRPr>
+            </a:lvl2pPr>
+            <a:lvl3pPr marL="1143000" indent="-228600" algn="l" defTabSz="914400" rtl="0" eaLnBrk="1" latinLnBrk="0" hangingPunct="1">
+              <a:lnSpc>
+                <a:spcPct val="90000"/>
+              </a:lnSpc>
+              <a:spcBef>
+                <a:spcPts val="500"/>
+              </a:spcBef>
+              <a:buFont typeface="Arial" panose="020B0604020202020204" pitchFamily="34" charset="0"/>
+              <a:buChar char="•"/>
+              <a:defRPr sz="2000" kern="1200">
+                <a:solidFill>
+                  <a:schemeClr val="tx1"/>
+                </a:solidFill>
+                <a:latin typeface="+mn-lt"/>
+                <a:ea typeface="+mn-ea"/>
+                <a:cs typeface="+mn-cs"/>
+              </a:defRPr>
+            </a:lvl3pPr>
+            <a:lvl4pPr marL="1600200" indent="-228600" algn="l" defTabSz="914400" rtl="0" eaLnBrk="1" latinLnBrk="0" hangingPunct="1">
+              <a:lnSpc>
+                <a:spcPct val="90000"/>
+              </a:lnSpc>
+              <a:spcBef>
+                <a:spcPts val="500"/>
+              </a:spcBef>
+              <a:buFont typeface="Arial" panose="020B0604020202020204" pitchFamily="34" charset="0"/>
+              <a:buChar char="•"/>
+              <a:defRPr sz="1800" kern="1200">
+                <a:solidFill>
+                  <a:schemeClr val="tx1"/>
+                </a:solidFill>
+                <a:latin typeface="+mn-lt"/>
+                <a:ea typeface="+mn-ea"/>
+                <a:cs typeface="+mn-cs"/>
+              </a:defRPr>
+            </a:lvl4pPr>
+            <a:lvl5pPr marL="2057400" indent="-228600" algn="l" defTabSz="914400" rtl="0" eaLnBrk="1" latinLnBrk="0" hangingPunct="1">
+              <a:lnSpc>
+                <a:spcPct val="90000"/>
+              </a:lnSpc>
+              <a:spcBef>
+                <a:spcPts val="500"/>
+              </a:spcBef>
+              <a:buFont typeface="Arial" panose="020B0604020202020204" pitchFamily="34" charset="0"/>
+              <a:buChar char="•"/>
+              <a:defRPr sz="1800" kern="1200">
+                <a:solidFill>
+                  <a:schemeClr val="tx1"/>
+                </a:solidFill>
+                <a:latin typeface="+mn-lt"/>
+                <a:ea typeface="+mn-ea"/>
+                <a:cs typeface="+mn-cs"/>
+              </a:defRPr>
+            </a:lvl5pPr>
+            <a:lvl6pPr marL="2514600" indent="-228600" algn="l" defTabSz="914400" rtl="0" eaLnBrk="1" latinLnBrk="0" hangingPunct="1">
+              <a:lnSpc>
+                <a:spcPct val="90000"/>
+              </a:lnSpc>
+              <a:spcBef>
+                <a:spcPts val="500"/>
+              </a:spcBef>
+              <a:buFont typeface="Arial" panose="020B0604020202020204" pitchFamily="34" charset="0"/>
+              <a:buChar char="•"/>
+              <a:defRPr sz="1800" kern="1200">
+                <a:solidFill>
+                  <a:schemeClr val="tx1"/>
+                </a:solidFill>
+                <a:latin typeface="+mn-lt"/>
+                <a:ea typeface="+mn-ea"/>
+                <a:cs typeface="+mn-cs"/>
+              </a:defRPr>
+            </a:lvl6pPr>
+            <a:lvl7pPr marL="2971800" indent="-228600" algn="l" defTabSz="914400" rtl="0" eaLnBrk="1" latinLnBrk="0" hangingPunct="1">
+              <a:lnSpc>
+                <a:spcPct val="90000"/>
+              </a:lnSpc>
+              <a:spcBef>
+                <a:spcPts val="500"/>
+              </a:spcBef>
+              <a:buFont typeface="Arial" panose="020B0604020202020204" pitchFamily="34" charset="0"/>
+              <a:buChar char="•"/>
+              <a:defRPr sz="1800" kern="1200">
+                <a:solidFill>
+                  <a:schemeClr val="tx1"/>
+                </a:solidFill>
+                <a:latin typeface="+mn-lt"/>
+                <a:ea typeface="+mn-ea"/>
+                <a:cs typeface="+mn-cs"/>
+              </a:defRPr>
+            </a:lvl7pPr>
+            <a:lvl8pPr marL="3429000" indent="-228600" algn="l" defTabSz="914400" rtl="0" eaLnBrk="1" latinLnBrk="0" hangingPunct="1">
+              <a:lnSpc>
+                <a:spcPct val="90000"/>
+              </a:lnSpc>
+              <a:spcBef>
+                <a:spcPts val="500"/>
+              </a:spcBef>
+              <a:buFont typeface="Arial" panose="020B0604020202020204" pitchFamily="34" charset="0"/>
+              <a:buChar char="•"/>
+              <a:defRPr sz="1800" kern="1200">
+                <a:solidFill>
+                  <a:schemeClr val="tx1"/>
+                </a:solidFill>
+                <a:latin typeface="+mn-lt"/>
+                <a:ea typeface="+mn-ea"/>
+                <a:cs typeface="+mn-cs"/>
+              </a:defRPr>
+            </a:lvl8pPr>
+            <a:lvl9pPr marL="3886200" indent="-228600" algn="l" defTabSz="914400" rtl="0" eaLnBrk="1" latinLnBrk="0" hangingPunct="1">
+              <a:lnSpc>
+                <a:spcPct val="90000"/>
+              </a:lnSpc>
+              <a:spcBef>
+                <a:spcPts val="500"/>
+              </a:spcBef>
+              <a:buFont typeface="Arial" panose="020B0604020202020204" pitchFamily="34" charset="0"/>
+              <a:buChar char="•"/>
+              <a:defRPr sz="1800" kern="1200">
+                <a:solidFill>
+                  <a:schemeClr val="tx1"/>
+                </a:solidFill>
+                <a:latin typeface="+mn-lt"/>
+                <a:ea typeface="+mn-ea"/>
+                <a:cs typeface="+mn-cs"/>
+              </a:defRPr>
+            </a:lvl9pPr>
+          </a:lstStyle>
+          <a:p>
+            <a:pPr marL="0" indent="0">
+              <a:buNone/>
+            </a:pPr>
+            <a:r>
+              <a:rPr lang="de-DE" dirty="0"/>
+              <a:t>Problem: </a:t>
+            </a:r>
+            <a:r>
+              <a:rPr lang="de-DE" dirty="0" err="1"/>
+              <a:t>Resistence</a:t>
+            </a:r>
+            <a:r>
+              <a:rPr lang="de-DE" dirty="0"/>
+              <a:t> </a:t>
+            </a:r>
+            <a:r>
+              <a:rPr lang="de-DE" dirty="0" err="1"/>
+              <a:t>of</a:t>
+            </a:r>
+            <a:r>
+              <a:rPr lang="de-DE" dirty="0"/>
+              <a:t> </a:t>
+            </a:r>
+            <a:r>
+              <a:rPr lang="de-DE" dirty="0" err="1"/>
+              <a:t>affected</a:t>
+            </a:r>
+            <a:r>
+              <a:rPr lang="de-DE" dirty="0"/>
+              <a:t> </a:t>
+            </a:r>
+            <a:r>
+              <a:rPr lang="de-DE" dirty="0" err="1"/>
+              <a:t>employees</a:t>
+            </a:r>
+            <a:endParaRPr lang="de-DE" dirty="0"/>
+          </a:p>
+          <a:p>
+            <a:pPr marL="0" indent="0">
+              <a:buFont typeface="Arial" panose="020B0604020202020204" pitchFamily="34" charset="0"/>
+              <a:buNone/>
+            </a:pPr>
+            <a:endParaRPr lang="de-DE" dirty="0"/>
+          </a:p>
+          <a:p>
+            <a:r>
+              <a:rPr lang="de-DE" dirty="0"/>
+              <a:t>Change </a:t>
+            </a:r>
+            <a:r>
+              <a:rPr lang="de-DE" dirty="0" err="1"/>
+              <a:t>management</a:t>
+            </a:r>
+            <a:r>
+              <a:rPr lang="de-DE" dirty="0"/>
+              <a:t> </a:t>
+            </a:r>
+          </a:p>
+          <a:p>
+            <a:pPr lvl="1"/>
+            <a:r>
+              <a:rPr lang="de-DE" dirty="0" err="1"/>
+              <a:t>Explain</a:t>
+            </a:r>
+            <a:r>
+              <a:rPr lang="de-DE" dirty="0"/>
+              <a:t> </a:t>
+            </a:r>
+            <a:r>
+              <a:rPr lang="de-DE" dirty="0" err="1"/>
+              <a:t>that</a:t>
+            </a:r>
+            <a:r>
+              <a:rPr lang="de-DE" dirty="0"/>
+              <a:t> </a:t>
+            </a:r>
+            <a:r>
+              <a:rPr lang="de-DE" dirty="0" err="1"/>
+              <a:t>they</a:t>
+            </a:r>
+            <a:r>
+              <a:rPr lang="de-DE" dirty="0"/>
+              <a:t> will </a:t>
+            </a:r>
+            <a:r>
+              <a:rPr lang="de-DE" dirty="0" err="1"/>
+              <a:t>profit</a:t>
+            </a:r>
+            <a:r>
+              <a:rPr lang="de-DE" dirty="0"/>
+              <a:t> </a:t>
+            </a:r>
+            <a:r>
+              <a:rPr lang="de-DE" dirty="0" err="1"/>
+              <a:t>from</a:t>
+            </a:r>
+            <a:r>
+              <a:rPr lang="de-DE" dirty="0"/>
+              <a:t> </a:t>
+            </a:r>
+            <a:r>
+              <a:rPr lang="de-DE" dirty="0" err="1"/>
+              <a:t>the</a:t>
+            </a:r>
+            <a:r>
+              <a:rPr lang="de-DE" dirty="0"/>
+              <a:t> </a:t>
+            </a:r>
+            <a:r>
+              <a:rPr lang="de-DE" dirty="0" err="1"/>
+              <a:t>change</a:t>
+            </a:r>
+            <a:r>
+              <a:rPr lang="de-DE" dirty="0"/>
+              <a:t> </a:t>
+            </a:r>
+            <a:r>
+              <a:rPr lang="de-DE" dirty="0" err="1"/>
+              <a:t>by</a:t>
+            </a:r>
+            <a:r>
+              <a:rPr lang="de-DE" dirty="0"/>
+              <a:t> </a:t>
+            </a:r>
+            <a:r>
+              <a:rPr lang="de-DE" dirty="0" err="1"/>
+              <a:t>getting</a:t>
+            </a:r>
+            <a:r>
+              <a:rPr lang="de-DE" dirty="0"/>
+              <a:t> </a:t>
+            </a:r>
+            <a:r>
+              <a:rPr lang="de-DE" dirty="0" err="1"/>
+              <a:t>rid</a:t>
+            </a:r>
+            <a:r>
+              <a:rPr lang="de-DE" dirty="0"/>
+              <a:t> </a:t>
+            </a:r>
+            <a:r>
+              <a:rPr lang="de-DE" dirty="0" err="1"/>
+              <a:t>of</a:t>
+            </a:r>
+            <a:r>
+              <a:rPr lang="de-DE" dirty="0"/>
+              <a:t> </a:t>
+            </a:r>
+            <a:r>
+              <a:rPr lang="de-DE" dirty="0" err="1"/>
+              <a:t>monotonous</a:t>
+            </a:r>
+            <a:r>
+              <a:rPr lang="de-DE" dirty="0"/>
+              <a:t> </a:t>
+            </a:r>
+            <a:r>
+              <a:rPr lang="de-DE" dirty="0" err="1"/>
+              <a:t>tasks</a:t>
+            </a:r>
+            <a:endParaRPr lang="de-DE" dirty="0"/>
+          </a:p>
+          <a:p>
+            <a:pPr lvl="1"/>
+            <a:r>
+              <a:rPr lang="de-DE" dirty="0" err="1"/>
+              <a:t>Employee</a:t>
+            </a:r>
+            <a:r>
+              <a:rPr lang="de-DE" dirty="0"/>
+              <a:t> </a:t>
+            </a:r>
+            <a:r>
+              <a:rPr lang="de-DE" dirty="0" err="1"/>
+              <a:t>training</a:t>
+            </a:r>
+            <a:r>
+              <a:rPr lang="de-DE" dirty="0"/>
+              <a:t> on </a:t>
+            </a:r>
+            <a:r>
+              <a:rPr lang="de-DE" dirty="0" err="1"/>
+              <a:t>new</a:t>
+            </a:r>
+            <a:r>
+              <a:rPr lang="de-DE" dirty="0"/>
+              <a:t> digital </a:t>
+            </a:r>
+            <a:r>
+              <a:rPr lang="de-DE" dirty="0" err="1"/>
+              <a:t>work</a:t>
+            </a:r>
+            <a:r>
+              <a:rPr lang="de-DE" dirty="0"/>
+              <a:t> </a:t>
+            </a:r>
+            <a:r>
+              <a:rPr lang="de-DE" dirty="0" err="1"/>
+              <a:t>environment</a:t>
+            </a:r>
+            <a:endParaRPr lang="de-DE" dirty="0"/>
+          </a:p>
+          <a:p>
+            <a:pPr lvl="1"/>
+            <a:endParaRPr lang="de-DE" dirty="0"/>
+          </a:p>
+        </p:txBody>
+      </p:sp>
+    </p:spTree>
+    <p:extLst>
+      <p:ext uri="{BB962C8B-B14F-4D97-AF65-F5344CB8AC3E}">
+        <p14:creationId xmlns:p14="http://schemas.microsoft.com/office/powerpoint/2010/main" val="4216062110"/>
+      </p:ext>
+    </p:extLst>
+  </p:cSld>
+  <p:clrMapOvr>
+    <a:masterClrMapping/>
+  </p:clrMapOvr>
+</p:sld>
+</file>
+
+<file path=ppt/slides/slide12.xml><?xml version="1.0" encoding="utf-8"?>
+<p:sld xmlns:a="http://schemas.openxmlformats.org/drawingml/2006/main" xmlns:r="http://schemas.openxmlformats.org/officeDocument/2006/relationships" xmlns:p="http://schemas.openxmlformats.org/presentationml/2006/main">
+  <p:cSld>
+    <p:spTree>
+      <p:nvGrpSpPr>
+        <p:cNvPr id="1" name=""/>
+        <p:cNvGrpSpPr/>
+        <p:nvPr/>
+      </p:nvGrpSpPr>
+      <p:grpSpPr>
+        <a:xfrm>
+          <a:off x="0" y="0"/>
+          <a:ext cx="0" cy="0"/>
+          <a:chOff x="0" y="0"/>
+          <a:chExt cx="0" cy="0"/>
+        </a:xfrm>
+      </p:grpSpPr>
+      <p:sp>
+        <p:nvSpPr>
+          <p:cNvPr id="6" name="Titel 1">
+            <a:extLst>
+              <a:ext uri="{FF2B5EF4-FFF2-40B4-BE49-F238E27FC236}">
+                <a16:creationId xmlns:a16="http://schemas.microsoft.com/office/drawing/2014/main" id="{3E3A3AA1-58AA-4EE7-BE49-4C9A67AF7D24}"/>
+              </a:ext>
+            </a:extLst>
+          </p:cNvPr>
+          <p:cNvSpPr txBox="1">
+            <a:spLocks/>
+          </p:cNvSpPr>
+          <p:nvPr/>
+        </p:nvSpPr>
+        <p:spPr>
+          <a:xfrm>
+            <a:off x="704961" y="119416"/>
+            <a:ext cx="10515600" cy="1325563"/>
+          </a:xfrm>
+          <a:prstGeom prst="rect">
+            <a:avLst/>
+          </a:prstGeom>
+        </p:spPr>
+        <p:txBody>
+          <a:bodyPr vert="horz" lIns="91440" tIns="45720" rIns="91440" bIns="45720" rtlCol="0" anchor="ctr">
+            <a:normAutofit/>
+          </a:bodyPr>
+          <a:lstStyle>
+            <a:lvl1pPr algn="l" defTabSz="914400" rtl="0" eaLnBrk="1" latinLnBrk="0" hangingPunct="1">
+              <a:lnSpc>
+                <a:spcPct val="90000"/>
+              </a:lnSpc>
+              <a:spcBef>
+                <a:spcPct val="0"/>
+              </a:spcBef>
+              <a:buNone/>
+              <a:defRPr sz="4400" kern="1200">
+                <a:solidFill>
+                  <a:schemeClr val="tx1"/>
+                </a:solidFill>
+                <a:latin typeface="+mj-lt"/>
+                <a:ea typeface="+mj-ea"/>
+                <a:cs typeface="+mj-cs"/>
+              </a:defRPr>
+            </a:lvl1pPr>
+          </a:lstStyle>
+          <a:p>
+            <a:r>
+              <a:rPr lang="de-DE" dirty="0" err="1"/>
+              <a:t>Failures</a:t>
+            </a:r>
+            <a:r>
+              <a:rPr lang="de-DE" dirty="0"/>
+              <a:t> </a:t>
+            </a:r>
+            <a:r>
+              <a:rPr lang="de-DE" dirty="0" err="1"/>
+              <a:t>of</a:t>
+            </a:r>
+            <a:r>
+              <a:rPr lang="de-DE" dirty="0"/>
+              <a:t> </a:t>
+            </a:r>
+            <a:r>
+              <a:rPr lang="de-DE" dirty="0" err="1"/>
+              <a:t>previous</a:t>
+            </a:r>
+            <a:r>
+              <a:rPr lang="de-DE" dirty="0"/>
+              <a:t> </a:t>
+            </a:r>
+            <a:r>
+              <a:rPr lang="de-DE" dirty="0" err="1"/>
+              <a:t>attempt</a:t>
+            </a:r>
+            <a:r>
+              <a:rPr lang="de-DE" dirty="0"/>
+              <a:t> (real </a:t>
+            </a:r>
+            <a:r>
+              <a:rPr lang="de-DE" dirty="0" err="1"/>
+              <a:t>case</a:t>
+            </a:r>
+            <a:r>
+              <a:rPr lang="de-DE" dirty="0"/>
+              <a:t>) </a:t>
+            </a:r>
+          </a:p>
+        </p:txBody>
+      </p:sp>
+      <p:sp>
+        <p:nvSpPr>
+          <p:cNvPr id="7" name="Inhaltsplatzhalter 2">
+            <a:extLst>
+              <a:ext uri="{FF2B5EF4-FFF2-40B4-BE49-F238E27FC236}">
+                <a16:creationId xmlns:a16="http://schemas.microsoft.com/office/drawing/2014/main" id="{134155ED-8CF0-466D-8F68-910A3A54FD4B}"/>
+              </a:ext>
+            </a:extLst>
+          </p:cNvPr>
+          <p:cNvSpPr txBox="1">
+            <a:spLocks/>
+          </p:cNvSpPr>
+          <p:nvPr/>
+        </p:nvSpPr>
+        <p:spPr>
+          <a:xfrm>
+            <a:off x="838200" y="1686757"/>
+            <a:ext cx="10515600" cy="4483224"/>
+          </a:xfrm>
+          <a:prstGeom prst="rect">
+            <a:avLst/>
+          </a:prstGeom>
+        </p:spPr>
+        <p:txBody>
+          <a:bodyPr vert="horz" lIns="91440" tIns="45720" rIns="91440" bIns="45720" rtlCol="0">
+            <a:normAutofit/>
+          </a:bodyPr>
+          <a:lstStyle>
+            <a:lvl1pPr marL="228600" indent="-228600" algn="l" defTabSz="914400" rtl="0" eaLnBrk="1" latinLnBrk="0" hangingPunct="1">
+              <a:lnSpc>
+                <a:spcPct val="90000"/>
+              </a:lnSpc>
+              <a:spcBef>
+                <a:spcPts val="1000"/>
+              </a:spcBef>
+              <a:buFont typeface="Arial" panose="020B0604020202020204" pitchFamily="34" charset="0"/>
+              <a:buChar char="•"/>
+              <a:defRPr sz="2800" kern="1200">
+                <a:solidFill>
+                  <a:schemeClr val="tx1"/>
+                </a:solidFill>
+                <a:latin typeface="+mn-lt"/>
+                <a:ea typeface="+mn-ea"/>
+                <a:cs typeface="+mn-cs"/>
+              </a:defRPr>
+            </a:lvl1pPr>
+            <a:lvl2pPr marL="685800" indent="-228600" algn="l" defTabSz="914400" rtl="0" eaLnBrk="1" latinLnBrk="0" hangingPunct="1">
+              <a:lnSpc>
+                <a:spcPct val="90000"/>
+              </a:lnSpc>
+              <a:spcBef>
+                <a:spcPts val="500"/>
+              </a:spcBef>
+              <a:buFont typeface="Arial" panose="020B0604020202020204" pitchFamily="34" charset="0"/>
+              <a:buChar char="•"/>
+              <a:defRPr sz="2400" kern="1200">
+                <a:solidFill>
+                  <a:schemeClr val="tx1"/>
+                </a:solidFill>
+                <a:latin typeface="+mn-lt"/>
+                <a:ea typeface="+mn-ea"/>
+                <a:cs typeface="+mn-cs"/>
+              </a:defRPr>
+            </a:lvl2pPr>
+            <a:lvl3pPr marL="1143000" indent="-228600" algn="l" defTabSz="914400" rtl="0" eaLnBrk="1" latinLnBrk="0" hangingPunct="1">
+              <a:lnSpc>
+                <a:spcPct val="90000"/>
+              </a:lnSpc>
+              <a:spcBef>
+                <a:spcPts val="500"/>
+              </a:spcBef>
+              <a:buFont typeface="Arial" panose="020B0604020202020204" pitchFamily="34" charset="0"/>
+              <a:buChar char="•"/>
+              <a:defRPr sz="2000" kern="1200">
+                <a:solidFill>
+                  <a:schemeClr val="tx1"/>
+                </a:solidFill>
+                <a:latin typeface="+mn-lt"/>
+                <a:ea typeface="+mn-ea"/>
+                <a:cs typeface="+mn-cs"/>
+              </a:defRPr>
+            </a:lvl3pPr>
+            <a:lvl4pPr marL="1600200" indent="-228600" algn="l" defTabSz="914400" rtl="0" eaLnBrk="1" latinLnBrk="0" hangingPunct="1">
+              <a:lnSpc>
+                <a:spcPct val="90000"/>
+              </a:lnSpc>
+              <a:spcBef>
+                <a:spcPts val="500"/>
+              </a:spcBef>
+              <a:buFont typeface="Arial" panose="020B0604020202020204" pitchFamily="34" charset="0"/>
+              <a:buChar char="•"/>
+              <a:defRPr sz="1800" kern="1200">
+                <a:solidFill>
+                  <a:schemeClr val="tx1"/>
+                </a:solidFill>
+                <a:latin typeface="+mn-lt"/>
+                <a:ea typeface="+mn-ea"/>
+                <a:cs typeface="+mn-cs"/>
+              </a:defRPr>
+            </a:lvl4pPr>
+            <a:lvl5pPr marL="2057400" indent="-228600" algn="l" defTabSz="914400" rtl="0" eaLnBrk="1" latinLnBrk="0" hangingPunct="1">
+              <a:lnSpc>
+                <a:spcPct val="90000"/>
+              </a:lnSpc>
+              <a:spcBef>
+                <a:spcPts val="500"/>
+              </a:spcBef>
+              <a:buFont typeface="Arial" panose="020B0604020202020204" pitchFamily="34" charset="0"/>
+              <a:buChar char="•"/>
+              <a:defRPr sz="1800" kern="1200">
+                <a:solidFill>
+                  <a:schemeClr val="tx1"/>
+                </a:solidFill>
+                <a:latin typeface="+mn-lt"/>
+                <a:ea typeface="+mn-ea"/>
+                <a:cs typeface="+mn-cs"/>
+              </a:defRPr>
+            </a:lvl5pPr>
+            <a:lvl6pPr marL="2514600" indent="-228600" algn="l" defTabSz="914400" rtl="0" eaLnBrk="1" latinLnBrk="0" hangingPunct="1">
+              <a:lnSpc>
+                <a:spcPct val="90000"/>
+              </a:lnSpc>
+              <a:spcBef>
+                <a:spcPts val="500"/>
+              </a:spcBef>
+              <a:buFont typeface="Arial" panose="020B0604020202020204" pitchFamily="34" charset="0"/>
+              <a:buChar char="•"/>
+              <a:defRPr sz="1800" kern="1200">
+                <a:solidFill>
+                  <a:schemeClr val="tx1"/>
+                </a:solidFill>
+                <a:latin typeface="+mn-lt"/>
+                <a:ea typeface="+mn-ea"/>
+                <a:cs typeface="+mn-cs"/>
+              </a:defRPr>
+            </a:lvl6pPr>
+            <a:lvl7pPr marL="2971800" indent="-228600" algn="l" defTabSz="914400" rtl="0" eaLnBrk="1" latinLnBrk="0" hangingPunct="1">
+              <a:lnSpc>
+                <a:spcPct val="90000"/>
+              </a:lnSpc>
+              <a:spcBef>
+                <a:spcPts val="500"/>
+              </a:spcBef>
+              <a:buFont typeface="Arial" panose="020B0604020202020204" pitchFamily="34" charset="0"/>
+              <a:buChar char="•"/>
+              <a:defRPr sz="1800" kern="1200">
+                <a:solidFill>
+                  <a:schemeClr val="tx1"/>
+                </a:solidFill>
+                <a:latin typeface="+mn-lt"/>
+                <a:ea typeface="+mn-ea"/>
+                <a:cs typeface="+mn-cs"/>
+              </a:defRPr>
+            </a:lvl7pPr>
+            <a:lvl8pPr marL="3429000" indent="-228600" algn="l" defTabSz="914400" rtl="0" eaLnBrk="1" latinLnBrk="0" hangingPunct="1">
+              <a:lnSpc>
+                <a:spcPct val="90000"/>
+              </a:lnSpc>
+              <a:spcBef>
+                <a:spcPts val="500"/>
+              </a:spcBef>
+              <a:buFont typeface="Arial" panose="020B0604020202020204" pitchFamily="34" charset="0"/>
+              <a:buChar char="•"/>
+              <a:defRPr sz="1800" kern="1200">
+                <a:solidFill>
+                  <a:schemeClr val="tx1"/>
+                </a:solidFill>
+                <a:latin typeface="+mn-lt"/>
+                <a:ea typeface="+mn-ea"/>
+                <a:cs typeface="+mn-cs"/>
+              </a:defRPr>
+            </a:lvl8pPr>
+            <a:lvl9pPr marL="3886200" indent="-228600" algn="l" defTabSz="914400" rtl="0" eaLnBrk="1" latinLnBrk="0" hangingPunct="1">
+              <a:lnSpc>
+                <a:spcPct val="90000"/>
+              </a:lnSpc>
+              <a:spcBef>
+                <a:spcPts val="500"/>
+              </a:spcBef>
+              <a:buFont typeface="Arial" panose="020B0604020202020204" pitchFamily="34" charset="0"/>
+              <a:buChar char="•"/>
+              <a:defRPr sz="1800" kern="1200">
+                <a:solidFill>
+                  <a:schemeClr val="tx1"/>
+                </a:solidFill>
+                <a:latin typeface="+mn-lt"/>
+                <a:ea typeface="+mn-ea"/>
+                <a:cs typeface="+mn-cs"/>
+              </a:defRPr>
+            </a:lvl9pPr>
+          </a:lstStyle>
+          <a:p>
+            <a:r>
+              <a:rPr lang="de-DE" dirty="0" err="1"/>
+              <a:t>Expectation</a:t>
+            </a:r>
+            <a:r>
+              <a:rPr lang="de-DE" dirty="0"/>
+              <a:t> </a:t>
+            </a:r>
+            <a:r>
+              <a:rPr lang="de-DE" dirty="0" err="1"/>
+              <a:t>of</a:t>
+            </a:r>
+            <a:r>
+              <a:rPr lang="de-DE" dirty="0"/>
+              <a:t> </a:t>
+            </a:r>
+            <a:r>
+              <a:rPr lang="de-DE" dirty="0" err="1"/>
+              <a:t>management</a:t>
+            </a:r>
+            <a:r>
+              <a:rPr lang="de-DE" dirty="0"/>
+              <a:t>:</a:t>
+            </a:r>
+          </a:p>
+          <a:p>
+            <a:pPr lvl="1"/>
+            <a:r>
+              <a:rPr lang="de-DE" dirty="0"/>
+              <a:t>Implementation in </a:t>
+            </a:r>
+            <a:r>
+              <a:rPr lang="de-DE" dirty="0" err="1"/>
+              <a:t>production</a:t>
+            </a:r>
+            <a:r>
+              <a:rPr lang="de-DE" dirty="0"/>
+              <a:t> </a:t>
+            </a:r>
+            <a:r>
+              <a:rPr lang="de-DE" dirty="0" err="1"/>
+              <a:t>within</a:t>
+            </a:r>
+            <a:r>
+              <a:rPr lang="de-DE" dirty="0"/>
+              <a:t> </a:t>
+            </a:r>
+            <a:r>
+              <a:rPr lang="de-DE" dirty="0" err="1"/>
+              <a:t>weeks</a:t>
+            </a:r>
+            <a:endParaRPr lang="de-DE" dirty="0"/>
+          </a:p>
+          <a:p>
+            <a:pPr lvl="1"/>
+            <a:r>
+              <a:rPr lang="de-DE" dirty="0"/>
+              <a:t>Low </a:t>
+            </a:r>
+            <a:r>
+              <a:rPr lang="de-DE" dirty="0" err="1"/>
+              <a:t>budget</a:t>
+            </a:r>
+            <a:endParaRPr lang="de-DE" dirty="0"/>
+          </a:p>
+          <a:p>
+            <a:pPr lvl="1"/>
+            <a:endParaRPr lang="de-DE" dirty="0"/>
+          </a:p>
+          <a:p>
+            <a:r>
+              <a:rPr lang="de-DE" dirty="0"/>
+              <a:t>Outsource </a:t>
+            </a:r>
+            <a:r>
+              <a:rPr lang="de-DE" dirty="0" err="1"/>
+              <a:t>development</a:t>
+            </a:r>
+            <a:r>
+              <a:rPr lang="de-DE" dirty="0"/>
+              <a:t> </a:t>
+            </a:r>
+            <a:r>
+              <a:rPr lang="de-DE" dirty="0" err="1"/>
+              <a:t>of</a:t>
+            </a:r>
+            <a:r>
+              <a:rPr lang="de-DE" dirty="0"/>
+              <a:t> AI </a:t>
+            </a:r>
+            <a:r>
+              <a:rPr lang="de-DE" dirty="0" err="1"/>
+              <a:t>system</a:t>
+            </a:r>
+            <a:endParaRPr lang="de-DE" dirty="0"/>
+          </a:p>
+          <a:p>
+            <a:pPr lvl="1"/>
+            <a:r>
+              <a:rPr lang="de-DE" dirty="0" err="1"/>
+              <a:t>No</a:t>
+            </a:r>
+            <a:r>
+              <a:rPr lang="de-DE" dirty="0"/>
+              <a:t> </a:t>
+            </a:r>
+            <a:r>
+              <a:rPr lang="de-DE" dirty="0" err="1"/>
+              <a:t>insight</a:t>
+            </a:r>
+            <a:r>
+              <a:rPr lang="de-DE" dirty="0"/>
+              <a:t> </a:t>
+            </a:r>
+            <a:r>
+              <a:rPr lang="de-DE" dirty="0" err="1"/>
+              <a:t>knowledge</a:t>
+            </a:r>
+            <a:endParaRPr lang="de-DE" dirty="0"/>
+          </a:p>
+          <a:p>
+            <a:pPr lvl="1"/>
+            <a:r>
+              <a:rPr lang="de-DE" dirty="0" err="1"/>
+              <a:t>Too</a:t>
+            </a:r>
+            <a:r>
+              <a:rPr lang="de-DE" dirty="0"/>
+              <a:t> </a:t>
+            </a:r>
+            <a:r>
+              <a:rPr lang="de-DE" dirty="0" err="1"/>
+              <a:t>few</a:t>
+            </a:r>
+            <a:r>
+              <a:rPr lang="de-DE" dirty="0"/>
+              <a:t> </a:t>
+            </a:r>
+            <a:r>
+              <a:rPr lang="de-DE" dirty="0" err="1"/>
+              <a:t>test</a:t>
+            </a:r>
+            <a:r>
+              <a:rPr lang="de-DE" dirty="0"/>
+              <a:t> </a:t>
+            </a:r>
+            <a:r>
+              <a:rPr lang="de-DE" dirty="0" err="1"/>
+              <a:t>meetings</a:t>
+            </a:r>
+            <a:endParaRPr lang="de-DE"/>
+          </a:p>
+          <a:p>
+            <a:pPr lvl="1"/>
+            <a:endParaRPr lang="de-DE" dirty="0"/>
+          </a:p>
+        </p:txBody>
+      </p:sp>
+    </p:spTree>
+    <p:extLst>
+      <p:ext uri="{BB962C8B-B14F-4D97-AF65-F5344CB8AC3E}">
+        <p14:creationId xmlns:p14="http://schemas.microsoft.com/office/powerpoint/2010/main" val="1441180185"/>
       </p:ext>
     </p:extLst>
   </p:cSld>
@@ -5830,7 +7479,7 @@
         </p:nvSpPr>
         <p:spPr>
           <a:xfrm>
-            <a:off x="9075929" y="5398544"/>
+            <a:off x="9120319" y="5398544"/>
             <a:ext cx="612909" cy="369332"/>
           </a:xfrm>
           <a:prstGeom prst="rect">
@@ -5878,8 +7527,8 @@
         </p:nvSpPr>
         <p:spPr>
           <a:xfrm>
-            <a:off x="5066020" y="6426681"/>
-            <a:ext cx="3930147" cy="369332"/>
+            <a:off x="5164144" y="4153998"/>
+            <a:ext cx="3930147" cy="646331"/>
           </a:xfrm>
           <a:prstGeom prst="rect">
             <a:avLst/>
@@ -5893,30 +7542,49 @@
           <a:lstStyle/>
           <a:p>
             <a:r>
-              <a:rPr lang="de-DE" dirty="0"/>
+              <a:rPr lang="de-DE" b="1" dirty="0"/>
               <a:t>Manuel </a:t>
             </a:r>
             <a:r>
-              <a:rPr lang="de-DE" dirty="0" err="1"/>
+              <a:rPr lang="de-DE" b="1" dirty="0" err="1"/>
               <a:t>sequencing</a:t>
             </a:r>
             <a:r>
-              <a:rPr lang="de-DE" dirty="0"/>
+              <a:rPr lang="de-DE" b="1" dirty="0"/>
               <a:t> per </a:t>
             </a:r>
             <a:r>
-              <a:rPr lang="de-DE" dirty="0" err="1"/>
+              <a:rPr lang="de-DE" b="1" dirty="0" err="1"/>
               <a:t>production</a:t>
             </a:r>
             <a:r>
-              <a:rPr lang="de-DE" dirty="0"/>
-              <a:t> </a:t>
-            </a:r>
-            <a:r>
-              <a:rPr lang="de-DE" dirty="0" err="1"/>
+              <a:rPr lang="de-DE" b="1" dirty="0"/>
+              <a:t> </a:t>
+            </a:r>
+            <a:r>
+              <a:rPr lang="de-DE" b="1" dirty="0" err="1"/>
               <a:t>line</a:t>
             </a:r>
-            <a:endParaRPr lang="de-DE" dirty="0"/>
+            <a:r>
+              <a:rPr lang="de-DE" b="1" dirty="0"/>
+              <a:t> (</a:t>
+            </a:r>
+            <a:r>
+              <a:rPr lang="de-DE" b="1" dirty="0" err="1"/>
+              <a:t>once</a:t>
+            </a:r>
+            <a:r>
+              <a:rPr lang="de-DE" b="1" dirty="0"/>
+              <a:t> per </a:t>
+            </a:r>
+            <a:r>
+              <a:rPr lang="de-DE" b="1" dirty="0" err="1"/>
+              <a:t>week</a:t>
+            </a:r>
+            <a:r>
+              <a:rPr lang="de-DE" b="1" dirty="0"/>
+              <a:t>)</a:t>
+            </a:r>
           </a:p>
         </p:txBody>
       </p:sp>
@@ -6273,18 +7941,19 @@
           </p:cNvPr>
           <p:cNvCxnSpPr>
             <a:cxnSpLocks/>
-            <a:endCxn id="136" idx="2"/>
+            <a:stCxn id="99" idx="3"/>
+            <a:endCxn id="136" idx="3"/>
           </p:cNvCxnSpPr>
           <p:nvPr/>
         </p:nvCxnSpPr>
         <p:spPr>
-          <a:xfrm rot="5400000" flipH="1" flipV="1">
-            <a:off x="8087838" y="6186278"/>
-            <a:ext cx="657434" cy="165844"/>
+          <a:xfrm flipH="1">
+            <a:off x="8888715" y="4477164"/>
+            <a:ext cx="205576" cy="1085656"/>
           </a:xfrm>
           <a:prstGeom prst="curvedConnector3">
             <a:avLst>
-              <a:gd name="adj1" fmla="val 45003"/>
+              <a:gd name="adj1" fmla="val -111200"/>
             </a:avLst>
           </a:prstGeom>
           <a:ln>
@@ -6318,20 +7987,16 @@
           <p:cNvCxnSpPr>
             <a:cxnSpLocks/>
             <a:stCxn id="99" idx="1"/>
-            <a:endCxn id="139" idx="2"/>
           </p:cNvCxnSpPr>
           <p:nvPr/>
         </p:nvCxnSpPr>
         <p:spPr>
-          <a:xfrm rot="10800000" flipH="1">
-            <a:off x="5066020" y="5934267"/>
-            <a:ext cx="98124" cy="677081"/>
-          </a:xfrm>
-          <a:prstGeom prst="curvedConnector4">
-            <a:avLst>
-              <a:gd name="adj1" fmla="val -232971"/>
-              <a:gd name="adj2" fmla="val 63637"/>
-            </a:avLst>
+          <a:xfrm rot="10800000" flipV="1">
+            <a:off x="4783824" y="4477164"/>
+            <a:ext cx="380321" cy="1013588"/>
+          </a:xfrm>
+          <a:prstGeom prst="curvedConnector2">
+            <a:avLst/>
           </a:prstGeom>
           <a:ln>
             <a:tailEnd type="triangle"/>
@@ -6356,6 +8021,3831 @@
     <p:extLst>
       <p:ext uri="{BB962C8B-B14F-4D97-AF65-F5344CB8AC3E}">
         <p14:creationId xmlns:p14="http://schemas.microsoft.com/office/powerpoint/2010/main" val="3944661296"/>
+      </p:ext>
+    </p:extLst>
+  </p:cSld>
+  <p:clrMapOvr>
+    <a:masterClrMapping/>
+  </p:clrMapOvr>
+</p:sld>
+</file>
+
+<file path=ppt/slides/slide5.xml><?xml version="1.0" encoding="utf-8"?>
+<p:sld xmlns:a="http://schemas.openxmlformats.org/drawingml/2006/main" xmlns:r="http://schemas.openxmlformats.org/officeDocument/2006/relationships" xmlns:p="http://schemas.openxmlformats.org/presentationml/2006/main">
+  <p:cSld>
+    <p:spTree>
+      <p:nvGrpSpPr>
+        <p:cNvPr id="1" name=""/>
+        <p:cNvGrpSpPr/>
+        <p:nvPr/>
+      </p:nvGrpSpPr>
+      <p:grpSpPr>
+        <a:xfrm>
+          <a:off x="0" y="0"/>
+          <a:ext cx="0" cy="0"/>
+          <a:chOff x="0" y="0"/>
+          <a:chExt cx="0" cy="0"/>
+        </a:xfrm>
+      </p:grpSpPr>
+      <p:sp>
+        <p:nvSpPr>
+          <p:cNvPr id="4" name="Rechteck 3">
+            <a:extLst>
+              <a:ext uri="{FF2B5EF4-FFF2-40B4-BE49-F238E27FC236}">
+                <a16:creationId xmlns:a16="http://schemas.microsoft.com/office/drawing/2014/main" id="{D899FAA8-4EE1-4C4A-A43B-1785087EBE5B}"/>
+              </a:ext>
+            </a:extLst>
+          </p:cNvPr>
+          <p:cNvSpPr/>
+          <p:nvPr/>
+        </p:nvSpPr>
+        <p:spPr>
+          <a:xfrm>
+            <a:off x="2132684" y="4746980"/>
+            <a:ext cx="5879292" cy="1682391"/>
+          </a:xfrm>
+          <a:prstGeom prst="rect">
+            <a:avLst/>
+          </a:prstGeom>
+          <a:ln>
+            <a:solidFill>
+              <a:schemeClr val="tx1">
+                <a:lumMod val="95000"/>
+                <a:lumOff val="5000"/>
+              </a:schemeClr>
+            </a:solidFill>
+          </a:ln>
+        </p:spPr>
+        <p:style>
+          <a:lnRef idx="2">
+            <a:schemeClr val="accent6"/>
+          </a:lnRef>
+          <a:fillRef idx="1">
+            <a:schemeClr val="lt1"/>
+          </a:fillRef>
+          <a:effectRef idx="0">
+            <a:schemeClr val="accent6"/>
+          </a:effectRef>
+          <a:fontRef idx="minor">
+            <a:schemeClr val="dk1"/>
+          </a:fontRef>
+        </p:style>
+        <p:txBody>
+          <a:bodyPr rot="0" spcFirstLastPara="0" vertOverflow="overflow" horzOverflow="overflow" vert="horz" wrap="square" lIns="91440" tIns="45720" rIns="91440" bIns="45720" numCol="1" spcCol="0" rtlCol="0" fromWordArt="0" anchor="ctr" anchorCtr="0" forceAA="0" compatLnSpc="1">
+            <a:prstTxWarp prst="textNoShape">
+              <a:avLst/>
+            </a:prstTxWarp>
+            <a:noAutofit/>
+          </a:bodyPr>
+          <a:lstStyle/>
+          <a:p>
+            <a:pPr algn="ctr"/>
+            <a:endParaRPr lang="de-DE">
+              <a:ln w="0"/>
+              <a:solidFill>
+                <a:schemeClr val="tx1"/>
+              </a:solidFill>
+              <a:effectLst>
+                <a:outerShdw blurRad="38100" dist="19050" dir="2700000" algn="tl" rotWithShape="0">
+                  <a:schemeClr val="dk1">
+                    <a:alpha val="40000"/>
+                  </a:schemeClr>
+                </a:outerShdw>
+              </a:effectLst>
+            </a:endParaRPr>
+          </a:p>
+        </p:txBody>
+      </p:sp>
+      <p:sp>
+        <p:nvSpPr>
+          <p:cNvPr id="5" name="Rechteck 4">
+            <a:extLst>
+              <a:ext uri="{FF2B5EF4-FFF2-40B4-BE49-F238E27FC236}">
+                <a16:creationId xmlns:a16="http://schemas.microsoft.com/office/drawing/2014/main" id="{5581E8E4-B2AB-4A08-BDF0-124E888700CA}"/>
+              </a:ext>
+            </a:extLst>
+          </p:cNvPr>
+          <p:cNvSpPr/>
+          <p:nvPr/>
+        </p:nvSpPr>
+        <p:spPr>
+          <a:xfrm>
+            <a:off x="8037959" y="4744290"/>
+            <a:ext cx="4101112" cy="1682391"/>
+          </a:xfrm>
+          <a:prstGeom prst="rect">
+            <a:avLst/>
+          </a:prstGeom>
+          <a:ln>
+            <a:solidFill>
+              <a:schemeClr val="tx1">
+                <a:lumMod val="95000"/>
+                <a:lumOff val="5000"/>
+              </a:schemeClr>
+            </a:solidFill>
+          </a:ln>
+        </p:spPr>
+        <p:style>
+          <a:lnRef idx="2">
+            <a:schemeClr val="accent6"/>
+          </a:lnRef>
+          <a:fillRef idx="1">
+            <a:schemeClr val="lt1"/>
+          </a:fillRef>
+          <a:effectRef idx="0">
+            <a:schemeClr val="accent6"/>
+          </a:effectRef>
+          <a:fontRef idx="minor">
+            <a:schemeClr val="dk1"/>
+          </a:fontRef>
+        </p:style>
+        <p:txBody>
+          <a:bodyPr rot="0" spcFirstLastPara="0" vertOverflow="overflow" horzOverflow="overflow" vert="horz" wrap="square" lIns="91440" tIns="45720" rIns="91440" bIns="45720" numCol="1" spcCol="0" rtlCol="0" fromWordArt="0" anchor="ctr" anchorCtr="0" forceAA="0" compatLnSpc="1">
+            <a:prstTxWarp prst="textNoShape">
+              <a:avLst/>
+            </a:prstTxWarp>
+            <a:noAutofit/>
+          </a:bodyPr>
+          <a:lstStyle/>
+          <a:p>
+            <a:pPr algn="ctr"/>
+            <a:endParaRPr lang="de-DE">
+              <a:ln w="0"/>
+              <a:solidFill>
+                <a:schemeClr val="tx1"/>
+              </a:solidFill>
+              <a:effectLst>
+                <a:outerShdw blurRad="38100" dist="19050" dir="2700000" algn="tl" rotWithShape="0">
+                  <a:schemeClr val="dk1">
+                    <a:alpha val="40000"/>
+                  </a:schemeClr>
+                </a:outerShdw>
+              </a:effectLst>
+            </a:endParaRPr>
+          </a:p>
+        </p:txBody>
+      </p:sp>
+      <p:sp>
+        <p:nvSpPr>
+          <p:cNvPr id="6" name="Rechteck 5">
+            <a:extLst>
+              <a:ext uri="{FF2B5EF4-FFF2-40B4-BE49-F238E27FC236}">
+                <a16:creationId xmlns:a16="http://schemas.microsoft.com/office/drawing/2014/main" id="{F700FF8A-D45F-4AA0-9234-1F816026032D}"/>
+              </a:ext>
+            </a:extLst>
+          </p:cNvPr>
+          <p:cNvSpPr/>
+          <p:nvPr/>
+        </p:nvSpPr>
+        <p:spPr>
+          <a:xfrm>
+            <a:off x="2083409" y="1146324"/>
+            <a:ext cx="7522583" cy="2909007"/>
+          </a:xfrm>
+          <a:prstGeom prst="rect">
+            <a:avLst/>
+          </a:prstGeom>
+          <a:solidFill>
+            <a:schemeClr val="bg2"/>
+          </a:solidFill>
+          <a:ln w="28575">
+            <a:solidFill>
+              <a:schemeClr val="tx1"/>
+            </a:solidFill>
+          </a:ln>
+        </p:spPr>
+        <p:style>
+          <a:lnRef idx="2">
+            <a:schemeClr val="accent6"/>
+          </a:lnRef>
+          <a:fillRef idx="1">
+            <a:schemeClr val="lt1"/>
+          </a:fillRef>
+          <a:effectRef idx="0">
+            <a:schemeClr val="accent6"/>
+          </a:effectRef>
+          <a:fontRef idx="minor">
+            <a:schemeClr val="dk1"/>
+          </a:fontRef>
+        </p:style>
+        <p:txBody>
+          <a:bodyPr rtlCol="0" anchor="ctr"/>
+          <a:lstStyle/>
+          <a:p>
+            <a:pPr algn="ctr"/>
+            <a:endParaRPr lang="de-DE"/>
+          </a:p>
+        </p:txBody>
+      </p:sp>
+      <p:sp>
+        <p:nvSpPr>
+          <p:cNvPr id="7" name="Rechteck 6">
+            <a:extLst>
+              <a:ext uri="{FF2B5EF4-FFF2-40B4-BE49-F238E27FC236}">
+                <a16:creationId xmlns:a16="http://schemas.microsoft.com/office/drawing/2014/main" id="{EB03307D-B734-462D-8B98-B237E212C2BE}"/>
+              </a:ext>
+            </a:extLst>
+          </p:cNvPr>
+          <p:cNvSpPr/>
+          <p:nvPr/>
+        </p:nvSpPr>
+        <p:spPr>
+          <a:xfrm>
+            <a:off x="6090754" y="1455687"/>
+            <a:ext cx="2874611" cy="2464715"/>
+          </a:xfrm>
+          <a:prstGeom prst="rect">
+            <a:avLst/>
+          </a:prstGeom>
+          <a:solidFill>
+            <a:schemeClr val="bg2"/>
+          </a:solidFill>
+          <a:ln>
+            <a:solidFill>
+              <a:schemeClr val="bg1">
+                <a:lumMod val="50000"/>
+              </a:schemeClr>
+            </a:solidFill>
+          </a:ln>
+        </p:spPr>
+        <p:style>
+          <a:lnRef idx="2">
+            <a:schemeClr val="accent6"/>
+          </a:lnRef>
+          <a:fillRef idx="1">
+            <a:schemeClr val="lt1"/>
+          </a:fillRef>
+          <a:effectRef idx="0">
+            <a:schemeClr val="accent6"/>
+          </a:effectRef>
+          <a:fontRef idx="minor">
+            <a:schemeClr val="dk1"/>
+          </a:fontRef>
+        </p:style>
+        <p:txBody>
+          <a:bodyPr rtlCol="0" anchor="ctr"/>
+          <a:lstStyle/>
+          <a:p>
+            <a:pPr algn="ctr"/>
+            <a:endParaRPr lang="de-DE"/>
+          </a:p>
+        </p:txBody>
+      </p:sp>
+      <p:sp>
+        <p:nvSpPr>
+          <p:cNvPr id="8" name="Ellipse 7">
+            <a:extLst>
+              <a:ext uri="{FF2B5EF4-FFF2-40B4-BE49-F238E27FC236}">
+                <a16:creationId xmlns:a16="http://schemas.microsoft.com/office/drawing/2014/main" id="{DDEA8E44-A6D5-4186-A5D4-1F79A81F56AB}"/>
+              </a:ext>
+            </a:extLst>
+          </p:cNvPr>
+          <p:cNvSpPr/>
+          <p:nvPr/>
+        </p:nvSpPr>
+        <p:spPr>
+          <a:xfrm>
+            <a:off x="2403266" y="1901679"/>
+            <a:ext cx="2212081" cy="1861653"/>
+          </a:xfrm>
+          <a:prstGeom prst="ellipse">
+            <a:avLst/>
+          </a:prstGeom>
+          <a:noFill/>
+        </p:spPr>
+        <p:style>
+          <a:lnRef idx="2">
+            <a:schemeClr val="accent1">
+              <a:shade val="50000"/>
+            </a:schemeClr>
+          </a:lnRef>
+          <a:fillRef idx="1">
+            <a:schemeClr val="accent1"/>
+          </a:fillRef>
+          <a:effectRef idx="0">
+            <a:schemeClr val="accent1"/>
+          </a:effectRef>
+          <a:fontRef idx="minor">
+            <a:schemeClr val="lt1"/>
+          </a:fontRef>
+        </p:style>
+        <p:txBody>
+          <a:bodyPr rtlCol="0" anchor="ctr"/>
+          <a:lstStyle/>
+          <a:p>
+            <a:pPr algn="ctr"/>
+            <a:endParaRPr lang="de-DE"/>
+          </a:p>
+        </p:txBody>
+      </p:sp>
+      <p:sp>
+        <p:nvSpPr>
+          <p:cNvPr id="9" name="Rechteck 8">
+            <a:extLst>
+              <a:ext uri="{FF2B5EF4-FFF2-40B4-BE49-F238E27FC236}">
+                <a16:creationId xmlns:a16="http://schemas.microsoft.com/office/drawing/2014/main" id="{388E8183-FCF0-4012-9A19-1F38CB73D2D3}"/>
+              </a:ext>
+            </a:extLst>
+          </p:cNvPr>
+          <p:cNvSpPr/>
+          <p:nvPr/>
+        </p:nvSpPr>
+        <p:spPr>
+          <a:xfrm>
+            <a:off x="2884649" y="2202829"/>
+            <a:ext cx="328527" cy="525643"/>
+          </a:xfrm>
+          <a:prstGeom prst="rect">
+            <a:avLst/>
+          </a:prstGeom>
+        </p:spPr>
+        <p:style>
+          <a:lnRef idx="2">
+            <a:schemeClr val="accent1">
+              <a:shade val="50000"/>
+            </a:schemeClr>
+          </a:lnRef>
+          <a:fillRef idx="1">
+            <a:schemeClr val="accent1"/>
+          </a:fillRef>
+          <a:effectRef idx="0">
+            <a:schemeClr val="accent1"/>
+          </a:effectRef>
+          <a:fontRef idx="minor">
+            <a:schemeClr val="lt1"/>
+          </a:fontRef>
+        </p:style>
+        <p:txBody>
+          <a:bodyPr rtlCol="0" anchor="ctr"/>
+          <a:lstStyle/>
+          <a:p>
+            <a:pPr algn="ctr"/>
+            <a:endParaRPr lang="de-DE"/>
+          </a:p>
+        </p:txBody>
+      </p:sp>
+      <p:sp>
+        <p:nvSpPr>
+          <p:cNvPr id="10" name="Rechteck 9">
+            <a:extLst>
+              <a:ext uri="{FF2B5EF4-FFF2-40B4-BE49-F238E27FC236}">
+                <a16:creationId xmlns:a16="http://schemas.microsoft.com/office/drawing/2014/main" id="{05E9D080-477B-4E12-9B32-178D548ECAD1}"/>
+              </a:ext>
+            </a:extLst>
+          </p:cNvPr>
+          <p:cNvSpPr/>
+          <p:nvPr/>
+        </p:nvSpPr>
+        <p:spPr>
+          <a:xfrm>
+            <a:off x="2884648" y="2893961"/>
+            <a:ext cx="328527" cy="525643"/>
+          </a:xfrm>
+          <a:prstGeom prst="rect">
+            <a:avLst/>
+          </a:prstGeom>
+        </p:spPr>
+        <p:style>
+          <a:lnRef idx="2">
+            <a:schemeClr val="accent1">
+              <a:shade val="50000"/>
+            </a:schemeClr>
+          </a:lnRef>
+          <a:fillRef idx="1">
+            <a:schemeClr val="accent1"/>
+          </a:fillRef>
+          <a:effectRef idx="0">
+            <a:schemeClr val="accent1"/>
+          </a:effectRef>
+          <a:fontRef idx="minor">
+            <a:schemeClr val="lt1"/>
+          </a:fontRef>
+        </p:style>
+        <p:txBody>
+          <a:bodyPr rtlCol="0" anchor="ctr"/>
+          <a:lstStyle/>
+          <a:p>
+            <a:pPr algn="ctr"/>
+            <a:endParaRPr lang="de-DE"/>
+          </a:p>
+        </p:txBody>
+      </p:sp>
+      <p:sp>
+        <p:nvSpPr>
+          <p:cNvPr id="11" name="Rechteck 10">
+            <a:extLst>
+              <a:ext uri="{FF2B5EF4-FFF2-40B4-BE49-F238E27FC236}">
+                <a16:creationId xmlns:a16="http://schemas.microsoft.com/office/drawing/2014/main" id="{62B33B87-D044-4C6F-898C-FFA51C2B221A}"/>
+              </a:ext>
+            </a:extLst>
+          </p:cNvPr>
+          <p:cNvSpPr/>
+          <p:nvPr/>
+        </p:nvSpPr>
+        <p:spPr>
+          <a:xfrm>
+            <a:off x="3321773" y="2202829"/>
+            <a:ext cx="328527" cy="525643"/>
+          </a:xfrm>
+          <a:prstGeom prst="rect">
+            <a:avLst/>
+          </a:prstGeom>
+        </p:spPr>
+        <p:style>
+          <a:lnRef idx="2">
+            <a:schemeClr val="accent1">
+              <a:shade val="50000"/>
+            </a:schemeClr>
+          </a:lnRef>
+          <a:fillRef idx="1">
+            <a:schemeClr val="accent1"/>
+          </a:fillRef>
+          <a:effectRef idx="0">
+            <a:schemeClr val="accent1"/>
+          </a:effectRef>
+          <a:fontRef idx="minor">
+            <a:schemeClr val="lt1"/>
+          </a:fontRef>
+        </p:style>
+        <p:txBody>
+          <a:bodyPr rtlCol="0" anchor="ctr"/>
+          <a:lstStyle/>
+          <a:p>
+            <a:pPr algn="ctr"/>
+            <a:endParaRPr lang="de-DE"/>
+          </a:p>
+        </p:txBody>
+      </p:sp>
+      <p:sp>
+        <p:nvSpPr>
+          <p:cNvPr id="12" name="Rechteck 11">
+            <a:extLst>
+              <a:ext uri="{FF2B5EF4-FFF2-40B4-BE49-F238E27FC236}">
+                <a16:creationId xmlns:a16="http://schemas.microsoft.com/office/drawing/2014/main" id="{E03559EB-3D40-42BB-891E-32CC768B23BB}"/>
+              </a:ext>
+            </a:extLst>
+          </p:cNvPr>
+          <p:cNvSpPr/>
+          <p:nvPr/>
+        </p:nvSpPr>
+        <p:spPr>
+          <a:xfrm>
+            <a:off x="3321772" y="2893961"/>
+            <a:ext cx="328527" cy="525643"/>
+          </a:xfrm>
+          <a:prstGeom prst="rect">
+            <a:avLst/>
+          </a:prstGeom>
+        </p:spPr>
+        <p:style>
+          <a:lnRef idx="2">
+            <a:schemeClr val="accent1">
+              <a:shade val="50000"/>
+            </a:schemeClr>
+          </a:lnRef>
+          <a:fillRef idx="1">
+            <a:schemeClr val="accent1"/>
+          </a:fillRef>
+          <a:effectRef idx="0">
+            <a:schemeClr val="accent1"/>
+          </a:effectRef>
+          <a:fontRef idx="minor">
+            <a:schemeClr val="lt1"/>
+          </a:fontRef>
+        </p:style>
+        <p:txBody>
+          <a:bodyPr rtlCol="0" anchor="ctr"/>
+          <a:lstStyle/>
+          <a:p>
+            <a:pPr algn="ctr"/>
+            <a:endParaRPr lang="de-DE"/>
+          </a:p>
+        </p:txBody>
+      </p:sp>
+      <p:sp>
+        <p:nvSpPr>
+          <p:cNvPr id="13" name="Rechteck 12">
+            <a:extLst>
+              <a:ext uri="{FF2B5EF4-FFF2-40B4-BE49-F238E27FC236}">
+                <a16:creationId xmlns:a16="http://schemas.microsoft.com/office/drawing/2014/main" id="{C84705AE-5804-4BF7-929D-DDB9D06B6177}"/>
+              </a:ext>
+            </a:extLst>
+          </p:cNvPr>
+          <p:cNvSpPr/>
+          <p:nvPr/>
+        </p:nvSpPr>
+        <p:spPr>
+          <a:xfrm>
+            <a:off x="3758896" y="2202829"/>
+            <a:ext cx="328527" cy="525643"/>
+          </a:xfrm>
+          <a:prstGeom prst="rect">
+            <a:avLst/>
+          </a:prstGeom>
+        </p:spPr>
+        <p:style>
+          <a:lnRef idx="2">
+            <a:schemeClr val="accent1">
+              <a:shade val="50000"/>
+            </a:schemeClr>
+          </a:lnRef>
+          <a:fillRef idx="1">
+            <a:schemeClr val="accent1"/>
+          </a:fillRef>
+          <a:effectRef idx="0">
+            <a:schemeClr val="accent1"/>
+          </a:effectRef>
+          <a:fontRef idx="minor">
+            <a:schemeClr val="lt1"/>
+          </a:fontRef>
+        </p:style>
+        <p:txBody>
+          <a:bodyPr rtlCol="0" anchor="ctr"/>
+          <a:lstStyle/>
+          <a:p>
+            <a:pPr algn="ctr"/>
+            <a:endParaRPr lang="de-DE"/>
+          </a:p>
+        </p:txBody>
+      </p:sp>
+      <p:sp>
+        <p:nvSpPr>
+          <p:cNvPr id="14" name="Rechteck 13">
+            <a:extLst>
+              <a:ext uri="{FF2B5EF4-FFF2-40B4-BE49-F238E27FC236}">
+                <a16:creationId xmlns:a16="http://schemas.microsoft.com/office/drawing/2014/main" id="{26206CB8-0027-405A-95BA-610D44C8AB6C}"/>
+              </a:ext>
+            </a:extLst>
+          </p:cNvPr>
+          <p:cNvSpPr/>
+          <p:nvPr/>
+        </p:nvSpPr>
+        <p:spPr>
+          <a:xfrm>
+            <a:off x="3758895" y="2893961"/>
+            <a:ext cx="328527" cy="525643"/>
+          </a:xfrm>
+          <a:prstGeom prst="rect">
+            <a:avLst/>
+          </a:prstGeom>
+        </p:spPr>
+        <p:style>
+          <a:lnRef idx="2">
+            <a:schemeClr val="accent1">
+              <a:shade val="50000"/>
+            </a:schemeClr>
+          </a:lnRef>
+          <a:fillRef idx="1">
+            <a:schemeClr val="accent1"/>
+          </a:fillRef>
+          <a:effectRef idx="0">
+            <a:schemeClr val="accent1"/>
+          </a:effectRef>
+          <a:fontRef idx="minor">
+            <a:schemeClr val="lt1"/>
+          </a:fontRef>
+        </p:style>
+        <p:txBody>
+          <a:bodyPr rtlCol="0" anchor="ctr"/>
+          <a:lstStyle/>
+          <a:p>
+            <a:pPr algn="ctr"/>
+            <a:endParaRPr lang="de-DE"/>
+          </a:p>
+        </p:txBody>
+      </p:sp>
+      <p:sp>
+        <p:nvSpPr>
+          <p:cNvPr id="15" name="Textfeld 14">
+            <a:extLst>
+              <a:ext uri="{FF2B5EF4-FFF2-40B4-BE49-F238E27FC236}">
+                <a16:creationId xmlns:a16="http://schemas.microsoft.com/office/drawing/2014/main" id="{C244FC51-3EE0-44B4-A066-3DA1CCD28E68}"/>
+              </a:ext>
+            </a:extLst>
+          </p:cNvPr>
+          <p:cNvSpPr txBox="1"/>
+          <p:nvPr/>
+        </p:nvSpPr>
+        <p:spPr>
+          <a:xfrm>
+            <a:off x="2801037" y="1530784"/>
+            <a:ext cx="2998036" cy="369332"/>
+          </a:xfrm>
+          <a:prstGeom prst="rect">
+            <a:avLst/>
+          </a:prstGeom>
+          <a:noFill/>
+        </p:spPr>
+        <p:txBody>
+          <a:bodyPr wrap="square" rtlCol="0">
+            <a:spAutoFit/>
+          </a:bodyPr>
+          <a:lstStyle/>
+          <a:p>
+            <a:r>
+              <a:rPr lang="de-DE" dirty="0" err="1"/>
+              <a:t>Pre</a:t>
+            </a:r>
+            <a:r>
+              <a:rPr lang="de-DE" dirty="0"/>
+              <a:t> </a:t>
+            </a:r>
+            <a:r>
+              <a:rPr lang="de-DE" dirty="0" err="1"/>
+              <a:t>production</a:t>
+            </a:r>
+            <a:endParaRPr lang="de-DE" dirty="0"/>
+          </a:p>
+        </p:txBody>
+      </p:sp>
+      <p:sp>
+        <p:nvSpPr>
+          <p:cNvPr id="16" name="Rechteck 15">
+            <a:extLst>
+              <a:ext uri="{FF2B5EF4-FFF2-40B4-BE49-F238E27FC236}">
+                <a16:creationId xmlns:a16="http://schemas.microsoft.com/office/drawing/2014/main" id="{FF6A966E-EF4E-41E8-B735-4E9C8E18B81A}"/>
+              </a:ext>
+            </a:extLst>
+          </p:cNvPr>
+          <p:cNvSpPr/>
+          <p:nvPr/>
+        </p:nvSpPr>
+        <p:spPr>
+          <a:xfrm>
+            <a:off x="6267217" y="3175921"/>
+            <a:ext cx="290201" cy="525643"/>
+          </a:xfrm>
+          <a:prstGeom prst="rect">
+            <a:avLst/>
+          </a:prstGeom>
+          <a:solidFill>
+            <a:schemeClr val="bg1">
+              <a:lumMod val="50000"/>
+            </a:schemeClr>
+          </a:solidFill>
+        </p:spPr>
+        <p:style>
+          <a:lnRef idx="2">
+            <a:schemeClr val="accent1">
+              <a:shade val="50000"/>
+            </a:schemeClr>
+          </a:lnRef>
+          <a:fillRef idx="1">
+            <a:schemeClr val="accent1"/>
+          </a:fillRef>
+          <a:effectRef idx="0">
+            <a:schemeClr val="accent1"/>
+          </a:effectRef>
+          <a:fontRef idx="minor">
+            <a:schemeClr val="lt1"/>
+          </a:fontRef>
+        </p:style>
+        <p:txBody>
+          <a:bodyPr rtlCol="0" anchor="ctr"/>
+          <a:lstStyle/>
+          <a:p>
+            <a:pPr algn="ctr"/>
+            <a:endParaRPr lang="de-DE"/>
+          </a:p>
+        </p:txBody>
+      </p:sp>
+      <p:sp>
+        <p:nvSpPr>
+          <p:cNvPr id="17" name="Rechteck 16">
+            <a:extLst>
+              <a:ext uri="{FF2B5EF4-FFF2-40B4-BE49-F238E27FC236}">
+                <a16:creationId xmlns:a16="http://schemas.microsoft.com/office/drawing/2014/main" id="{F437727E-84B7-4B92-B15B-7F8FC0B48263}"/>
+              </a:ext>
+            </a:extLst>
+          </p:cNvPr>
+          <p:cNvSpPr/>
+          <p:nvPr/>
+        </p:nvSpPr>
+        <p:spPr>
+          <a:xfrm>
+            <a:off x="7792360" y="2871421"/>
+            <a:ext cx="290201" cy="525643"/>
+          </a:xfrm>
+          <a:prstGeom prst="rect">
+            <a:avLst/>
+          </a:prstGeom>
+          <a:solidFill>
+            <a:schemeClr val="bg1">
+              <a:lumMod val="50000"/>
+            </a:schemeClr>
+          </a:solidFill>
+        </p:spPr>
+        <p:style>
+          <a:lnRef idx="2">
+            <a:schemeClr val="accent1">
+              <a:shade val="50000"/>
+            </a:schemeClr>
+          </a:lnRef>
+          <a:fillRef idx="1">
+            <a:schemeClr val="accent1"/>
+          </a:fillRef>
+          <a:effectRef idx="0">
+            <a:schemeClr val="accent1"/>
+          </a:effectRef>
+          <a:fontRef idx="minor">
+            <a:schemeClr val="lt1"/>
+          </a:fontRef>
+        </p:style>
+        <p:txBody>
+          <a:bodyPr rtlCol="0" anchor="ctr"/>
+          <a:lstStyle/>
+          <a:p>
+            <a:pPr algn="ctr"/>
+            <a:endParaRPr lang="de-DE"/>
+          </a:p>
+        </p:txBody>
+      </p:sp>
+      <p:sp>
+        <p:nvSpPr>
+          <p:cNvPr id="18" name="Rechteck 17">
+            <a:extLst>
+              <a:ext uri="{FF2B5EF4-FFF2-40B4-BE49-F238E27FC236}">
+                <a16:creationId xmlns:a16="http://schemas.microsoft.com/office/drawing/2014/main" id="{4B399856-2F8B-4D81-A513-672E4AD7814A}"/>
+              </a:ext>
+            </a:extLst>
+          </p:cNvPr>
+          <p:cNvSpPr/>
+          <p:nvPr/>
+        </p:nvSpPr>
+        <p:spPr>
+          <a:xfrm>
+            <a:off x="6782196" y="2784714"/>
+            <a:ext cx="290201" cy="525643"/>
+          </a:xfrm>
+          <a:prstGeom prst="rect">
+            <a:avLst/>
+          </a:prstGeom>
+          <a:solidFill>
+            <a:schemeClr val="bg1">
+              <a:lumMod val="50000"/>
+            </a:schemeClr>
+          </a:solidFill>
+        </p:spPr>
+        <p:style>
+          <a:lnRef idx="2">
+            <a:schemeClr val="accent1">
+              <a:shade val="50000"/>
+            </a:schemeClr>
+          </a:lnRef>
+          <a:fillRef idx="1">
+            <a:schemeClr val="accent1"/>
+          </a:fillRef>
+          <a:effectRef idx="0">
+            <a:schemeClr val="accent1"/>
+          </a:effectRef>
+          <a:fontRef idx="minor">
+            <a:schemeClr val="lt1"/>
+          </a:fontRef>
+        </p:style>
+        <p:txBody>
+          <a:bodyPr rtlCol="0" anchor="ctr"/>
+          <a:lstStyle/>
+          <a:p>
+            <a:pPr algn="ctr"/>
+            <a:endParaRPr lang="de-DE"/>
+          </a:p>
+        </p:txBody>
+      </p:sp>
+      <p:sp>
+        <p:nvSpPr>
+          <p:cNvPr id="19" name="Rechteck 18">
+            <a:extLst>
+              <a:ext uri="{FF2B5EF4-FFF2-40B4-BE49-F238E27FC236}">
+                <a16:creationId xmlns:a16="http://schemas.microsoft.com/office/drawing/2014/main" id="{7B0599BC-87F4-4D57-A012-CA708C4243B0}"/>
+              </a:ext>
+            </a:extLst>
+          </p:cNvPr>
+          <p:cNvSpPr/>
+          <p:nvPr/>
+        </p:nvSpPr>
+        <p:spPr>
+          <a:xfrm>
+            <a:off x="7625812" y="1697689"/>
+            <a:ext cx="290201" cy="525643"/>
+          </a:xfrm>
+          <a:prstGeom prst="rect">
+            <a:avLst/>
+          </a:prstGeom>
+          <a:solidFill>
+            <a:schemeClr val="bg1">
+              <a:lumMod val="50000"/>
+            </a:schemeClr>
+          </a:solidFill>
+        </p:spPr>
+        <p:style>
+          <a:lnRef idx="2">
+            <a:schemeClr val="accent1">
+              <a:shade val="50000"/>
+            </a:schemeClr>
+          </a:lnRef>
+          <a:fillRef idx="1">
+            <a:schemeClr val="accent1"/>
+          </a:fillRef>
+          <a:effectRef idx="0">
+            <a:schemeClr val="accent1"/>
+          </a:effectRef>
+          <a:fontRef idx="minor">
+            <a:schemeClr val="lt1"/>
+          </a:fontRef>
+        </p:style>
+        <p:txBody>
+          <a:bodyPr rtlCol="0" anchor="ctr"/>
+          <a:lstStyle/>
+          <a:p>
+            <a:pPr algn="ctr"/>
+            <a:endParaRPr lang="de-DE"/>
+          </a:p>
+        </p:txBody>
+      </p:sp>
+      <p:sp>
+        <p:nvSpPr>
+          <p:cNvPr id="20" name="Rechteck 19">
+            <a:extLst>
+              <a:ext uri="{FF2B5EF4-FFF2-40B4-BE49-F238E27FC236}">
+                <a16:creationId xmlns:a16="http://schemas.microsoft.com/office/drawing/2014/main" id="{9705DBD4-8F12-42DD-B6E3-A3F797ED0E64}"/>
+              </a:ext>
+            </a:extLst>
+          </p:cNvPr>
+          <p:cNvSpPr/>
+          <p:nvPr/>
+        </p:nvSpPr>
+        <p:spPr>
+          <a:xfrm>
+            <a:off x="6808035" y="1711520"/>
+            <a:ext cx="290201" cy="525643"/>
+          </a:xfrm>
+          <a:prstGeom prst="rect">
+            <a:avLst/>
+          </a:prstGeom>
+          <a:solidFill>
+            <a:schemeClr val="bg1">
+              <a:lumMod val="50000"/>
+            </a:schemeClr>
+          </a:solidFill>
+        </p:spPr>
+        <p:style>
+          <a:lnRef idx="2">
+            <a:schemeClr val="accent1">
+              <a:shade val="50000"/>
+            </a:schemeClr>
+          </a:lnRef>
+          <a:fillRef idx="1">
+            <a:schemeClr val="accent1"/>
+          </a:fillRef>
+          <a:effectRef idx="0">
+            <a:schemeClr val="accent1"/>
+          </a:effectRef>
+          <a:fontRef idx="minor">
+            <a:schemeClr val="lt1"/>
+          </a:fontRef>
+        </p:style>
+        <p:txBody>
+          <a:bodyPr rtlCol="0" anchor="ctr"/>
+          <a:lstStyle/>
+          <a:p>
+            <a:pPr algn="ctr"/>
+            <a:endParaRPr lang="de-DE"/>
+          </a:p>
+        </p:txBody>
+      </p:sp>
+      <p:sp>
+        <p:nvSpPr>
+          <p:cNvPr id="21" name="Rechteck 20">
+            <a:extLst>
+              <a:ext uri="{FF2B5EF4-FFF2-40B4-BE49-F238E27FC236}">
+                <a16:creationId xmlns:a16="http://schemas.microsoft.com/office/drawing/2014/main" id="{15084416-FD86-4FBD-B999-CF8C72531376}"/>
+              </a:ext>
+            </a:extLst>
+          </p:cNvPr>
+          <p:cNvSpPr/>
+          <p:nvPr/>
+        </p:nvSpPr>
+        <p:spPr>
+          <a:xfrm>
+            <a:off x="6252442" y="2330721"/>
+            <a:ext cx="290201" cy="525643"/>
+          </a:xfrm>
+          <a:prstGeom prst="rect">
+            <a:avLst/>
+          </a:prstGeom>
+          <a:solidFill>
+            <a:schemeClr val="bg1">
+              <a:lumMod val="50000"/>
+            </a:schemeClr>
+          </a:solidFill>
+        </p:spPr>
+        <p:style>
+          <a:lnRef idx="2">
+            <a:schemeClr val="accent1">
+              <a:shade val="50000"/>
+            </a:schemeClr>
+          </a:lnRef>
+          <a:fillRef idx="1">
+            <a:schemeClr val="accent1"/>
+          </a:fillRef>
+          <a:effectRef idx="0">
+            <a:schemeClr val="accent1"/>
+          </a:effectRef>
+          <a:fontRef idx="minor">
+            <a:schemeClr val="lt1"/>
+          </a:fontRef>
+        </p:style>
+        <p:txBody>
+          <a:bodyPr rtlCol="0" anchor="ctr"/>
+          <a:lstStyle/>
+          <a:p>
+            <a:pPr algn="ctr"/>
+            <a:endParaRPr lang="de-DE"/>
+          </a:p>
+        </p:txBody>
+      </p:sp>
+      <p:sp>
+        <p:nvSpPr>
+          <p:cNvPr id="22" name="Rechteck 21">
+            <a:extLst>
+              <a:ext uri="{FF2B5EF4-FFF2-40B4-BE49-F238E27FC236}">
+                <a16:creationId xmlns:a16="http://schemas.microsoft.com/office/drawing/2014/main" id="{F194E7BD-0022-45CC-AC93-289B9F511A19}"/>
+              </a:ext>
+            </a:extLst>
+          </p:cNvPr>
+          <p:cNvSpPr/>
+          <p:nvPr/>
+        </p:nvSpPr>
+        <p:spPr>
+          <a:xfrm>
+            <a:off x="6198149" y="1560387"/>
+            <a:ext cx="290201" cy="525643"/>
+          </a:xfrm>
+          <a:prstGeom prst="rect">
+            <a:avLst/>
+          </a:prstGeom>
+          <a:solidFill>
+            <a:schemeClr val="bg1">
+              <a:lumMod val="50000"/>
+            </a:schemeClr>
+          </a:solidFill>
+        </p:spPr>
+        <p:style>
+          <a:lnRef idx="2">
+            <a:schemeClr val="accent1">
+              <a:shade val="50000"/>
+            </a:schemeClr>
+          </a:lnRef>
+          <a:fillRef idx="1">
+            <a:schemeClr val="accent1"/>
+          </a:fillRef>
+          <a:effectRef idx="0">
+            <a:schemeClr val="accent1"/>
+          </a:effectRef>
+          <a:fontRef idx="minor">
+            <a:schemeClr val="lt1"/>
+          </a:fontRef>
+        </p:style>
+        <p:txBody>
+          <a:bodyPr rtlCol="0" anchor="ctr"/>
+          <a:lstStyle/>
+          <a:p>
+            <a:pPr algn="ctr"/>
+            <a:endParaRPr lang="de-DE"/>
+          </a:p>
+        </p:txBody>
+      </p:sp>
+      <p:sp>
+        <p:nvSpPr>
+          <p:cNvPr id="23" name="Rechteck 22">
+            <a:extLst>
+              <a:ext uri="{FF2B5EF4-FFF2-40B4-BE49-F238E27FC236}">
+                <a16:creationId xmlns:a16="http://schemas.microsoft.com/office/drawing/2014/main" id="{B69B8D10-89C8-4820-8368-4CB9D83808F4}"/>
+              </a:ext>
+            </a:extLst>
+          </p:cNvPr>
+          <p:cNvSpPr/>
+          <p:nvPr/>
+        </p:nvSpPr>
+        <p:spPr>
+          <a:xfrm>
+            <a:off x="7300825" y="2359141"/>
+            <a:ext cx="290201" cy="525643"/>
+          </a:xfrm>
+          <a:prstGeom prst="rect">
+            <a:avLst/>
+          </a:prstGeom>
+          <a:solidFill>
+            <a:schemeClr val="bg1">
+              <a:lumMod val="50000"/>
+            </a:schemeClr>
+          </a:solidFill>
+        </p:spPr>
+        <p:style>
+          <a:lnRef idx="2">
+            <a:schemeClr val="accent1">
+              <a:shade val="50000"/>
+            </a:schemeClr>
+          </a:lnRef>
+          <a:fillRef idx="1">
+            <a:schemeClr val="accent1"/>
+          </a:fillRef>
+          <a:effectRef idx="0">
+            <a:schemeClr val="accent1"/>
+          </a:effectRef>
+          <a:fontRef idx="minor">
+            <a:schemeClr val="lt1"/>
+          </a:fontRef>
+        </p:style>
+        <p:txBody>
+          <a:bodyPr rtlCol="0" anchor="ctr"/>
+          <a:lstStyle/>
+          <a:p>
+            <a:pPr algn="ctr"/>
+            <a:endParaRPr lang="de-DE"/>
+          </a:p>
+        </p:txBody>
+      </p:sp>
+      <p:sp>
+        <p:nvSpPr>
+          <p:cNvPr id="24" name="Rechteck 23">
+            <a:extLst>
+              <a:ext uri="{FF2B5EF4-FFF2-40B4-BE49-F238E27FC236}">
+                <a16:creationId xmlns:a16="http://schemas.microsoft.com/office/drawing/2014/main" id="{0F0D5707-83AB-4346-858B-7C81C16EA156}"/>
+              </a:ext>
+            </a:extLst>
+          </p:cNvPr>
+          <p:cNvSpPr/>
+          <p:nvPr/>
+        </p:nvSpPr>
+        <p:spPr>
+          <a:xfrm>
+            <a:off x="8372875" y="3242869"/>
+            <a:ext cx="290201" cy="525643"/>
+          </a:xfrm>
+          <a:prstGeom prst="rect">
+            <a:avLst/>
+          </a:prstGeom>
+          <a:solidFill>
+            <a:schemeClr val="bg1">
+              <a:lumMod val="50000"/>
+            </a:schemeClr>
+          </a:solidFill>
+        </p:spPr>
+        <p:style>
+          <a:lnRef idx="2">
+            <a:schemeClr val="accent1">
+              <a:shade val="50000"/>
+            </a:schemeClr>
+          </a:lnRef>
+          <a:fillRef idx="1">
+            <a:schemeClr val="accent1"/>
+          </a:fillRef>
+          <a:effectRef idx="0">
+            <a:schemeClr val="accent1"/>
+          </a:effectRef>
+          <a:fontRef idx="minor">
+            <a:schemeClr val="lt1"/>
+          </a:fontRef>
+        </p:style>
+        <p:txBody>
+          <a:bodyPr rtlCol="0" anchor="ctr"/>
+          <a:lstStyle/>
+          <a:p>
+            <a:pPr algn="ctr"/>
+            <a:endParaRPr lang="de-DE"/>
+          </a:p>
+        </p:txBody>
+      </p:sp>
+      <p:cxnSp>
+        <p:nvCxnSpPr>
+          <p:cNvPr id="25" name="Gerade Verbindung mit Pfeil 24">
+            <a:extLst>
+              <a:ext uri="{FF2B5EF4-FFF2-40B4-BE49-F238E27FC236}">
+                <a16:creationId xmlns:a16="http://schemas.microsoft.com/office/drawing/2014/main" id="{01B81943-2A22-4CA8-A881-33455E1BD69C}"/>
+              </a:ext>
+            </a:extLst>
+          </p:cNvPr>
+          <p:cNvCxnSpPr>
+            <a:stCxn id="13" idx="3"/>
+            <a:endCxn id="20" idx="1"/>
+          </p:cNvCxnSpPr>
+          <p:nvPr/>
+        </p:nvCxnSpPr>
+        <p:spPr>
+          <a:xfrm flipV="1">
+            <a:off x="4087423" y="1974342"/>
+            <a:ext cx="2720612" cy="491309"/>
+          </a:xfrm>
+          <a:prstGeom prst="straightConnector1">
+            <a:avLst/>
+          </a:prstGeom>
+          <a:ln>
+            <a:tailEnd type="triangle"/>
+          </a:ln>
+        </p:spPr>
+        <p:style>
+          <a:lnRef idx="1">
+            <a:schemeClr val="dk1"/>
+          </a:lnRef>
+          <a:fillRef idx="0">
+            <a:schemeClr val="dk1"/>
+          </a:fillRef>
+          <a:effectRef idx="0">
+            <a:schemeClr val="dk1"/>
+          </a:effectRef>
+          <a:fontRef idx="minor">
+            <a:schemeClr val="tx1"/>
+          </a:fontRef>
+        </p:style>
+      </p:cxnSp>
+      <p:cxnSp>
+        <p:nvCxnSpPr>
+          <p:cNvPr id="26" name="Gerade Verbindung mit Pfeil 25">
+            <a:extLst>
+              <a:ext uri="{FF2B5EF4-FFF2-40B4-BE49-F238E27FC236}">
+                <a16:creationId xmlns:a16="http://schemas.microsoft.com/office/drawing/2014/main" id="{7E967DD3-4A98-49F8-A1CC-96B088B5E738}"/>
+              </a:ext>
+            </a:extLst>
+          </p:cNvPr>
+          <p:cNvCxnSpPr>
+            <a:cxnSpLocks/>
+            <a:stCxn id="13" idx="3"/>
+            <a:endCxn id="21" idx="1"/>
+          </p:cNvCxnSpPr>
+          <p:nvPr/>
+        </p:nvCxnSpPr>
+        <p:spPr>
+          <a:xfrm>
+            <a:off x="4087423" y="2465651"/>
+            <a:ext cx="2165019" cy="127892"/>
+          </a:xfrm>
+          <a:prstGeom prst="straightConnector1">
+            <a:avLst/>
+          </a:prstGeom>
+          <a:ln>
+            <a:tailEnd type="triangle"/>
+          </a:ln>
+        </p:spPr>
+        <p:style>
+          <a:lnRef idx="1">
+            <a:schemeClr val="dk1"/>
+          </a:lnRef>
+          <a:fillRef idx="0">
+            <a:schemeClr val="dk1"/>
+          </a:fillRef>
+          <a:effectRef idx="0">
+            <a:schemeClr val="dk1"/>
+          </a:effectRef>
+          <a:fontRef idx="minor">
+            <a:schemeClr val="tx1"/>
+          </a:fontRef>
+        </p:style>
+      </p:cxnSp>
+      <p:cxnSp>
+        <p:nvCxnSpPr>
+          <p:cNvPr id="27" name="Gerade Verbindung mit Pfeil 26">
+            <a:extLst>
+              <a:ext uri="{FF2B5EF4-FFF2-40B4-BE49-F238E27FC236}">
+                <a16:creationId xmlns:a16="http://schemas.microsoft.com/office/drawing/2014/main" id="{EE82209A-0893-49BC-932F-08EEFC57C67B}"/>
+              </a:ext>
+            </a:extLst>
+          </p:cNvPr>
+          <p:cNvCxnSpPr>
+            <a:cxnSpLocks/>
+            <a:stCxn id="13" idx="3"/>
+            <a:endCxn id="18" idx="1"/>
+          </p:cNvCxnSpPr>
+          <p:nvPr/>
+        </p:nvCxnSpPr>
+        <p:spPr>
+          <a:xfrm>
+            <a:off x="4087423" y="2465651"/>
+            <a:ext cx="2694773" cy="581885"/>
+          </a:xfrm>
+          <a:prstGeom prst="straightConnector1">
+            <a:avLst/>
+          </a:prstGeom>
+          <a:ln>
+            <a:tailEnd type="triangle"/>
+          </a:ln>
+        </p:spPr>
+        <p:style>
+          <a:lnRef idx="1">
+            <a:schemeClr val="dk1"/>
+          </a:lnRef>
+          <a:fillRef idx="0">
+            <a:schemeClr val="dk1"/>
+          </a:fillRef>
+          <a:effectRef idx="0">
+            <a:schemeClr val="dk1"/>
+          </a:effectRef>
+          <a:fontRef idx="minor">
+            <a:schemeClr val="tx1"/>
+          </a:fontRef>
+        </p:style>
+      </p:cxnSp>
+      <p:cxnSp>
+        <p:nvCxnSpPr>
+          <p:cNvPr id="28" name="Gerade Verbindung mit Pfeil 27">
+            <a:extLst>
+              <a:ext uri="{FF2B5EF4-FFF2-40B4-BE49-F238E27FC236}">
+                <a16:creationId xmlns:a16="http://schemas.microsoft.com/office/drawing/2014/main" id="{24D8808D-61A1-4E63-964F-326620C3C191}"/>
+              </a:ext>
+            </a:extLst>
+          </p:cNvPr>
+          <p:cNvCxnSpPr>
+            <a:cxnSpLocks/>
+            <a:stCxn id="12" idx="3"/>
+            <a:endCxn id="21" idx="1"/>
+          </p:cNvCxnSpPr>
+          <p:nvPr/>
+        </p:nvCxnSpPr>
+        <p:spPr>
+          <a:xfrm flipV="1">
+            <a:off x="3650299" y="2593543"/>
+            <a:ext cx="2602143" cy="563240"/>
+          </a:xfrm>
+          <a:prstGeom prst="straightConnector1">
+            <a:avLst/>
+          </a:prstGeom>
+          <a:ln>
+            <a:tailEnd type="triangle"/>
+          </a:ln>
+        </p:spPr>
+        <p:style>
+          <a:lnRef idx="1">
+            <a:schemeClr val="dk1"/>
+          </a:lnRef>
+          <a:fillRef idx="0">
+            <a:schemeClr val="dk1"/>
+          </a:fillRef>
+          <a:effectRef idx="0">
+            <a:schemeClr val="dk1"/>
+          </a:effectRef>
+          <a:fontRef idx="minor">
+            <a:schemeClr val="tx1"/>
+          </a:fontRef>
+        </p:style>
+      </p:cxnSp>
+      <p:cxnSp>
+        <p:nvCxnSpPr>
+          <p:cNvPr id="29" name="Gerade Verbindung mit Pfeil 28">
+            <a:extLst>
+              <a:ext uri="{FF2B5EF4-FFF2-40B4-BE49-F238E27FC236}">
+                <a16:creationId xmlns:a16="http://schemas.microsoft.com/office/drawing/2014/main" id="{A969CF60-2315-435C-A193-DDEFF2C6FB0A}"/>
+              </a:ext>
+            </a:extLst>
+          </p:cNvPr>
+          <p:cNvCxnSpPr>
+            <a:cxnSpLocks/>
+            <a:stCxn id="10" idx="3"/>
+            <a:endCxn id="22" idx="1"/>
+          </p:cNvCxnSpPr>
+          <p:nvPr/>
+        </p:nvCxnSpPr>
+        <p:spPr>
+          <a:xfrm flipV="1">
+            <a:off x="3213175" y="1823209"/>
+            <a:ext cx="2984974" cy="1333574"/>
+          </a:xfrm>
+          <a:prstGeom prst="straightConnector1">
+            <a:avLst/>
+          </a:prstGeom>
+          <a:ln>
+            <a:tailEnd type="triangle"/>
+          </a:ln>
+        </p:spPr>
+        <p:style>
+          <a:lnRef idx="1">
+            <a:schemeClr val="dk1"/>
+          </a:lnRef>
+          <a:fillRef idx="0">
+            <a:schemeClr val="dk1"/>
+          </a:fillRef>
+          <a:effectRef idx="0">
+            <a:schemeClr val="dk1"/>
+          </a:effectRef>
+          <a:fontRef idx="minor">
+            <a:schemeClr val="tx1"/>
+          </a:fontRef>
+        </p:style>
+      </p:cxnSp>
+      <p:cxnSp>
+        <p:nvCxnSpPr>
+          <p:cNvPr id="30" name="Gerade Verbindung mit Pfeil 29">
+            <a:extLst>
+              <a:ext uri="{FF2B5EF4-FFF2-40B4-BE49-F238E27FC236}">
+                <a16:creationId xmlns:a16="http://schemas.microsoft.com/office/drawing/2014/main" id="{C70D92B0-0F0F-4ECE-AF45-972CA0246399}"/>
+              </a:ext>
+            </a:extLst>
+          </p:cNvPr>
+          <p:cNvCxnSpPr>
+            <a:cxnSpLocks/>
+            <a:stCxn id="9" idx="3"/>
+            <a:endCxn id="16" idx="1"/>
+          </p:cNvCxnSpPr>
+          <p:nvPr/>
+        </p:nvCxnSpPr>
+        <p:spPr>
+          <a:xfrm>
+            <a:off x="3213176" y="2465651"/>
+            <a:ext cx="3054041" cy="973092"/>
+          </a:xfrm>
+          <a:prstGeom prst="straightConnector1">
+            <a:avLst/>
+          </a:prstGeom>
+          <a:ln>
+            <a:tailEnd type="triangle"/>
+          </a:ln>
+        </p:spPr>
+        <p:style>
+          <a:lnRef idx="1">
+            <a:schemeClr val="dk1"/>
+          </a:lnRef>
+          <a:fillRef idx="0">
+            <a:schemeClr val="dk1"/>
+          </a:fillRef>
+          <a:effectRef idx="0">
+            <a:schemeClr val="dk1"/>
+          </a:effectRef>
+          <a:fontRef idx="minor">
+            <a:schemeClr val="tx1"/>
+          </a:fontRef>
+        </p:style>
+      </p:cxnSp>
+      <p:cxnSp>
+        <p:nvCxnSpPr>
+          <p:cNvPr id="31" name="Gerade Verbindung mit Pfeil 30">
+            <a:extLst>
+              <a:ext uri="{FF2B5EF4-FFF2-40B4-BE49-F238E27FC236}">
+                <a16:creationId xmlns:a16="http://schemas.microsoft.com/office/drawing/2014/main" id="{29C69327-1ECF-4F9A-896C-CBFC72DB7CBD}"/>
+              </a:ext>
+            </a:extLst>
+          </p:cNvPr>
+          <p:cNvCxnSpPr>
+            <a:cxnSpLocks/>
+            <a:stCxn id="10" idx="3"/>
+            <a:endCxn id="24" idx="1"/>
+          </p:cNvCxnSpPr>
+          <p:nvPr/>
+        </p:nvCxnSpPr>
+        <p:spPr>
+          <a:xfrm>
+            <a:off x="3213175" y="3156783"/>
+            <a:ext cx="5159700" cy="348908"/>
+          </a:xfrm>
+          <a:prstGeom prst="straightConnector1">
+            <a:avLst/>
+          </a:prstGeom>
+          <a:ln>
+            <a:tailEnd type="triangle"/>
+          </a:ln>
+        </p:spPr>
+        <p:style>
+          <a:lnRef idx="1">
+            <a:schemeClr val="dk1"/>
+          </a:lnRef>
+          <a:fillRef idx="0">
+            <a:schemeClr val="dk1"/>
+          </a:fillRef>
+          <a:effectRef idx="0">
+            <a:schemeClr val="dk1"/>
+          </a:effectRef>
+          <a:fontRef idx="minor">
+            <a:schemeClr val="tx1"/>
+          </a:fontRef>
+        </p:style>
+      </p:cxnSp>
+      <p:cxnSp>
+        <p:nvCxnSpPr>
+          <p:cNvPr id="32" name="Gerade Verbindung mit Pfeil 31">
+            <a:extLst>
+              <a:ext uri="{FF2B5EF4-FFF2-40B4-BE49-F238E27FC236}">
+                <a16:creationId xmlns:a16="http://schemas.microsoft.com/office/drawing/2014/main" id="{6528A0B7-59E0-4FF9-9F1F-6F1B2071B940}"/>
+              </a:ext>
+            </a:extLst>
+          </p:cNvPr>
+          <p:cNvCxnSpPr>
+            <a:cxnSpLocks/>
+            <a:stCxn id="11" idx="3"/>
+            <a:endCxn id="19" idx="1"/>
+          </p:cNvCxnSpPr>
+          <p:nvPr/>
+        </p:nvCxnSpPr>
+        <p:spPr>
+          <a:xfrm flipV="1">
+            <a:off x="3650300" y="1960511"/>
+            <a:ext cx="3975512" cy="505140"/>
+          </a:xfrm>
+          <a:prstGeom prst="straightConnector1">
+            <a:avLst/>
+          </a:prstGeom>
+          <a:ln>
+            <a:tailEnd type="triangle"/>
+          </a:ln>
+        </p:spPr>
+        <p:style>
+          <a:lnRef idx="1">
+            <a:schemeClr val="dk1"/>
+          </a:lnRef>
+          <a:fillRef idx="0">
+            <a:schemeClr val="dk1"/>
+          </a:fillRef>
+          <a:effectRef idx="0">
+            <a:schemeClr val="dk1"/>
+          </a:effectRef>
+          <a:fontRef idx="minor">
+            <a:schemeClr val="tx1"/>
+          </a:fontRef>
+        </p:style>
+      </p:cxnSp>
+      <p:cxnSp>
+        <p:nvCxnSpPr>
+          <p:cNvPr id="33" name="Gerade Verbindung mit Pfeil 32">
+            <a:extLst>
+              <a:ext uri="{FF2B5EF4-FFF2-40B4-BE49-F238E27FC236}">
+                <a16:creationId xmlns:a16="http://schemas.microsoft.com/office/drawing/2014/main" id="{85757469-E722-444B-A7B7-E779C58A7079}"/>
+              </a:ext>
+            </a:extLst>
+          </p:cNvPr>
+          <p:cNvCxnSpPr>
+            <a:cxnSpLocks/>
+            <a:stCxn id="10" idx="3"/>
+            <a:endCxn id="23" idx="1"/>
+          </p:cNvCxnSpPr>
+          <p:nvPr/>
+        </p:nvCxnSpPr>
+        <p:spPr>
+          <a:xfrm flipV="1">
+            <a:off x="3213175" y="2621963"/>
+            <a:ext cx="4087650" cy="534820"/>
+          </a:xfrm>
+          <a:prstGeom prst="straightConnector1">
+            <a:avLst/>
+          </a:prstGeom>
+          <a:ln>
+            <a:tailEnd type="triangle"/>
+          </a:ln>
+        </p:spPr>
+        <p:style>
+          <a:lnRef idx="1">
+            <a:schemeClr val="dk1"/>
+          </a:lnRef>
+          <a:fillRef idx="0">
+            <a:schemeClr val="dk1"/>
+          </a:fillRef>
+          <a:effectRef idx="0">
+            <a:schemeClr val="dk1"/>
+          </a:effectRef>
+          <a:fontRef idx="minor">
+            <a:schemeClr val="tx1"/>
+          </a:fontRef>
+        </p:style>
+      </p:cxnSp>
+      <p:cxnSp>
+        <p:nvCxnSpPr>
+          <p:cNvPr id="34" name="Gerade Verbindung mit Pfeil 33">
+            <a:extLst>
+              <a:ext uri="{FF2B5EF4-FFF2-40B4-BE49-F238E27FC236}">
+                <a16:creationId xmlns:a16="http://schemas.microsoft.com/office/drawing/2014/main" id="{A1821582-6F65-45B4-93CF-B10DF128ED89}"/>
+              </a:ext>
+            </a:extLst>
+          </p:cNvPr>
+          <p:cNvCxnSpPr>
+            <a:cxnSpLocks/>
+            <a:stCxn id="9" idx="3"/>
+            <a:endCxn id="17" idx="1"/>
+          </p:cNvCxnSpPr>
+          <p:nvPr/>
+        </p:nvCxnSpPr>
+        <p:spPr>
+          <a:xfrm>
+            <a:off x="3213176" y="2465651"/>
+            <a:ext cx="4579184" cy="668592"/>
+          </a:xfrm>
+          <a:prstGeom prst="straightConnector1">
+            <a:avLst/>
+          </a:prstGeom>
+          <a:ln>
+            <a:tailEnd type="triangle"/>
+          </a:ln>
+        </p:spPr>
+        <p:style>
+          <a:lnRef idx="1">
+            <a:schemeClr val="dk1"/>
+          </a:lnRef>
+          <a:fillRef idx="0">
+            <a:schemeClr val="dk1"/>
+          </a:fillRef>
+          <a:effectRef idx="0">
+            <a:schemeClr val="dk1"/>
+          </a:effectRef>
+          <a:fontRef idx="minor">
+            <a:schemeClr val="tx1"/>
+          </a:fontRef>
+        </p:style>
+      </p:cxnSp>
+      <p:cxnSp>
+        <p:nvCxnSpPr>
+          <p:cNvPr id="35" name="Gerade Verbindung mit Pfeil 34">
+            <a:extLst>
+              <a:ext uri="{FF2B5EF4-FFF2-40B4-BE49-F238E27FC236}">
+                <a16:creationId xmlns:a16="http://schemas.microsoft.com/office/drawing/2014/main" id="{CBD36767-221B-4D3D-89F2-A12853E51510}"/>
+              </a:ext>
+            </a:extLst>
+          </p:cNvPr>
+          <p:cNvCxnSpPr>
+            <a:cxnSpLocks/>
+            <a:stCxn id="14" idx="3"/>
+            <a:endCxn id="16" idx="0"/>
+          </p:cNvCxnSpPr>
+          <p:nvPr/>
+        </p:nvCxnSpPr>
+        <p:spPr>
+          <a:xfrm>
+            <a:off x="4087422" y="3156783"/>
+            <a:ext cx="2324896" cy="19138"/>
+          </a:xfrm>
+          <a:prstGeom prst="straightConnector1">
+            <a:avLst/>
+          </a:prstGeom>
+          <a:ln>
+            <a:tailEnd type="triangle"/>
+          </a:ln>
+        </p:spPr>
+        <p:style>
+          <a:lnRef idx="1">
+            <a:schemeClr val="dk1"/>
+          </a:lnRef>
+          <a:fillRef idx="0">
+            <a:schemeClr val="dk1"/>
+          </a:fillRef>
+          <a:effectRef idx="0">
+            <a:schemeClr val="dk1"/>
+          </a:effectRef>
+          <a:fontRef idx="minor">
+            <a:schemeClr val="tx1"/>
+          </a:fontRef>
+        </p:style>
+      </p:cxnSp>
+      <p:sp>
+        <p:nvSpPr>
+          <p:cNvPr id="36" name="Textfeld 35">
+            <a:extLst>
+              <a:ext uri="{FF2B5EF4-FFF2-40B4-BE49-F238E27FC236}">
+                <a16:creationId xmlns:a16="http://schemas.microsoft.com/office/drawing/2014/main" id="{28C01750-3C35-4A3A-BB3C-5E1EAAC66298}"/>
+              </a:ext>
+            </a:extLst>
+          </p:cNvPr>
+          <p:cNvSpPr txBox="1"/>
+          <p:nvPr/>
+        </p:nvSpPr>
+        <p:spPr>
+          <a:xfrm>
+            <a:off x="6782196" y="1114202"/>
+            <a:ext cx="2168278" cy="369332"/>
+          </a:xfrm>
+          <a:prstGeom prst="rect">
+            <a:avLst/>
+          </a:prstGeom>
+          <a:noFill/>
+        </p:spPr>
+        <p:txBody>
+          <a:bodyPr wrap="square" rtlCol="0">
+            <a:spAutoFit/>
+          </a:bodyPr>
+          <a:lstStyle/>
+          <a:p>
+            <a:r>
+              <a:rPr lang="de-DE" dirty="0"/>
+              <a:t>End </a:t>
+            </a:r>
+            <a:r>
+              <a:rPr lang="de-DE" dirty="0" err="1"/>
+              <a:t>production</a:t>
+            </a:r>
+            <a:endParaRPr lang="de-DE" dirty="0"/>
+          </a:p>
+        </p:txBody>
+      </p:sp>
+      <p:sp>
+        <p:nvSpPr>
+          <p:cNvPr id="37" name="Pfeil: nach links 36">
+            <a:extLst>
+              <a:ext uri="{FF2B5EF4-FFF2-40B4-BE49-F238E27FC236}">
+                <a16:creationId xmlns:a16="http://schemas.microsoft.com/office/drawing/2014/main" id="{DEF27723-0AF0-4712-B823-7E079DF664D7}"/>
+              </a:ext>
+            </a:extLst>
+          </p:cNvPr>
+          <p:cNvSpPr/>
+          <p:nvPr/>
+        </p:nvSpPr>
+        <p:spPr>
+          <a:xfrm>
+            <a:off x="9847951" y="5178940"/>
+            <a:ext cx="766901" cy="755326"/>
+          </a:xfrm>
+          <a:prstGeom prst="leftArrow">
+            <a:avLst/>
+          </a:prstGeom>
+          <a:solidFill>
+            <a:srgbClr val="FFC000"/>
+          </a:solidFill>
+        </p:spPr>
+        <p:style>
+          <a:lnRef idx="2">
+            <a:schemeClr val="accent1">
+              <a:shade val="50000"/>
+            </a:schemeClr>
+          </a:lnRef>
+          <a:fillRef idx="1">
+            <a:schemeClr val="accent1"/>
+          </a:fillRef>
+          <a:effectRef idx="0">
+            <a:schemeClr val="accent1"/>
+          </a:effectRef>
+          <a:fontRef idx="minor">
+            <a:schemeClr val="lt1"/>
+          </a:fontRef>
+        </p:style>
+        <p:txBody>
+          <a:bodyPr rot="0" spcFirstLastPara="0" vertOverflow="overflow" horzOverflow="overflow" vert="horz" wrap="square" lIns="91440" tIns="45720" rIns="91440" bIns="45720" numCol="1" spcCol="0" rtlCol="0" fromWordArt="0" anchor="ctr" anchorCtr="0" forceAA="0" compatLnSpc="1">
+            <a:prstTxWarp prst="textNoShape">
+              <a:avLst/>
+            </a:prstTxWarp>
+            <a:noAutofit/>
+          </a:bodyPr>
+          <a:lstStyle/>
+          <a:p>
+            <a:pPr algn="ctr"/>
+            <a:endParaRPr lang="de-DE" b="1">
+              <a:ln w="22225">
+                <a:solidFill>
+                  <a:schemeClr val="accent2"/>
+                </a:solidFill>
+                <a:prstDash val="solid"/>
+              </a:ln>
+              <a:solidFill>
+                <a:schemeClr val="accent2">
+                  <a:lumMod val="40000"/>
+                  <a:lumOff val="60000"/>
+                </a:schemeClr>
+              </a:solidFill>
+            </a:endParaRPr>
+          </a:p>
+        </p:txBody>
+      </p:sp>
+      <p:sp>
+        <p:nvSpPr>
+          <p:cNvPr id="38" name="Textfeld 37">
+            <a:extLst>
+              <a:ext uri="{FF2B5EF4-FFF2-40B4-BE49-F238E27FC236}">
+                <a16:creationId xmlns:a16="http://schemas.microsoft.com/office/drawing/2014/main" id="{95EB6582-9AAA-4E23-B3C8-3B0801E77211}"/>
+              </a:ext>
+            </a:extLst>
+          </p:cNvPr>
+          <p:cNvSpPr txBox="1"/>
+          <p:nvPr/>
+        </p:nvSpPr>
+        <p:spPr>
+          <a:xfrm>
+            <a:off x="9164708" y="5398544"/>
+            <a:ext cx="612909" cy="369332"/>
+          </a:xfrm>
+          <a:prstGeom prst="rect">
+            <a:avLst/>
+          </a:prstGeom>
+        </p:spPr>
+        <p:style>
+          <a:lnRef idx="2">
+            <a:schemeClr val="accent2"/>
+          </a:lnRef>
+          <a:fillRef idx="1">
+            <a:schemeClr val="lt1"/>
+          </a:fillRef>
+          <a:effectRef idx="0">
+            <a:schemeClr val="accent2"/>
+          </a:effectRef>
+          <a:fontRef idx="minor">
+            <a:schemeClr val="dk1"/>
+          </a:fontRef>
+        </p:style>
+        <p:txBody>
+          <a:bodyPr wrap="square" rtlCol="0">
+            <a:spAutoFit/>
+          </a:bodyPr>
+          <a:lstStyle/>
+          <a:p>
+            <a:r>
+              <a:rPr lang="de-DE" dirty="0"/>
+              <a:t>SAP</a:t>
+            </a:r>
+          </a:p>
+        </p:txBody>
+      </p:sp>
+      <p:sp>
+        <p:nvSpPr>
+          <p:cNvPr id="39" name="Textfeld 38">
+            <a:extLst>
+              <a:ext uri="{FF2B5EF4-FFF2-40B4-BE49-F238E27FC236}">
+                <a16:creationId xmlns:a16="http://schemas.microsoft.com/office/drawing/2014/main" id="{F684E55A-3355-4B39-988F-0D6E44305CC2}"/>
+              </a:ext>
+            </a:extLst>
+          </p:cNvPr>
+          <p:cNvSpPr txBox="1"/>
+          <p:nvPr/>
+        </p:nvSpPr>
+        <p:spPr>
+          <a:xfrm>
+            <a:off x="5793025" y="4227044"/>
+            <a:ext cx="2456609" cy="369332"/>
+          </a:xfrm>
+          <a:prstGeom prst="rect">
+            <a:avLst/>
+          </a:prstGeom>
+          <a:noFill/>
+        </p:spPr>
+        <p:txBody>
+          <a:bodyPr wrap="square" rtlCol="0">
+            <a:spAutoFit/>
+          </a:bodyPr>
+          <a:lstStyle/>
+          <a:p>
+            <a:r>
+              <a:rPr lang="de-DE" dirty="0" err="1"/>
+              <a:t>Continouse</a:t>
+            </a:r>
+            <a:r>
+              <a:rPr lang="de-DE" dirty="0"/>
+              <a:t> AI </a:t>
+            </a:r>
+            <a:r>
+              <a:rPr lang="de-DE" dirty="0" err="1"/>
+              <a:t>planning</a:t>
+            </a:r>
+            <a:endParaRPr lang="de-DE" dirty="0"/>
+          </a:p>
+        </p:txBody>
+      </p:sp>
+      <p:sp>
+        <p:nvSpPr>
+          <p:cNvPr id="40" name="Textfeld 39">
+            <a:extLst>
+              <a:ext uri="{FF2B5EF4-FFF2-40B4-BE49-F238E27FC236}">
+                <a16:creationId xmlns:a16="http://schemas.microsoft.com/office/drawing/2014/main" id="{1A7EC6A9-2BAB-4957-A579-BA38FF9F26F3}"/>
+              </a:ext>
+            </a:extLst>
+          </p:cNvPr>
+          <p:cNvSpPr txBox="1"/>
+          <p:nvPr/>
+        </p:nvSpPr>
+        <p:spPr>
+          <a:xfrm>
+            <a:off x="10724690" y="5178940"/>
+            <a:ext cx="1339430" cy="923330"/>
+          </a:xfrm>
+          <a:prstGeom prst="rect">
+            <a:avLst/>
+          </a:prstGeom>
+        </p:spPr>
+        <p:style>
+          <a:lnRef idx="2">
+            <a:schemeClr val="accent2"/>
+          </a:lnRef>
+          <a:fillRef idx="1">
+            <a:schemeClr val="lt1"/>
+          </a:fillRef>
+          <a:effectRef idx="0">
+            <a:schemeClr val="accent2"/>
+          </a:effectRef>
+          <a:fontRef idx="minor">
+            <a:schemeClr val="dk1"/>
+          </a:fontRef>
+        </p:style>
+        <p:txBody>
+          <a:bodyPr wrap="square" rtlCol="0">
+            <a:spAutoFit/>
+          </a:bodyPr>
+          <a:lstStyle/>
+          <a:p>
+            <a:r>
+              <a:rPr lang="de-DE" dirty="0" err="1"/>
+              <a:t>Costumer</a:t>
+            </a:r>
+            <a:r>
+              <a:rPr lang="de-DE" dirty="0"/>
+              <a:t> </a:t>
+            </a:r>
+            <a:r>
+              <a:rPr lang="de-DE" dirty="0" err="1"/>
+              <a:t>demand</a:t>
+            </a:r>
+            <a:r>
+              <a:rPr lang="de-DE" dirty="0"/>
+              <a:t> via EDI</a:t>
+            </a:r>
+          </a:p>
+        </p:txBody>
+      </p:sp>
+      <p:sp>
+        <p:nvSpPr>
+          <p:cNvPr id="41" name="Pfeil: nach links 40">
+            <a:extLst>
+              <a:ext uri="{FF2B5EF4-FFF2-40B4-BE49-F238E27FC236}">
+                <a16:creationId xmlns:a16="http://schemas.microsoft.com/office/drawing/2014/main" id="{9F6B841D-0681-4A9E-80FA-AC60A9B3D0C7}"/>
+              </a:ext>
+            </a:extLst>
+          </p:cNvPr>
+          <p:cNvSpPr/>
+          <p:nvPr/>
+        </p:nvSpPr>
+        <p:spPr>
+          <a:xfrm>
+            <a:off x="8121814" y="5185157"/>
+            <a:ext cx="766901" cy="755326"/>
+          </a:xfrm>
+          <a:prstGeom prst="leftArrow">
+            <a:avLst/>
+          </a:prstGeom>
+          <a:solidFill>
+            <a:srgbClr val="FFC000"/>
+          </a:solidFill>
+        </p:spPr>
+        <p:style>
+          <a:lnRef idx="2">
+            <a:schemeClr val="accent1">
+              <a:shade val="50000"/>
+            </a:schemeClr>
+          </a:lnRef>
+          <a:fillRef idx="1">
+            <a:schemeClr val="accent1"/>
+          </a:fillRef>
+          <a:effectRef idx="0">
+            <a:schemeClr val="accent1"/>
+          </a:effectRef>
+          <a:fontRef idx="minor">
+            <a:schemeClr val="lt1"/>
+          </a:fontRef>
+        </p:style>
+        <p:txBody>
+          <a:bodyPr rot="0" spcFirstLastPara="0" vertOverflow="overflow" horzOverflow="overflow" vert="horz" wrap="square" lIns="91440" tIns="45720" rIns="91440" bIns="45720" numCol="1" spcCol="0" rtlCol="0" fromWordArt="0" anchor="ctr" anchorCtr="0" forceAA="0" compatLnSpc="1">
+            <a:prstTxWarp prst="textNoShape">
+              <a:avLst/>
+            </a:prstTxWarp>
+            <a:noAutofit/>
+          </a:bodyPr>
+          <a:lstStyle/>
+          <a:p>
+            <a:pPr algn="ctr"/>
+            <a:endParaRPr lang="de-DE" b="1">
+              <a:ln w="22225">
+                <a:solidFill>
+                  <a:schemeClr val="accent2"/>
+                </a:solidFill>
+                <a:prstDash val="solid"/>
+              </a:ln>
+              <a:solidFill>
+                <a:schemeClr val="accent2">
+                  <a:lumMod val="40000"/>
+                  <a:lumOff val="60000"/>
+                </a:schemeClr>
+              </a:solidFill>
+            </a:endParaRPr>
+          </a:p>
+        </p:txBody>
+      </p:sp>
+      <p:sp>
+        <p:nvSpPr>
+          <p:cNvPr id="42" name="Textfeld 41">
+            <a:extLst>
+              <a:ext uri="{FF2B5EF4-FFF2-40B4-BE49-F238E27FC236}">
+                <a16:creationId xmlns:a16="http://schemas.microsoft.com/office/drawing/2014/main" id="{385AF2BB-64B2-4265-8FCD-0B01667E8133}"/>
+              </a:ext>
+            </a:extLst>
+          </p:cNvPr>
+          <p:cNvSpPr txBox="1"/>
+          <p:nvPr/>
+        </p:nvSpPr>
+        <p:spPr>
+          <a:xfrm>
+            <a:off x="6046706" y="5260045"/>
+            <a:ext cx="1890754" cy="646331"/>
+          </a:xfrm>
+          <a:prstGeom prst="rect">
+            <a:avLst/>
+          </a:prstGeom>
+        </p:spPr>
+        <p:style>
+          <a:lnRef idx="2">
+            <a:schemeClr val="accent2"/>
+          </a:lnRef>
+          <a:fillRef idx="1">
+            <a:schemeClr val="lt1"/>
+          </a:fillRef>
+          <a:effectRef idx="0">
+            <a:schemeClr val="accent2"/>
+          </a:effectRef>
+          <a:fontRef idx="minor">
+            <a:schemeClr val="dk1"/>
+          </a:fontRef>
+        </p:style>
+        <p:txBody>
+          <a:bodyPr wrap="square" rtlCol="0">
+            <a:spAutoFit/>
+          </a:bodyPr>
+          <a:lstStyle/>
+          <a:p>
+            <a:r>
+              <a:rPr lang="de-DE" dirty="0"/>
+              <a:t>End </a:t>
+            </a:r>
+            <a:r>
+              <a:rPr lang="de-DE" dirty="0" err="1"/>
+              <a:t>production</a:t>
+            </a:r>
+            <a:r>
+              <a:rPr lang="de-DE" dirty="0"/>
+              <a:t> </a:t>
+            </a:r>
+            <a:r>
+              <a:rPr lang="de-DE" dirty="0" err="1"/>
+              <a:t>planning</a:t>
+            </a:r>
+            <a:r>
+              <a:rPr lang="de-DE" dirty="0"/>
+              <a:t> </a:t>
+            </a:r>
+            <a:r>
+              <a:rPr lang="de-DE" dirty="0" err="1"/>
+              <a:t>system</a:t>
+            </a:r>
+            <a:r>
+              <a:rPr lang="de-DE" dirty="0"/>
+              <a:t> </a:t>
+            </a:r>
+          </a:p>
+        </p:txBody>
+      </p:sp>
+      <p:sp>
+        <p:nvSpPr>
+          <p:cNvPr id="43" name="Pfeil: nach links 42">
+            <a:extLst>
+              <a:ext uri="{FF2B5EF4-FFF2-40B4-BE49-F238E27FC236}">
+                <a16:creationId xmlns:a16="http://schemas.microsoft.com/office/drawing/2014/main" id="{459B3BCE-0C99-4721-B66D-411F3C4B993E}"/>
+              </a:ext>
+            </a:extLst>
+          </p:cNvPr>
+          <p:cNvSpPr/>
+          <p:nvPr/>
+        </p:nvSpPr>
+        <p:spPr>
+          <a:xfrm>
+            <a:off x="4786481" y="5178940"/>
+            <a:ext cx="766901" cy="755326"/>
+          </a:xfrm>
+          <a:prstGeom prst="leftArrow">
+            <a:avLst/>
+          </a:prstGeom>
+          <a:solidFill>
+            <a:srgbClr val="FFC000"/>
+          </a:solidFill>
+        </p:spPr>
+        <p:style>
+          <a:lnRef idx="2">
+            <a:schemeClr val="accent1">
+              <a:shade val="50000"/>
+            </a:schemeClr>
+          </a:lnRef>
+          <a:fillRef idx="1">
+            <a:schemeClr val="accent1"/>
+          </a:fillRef>
+          <a:effectRef idx="0">
+            <a:schemeClr val="accent1"/>
+          </a:effectRef>
+          <a:fontRef idx="minor">
+            <a:schemeClr val="lt1"/>
+          </a:fontRef>
+        </p:style>
+        <p:txBody>
+          <a:bodyPr rot="0" spcFirstLastPara="0" vertOverflow="overflow" horzOverflow="overflow" vert="horz" wrap="square" lIns="91440" tIns="45720" rIns="91440" bIns="45720" numCol="1" spcCol="0" rtlCol="0" fromWordArt="0" anchor="ctr" anchorCtr="0" forceAA="0" compatLnSpc="1">
+            <a:prstTxWarp prst="textNoShape">
+              <a:avLst/>
+            </a:prstTxWarp>
+            <a:noAutofit/>
+          </a:bodyPr>
+          <a:lstStyle/>
+          <a:p>
+            <a:pPr algn="ctr"/>
+            <a:endParaRPr lang="de-DE" b="1">
+              <a:ln w="22225">
+                <a:solidFill>
+                  <a:schemeClr val="accent2"/>
+                </a:solidFill>
+                <a:prstDash val="solid"/>
+              </a:ln>
+              <a:solidFill>
+                <a:schemeClr val="accent2">
+                  <a:lumMod val="40000"/>
+                  <a:lumOff val="60000"/>
+                </a:schemeClr>
+              </a:solidFill>
+            </a:endParaRPr>
+          </a:p>
+        </p:txBody>
+      </p:sp>
+      <p:sp>
+        <p:nvSpPr>
+          <p:cNvPr id="44" name="Textfeld 43">
+            <a:extLst>
+              <a:ext uri="{FF2B5EF4-FFF2-40B4-BE49-F238E27FC236}">
+                <a16:creationId xmlns:a16="http://schemas.microsoft.com/office/drawing/2014/main" id="{53B261E4-5C7B-41C3-9940-6537A4CF174B}"/>
+              </a:ext>
+            </a:extLst>
+          </p:cNvPr>
+          <p:cNvSpPr txBox="1"/>
+          <p:nvPr/>
+        </p:nvSpPr>
+        <p:spPr>
+          <a:xfrm>
+            <a:off x="2503162" y="5233437"/>
+            <a:ext cx="1890754" cy="646331"/>
+          </a:xfrm>
+          <a:prstGeom prst="rect">
+            <a:avLst/>
+          </a:prstGeom>
+        </p:spPr>
+        <p:style>
+          <a:lnRef idx="2">
+            <a:schemeClr val="accent2"/>
+          </a:lnRef>
+          <a:fillRef idx="1">
+            <a:schemeClr val="lt1"/>
+          </a:fillRef>
+          <a:effectRef idx="0">
+            <a:schemeClr val="accent2"/>
+          </a:effectRef>
+          <a:fontRef idx="minor">
+            <a:schemeClr val="dk1"/>
+          </a:fontRef>
+        </p:style>
+        <p:txBody>
+          <a:bodyPr wrap="square" rtlCol="0">
+            <a:spAutoFit/>
+          </a:bodyPr>
+          <a:lstStyle/>
+          <a:p>
+            <a:r>
+              <a:rPr lang="de-DE" dirty="0" err="1"/>
+              <a:t>Pre</a:t>
+            </a:r>
+            <a:r>
+              <a:rPr lang="de-DE" dirty="0"/>
+              <a:t> </a:t>
+            </a:r>
+            <a:r>
+              <a:rPr lang="de-DE" dirty="0" err="1"/>
+              <a:t>production</a:t>
+            </a:r>
+            <a:r>
+              <a:rPr lang="de-DE" dirty="0"/>
+              <a:t> </a:t>
+            </a:r>
+            <a:r>
+              <a:rPr lang="de-DE" dirty="0" err="1"/>
+              <a:t>planning</a:t>
+            </a:r>
+            <a:r>
+              <a:rPr lang="de-DE" dirty="0"/>
+              <a:t> </a:t>
+            </a:r>
+            <a:r>
+              <a:rPr lang="de-DE" dirty="0" err="1"/>
+              <a:t>system</a:t>
+            </a:r>
+            <a:r>
+              <a:rPr lang="de-DE" dirty="0"/>
+              <a:t> </a:t>
+            </a:r>
+          </a:p>
+        </p:txBody>
+      </p:sp>
+      <p:cxnSp>
+        <p:nvCxnSpPr>
+          <p:cNvPr id="45" name="Verbinder: gekrümmt 44">
+            <a:extLst>
+              <a:ext uri="{FF2B5EF4-FFF2-40B4-BE49-F238E27FC236}">
+                <a16:creationId xmlns:a16="http://schemas.microsoft.com/office/drawing/2014/main" id="{C509593B-D250-4352-A2A8-1CAA1BF4C0DE}"/>
+              </a:ext>
+            </a:extLst>
+          </p:cNvPr>
+          <p:cNvCxnSpPr>
+            <a:cxnSpLocks/>
+            <a:stCxn id="39" idx="3"/>
+            <a:endCxn id="41" idx="3"/>
+          </p:cNvCxnSpPr>
+          <p:nvPr/>
+        </p:nvCxnSpPr>
+        <p:spPr>
+          <a:xfrm>
+            <a:off x="8249634" y="4411710"/>
+            <a:ext cx="639081" cy="1151110"/>
+          </a:xfrm>
+          <a:prstGeom prst="curvedConnector3">
+            <a:avLst>
+              <a:gd name="adj1" fmla="val 135770"/>
+            </a:avLst>
+          </a:prstGeom>
+          <a:ln>
+            <a:tailEnd type="triangle"/>
+          </a:ln>
+        </p:spPr>
+        <p:style>
+          <a:lnRef idx="1">
+            <a:schemeClr val="accent1"/>
+          </a:lnRef>
+          <a:fillRef idx="0">
+            <a:schemeClr val="accent1"/>
+          </a:fillRef>
+          <a:effectRef idx="0">
+            <a:schemeClr val="accent1"/>
+          </a:effectRef>
+          <a:fontRef idx="minor">
+            <a:schemeClr val="tx1"/>
+          </a:fontRef>
+        </p:style>
+      </p:cxnSp>
+      <p:cxnSp>
+        <p:nvCxnSpPr>
+          <p:cNvPr id="46" name="Verbinder: gekrümmt 45">
+            <a:extLst>
+              <a:ext uri="{FF2B5EF4-FFF2-40B4-BE49-F238E27FC236}">
+                <a16:creationId xmlns:a16="http://schemas.microsoft.com/office/drawing/2014/main" id="{FDF21F2B-0256-4990-8BA5-D392C11B0C93}"/>
+              </a:ext>
+            </a:extLst>
+          </p:cNvPr>
+          <p:cNvCxnSpPr>
+            <a:cxnSpLocks/>
+            <a:stCxn id="39" idx="1"/>
+            <a:endCxn id="43" idx="1"/>
+          </p:cNvCxnSpPr>
+          <p:nvPr/>
+        </p:nvCxnSpPr>
+        <p:spPr>
+          <a:xfrm rot="10800000" flipV="1">
+            <a:off x="4786481" y="4411709"/>
+            <a:ext cx="1006544" cy="1144893"/>
+          </a:xfrm>
+          <a:prstGeom prst="curvedConnector3">
+            <a:avLst>
+              <a:gd name="adj1" fmla="val 122711"/>
+            </a:avLst>
+          </a:prstGeom>
+          <a:ln>
+            <a:tailEnd type="triangle"/>
+          </a:ln>
+        </p:spPr>
+        <p:style>
+          <a:lnRef idx="1">
+            <a:schemeClr val="accent1"/>
+          </a:lnRef>
+          <a:fillRef idx="0">
+            <a:schemeClr val="accent1"/>
+          </a:fillRef>
+          <a:effectRef idx="0">
+            <a:schemeClr val="accent1"/>
+          </a:effectRef>
+          <a:fontRef idx="minor">
+            <a:schemeClr val="tx1"/>
+          </a:fontRef>
+        </p:style>
+      </p:cxnSp>
+      <p:sp>
+        <p:nvSpPr>
+          <p:cNvPr id="57" name="Titel 1">
+            <a:extLst>
+              <a:ext uri="{FF2B5EF4-FFF2-40B4-BE49-F238E27FC236}">
+                <a16:creationId xmlns:a16="http://schemas.microsoft.com/office/drawing/2014/main" id="{54BB86A9-9033-4270-B7A3-CC5156B0798C}"/>
+              </a:ext>
+            </a:extLst>
+          </p:cNvPr>
+          <p:cNvSpPr>
+            <a:spLocks noGrp="1"/>
+          </p:cNvSpPr>
+          <p:nvPr>
+            <p:ph type="title"/>
+          </p:nvPr>
+        </p:nvSpPr>
+        <p:spPr>
+          <a:xfrm>
+            <a:off x="704961" y="119416"/>
+            <a:ext cx="10515600" cy="1325563"/>
+          </a:xfrm>
+        </p:spPr>
+        <p:txBody>
+          <a:bodyPr/>
+          <a:lstStyle/>
+          <a:p>
+            <a:r>
+              <a:rPr lang="de-DE" dirty="0"/>
+              <a:t>Goal </a:t>
+            </a:r>
+            <a:r>
+              <a:rPr lang="de-DE" dirty="0" err="1"/>
+              <a:t>state</a:t>
+            </a:r>
+            <a:endParaRPr lang="de-DE" dirty="0"/>
+          </a:p>
+        </p:txBody>
+      </p:sp>
+    </p:spTree>
+    <p:extLst>
+      <p:ext uri="{BB962C8B-B14F-4D97-AF65-F5344CB8AC3E}">
+        <p14:creationId xmlns:p14="http://schemas.microsoft.com/office/powerpoint/2010/main" val="795176379"/>
+      </p:ext>
+    </p:extLst>
+  </p:cSld>
+  <p:clrMapOvr>
+    <a:masterClrMapping/>
+  </p:clrMapOvr>
+</p:sld>
+</file>
+
+<file path=ppt/slides/slide6.xml><?xml version="1.0" encoding="utf-8"?>
+<p:sld xmlns:a="http://schemas.openxmlformats.org/drawingml/2006/main" xmlns:r="http://schemas.openxmlformats.org/officeDocument/2006/relationships" xmlns:p="http://schemas.openxmlformats.org/presentationml/2006/main">
+  <p:cSld>
+    <p:spTree>
+      <p:nvGrpSpPr>
+        <p:cNvPr id="1" name=""/>
+        <p:cNvGrpSpPr/>
+        <p:nvPr/>
+      </p:nvGrpSpPr>
+      <p:grpSpPr>
+        <a:xfrm>
+          <a:off x="0" y="0"/>
+          <a:ext cx="0" cy="0"/>
+          <a:chOff x="0" y="0"/>
+          <a:chExt cx="0" cy="0"/>
+        </a:xfrm>
+      </p:grpSpPr>
+      <p:sp>
+        <p:nvSpPr>
+          <p:cNvPr id="3" name="Inhaltsplatzhalter 2">
+            <a:extLst>
+              <a:ext uri="{FF2B5EF4-FFF2-40B4-BE49-F238E27FC236}">
+                <a16:creationId xmlns:a16="http://schemas.microsoft.com/office/drawing/2014/main" id="{F4A4B6BC-72F5-4A3B-97F0-7A17513F050F}"/>
+              </a:ext>
+            </a:extLst>
+          </p:cNvPr>
+          <p:cNvSpPr>
+            <a:spLocks noGrp="1"/>
+          </p:cNvSpPr>
+          <p:nvPr>
+            <p:ph idx="1"/>
+          </p:nvPr>
+        </p:nvSpPr>
+        <p:spPr>
+          <a:xfrm>
+            <a:off x="838200" y="1825625"/>
+            <a:ext cx="10515600" cy="2675354"/>
+          </a:xfrm>
+        </p:spPr>
+        <p:txBody>
+          <a:bodyPr/>
+          <a:lstStyle/>
+          <a:p>
+            <a:r>
+              <a:rPr lang="de-DE" dirty="0" err="1"/>
+              <a:t>Retrieving</a:t>
+            </a:r>
+            <a:r>
+              <a:rPr lang="de-DE" dirty="0"/>
+              <a:t> </a:t>
+            </a:r>
+            <a:r>
+              <a:rPr lang="de-DE" dirty="0" err="1"/>
+              <a:t>necessary</a:t>
+            </a:r>
+            <a:r>
+              <a:rPr lang="de-DE" dirty="0"/>
+              <a:t> (</a:t>
+            </a:r>
+            <a:r>
+              <a:rPr lang="de-DE" dirty="0" err="1"/>
+              <a:t>historic</a:t>
+            </a:r>
+            <a:r>
+              <a:rPr lang="de-DE" dirty="0"/>
+              <a:t>) </a:t>
+            </a:r>
+            <a:r>
+              <a:rPr lang="de-DE" dirty="0" err="1"/>
+              <a:t>data</a:t>
+            </a:r>
+            <a:endParaRPr lang="de-DE" dirty="0"/>
+          </a:p>
+          <a:p>
+            <a:pPr lvl="1"/>
+            <a:r>
+              <a:rPr lang="de-DE" dirty="0"/>
+              <a:t>Customer </a:t>
+            </a:r>
+            <a:r>
+              <a:rPr lang="de-DE" dirty="0" err="1"/>
+              <a:t>demand</a:t>
+            </a:r>
+            <a:r>
+              <a:rPr lang="de-DE" dirty="0"/>
+              <a:t> (SAP)</a:t>
+            </a:r>
+          </a:p>
+          <a:p>
+            <a:pPr lvl="1"/>
+            <a:r>
+              <a:rPr lang="de-DE" dirty="0"/>
+              <a:t>Cycle time </a:t>
+            </a:r>
+            <a:r>
+              <a:rPr lang="de-DE" dirty="0" err="1"/>
+              <a:t>for</a:t>
+            </a:r>
+            <a:r>
+              <a:rPr lang="de-DE" dirty="0"/>
+              <a:t> </a:t>
+            </a:r>
+            <a:r>
+              <a:rPr lang="de-DE" dirty="0" err="1"/>
+              <a:t>product</a:t>
+            </a:r>
+            <a:r>
+              <a:rPr lang="de-DE" dirty="0"/>
+              <a:t> per </a:t>
+            </a:r>
+            <a:r>
+              <a:rPr lang="de-DE" dirty="0" err="1"/>
+              <a:t>line</a:t>
+            </a:r>
+            <a:r>
+              <a:rPr lang="de-DE" dirty="0"/>
+              <a:t> (</a:t>
+            </a:r>
+            <a:r>
+              <a:rPr lang="de-DE" dirty="0" err="1"/>
+              <a:t>Production</a:t>
+            </a:r>
+            <a:r>
+              <a:rPr lang="de-DE" dirty="0"/>
+              <a:t> System)</a:t>
+            </a:r>
+          </a:p>
+          <a:p>
+            <a:pPr lvl="1"/>
+            <a:r>
+              <a:rPr lang="de-DE" dirty="0" err="1"/>
+              <a:t>Availability</a:t>
+            </a:r>
+            <a:r>
+              <a:rPr lang="de-DE" dirty="0"/>
+              <a:t> </a:t>
+            </a:r>
+            <a:r>
+              <a:rPr lang="de-DE" dirty="0" err="1"/>
+              <a:t>of</a:t>
+            </a:r>
+            <a:r>
+              <a:rPr lang="de-DE" dirty="0"/>
+              <a:t> </a:t>
+            </a:r>
+            <a:r>
+              <a:rPr lang="de-DE" dirty="0" err="1"/>
+              <a:t>staff</a:t>
+            </a:r>
+            <a:r>
+              <a:rPr lang="de-DE" dirty="0"/>
+              <a:t> (Personell </a:t>
+            </a:r>
+            <a:r>
+              <a:rPr lang="de-DE" dirty="0" err="1"/>
+              <a:t>planning</a:t>
+            </a:r>
+            <a:r>
+              <a:rPr lang="de-DE" dirty="0"/>
+              <a:t> </a:t>
+            </a:r>
+            <a:r>
+              <a:rPr lang="de-DE" dirty="0" err="1"/>
+              <a:t>system</a:t>
+            </a:r>
+            <a:r>
+              <a:rPr lang="de-DE" dirty="0"/>
+              <a:t>)</a:t>
+            </a:r>
+          </a:p>
+          <a:p>
+            <a:pPr lvl="1"/>
+            <a:r>
+              <a:rPr lang="de-DE" dirty="0" err="1"/>
+              <a:t>Produceable</a:t>
+            </a:r>
+            <a:r>
+              <a:rPr lang="de-DE" dirty="0"/>
+              <a:t> </a:t>
+            </a:r>
+            <a:r>
+              <a:rPr lang="de-DE" dirty="0" err="1"/>
+              <a:t>products</a:t>
+            </a:r>
+            <a:r>
+              <a:rPr lang="de-DE" dirty="0"/>
+              <a:t> per </a:t>
+            </a:r>
+            <a:r>
+              <a:rPr lang="de-DE" dirty="0" err="1"/>
+              <a:t>line</a:t>
+            </a:r>
+            <a:r>
+              <a:rPr lang="de-DE" dirty="0"/>
+              <a:t> (</a:t>
+            </a:r>
+            <a:r>
+              <a:rPr lang="de-DE" dirty="0" err="1"/>
+              <a:t>Production</a:t>
+            </a:r>
+            <a:r>
+              <a:rPr lang="de-DE" dirty="0"/>
+              <a:t> System)</a:t>
+            </a:r>
+          </a:p>
+          <a:p>
+            <a:pPr lvl="1"/>
+            <a:r>
+              <a:rPr lang="de-DE" dirty="0" err="1"/>
+              <a:t>Machine</a:t>
+            </a:r>
+            <a:r>
+              <a:rPr lang="de-DE" dirty="0"/>
+              <a:t> </a:t>
+            </a:r>
+            <a:r>
+              <a:rPr lang="de-DE" dirty="0" err="1"/>
+              <a:t>availability</a:t>
+            </a:r>
+            <a:r>
+              <a:rPr lang="de-DE" dirty="0"/>
+              <a:t> (Excel)</a:t>
+            </a:r>
+          </a:p>
+          <a:p>
+            <a:pPr marL="457200" lvl="1" indent="0">
+              <a:buNone/>
+            </a:pPr>
+            <a:endParaRPr lang="de-DE" dirty="0"/>
+          </a:p>
+          <a:p>
+            <a:pPr lvl="1"/>
+            <a:endParaRPr lang="de-DE" dirty="0"/>
+          </a:p>
+          <a:p>
+            <a:pPr lvl="1"/>
+            <a:endParaRPr lang="de-DE" dirty="0"/>
+          </a:p>
+          <a:p>
+            <a:pPr lvl="1"/>
+            <a:endParaRPr lang="de-DE" dirty="0"/>
+          </a:p>
+        </p:txBody>
+      </p:sp>
+      <p:sp>
+        <p:nvSpPr>
+          <p:cNvPr id="4" name="Pfeil: nach rechts 3">
+            <a:extLst>
+              <a:ext uri="{FF2B5EF4-FFF2-40B4-BE49-F238E27FC236}">
+                <a16:creationId xmlns:a16="http://schemas.microsoft.com/office/drawing/2014/main" id="{D8082EE3-1F84-4EC7-BAE9-F85A3F201ACB}"/>
+              </a:ext>
+            </a:extLst>
+          </p:cNvPr>
+          <p:cNvSpPr/>
+          <p:nvPr/>
+        </p:nvSpPr>
+        <p:spPr>
+          <a:xfrm>
+            <a:off x="838200" y="4832106"/>
+            <a:ext cx="573350" cy="488272"/>
+          </a:xfrm>
+          <a:prstGeom prst="rightArrow">
+            <a:avLst/>
+          </a:prstGeom>
+        </p:spPr>
+        <p:style>
+          <a:lnRef idx="2">
+            <a:schemeClr val="accent1">
+              <a:shade val="50000"/>
+            </a:schemeClr>
+          </a:lnRef>
+          <a:fillRef idx="1">
+            <a:schemeClr val="accent1"/>
+          </a:fillRef>
+          <a:effectRef idx="0">
+            <a:schemeClr val="accent1"/>
+          </a:effectRef>
+          <a:fontRef idx="minor">
+            <a:schemeClr val="lt1"/>
+          </a:fontRef>
+        </p:style>
+        <p:txBody>
+          <a:bodyPr rtlCol="0" anchor="ctr"/>
+          <a:lstStyle/>
+          <a:p>
+            <a:pPr algn="ctr"/>
+            <a:endParaRPr lang="de-DE"/>
+          </a:p>
+        </p:txBody>
+      </p:sp>
+      <p:sp>
+        <p:nvSpPr>
+          <p:cNvPr id="5" name="Textfeld 4">
+            <a:extLst>
+              <a:ext uri="{FF2B5EF4-FFF2-40B4-BE49-F238E27FC236}">
+                <a16:creationId xmlns:a16="http://schemas.microsoft.com/office/drawing/2014/main" id="{D3C61265-9258-4778-A395-4613730B0328}"/>
+              </a:ext>
+            </a:extLst>
+          </p:cNvPr>
+          <p:cNvSpPr txBox="1"/>
+          <p:nvPr/>
+        </p:nvSpPr>
+        <p:spPr>
+          <a:xfrm>
+            <a:off x="1491448" y="4832106"/>
+            <a:ext cx="6312023" cy="830997"/>
+          </a:xfrm>
+          <a:prstGeom prst="rect">
+            <a:avLst/>
+          </a:prstGeom>
+          <a:noFill/>
+        </p:spPr>
+        <p:txBody>
+          <a:bodyPr wrap="square" rtlCol="0">
+            <a:spAutoFit/>
+          </a:bodyPr>
+          <a:lstStyle/>
+          <a:p>
+            <a:r>
+              <a:rPr lang="de-DE" sz="2400" dirty="0"/>
+              <a:t>Need </a:t>
+            </a:r>
+            <a:r>
+              <a:rPr lang="de-DE" sz="2400" dirty="0" err="1"/>
+              <a:t>to</a:t>
+            </a:r>
+            <a:r>
+              <a:rPr lang="de-DE" sz="2400" dirty="0"/>
+              <a:t> </a:t>
+            </a:r>
+            <a:r>
+              <a:rPr lang="de-DE" sz="2400" dirty="0" err="1"/>
+              <a:t>combine</a:t>
+            </a:r>
+            <a:r>
+              <a:rPr lang="de-DE" sz="2400" dirty="0"/>
+              <a:t> </a:t>
+            </a:r>
+            <a:r>
+              <a:rPr lang="de-DE" sz="2400" dirty="0" err="1"/>
+              <a:t>several</a:t>
+            </a:r>
+            <a:r>
+              <a:rPr lang="de-DE" sz="2400" dirty="0"/>
+              <a:t> </a:t>
+            </a:r>
+            <a:r>
+              <a:rPr lang="de-DE" sz="2400" dirty="0" err="1"/>
+              <a:t>data</a:t>
+            </a:r>
+            <a:r>
+              <a:rPr lang="de-DE" sz="2400" dirty="0"/>
+              <a:t> </a:t>
+            </a:r>
+            <a:r>
+              <a:rPr lang="de-DE" sz="2400" dirty="0" err="1"/>
+              <a:t>sources</a:t>
+            </a:r>
+            <a:r>
+              <a:rPr lang="de-DE" sz="2400" dirty="0"/>
+              <a:t> </a:t>
+            </a:r>
+            <a:r>
+              <a:rPr lang="de-DE" sz="2400" dirty="0" err="1"/>
+              <a:t>from</a:t>
+            </a:r>
+            <a:r>
+              <a:rPr lang="de-DE" sz="2400" dirty="0"/>
+              <a:t> different </a:t>
+            </a:r>
+            <a:r>
+              <a:rPr lang="de-DE" sz="2400" dirty="0" err="1"/>
+              <a:t>department</a:t>
+            </a:r>
+            <a:endParaRPr lang="de-DE" sz="2400" dirty="0"/>
+          </a:p>
+        </p:txBody>
+      </p:sp>
+      <p:sp>
+        <p:nvSpPr>
+          <p:cNvPr id="6" name="Titel 1">
+            <a:extLst>
+              <a:ext uri="{FF2B5EF4-FFF2-40B4-BE49-F238E27FC236}">
+                <a16:creationId xmlns:a16="http://schemas.microsoft.com/office/drawing/2014/main" id="{3E3A3AA1-58AA-4EE7-BE49-4C9A67AF7D24}"/>
+              </a:ext>
+            </a:extLst>
+          </p:cNvPr>
+          <p:cNvSpPr txBox="1">
+            <a:spLocks/>
+          </p:cNvSpPr>
+          <p:nvPr/>
+        </p:nvSpPr>
+        <p:spPr>
+          <a:xfrm>
+            <a:off x="704961" y="119416"/>
+            <a:ext cx="10515600" cy="1325563"/>
+          </a:xfrm>
+          <a:prstGeom prst="rect">
+            <a:avLst/>
+          </a:prstGeom>
+        </p:spPr>
+        <p:txBody>
+          <a:bodyPr vert="horz" lIns="91440" tIns="45720" rIns="91440" bIns="45720" rtlCol="0" anchor="ctr">
+            <a:normAutofit/>
+          </a:bodyPr>
+          <a:lstStyle>
+            <a:lvl1pPr algn="l" defTabSz="914400" rtl="0" eaLnBrk="1" latinLnBrk="0" hangingPunct="1">
+              <a:lnSpc>
+                <a:spcPct val="90000"/>
+              </a:lnSpc>
+              <a:spcBef>
+                <a:spcPct val="0"/>
+              </a:spcBef>
+              <a:buNone/>
+              <a:defRPr sz="4400" kern="1200">
+                <a:solidFill>
+                  <a:schemeClr val="tx1"/>
+                </a:solidFill>
+                <a:latin typeface="+mj-lt"/>
+                <a:ea typeface="+mj-ea"/>
+                <a:cs typeface="+mj-cs"/>
+              </a:defRPr>
+            </a:lvl1pPr>
+          </a:lstStyle>
+          <a:p>
+            <a:r>
+              <a:rPr lang="de-DE" dirty="0" err="1"/>
+              <a:t>Challenges</a:t>
+            </a:r>
+            <a:r>
+              <a:rPr lang="de-DE" dirty="0"/>
+              <a:t> (1)</a:t>
+            </a:r>
+          </a:p>
+        </p:txBody>
+      </p:sp>
+    </p:spTree>
+    <p:extLst>
+      <p:ext uri="{BB962C8B-B14F-4D97-AF65-F5344CB8AC3E}">
+        <p14:creationId xmlns:p14="http://schemas.microsoft.com/office/powerpoint/2010/main" val="3527822062"/>
+      </p:ext>
+    </p:extLst>
+  </p:cSld>
+  <p:clrMapOvr>
+    <a:masterClrMapping/>
+  </p:clrMapOvr>
+</p:sld>
+</file>
+
+<file path=ppt/slides/slide7.xml><?xml version="1.0" encoding="utf-8"?>
+<p:sld xmlns:a="http://schemas.openxmlformats.org/drawingml/2006/main" xmlns:r="http://schemas.openxmlformats.org/officeDocument/2006/relationships" xmlns:p="http://schemas.openxmlformats.org/presentationml/2006/main">
+  <p:cSld>
+    <p:spTree>
+      <p:nvGrpSpPr>
+        <p:cNvPr id="1" name=""/>
+        <p:cNvGrpSpPr/>
+        <p:nvPr/>
+      </p:nvGrpSpPr>
+      <p:grpSpPr>
+        <a:xfrm>
+          <a:off x="0" y="0"/>
+          <a:ext cx="0" cy="0"/>
+          <a:chOff x="0" y="0"/>
+          <a:chExt cx="0" cy="0"/>
+        </a:xfrm>
+      </p:grpSpPr>
+      <p:sp>
+        <p:nvSpPr>
+          <p:cNvPr id="3" name="Inhaltsplatzhalter 2">
+            <a:extLst>
+              <a:ext uri="{FF2B5EF4-FFF2-40B4-BE49-F238E27FC236}">
+                <a16:creationId xmlns:a16="http://schemas.microsoft.com/office/drawing/2014/main" id="{F4A4B6BC-72F5-4A3B-97F0-7A17513F050F}"/>
+              </a:ext>
+            </a:extLst>
+          </p:cNvPr>
+          <p:cNvSpPr>
+            <a:spLocks noGrp="1"/>
+          </p:cNvSpPr>
+          <p:nvPr>
+            <p:ph idx="1"/>
+          </p:nvPr>
+        </p:nvSpPr>
+        <p:spPr>
+          <a:xfrm>
+            <a:off x="838200" y="1825625"/>
+            <a:ext cx="10515600" cy="2675354"/>
+          </a:xfrm>
+        </p:spPr>
+        <p:txBody>
+          <a:bodyPr>
+            <a:normAutofit/>
+          </a:bodyPr>
+          <a:lstStyle/>
+          <a:p>
+            <a:r>
+              <a:rPr lang="de-DE" dirty="0"/>
+              <a:t>Shortterm pull-</a:t>
+            </a:r>
+            <a:r>
+              <a:rPr lang="de-DE" dirty="0" err="1"/>
+              <a:t>in‘s</a:t>
+            </a:r>
+            <a:r>
+              <a:rPr lang="de-DE" dirty="0"/>
+              <a:t> </a:t>
+            </a:r>
+            <a:r>
+              <a:rPr lang="de-DE" dirty="0" err="1"/>
+              <a:t>from</a:t>
+            </a:r>
+            <a:r>
+              <a:rPr lang="de-DE" dirty="0"/>
+              <a:t> </a:t>
+            </a:r>
+            <a:r>
+              <a:rPr lang="de-DE" dirty="0" err="1"/>
+              <a:t>customer</a:t>
+            </a:r>
+            <a:endParaRPr lang="de-DE" dirty="0"/>
+          </a:p>
+          <a:p>
+            <a:r>
+              <a:rPr lang="de-DE" dirty="0" err="1"/>
+              <a:t>Capacity</a:t>
+            </a:r>
+            <a:r>
+              <a:rPr lang="de-DE" dirty="0"/>
+              <a:t> </a:t>
+            </a:r>
+            <a:r>
+              <a:rPr lang="de-DE" dirty="0" err="1"/>
+              <a:t>constraints</a:t>
+            </a:r>
+            <a:endParaRPr lang="de-DE" dirty="0"/>
+          </a:p>
+          <a:p>
+            <a:pPr lvl="1"/>
+            <a:r>
+              <a:rPr lang="de-DE" dirty="0"/>
+              <a:t>Customer </a:t>
+            </a:r>
+            <a:r>
+              <a:rPr lang="de-DE" dirty="0" err="1"/>
+              <a:t>demand</a:t>
+            </a:r>
+            <a:r>
+              <a:rPr lang="de-DE" dirty="0"/>
+              <a:t> </a:t>
+            </a:r>
+            <a:r>
+              <a:rPr lang="de-DE" dirty="0" err="1"/>
+              <a:t>higher</a:t>
+            </a:r>
+            <a:r>
+              <a:rPr lang="de-DE" dirty="0"/>
+              <a:t> </a:t>
+            </a:r>
+            <a:r>
+              <a:rPr lang="de-DE" dirty="0" err="1"/>
+              <a:t>than</a:t>
+            </a:r>
+            <a:r>
+              <a:rPr lang="de-DE" dirty="0"/>
+              <a:t> </a:t>
+            </a:r>
+            <a:r>
+              <a:rPr lang="de-DE" dirty="0" err="1"/>
+              <a:t>available</a:t>
+            </a:r>
+            <a:r>
+              <a:rPr lang="de-DE" dirty="0"/>
+              <a:t> </a:t>
+            </a:r>
+            <a:r>
+              <a:rPr lang="de-DE" dirty="0" err="1"/>
+              <a:t>capacity</a:t>
+            </a:r>
+            <a:endParaRPr lang="de-DE" dirty="0"/>
+          </a:p>
+          <a:p>
+            <a:pPr lvl="1"/>
+            <a:r>
+              <a:rPr lang="de-DE" dirty="0" err="1"/>
+              <a:t>Machine</a:t>
+            </a:r>
+            <a:r>
+              <a:rPr lang="de-DE" dirty="0"/>
+              <a:t> </a:t>
+            </a:r>
+            <a:r>
+              <a:rPr lang="de-DE" dirty="0" err="1"/>
+              <a:t>failure</a:t>
+            </a:r>
+            <a:endParaRPr lang="de-DE" dirty="0"/>
+          </a:p>
+          <a:p>
+            <a:pPr lvl="1"/>
+            <a:r>
+              <a:rPr lang="de-DE" dirty="0"/>
+              <a:t>Material </a:t>
+            </a:r>
+            <a:r>
+              <a:rPr lang="de-DE" dirty="0" err="1"/>
+              <a:t>shortage</a:t>
+            </a:r>
+            <a:endParaRPr lang="de-DE" dirty="0"/>
+          </a:p>
+          <a:p>
+            <a:pPr lvl="1"/>
+            <a:endParaRPr lang="de-DE" dirty="0"/>
+          </a:p>
+          <a:p>
+            <a:pPr lvl="1"/>
+            <a:endParaRPr lang="de-DE" dirty="0"/>
+          </a:p>
+          <a:p>
+            <a:endParaRPr lang="de-DE" dirty="0"/>
+          </a:p>
+          <a:p>
+            <a:pPr lvl="1"/>
+            <a:endParaRPr lang="de-DE" dirty="0"/>
+          </a:p>
+          <a:p>
+            <a:pPr lvl="1"/>
+            <a:endParaRPr lang="de-DE" dirty="0"/>
+          </a:p>
+          <a:p>
+            <a:pPr lvl="1"/>
+            <a:endParaRPr lang="de-DE" dirty="0"/>
+          </a:p>
+        </p:txBody>
+      </p:sp>
+      <p:sp>
+        <p:nvSpPr>
+          <p:cNvPr id="4" name="Pfeil: nach rechts 3">
+            <a:extLst>
+              <a:ext uri="{FF2B5EF4-FFF2-40B4-BE49-F238E27FC236}">
+                <a16:creationId xmlns:a16="http://schemas.microsoft.com/office/drawing/2014/main" id="{D8082EE3-1F84-4EC7-BAE9-F85A3F201ACB}"/>
+              </a:ext>
+            </a:extLst>
+          </p:cNvPr>
+          <p:cNvSpPr/>
+          <p:nvPr/>
+        </p:nvSpPr>
+        <p:spPr>
+          <a:xfrm>
+            <a:off x="838200" y="4832106"/>
+            <a:ext cx="573350" cy="488272"/>
+          </a:xfrm>
+          <a:prstGeom prst="rightArrow">
+            <a:avLst/>
+          </a:prstGeom>
+        </p:spPr>
+        <p:style>
+          <a:lnRef idx="2">
+            <a:schemeClr val="accent1">
+              <a:shade val="50000"/>
+            </a:schemeClr>
+          </a:lnRef>
+          <a:fillRef idx="1">
+            <a:schemeClr val="accent1"/>
+          </a:fillRef>
+          <a:effectRef idx="0">
+            <a:schemeClr val="accent1"/>
+          </a:effectRef>
+          <a:fontRef idx="minor">
+            <a:schemeClr val="lt1"/>
+          </a:fontRef>
+        </p:style>
+        <p:txBody>
+          <a:bodyPr rtlCol="0" anchor="ctr"/>
+          <a:lstStyle/>
+          <a:p>
+            <a:pPr algn="ctr"/>
+            <a:endParaRPr lang="de-DE"/>
+          </a:p>
+        </p:txBody>
+      </p:sp>
+      <p:sp>
+        <p:nvSpPr>
+          <p:cNvPr id="5" name="Textfeld 4">
+            <a:extLst>
+              <a:ext uri="{FF2B5EF4-FFF2-40B4-BE49-F238E27FC236}">
+                <a16:creationId xmlns:a16="http://schemas.microsoft.com/office/drawing/2014/main" id="{D3C61265-9258-4778-A395-4613730B0328}"/>
+              </a:ext>
+            </a:extLst>
+          </p:cNvPr>
+          <p:cNvSpPr txBox="1"/>
+          <p:nvPr/>
+        </p:nvSpPr>
+        <p:spPr>
+          <a:xfrm>
+            <a:off x="1491448" y="4832106"/>
+            <a:ext cx="6312023" cy="461665"/>
+          </a:xfrm>
+          <a:prstGeom prst="rect">
+            <a:avLst/>
+          </a:prstGeom>
+          <a:noFill/>
+        </p:spPr>
+        <p:txBody>
+          <a:bodyPr wrap="square" rtlCol="0">
+            <a:spAutoFit/>
+          </a:bodyPr>
+          <a:lstStyle/>
+          <a:p>
+            <a:r>
+              <a:rPr lang="de-DE" sz="2400" dirty="0"/>
+              <a:t>Need </a:t>
+            </a:r>
+            <a:r>
+              <a:rPr lang="de-DE" sz="2400" dirty="0" err="1"/>
+              <a:t>to</a:t>
+            </a:r>
+            <a:r>
+              <a:rPr lang="de-DE" sz="2400" dirty="0"/>
+              <a:t> </a:t>
+            </a:r>
+            <a:r>
+              <a:rPr lang="de-DE" sz="2400" dirty="0" err="1"/>
+              <a:t>priorize</a:t>
+            </a:r>
+            <a:r>
+              <a:rPr lang="de-DE" sz="2400" dirty="0"/>
+              <a:t> </a:t>
+            </a:r>
+            <a:r>
+              <a:rPr lang="de-DE" sz="2400" dirty="0" err="1"/>
+              <a:t>demand</a:t>
+            </a:r>
+            <a:r>
+              <a:rPr lang="de-DE" sz="2400" dirty="0"/>
+              <a:t> </a:t>
+            </a:r>
+            <a:r>
+              <a:rPr lang="de-DE" sz="2400" dirty="0" err="1"/>
+              <a:t>of</a:t>
+            </a:r>
+            <a:r>
+              <a:rPr lang="de-DE" sz="2400" dirty="0"/>
+              <a:t> </a:t>
+            </a:r>
+            <a:r>
+              <a:rPr lang="de-DE" sz="2400" dirty="0" err="1"/>
+              <a:t>customer</a:t>
+            </a:r>
+            <a:endParaRPr lang="de-DE" sz="2400" dirty="0"/>
+          </a:p>
+        </p:txBody>
+      </p:sp>
+      <p:sp>
+        <p:nvSpPr>
+          <p:cNvPr id="6" name="Titel 1">
+            <a:extLst>
+              <a:ext uri="{FF2B5EF4-FFF2-40B4-BE49-F238E27FC236}">
+                <a16:creationId xmlns:a16="http://schemas.microsoft.com/office/drawing/2014/main" id="{3E3A3AA1-58AA-4EE7-BE49-4C9A67AF7D24}"/>
+              </a:ext>
+            </a:extLst>
+          </p:cNvPr>
+          <p:cNvSpPr txBox="1">
+            <a:spLocks/>
+          </p:cNvSpPr>
+          <p:nvPr/>
+        </p:nvSpPr>
+        <p:spPr>
+          <a:xfrm>
+            <a:off x="704961" y="119416"/>
+            <a:ext cx="10515600" cy="1325563"/>
+          </a:xfrm>
+          <a:prstGeom prst="rect">
+            <a:avLst/>
+          </a:prstGeom>
+        </p:spPr>
+        <p:txBody>
+          <a:bodyPr vert="horz" lIns="91440" tIns="45720" rIns="91440" bIns="45720" rtlCol="0" anchor="ctr">
+            <a:normAutofit/>
+          </a:bodyPr>
+          <a:lstStyle>
+            <a:lvl1pPr algn="l" defTabSz="914400" rtl="0" eaLnBrk="1" latinLnBrk="0" hangingPunct="1">
+              <a:lnSpc>
+                <a:spcPct val="90000"/>
+              </a:lnSpc>
+              <a:spcBef>
+                <a:spcPct val="0"/>
+              </a:spcBef>
+              <a:buNone/>
+              <a:defRPr sz="4400" kern="1200">
+                <a:solidFill>
+                  <a:schemeClr val="tx1"/>
+                </a:solidFill>
+                <a:latin typeface="+mj-lt"/>
+                <a:ea typeface="+mj-ea"/>
+                <a:cs typeface="+mj-cs"/>
+              </a:defRPr>
+            </a:lvl1pPr>
+          </a:lstStyle>
+          <a:p>
+            <a:r>
+              <a:rPr lang="de-DE" dirty="0" err="1"/>
+              <a:t>Challenges</a:t>
+            </a:r>
+            <a:r>
+              <a:rPr lang="de-DE" dirty="0"/>
+              <a:t> (2)</a:t>
+            </a:r>
+          </a:p>
+        </p:txBody>
+      </p:sp>
+    </p:spTree>
+    <p:extLst>
+      <p:ext uri="{BB962C8B-B14F-4D97-AF65-F5344CB8AC3E}">
+        <p14:creationId xmlns:p14="http://schemas.microsoft.com/office/powerpoint/2010/main" val="440403737"/>
+      </p:ext>
+    </p:extLst>
+  </p:cSld>
+  <p:clrMapOvr>
+    <a:masterClrMapping/>
+  </p:clrMapOvr>
+</p:sld>
+</file>
+
+<file path=ppt/slides/slide8.xml><?xml version="1.0" encoding="utf-8"?>
+<p:sld xmlns:a="http://schemas.openxmlformats.org/drawingml/2006/main" xmlns:r="http://schemas.openxmlformats.org/officeDocument/2006/relationships" xmlns:p="http://schemas.openxmlformats.org/presentationml/2006/main">
+  <p:cSld>
+    <p:spTree>
+      <p:nvGrpSpPr>
+        <p:cNvPr id="1" name=""/>
+        <p:cNvGrpSpPr/>
+        <p:nvPr/>
+      </p:nvGrpSpPr>
+      <p:grpSpPr>
+        <a:xfrm>
+          <a:off x="0" y="0"/>
+          <a:ext cx="0" cy="0"/>
+          <a:chOff x="0" y="0"/>
+          <a:chExt cx="0" cy="0"/>
+        </a:xfrm>
+      </p:grpSpPr>
+      <p:sp>
+        <p:nvSpPr>
+          <p:cNvPr id="3" name="Inhaltsplatzhalter 2">
+            <a:extLst>
+              <a:ext uri="{FF2B5EF4-FFF2-40B4-BE49-F238E27FC236}">
+                <a16:creationId xmlns:a16="http://schemas.microsoft.com/office/drawing/2014/main" id="{F4A4B6BC-72F5-4A3B-97F0-7A17513F050F}"/>
+              </a:ext>
+            </a:extLst>
+          </p:cNvPr>
+          <p:cNvSpPr>
+            <a:spLocks noGrp="1"/>
+          </p:cNvSpPr>
+          <p:nvPr>
+            <p:ph idx="1"/>
+          </p:nvPr>
+        </p:nvSpPr>
+        <p:spPr>
+          <a:xfrm>
+            <a:off x="838200" y="1825625"/>
+            <a:ext cx="10515600" cy="2675354"/>
+          </a:xfrm>
+        </p:spPr>
+        <p:txBody>
+          <a:bodyPr/>
+          <a:lstStyle/>
+          <a:p>
+            <a:r>
+              <a:rPr lang="de-DE" dirty="0" err="1"/>
+              <a:t>Get</a:t>
+            </a:r>
+            <a:r>
+              <a:rPr lang="de-DE" dirty="0"/>
+              <a:t> in-</a:t>
+            </a:r>
+            <a:r>
+              <a:rPr lang="de-DE" dirty="0" err="1"/>
+              <a:t>depth</a:t>
+            </a:r>
+            <a:r>
+              <a:rPr lang="de-DE" dirty="0"/>
+              <a:t> expert </a:t>
+            </a:r>
+            <a:r>
+              <a:rPr lang="de-DE" dirty="0" err="1"/>
+              <a:t>knowledge</a:t>
+            </a:r>
+            <a:r>
+              <a:rPr lang="de-DE" dirty="0"/>
+              <a:t> </a:t>
+            </a:r>
+            <a:r>
+              <a:rPr lang="de-DE" dirty="0" err="1"/>
+              <a:t>from</a:t>
+            </a:r>
+            <a:r>
+              <a:rPr lang="de-DE" dirty="0"/>
+              <a:t> </a:t>
+            </a:r>
+            <a:r>
+              <a:rPr lang="de-DE" dirty="0" err="1"/>
+              <a:t>employees</a:t>
+            </a:r>
+            <a:r>
+              <a:rPr lang="de-DE" dirty="0"/>
+              <a:t> </a:t>
+            </a:r>
+            <a:r>
+              <a:rPr lang="de-DE" dirty="0" err="1"/>
+              <a:t>who</a:t>
+            </a:r>
+            <a:r>
+              <a:rPr lang="de-DE" dirty="0"/>
+              <a:t> will </a:t>
+            </a:r>
+            <a:r>
+              <a:rPr lang="de-DE" dirty="0" err="1"/>
+              <a:t>be</a:t>
+            </a:r>
+            <a:r>
+              <a:rPr lang="de-DE" dirty="0"/>
+              <a:t> </a:t>
+            </a:r>
+            <a:r>
+              <a:rPr lang="de-DE" dirty="0" err="1"/>
+              <a:t>relocated</a:t>
+            </a:r>
+            <a:r>
+              <a:rPr lang="de-DE" dirty="0"/>
+              <a:t> after </a:t>
+            </a:r>
+            <a:r>
+              <a:rPr lang="de-DE" dirty="0" err="1"/>
+              <a:t>the</a:t>
+            </a:r>
+            <a:r>
+              <a:rPr lang="de-DE" dirty="0"/>
+              <a:t> </a:t>
+            </a:r>
+            <a:r>
+              <a:rPr lang="de-DE" dirty="0" err="1"/>
+              <a:t>system</a:t>
+            </a:r>
+            <a:r>
+              <a:rPr lang="de-DE" dirty="0"/>
+              <a:t> </a:t>
+            </a:r>
+            <a:r>
+              <a:rPr lang="de-DE" dirty="0" err="1"/>
+              <a:t>is</a:t>
+            </a:r>
+            <a:r>
+              <a:rPr lang="de-DE" dirty="0"/>
+              <a:t> </a:t>
+            </a:r>
+            <a:r>
+              <a:rPr lang="de-DE" dirty="0" err="1"/>
+              <a:t>implemented</a:t>
+            </a:r>
+            <a:endParaRPr lang="de-DE" dirty="0"/>
+          </a:p>
+          <a:p>
+            <a:pPr lvl="1"/>
+            <a:endParaRPr lang="de-DE" dirty="0"/>
+          </a:p>
+          <a:p>
+            <a:pPr lvl="1"/>
+            <a:endParaRPr lang="de-DE" dirty="0"/>
+          </a:p>
+          <a:p>
+            <a:endParaRPr lang="de-DE" dirty="0"/>
+          </a:p>
+          <a:p>
+            <a:pPr lvl="1"/>
+            <a:endParaRPr lang="de-DE" dirty="0"/>
+          </a:p>
+          <a:p>
+            <a:pPr lvl="1"/>
+            <a:endParaRPr lang="de-DE" dirty="0"/>
+          </a:p>
+          <a:p>
+            <a:pPr lvl="1"/>
+            <a:endParaRPr lang="de-DE" dirty="0"/>
+          </a:p>
+        </p:txBody>
+      </p:sp>
+      <p:sp>
+        <p:nvSpPr>
+          <p:cNvPr id="4" name="Pfeil: nach rechts 3">
+            <a:extLst>
+              <a:ext uri="{FF2B5EF4-FFF2-40B4-BE49-F238E27FC236}">
+                <a16:creationId xmlns:a16="http://schemas.microsoft.com/office/drawing/2014/main" id="{D8082EE3-1F84-4EC7-BAE9-F85A3F201ACB}"/>
+              </a:ext>
+            </a:extLst>
+          </p:cNvPr>
+          <p:cNvSpPr/>
+          <p:nvPr/>
+        </p:nvSpPr>
+        <p:spPr>
+          <a:xfrm>
+            <a:off x="838200" y="4832106"/>
+            <a:ext cx="573350" cy="488272"/>
+          </a:xfrm>
+          <a:prstGeom prst="rightArrow">
+            <a:avLst/>
+          </a:prstGeom>
+        </p:spPr>
+        <p:style>
+          <a:lnRef idx="2">
+            <a:schemeClr val="accent1">
+              <a:shade val="50000"/>
+            </a:schemeClr>
+          </a:lnRef>
+          <a:fillRef idx="1">
+            <a:schemeClr val="accent1"/>
+          </a:fillRef>
+          <a:effectRef idx="0">
+            <a:schemeClr val="accent1"/>
+          </a:effectRef>
+          <a:fontRef idx="minor">
+            <a:schemeClr val="lt1"/>
+          </a:fontRef>
+        </p:style>
+        <p:txBody>
+          <a:bodyPr rtlCol="0" anchor="ctr"/>
+          <a:lstStyle/>
+          <a:p>
+            <a:pPr algn="ctr"/>
+            <a:endParaRPr lang="de-DE"/>
+          </a:p>
+        </p:txBody>
+      </p:sp>
+      <p:sp>
+        <p:nvSpPr>
+          <p:cNvPr id="5" name="Textfeld 4">
+            <a:extLst>
+              <a:ext uri="{FF2B5EF4-FFF2-40B4-BE49-F238E27FC236}">
+                <a16:creationId xmlns:a16="http://schemas.microsoft.com/office/drawing/2014/main" id="{D3C61265-9258-4778-A395-4613730B0328}"/>
+              </a:ext>
+            </a:extLst>
+          </p:cNvPr>
+          <p:cNvSpPr txBox="1"/>
+          <p:nvPr/>
+        </p:nvSpPr>
+        <p:spPr>
+          <a:xfrm>
+            <a:off x="1491448" y="4832106"/>
+            <a:ext cx="6312023" cy="461665"/>
+          </a:xfrm>
+          <a:prstGeom prst="rect">
+            <a:avLst/>
+          </a:prstGeom>
+          <a:noFill/>
+        </p:spPr>
+        <p:txBody>
+          <a:bodyPr wrap="square" rtlCol="0">
+            <a:spAutoFit/>
+          </a:bodyPr>
+          <a:lstStyle/>
+          <a:p>
+            <a:r>
+              <a:rPr lang="de-DE" sz="2400" dirty="0" err="1"/>
+              <a:t>Avoid</a:t>
+            </a:r>
+            <a:r>
+              <a:rPr lang="de-DE" sz="2400" dirty="0"/>
+              <a:t> </a:t>
+            </a:r>
+            <a:r>
+              <a:rPr lang="de-DE" sz="2400" dirty="0" err="1"/>
+              <a:t>resistence</a:t>
+            </a:r>
+            <a:r>
+              <a:rPr lang="de-DE" sz="2400" dirty="0"/>
+              <a:t> </a:t>
+            </a:r>
+            <a:r>
+              <a:rPr lang="de-DE" sz="2400" dirty="0" err="1"/>
+              <a:t>of</a:t>
+            </a:r>
+            <a:r>
+              <a:rPr lang="de-DE" sz="2400" dirty="0"/>
+              <a:t> </a:t>
+            </a:r>
+            <a:r>
+              <a:rPr lang="de-DE" sz="2400" dirty="0" err="1"/>
+              <a:t>affected</a:t>
+            </a:r>
+            <a:r>
+              <a:rPr lang="de-DE" sz="2400" dirty="0"/>
+              <a:t> </a:t>
+            </a:r>
+            <a:r>
+              <a:rPr lang="de-DE" sz="2400" dirty="0" err="1"/>
+              <a:t>employees</a:t>
+            </a:r>
+            <a:endParaRPr lang="de-DE" sz="2400" dirty="0"/>
+          </a:p>
+        </p:txBody>
+      </p:sp>
+      <p:sp>
+        <p:nvSpPr>
+          <p:cNvPr id="6" name="Titel 1">
+            <a:extLst>
+              <a:ext uri="{FF2B5EF4-FFF2-40B4-BE49-F238E27FC236}">
+                <a16:creationId xmlns:a16="http://schemas.microsoft.com/office/drawing/2014/main" id="{3E3A3AA1-58AA-4EE7-BE49-4C9A67AF7D24}"/>
+              </a:ext>
+            </a:extLst>
+          </p:cNvPr>
+          <p:cNvSpPr txBox="1">
+            <a:spLocks/>
+          </p:cNvSpPr>
+          <p:nvPr/>
+        </p:nvSpPr>
+        <p:spPr>
+          <a:xfrm>
+            <a:off x="704961" y="119416"/>
+            <a:ext cx="10515600" cy="1325563"/>
+          </a:xfrm>
+          <a:prstGeom prst="rect">
+            <a:avLst/>
+          </a:prstGeom>
+        </p:spPr>
+        <p:txBody>
+          <a:bodyPr vert="horz" lIns="91440" tIns="45720" rIns="91440" bIns="45720" rtlCol="0" anchor="ctr">
+            <a:normAutofit/>
+          </a:bodyPr>
+          <a:lstStyle>
+            <a:lvl1pPr algn="l" defTabSz="914400" rtl="0" eaLnBrk="1" latinLnBrk="0" hangingPunct="1">
+              <a:lnSpc>
+                <a:spcPct val="90000"/>
+              </a:lnSpc>
+              <a:spcBef>
+                <a:spcPct val="0"/>
+              </a:spcBef>
+              <a:buNone/>
+              <a:defRPr sz="4400" kern="1200">
+                <a:solidFill>
+                  <a:schemeClr val="tx1"/>
+                </a:solidFill>
+                <a:latin typeface="+mj-lt"/>
+                <a:ea typeface="+mj-ea"/>
+                <a:cs typeface="+mj-cs"/>
+              </a:defRPr>
+            </a:lvl1pPr>
+          </a:lstStyle>
+          <a:p>
+            <a:r>
+              <a:rPr lang="de-DE" dirty="0" err="1"/>
+              <a:t>Challenges</a:t>
+            </a:r>
+            <a:r>
+              <a:rPr lang="de-DE" dirty="0"/>
+              <a:t> (3)</a:t>
+            </a:r>
+          </a:p>
+        </p:txBody>
+      </p:sp>
+    </p:spTree>
+    <p:extLst>
+      <p:ext uri="{BB962C8B-B14F-4D97-AF65-F5344CB8AC3E}">
+        <p14:creationId xmlns:p14="http://schemas.microsoft.com/office/powerpoint/2010/main" val="734460898"/>
+      </p:ext>
+    </p:extLst>
+  </p:cSld>
+  <p:clrMapOvr>
+    <a:masterClrMapping/>
+  </p:clrMapOvr>
+</p:sld>
+</file>
+
+<file path=ppt/slides/slide9.xml><?xml version="1.0" encoding="utf-8"?>
+<p:sld xmlns:a="http://schemas.openxmlformats.org/drawingml/2006/main" xmlns:r="http://schemas.openxmlformats.org/officeDocument/2006/relationships" xmlns:p="http://schemas.openxmlformats.org/presentationml/2006/main">
+  <p:cSld>
+    <p:spTree>
+      <p:nvGrpSpPr>
+        <p:cNvPr id="1" name=""/>
+        <p:cNvGrpSpPr/>
+        <p:nvPr/>
+      </p:nvGrpSpPr>
+      <p:grpSpPr>
+        <a:xfrm>
+          <a:off x="0" y="0"/>
+          <a:ext cx="0" cy="0"/>
+          <a:chOff x="0" y="0"/>
+          <a:chExt cx="0" cy="0"/>
+        </a:xfrm>
+      </p:grpSpPr>
+      <p:sp>
+        <p:nvSpPr>
+          <p:cNvPr id="3" name="Inhaltsplatzhalter 2">
+            <a:extLst>
+              <a:ext uri="{FF2B5EF4-FFF2-40B4-BE49-F238E27FC236}">
+                <a16:creationId xmlns:a16="http://schemas.microsoft.com/office/drawing/2014/main" id="{F4A4B6BC-72F5-4A3B-97F0-7A17513F050F}"/>
+              </a:ext>
+            </a:extLst>
+          </p:cNvPr>
+          <p:cNvSpPr>
+            <a:spLocks noGrp="1"/>
+          </p:cNvSpPr>
+          <p:nvPr>
+            <p:ph idx="1"/>
+          </p:nvPr>
+        </p:nvSpPr>
+        <p:spPr>
+          <a:xfrm>
+            <a:off x="838200" y="1686757"/>
+            <a:ext cx="10515600" cy="3977196"/>
+          </a:xfrm>
+        </p:spPr>
+        <p:txBody>
+          <a:bodyPr>
+            <a:normAutofit/>
+          </a:bodyPr>
+          <a:lstStyle/>
+          <a:p>
+            <a:pPr marL="0" indent="0">
+              <a:buNone/>
+            </a:pPr>
+            <a:r>
+              <a:rPr lang="de-DE" dirty="0"/>
+              <a:t>Problem: Combine </a:t>
+            </a:r>
+            <a:r>
+              <a:rPr lang="de-DE" dirty="0" err="1"/>
+              <a:t>several</a:t>
+            </a:r>
+            <a:r>
+              <a:rPr lang="de-DE" dirty="0"/>
+              <a:t> </a:t>
+            </a:r>
+            <a:r>
+              <a:rPr lang="de-DE" dirty="0" err="1"/>
+              <a:t>data</a:t>
+            </a:r>
+            <a:r>
+              <a:rPr lang="de-DE" dirty="0"/>
+              <a:t> </a:t>
+            </a:r>
+            <a:r>
+              <a:rPr lang="de-DE" dirty="0" err="1"/>
+              <a:t>sources</a:t>
+            </a:r>
+            <a:r>
+              <a:rPr lang="de-DE" dirty="0"/>
+              <a:t> </a:t>
+            </a:r>
+            <a:r>
+              <a:rPr lang="de-DE" dirty="0" err="1"/>
+              <a:t>from</a:t>
+            </a:r>
+            <a:r>
+              <a:rPr lang="de-DE" dirty="0"/>
+              <a:t> different </a:t>
+            </a:r>
+            <a:r>
+              <a:rPr lang="de-DE" dirty="0" err="1"/>
+              <a:t>department</a:t>
+            </a:r>
+            <a:endParaRPr lang="de-DE" dirty="0"/>
+          </a:p>
+          <a:p>
+            <a:pPr marL="0" indent="0">
+              <a:buNone/>
+            </a:pPr>
+            <a:endParaRPr lang="de-DE" dirty="0"/>
+          </a:p>
+          <a:p>
+            <a:pPr marL="0" indent="0">
+              <a:buNone/>
+            </a:pPr>
+            <a:endParaRPr lang="de-DE" dirty="0"/>
+          </a:p>
+          <a:p>
+            <a:r>
+              <a:rPr lang="de-DE" dirty="0" err="1"/>
+              <a:t>Employ</a:t>
+            </a:r>
+            <a:r>
+              <a:rPr lang="de-DE" dirty="0"/>
+              <a:t> CDO </a:t>
+            </a:r>
+            <a:r>
+              <a:rPr lang="de-DE" dirty="0" err="1"/>
+              <a:t>that</a:t>
+            </a:r>
+            <a:r>
+              <a:rPr lang="de-DE" dirty="0"/>
+              <a:t> </a:t>
+            </a:r>
+            <a:r>
+              <a:rPr lang="de-DE" dirty="0" err="1"/>
+              <a:t>has</a:t>
+            </a:r>
+            <a:r>
+              <a:rPr lang="de-DE" dirty="0"/>
+              <a:t> </a:t>
+            </a:r>
+            <a:r>
+              <a:rPr lang="de-DE" dirty="0" err="1"/>
+              <a:t>the</a:t>
+            </a:r>
+            <a:r>
+              <a:rPr lang="de-DE" dirty="0"/>
+              <a:t> power </a:t>
+            </a:r>
+            <a:r>
+              <a:rPr lang="de-DE" dirty="0" err="1"/>
+              <a:t>to</a:t>
+            </a:r>
+            <a:r>
+              <a:rPr lang="de-DE" dirty="0"/>
+              <a:t> </a:t>
+            </a:r>
+            <a:r>
+              <a:rPr lang="de-DE" dirty="0" err="1"/>
+              <a:t>access</a:t>
+            </a:r>
+            <a:r>
+              <a:rPr lang="de-DE" dirty="0"/>
+              <a:t> all </a:t>
+            </a:r>
+            <a:r>
+              <a:rPr lang="de-DE" dirty="0" err="1"/>
+              <a:t>data</a:t>
+            </a:r>
+            <a:r>
+              <a:rPr lang="de-DE" dirty="0"/>
+              <a:t> </a:t>
+            </a:r>
+            <a:r>
+              <a:rPr lang="de-DE" dirty="0" err="1"/>
+              <a:t>sources</a:t>
+            </a:r>
+            <a:r>
+              <a:rPr lang="de-DE" dirty="0"/>
+              <a:t> </a:t>
+            </a:r>
+            <a:r>
+              <a:rPr lang="de-DE" dirty="0" err="1"/>
+              <a:t>without</a:t>
+            </a:r>
+            <a:r>
+              <a:rPr lang="de-DE" dirty="0"/>
+              <a:t> time </a:t>
+            </a:r>
+            <a:r>
+              <a:rPr lang="de-DE" dirty="0" err="1"/>
+              <a:t>consuming</a:t>
+            </a:r>
+            <a:r>
+              <a:rPr lang="de-DE" dirty="0"/>
+              <a:t> IT </a:t>
+            </a:r>
+            <a:r>
+              <a:rPr lang="de-DE" dirty="0" err="1"/>
+              <a:t>department</a:t>
+            </a:r>
+            <a:r>
+              <a:rPr lang="de-DE" dirty="0"/>
+              <a:t> </a:t>
+            </a:r>
+            <a:r>
+              <a:rPr lang="de-DE" dirty="0" err="1"/>
+              <a:t>approval</a:t>
+            </a:r>
+            <a:endParaRPr lang="de-DE" dirty="0"/>
+          </a:p>
+          <a:p>
+            <a:r>
+              <a:rPr lang="de-DE" dirty="0"/>
+              <a:t>In </a:t>
+            </a:r>
+            <a:r>
+              <a:rPr lang="de-DE" dirty="0" err="1"/>
+              <a:t>general</a:t>
+            </a:r>
+            <a:r>
+              <a:rPr lang="de-DE" dirty="0"/>
+              <a:t>: </a:t>
+            </a:r>
+            <a:r>
+              <a:rPr lang="de-DE" dirty="0" err="1"/>
+              <a:t>Avoid</a:t>
+            </a:r>
+            <a:r>
+              <a:rPr lang="de-DE" dirty="0"/>
+              <a:t> </a:t>
+            </a:r>
+            <a:r>
+              <a:rPr lang="de-DE" dirty="0" err="1"/>
+              <a:t>using</a:t>
+            </a:r>
+            <a:r>
+              <a:rPr lang="de-DE" dirty="0"/>
+              <a:t> </a:t>
+            </a:r>
+            <a:r>
+              <a:rPr lang="de-DE" dirty="0" err="1"/>
+              <a:t>excel</a:t>
+            </a:r>
+            <a:r>
+              <a:rPr lang="de-DE" dirty="0"/>
+              <a:t> </a:t>
+            </a:r>
+            <a:r>
+              <a:rPr lang="de-DE" dirty="0" err="1"/>
+              <a:t>for</a:t>
+            </a:r>
+            <a:r>
+              <a:rPr lang="de-DE" dirty="0"/>
+              <a:t> </a:t>
+            </a:r>
+            <a:r>
+              <a:rPr lang="de-DE" dirty="0" err="1"/>
+              <a:t>data</a:t>
+            </a:r>
+            <a:r>
+              <a:rPr lang="de-DE" dirty="0"/>
+              <a:t> </a:t>
+            </a:r>
+            <a:r>
+              <a:rPr lang="de-DE" dirty="0" err="1"/>
+              <a:t>storage</a:t>
+            </a:r>
+            <a:r>
+              <a:rPr lang="de-DE" dirty="0"/>
+              <a:t> (e.g. </a:t>
+            </a:r>
+            <a:r>
+              <a:rPr lang="de-DE" dirty="0" err="1"/>
+              <a:t>use</a:t>
+            </a:r>
+            <a:r>
+              <a:rPr lang="de-DE" dirty="0"/>
+              <a:t> different source </a:t>
+            </a:r>
+            <a:r>
+              <a:rPr lang="de-DE" dirty="0" err="1"/>
+              <a:t>for</a:t>
+            </a:r>
+            <a:r>
+              <a:rPr lang="de-DE" dirty="0"/>
+              <a:t> </a:t>
+            </a:r>
+            <a:r>
+              <a:rPr lang="de-DE" dirty="0" err="1"/>
+              <a:t>machine</a:t>
+            </a:r>
+            <a:r>
+              <a:rPr lang="de-DE" dirty="0"/>
+              <a:t> </a:t>
+            </a:r>
+            <a:r>
+              <a:rPr lang="de-DE" dirty="0" err="1"/>
+              <a:t>availability</a:t>
+            </a:r>
+            <a:r>
+              <a:rPr lang="de-DE" dirty="0"/>
+              <a:t>)</a:t>
+            </a:r>
+          </a:p>
+          <a:p>
+            <a:r>
+              <a:rPr lang="de-DE" dirty="0"/>
+              <a:t>New </a:t>
+            </a:r>
+            <a:r>
+              <a:rPr lang="de-DE" dirty="0" err="1"/>
+              <a:t>data-warehouse</a:t>
+            </a:r>
+            <a:r>
+              <a:rPr lang="de-DE" dirty="0"/>
+              <a:t> </a:t>
+            </a:r>
+            <a:r>
+              <a:rPr lang="de-DE" dirty="0" err="1"/>
+              <a:t>for</a:t>
+            </a:r>
+            <a:r>
+              <a:rPr lang="de-DE" dirty="0"/>
+              <a:t> </a:t>
+            </a:r>
+            <a:r>
+              <a:rPr lang="de-DE" dirty="0" err="1"/>
+              <a:t>combined</a:t>
+            </a:r>
+            <a:r>
+              <a:rPr lang="de-DE" dirty="0"/>
+              <a:t> </a:t>
+            </a:r>
+            <a:r>
+              <a:rPr lang="de-DE" dirty="0" err="1"/>
+              <a:t>data</a:t>
+            </a:r>
+            <a:endParaRPr lang="de-DE" dirty="0"/>
+          </a:p>
+          <a:p>
+            <a:endParaRPr lang="de-DE" dirty="0"/>
+          </a:p>
+          <a:p>
+            <a:endParaRPr lang="de-DE" dirty="0"/>
+          </a:p>
+          <a:p>
+            <a:endParaRPr lang="de-DE" dirty="0"/>
+          </a:p>
+          <a:p>
+            <a:pPr lvl="1"/>
+            <a:endParaRPr lang="de-DE" dirty="0"/>
+          </a:p>
+          <a:p>
+            <a:pPr lvl="1"/>
+            <a:endParaRPr lang="de-DE" dirty="0"/>
+          </a:p>
+          <a:p>
+            <a:pPr lvl="1"/>
+            <a:endParaRPr lang="de-DE" dirty="0"/>
+          </a:p>
+        </p:txBody>
+      </p:sp>
+      <p:sp>
+        <p:nvSpPr>
+          <p:cNvPr id="6" name="Titel 1">
+            <a:extLst>
+              <a:ext uri="{FF2B5EF4-FFF2-40B4-BE49-F238E27FC236}">
+                <a16:creationId xmlns:a16="http://schemas.microsoft.com/office/drawing/2014/main" id="{3E3A3AA1-58AA-4EE7-BE49-4C9A67AF7D24}"/>
+              </a:ext>
+            </a:extLst>
+          </p:cNvPr>
+          <p:cNvSpPr txBox="1">
+            <a:spLocks/>
+          </p:cNvSpPr>
+          <p:nvPr/>
+        </p:nvSpPr>
+        <p:spPr>
+          <a:xfrm>
+            <a:off x="704961" y="119416"/>
+            <a:ext cx="10515600" cy="1325563"/>
+          </a:xfrm>
+          <a:prstGeom prst="rect">
+            <a:avLst/>
+          </a:prstGeom>
+        </p:spPr>
+        <p:txBody>
+          <a:bodyPr vert="horz" lIns="91440" tIns="45720" rIns="91440" bIns="45720" rtlCol="0" anchor="ctr">
+            <a:normAutofit/>
+          </a:bodyPr>
+          <a:lstStyle>
+            <a:lvl1pPr algn="l" defTabSz="914400" rtl="0" eaLnBrk="1" latinLnBrk="0" hangingPunct="1">
+              <a:lnSpc>
+                <a:spcPct val="90000"/>
+              </a:lnSpc>
+              <a:spcBef>
+                <a:spcPct val="0"/>
+              </a:spcBef>
+              <a:buNone/>
+              <a:defRPr sz="4400" kern="1200">
+                <a:solidFill>
+                  <a:schemeClr val="tx1"/>
+                </a:solidFill>
+                <a:latin typeface="+mj-lt"/>
+                <a:ea typeface="+mj-ea"/>
+                <a:cs typeface="+mj-cs"/>
+              </a:defRPr>
+            </a:lvl1pPr>
+          </a:lstStyle>
+          <a:p>
+            <a:r>
+              <a:rPr lang="de-DE" dirty="0"/>
+              <a:t>Solutions (1)</a:t>
+            </a:r>
+          </a:p>
+        </p:txBody>
+      </p:sp>
+    </p:spTree>
+    <p:extLst>
+      <p:ext uri="{BB962C8B-B14F-4D97-AF65-F5344CB8AC3E}">
+        <p14:creationId xmlns:p14="http://schemas.microsoft.com/office/powerpoint/2010/main" val="3733509209"/>
       </p:ext>
     </p:extLst>
   </p:cSld>

--- a/desandere.pptx
+++ b/desandere.pptx
@@ -5570,6 +5570,48 @@
           <a:p>
             <a:r>
               <a:rPr lang="de-DE" dirty="0" err="1"/>
+              <a:t>Failures</a:t>
+            </a:r>
+            <a:r>
+              <a:rPr lang="de-DE" dirty="0"/>
+              <a:t> </a:t>
+            </a:r>
+            <a:r>
+              <a:rPr lang="de-DE" dirty="0" err="1"/>
+              <a:t>of</a:t>
+            </a:r>
+            <a:r>
+              <a:rPr lang="de-DE" dirty="0"/>
+              <a:t> </a:t>
+            </a:r>
+            <a:r>
+              <a:rPr lang="de-DE" dirty="0" err="1"/>
+              <a:t>previous</a:t>
+            </a:r>
+            <a:r>
+              <a:rPr lang="de-DE" dirty="0"/>
+              <a:t> </a:t>
+            </a:r>
+            <a:r>
+              <a:rPr lang="de-DE" dirty="0" err="1"/>
+              <a:t>attempt</a:t>
+            </a:r>
+            <a:r>
+              <a:rPr lang="de-DE" dirty="0"/>
+              <a:t> (real </a:t>
+            </a:r>
+            <a:r>
+              <a:rPr lang="de-DE" dirty="0" err="1"/>
+              <a:t>case</a:t>
+            </a:r>
+            <a:r>
+              <a:rPr lang="de-DE" dirty="0"/>
+              <a:t>) </a:t>
+            </a:r>
+          </a:p>
+          <a:p>
+            <a:r>
+              <a:rPr lang="de-DE" dirty="0" err="1"/>
               <a:t>Conclusion</a:t>
             </a:r>
             <a:endParaRPr lang="de-DE" dirty="0"/>
@@ -5726,21 +5768,6 @@
               <a:rPr lang="de-DE" dirty="0"/>
               <a:t> time</a:t>
             </a:r>
-          </a:p>
-          <a:p>
-            <a:r>
-              <a:rPr lang="de-DE" dirty="0" err="1"/>
-              <a:t>Harmonized</a:t>
-            </a:r>
-            <a:r>
-              <a:rPr lang="de-DE" dirty="0"/>
-              <a:t> </a:t>
-            </a:r>
-            <a:r>
-              <a:rPr lang="de-DE" dirty="0" err="1"/>
-              <a:t>production</a:t>
-            </a:r>
-            <a:endParaRPr lang="de-DE" dirty="0"/>
           </a:p>
         </p:txBody>
       </p:sp>

--- a/desandere.pptx
+++ b/desandere.pptx
@@ -5,7 +5,7 @@
     <p:sldMasterId id="2147483648" r:id="rId1"/>
   </p:sldMasterIdLst>
   <p:notesMasterIdLst>
-    <p:notesMasterId r:id="rId14"/>
+    <p:notesMasterId r:id="rId16"/>
   </p:notesMasterIdLst>
   <p:sldIdLst>
     <p:sldId id="256" r:id="rId2"/>
@@ -20,6 +20,8 @@
     <p:sldId id="265" r:id="rId11"/>
     <p:sldId id="266" r:id="rId12"/>
     <p:sldId id="267" r:id="rId13"/>
+    <p:sldId id="268" r:id="rId14"/>
+    <p:sldId id="269" r:id="rId15"/>
   </p:sldIdLst>
   <p:sldSz cx="12192000" cy="6858000"/>
   <p:notesSz cx="6858000" cy="9144000"/>
@@ -208,7 +210,7 @@
           <a:p>
             <a:fld id="{04B66904-539A-46A5-98F7-96871EEB340D}" type="datetimeFigureOut">
               <a:rPr lang="de-DE" smtClean="0"/>
-              <a:t>24.09.2020</a:t>
+              <a:t>25.09.2020</a:t>
             </a:fld>
             <a:endParaRPr lang="de-DE"/>
           </a:p>
@@ -790,7 +792,7 @@
           <a:p>
             <a:fld id="{ED306571-A879-40C1-9406-C62EED140F2F}" type="datetimeFigureOut">
               <a:rPr lang="de-DE" smtClean="0"/>
-              <a:t>24.09.2020</a:t>
+              <a:t>25.09.2020</a:t>
             </a:fld>
             <a:endParaRPr lang="de-DE"/>
           </a:p>
@@ -988,7 +990,7 @@
           <a:p>
             <a:fld id="{ED306571-A879-40C1-9406-C62EED140F2F}" type="datetimeFigureOut">
               <a:rPr lang="de-DE" smtClean="0"/>
-              <a:t>24.09.2020</a:t>
+              <a:t>25.09.2020</a:t>
             </a:fld>
             <a:endParaRPr lang="de-DE"/>
           </a:p>
@@ -1196,7 +1198,7 @@
           <a:p>
             <a:fld id="{ED306571-A879-40C1-9406-C62EED140F2F}" type="datetimeFigureOut">
               <a:rPr lang="de-DE" smtClean="0"/>
-              <a:t>24.09.2020</a:t>
+              <a:t>25.09.2020</a:t>
             </a:fld>
             <a:endParaRPr lang="de-DE"/>
           </a:p>
@@ -1394,7 +1396,7 @@
           <a:p>
             <a:fld id="{ED306571-A879-40C1-9406-C62EED140F2F}" type="datetimeFigureOut">
               <a:rPr lang="de-DE" smtClean="0"/>
-              <a:t>24.09.2020</a:t>
+              <a:t>25.09.2020</a:t>
             </a:fld>
             <a:endParaRPr lang="de-DE"/>
           </a:p>
@@ -1669,7 +1671,7 @@
           <a:p>
             <a:fld id="{ED306571-A879-40C1-9406-C62EED140F2F}" type="datetimeFigureOut">
               <a:rPr lang="de-DE" smtClean="0"/>
-              <a:t>24.09.2020</a:t>
+              <a:t>25.09.2020</a:t>
             </a:fld>
             <a:endParaRPr lang="de-DE"/>
           </a:p>
@@ -1934,7 +1936,7 @@
           <a:p>
             <a:fld id="{ED306571-A879-40C1-9406-C62EED140F2F}" type="datetimeFigureOut">
               <a:rPr lang="de-DE" smtClean="0"/>
-              <a:t>24.09.2020</a:t>
+              <a:t>25.09.2020</a:t>
             </a:fld>
             <a:endParaRPr lang="de-DE"/>
           </a:p>
@@ -2346,7 +2348,7 @@
           <a:p>
             <a:fld id="{ED306571-A879-40C1-9406-C62EED140F2F}" type="datetimeFigureOut">
               <a:rPr lang="de-DE" smtClean="0"/>
-              <a:t>24.09.2020</a:t>
+              <a:t>25.09.2020</a:t>
             </a:fld>
             <a:endParaRPr lang="de-DE"/>
           </a:p>
@@ -2487,7 +2489,7 @@
           <a:p>
             <a:fld id="{ED306571-A879-40C1-9406-C62EED140F2F}" type="datetimeFigureOut">
               <a:rPr lang="de-DE" smtClean="0"/>
-              <a:t>24.09.2020</a:t>
+              <a:t>25.09.2020</a:t>
             </a:fld>
             <a:endParaRPr lang="de-DE"/>
           </a:p>
@@ -2600,7 +2602,7 @@
           <a:p>
             <a:fld id="{ED306571-A879-40C1-9406-C62EED140F2F}" type="datetimeFigureOut">
               <a:rPr lang="de-DE" smtClean="0"/>
-              <a:t>24.09.2020</a:t>
+              <a:t>25.09.2020</a:t>
             </a:fld>
             <a:endParaRPr lang="de-DE"/>
           </a:p>
@@ -2911,7 +2913,7 @@
           <a:p>
             <a:fld id="{ED306571-A879-40C1-9406-C62EED140F2F}" type="datetimeFigureOut">
               <a:rPr lang="de-DE" smtClean="0"/>
-              <a:t>24.09.2020</a:t>
+              <a:t>25.09.2020</a:t>
             </a:fld>
             <a:endParaRPr lang="de-DE"/>
           </a:p>
@@ -3199,7 +3201,7 @@
           <a:p>
             <a:fld id="{ED306571-A879-40C1-9406-C62EED140F2F}" type="datetimeFigureOut">
               <a:rPr lang="de-DE" smtClean="0"/>
-              <a:t>24.09.2020</a:t>
+              <a:t>25.09.2020</a:t>
             </a:fld>
             <a:endParaRPr lang="de-DE"/>
           </a:p>
@@ -3440,7 +3442,7 @@
           <a:p>
             <a:fld id="{ED306571-A879-40C1-9406-C62EED140F2F}" type="datetimeFigureOut">
               <a:rPr lang="de-DE" smtClean="0"/>
-              <a:t>24.09.2020</a:t>
+              <a:t>25.09.2020</a:t>
             </a:fld>
             <a:endParaRPr lang="de-DE"/>
           </a:p>
@@ -5090,7 +5092,7 @@
         </p:nvSpPr>
         <p:spPr>
           <a:xfrm>
-            <a:off x="838200" y="1686757"/>
+            <a:off x="278018" y="3662601"/>
             <a:ext cx="10515600" cy="4483224"/>
           </a:xfrm>
           <a:prstGeom prst="rect">
@@ -5266,547 +5268,1482 @@
             </a:lvl9pPr>
           </a:lstStyle>
           <a:p>
-            <a:r>
-              <a:rPr lang="de-DE" dirty="0" err="1"/>
-              <a:t>Expectation</a:t>
-            </a:r>
-            <a:r>
-              <a:rPr lang="de-DE" dirty="0"/>
-              <a:t> </a:t>
-            </a:r>
-            <a:r>
-              <a:rPr lang="de-DE" dirty="0" err="1"/>
-              <a:t>of</a:t>
-            </a:r>
-            <a:r>
-              <a:rPr lang="de-DE" dirty="0"/>
-              <a:t> </a:t>
-            </a:r>
-            <a:r>
-              <a:rPr lang="de-DE" dirty="0" err="1"/>
-              <a:t>management</a:t>
-            </a:r>
-            <a:r>
-              <a:rPr lang="de-DE" dirty="0"/>
-              <a:t>:</a:t>
-            </a:r>
-          </a:p>
-          <a:p>
-            <a:pPr lvl="1"/>
-            <a:r>
-              <a:rPr lang="de-DE" dirty="0"/>
-              <a:t>Implementation in </a:t>
-            </a:r>
-            <a:r>
-              <a:rPr lang="de-DE" dirty="0" err="1"/>
-              <a:t>production</a:t>
-            </a:r>
-            <a:r>
-              <a:rPr lang="de-DE" dirty="0"/>
-              <a:t> </a:t>
-            </a:r>
-            <a:r>
-              <a:rPr lang="de-DE" dirty="0" err="1"/>
-              <a:t>within</a:t>
-            </a:r>
-            <a:r>
-              <a:rPr lang="de-DE" dirty="0"/>
-              <a:t> </a:t>
-            </a:r>
-            <a:r>
-              <a:rPr lang="de-DE" dirty="0" err="1"/>
-              <a:t>weeks</a:t>
-            </a:r>
-            <a:endParaRPr lang="de-DE" dirty="0"/>
-          </a:p>
-          <a:p>
-            <a:pPr lvl="1"/>
-            <a:r>
-              <a:rPr lang="de-DE" dirty="0"/>
-              <a:t>Low </a:t>
-            </a:r>
-            <a:r>
-              <a:rPr lang="de-DE" dirty="0" err="1"/>
-              <a:t>budget</a:t>
-            </a:r>
-            <a:endParaRPr lang="de-DE" dirty="0"/>
-          </a:p>
-          <a:p>
             <a:pPr lvl="1"/>
             <a:endParaRPr lang="de-DE" dirty="0"/>
           </a:p>
-          <a:p>
-            <a:r>
-              <a:rPr lang="de-DE" dirty="0"/>
-              <a:t>Outsource </a:t>
-            </a:r>
-            <a:r>
-              <a:rPr lang="de-DE" dirty="0" err="1"/>
-              <a:t>development</a:t>
-            </a:r>
-            <a:r>
-              <a:rPr lang="de-DE" dirty="0"/>
-              <a:t> </a:t>
-            </a:r>
-            <a:r>
-              <a:rPr lang="de-DE" dirty="0" err="1"/>
-              <a:t>of</a:t>
-            </a:r>
-            <a:r>
-              <a:rPr lang="de-DE" dirty="0"/>
-              <a:t> AI </a:t>
-            </a:r>
-            <a:r>
-              <a:rPr lang="de-DE" dirty="0" err="1"/>
-              <a:t>system</a:t>
-            </a:r>
-            <a:endParaRPr lang="de-DE" dirty="0"/>
-          </a:p>
-          <a:p>
-            <a:pPr lvl="1"/>
-            <a:r>
-              <a:rPr lang="de-DE" dirty="0" err="1"/>
-              <a:t>No</a:t>
-            </a:r>
-            <a:r>
-              <a:rPr lang="de-DE" dirty="0"/>
-              <a:t> </a:t>
-            </a:r>
-            <a:r>
-              <a:rPr lang="de-DE" dirty="0" err="1"/>
-              <a:t>insight</a:t>
-            </a:r>
-            <a:r>
-              <a:rPr lang="de-DE" dirty="0"/>
-              <a:t> </a:t>
-            </a:r>
-            <a:r>
-              <a:rPr lang="de-DE" dirty="0" err="1"/>
-              <a:t>knowledge</a:t>
-            </a:r>
-            <a:endParaRPr lang="de-DE" dirty="0"/>
-          </a:p>
-          <a:p>
-            <a:pPr lvl="1"/>
-            <a:r>
-              <a:rPr lang="de-DE" dirty="0" err="1"/>
-              <a:t>Too</a:t>
-            </a:r>
-            <a:r>
-              <a:rPr lang="de-DE" dirty="0"/>
-              <a:t> </a:t>
-            </a:r>
-            <a:r>
-              <a:rPr lang="de-DE" dirty="0" err="1"/>
-              <a:t>few</a:t>
-            </a:r>
-            <a:r>
-              <a:rPr lang="de-DE" dirty="0"/>
-              <a:t> </a:t>
-            </a:r>
-            <a:r>
-              <a:rPr lang="de-DE" dirty="0" err="1"/>
-              <a:t>test</a:t>
-            </a:r>
-            <a:r>
-              <a:rPr lang="de-DE" dirty="0"/>
-              <a:t> </a:t>
-            </a:r>
-            <a:r>
-              <a:rPr lang="de-DE" dirty="0" err="1"/>
-              <a:t>meetings</a:t>
-            </a:r>
-            <a:endParaRPr lang="de-DE"/>
-          </a:p>
-          <a:p>
-            <a:pPr lvl="1"/>
-            <a:endParaRPr lang="de-DE" dirty="0"/>
-          </a:p>
         </p:txBody>
       </p:sp>
-    </p:spTree>
-    <p:extLst>
-      <p:ext uri="{BB962C8B-B14F-4D97-AF65-F5344CB8AC3E}">
-        <p14:creationId xmlns:p14="http://schemas.microsoft.com/office/powerpoint/2010/main" val="1441180185"/>
-      </p:ext>
-    </p:extLst>
-  </p:cSld>
-  <p:clrMapOvr>
-    <a:masterClrMapping/>
-  </p:clrMapOvr>
-</p:sld>
-</file>
-
-<file path=ppt/slides/slide2.xml><?xml version="1.0" encoding="utf-8"?>
-<p:sld xmlns:a="http://schemas.openxmlformats.org/drawingml/2006/main" xmlns:r="http://schemas.openxmlformats.org/officeDocument/2006/relationships" xmlns:p="http://schemas.openxmlformats.org/presentationml/2006/main">
-  <p:cSld>
-    <p:spTree>
-      <p:nvGrpSpPr>
-        <p:cNvPr id="1" name=""/>
-        <p:cNvGrpSpPr/>
-        <p:nvPr/>
-      </p:nvGrpSpPr>
-      <p:grpSpPr>
-        <a:xfrm>
-          <a:off x="0" y="0"/>
-          <a:ext cx="0" cy="0"/>
-          <a:chOff x="0" y="0"/>
-          <a:chExt cx="0" cy="0"/>
-        </a:xfrm>
-      </p:grpSpPr>
+      <p:grpSp>
+        <p:nvGrpSpPr>
+          <p:cNvPr id="4" name="Gruppieren 3">
+            <a:extLst>
+              <a:ext uri="{FF2B5EF4-FFF2-40B4-BE49-F238E27FC236}">
+                <a16:creationId xmlns:a16="http://schemas.microsoft.com/office/drawing/2014/main" id="{6F82FBBE-A8F5-4C1A-8FF2-A7FB5DA0D4BE}"/>
+              </a:ext>
+            </a:extLst>
+          </p:cNvPr>
+          <p:cNvGrpSpPr/>
+          <p:nvPr/>
+        </p:nvGrpSpPr>
+        <p:grpSpPr>
+          <a:xfrm>
+            <a:off x="1787735" y="1349646"/>
+            <a:ext cx="7522583" cy="2941129"/>
+            <a:chOff x="2083409" y="1114202"/>
+            <a:chExt cx="7522583" cy="2941129"/>
+          </a:xfrm>
+        </p:grpSpPr>
+        <p:sp>
+          <p:nvSpPr>
+            <p:cNvPr id="5" name="Rechteck 4">
+              <a:extLst>
+                <a:ext uri="{FF2B5EF4-FFF2-40B4-BE49-F238E27FC236}">
+                  <a16:creationId xmlns:a16="http://schemas.microsoft.com/office/drawing/2014/main" id="{3A0B1CD9-8159-467E-A119-39C6413401D8}"/>
+                </a:ext>
+              </a:extLst>
+            </p:cNvPr>
+            <p:cNvSpPr/>
+            <p:nvPr/>
+          </p:nvSpPr>
+          <p:spPr>
+            <a:xfrm>
+              <a:off x="2083409" y="1146324"/>
+              <a:ext cx="7522583" cy="2909007"/>
+            </a:xfrm>
+            <a:prstGeom prst="rect">
+              <a:avLst/>
+            </a:prstGeom>
+            <a:solidFill>
+              <a:schemeClr val="bg2"/>
+            </a:solidFill>
+            <a:ln w="28575">
+              <a:solidFill>
+                <a:schemeClr val="tx1"/>
+              </a:solidFill>
+            </a:ln>
+          </p:spPr>
+          <p:style>
+            <a:lnRef idx="2">
+              <a:schemeClr val="accent6"/>
+            </a:lnRef>
+            <a:fillRef idx="1">
+              <a:schemeClr val="lt1"/>
+            </a:fillRef>
+            <a:effectRef idx="0">
+              <a:schemeClr val="accent6"/>
+            </a:effectRef>
+            <a:fontRef idx="minor">
+              <a:schemeClr val="dk1"/>
+            </a:fontRef>
+          </p:style>
+          <p:txBody>
+            <a:bodyPr rtlCol="0" anchor="ctr"/>
+            <a:lstStyle/>
+            <a:p>
+              <a:pPr algn="ctr"/>
+              <a:endParaRPr lang="de-DE"/>
+            </a:p>
+          </p:txBody>
+        </p:sp>
+        <p:sp>
+          <p:nvSpPr>
+            <p:cNvPr id="8" name="Rechteck 7">
+              <a:extLst>
+                <a:ext uri="{FF2B5EF4-FFF2-40B4-BE49-F238E27FC236}">
+                  <a16:creationId xmlns:a16="http://schemas.microsoft.com/office/drawing/2014/main" id="{BD73AB03-D3B0-4470-AAA0-BB73244ABE52}"/>
+                </a:ext>
+              </a:extLst>
+            </p:cNvPr>
+            <p:cNvSpPr/>
+            <p:nvPr/>
+          </p:nvSpPr>
+          <p:spPr>
+            <a:xfrm>
+              <a:off x="6090754" y="1455687"/>
+              <a:ext cx="2874611" cy="2464715"/>
+            </a:xfrm>
+            <a:prstGeom prst="rect">
+              <a:avLst/>
+            </a:prstGeom>
+            <a:solidFill>
+              <a:schemeClr val="bg2"/>
+            </a:solidFill>
+            <a:ln>
+              <a:solidFill>
+                <a:schemeClr val="bg1">
+                  <a:lumMod val="50000"/>
+                </a:schemeClr>
+              </a:solidFill>
+            </a:ln>
+          </p:spPr>
+          <p:style>
+            <a:lnRef idx="2">
+              <a:schemeClr val="accent6"/>
+            </a:lnRef>
+            <a:fillRef idx="1">
+              <a:schemeClr val="lt1"/>
+            </a:fillRef>
+            <a:effectRef idx="0">
+              <a:schemeClr val="accent6"/>
+            </a:effectRef>
+            <a:fontRef idx="minor">
+              <a:schemeClr val="dk1"/>
+            </a:fontRef>
+          </p:style>
+          <p:txBody>
+            <a:bodyPr rtlCol="0" anchor="ctr"/>
+            <a:lstStyle/>
+            <a:p>
+              <a:pPr algn="ctr"/>
+              <a:endParaRPr lang="de-DE"/>
+            </a:p>
+          </p:txBody>
+        </p:sp>
+        <p:sp>
+          <p:nvSpPr>
+            <p:cNvPr id="9" name="Ellipse 8">
+              <a:extLst>
+                <a:ext uri="{FF2B5EF4-FFF2-40B4-BE49-F238E27FC236}">
+                  <a16:creationId xmlns:a16="http://schemas.microsoft.com/office/drawing/2014/main" id="{95D18FE8-CEE5-4BD6-A978-F9D536E59EA9}"/>
+                </a:ext>
+              </a:extLst>
+            </p:cNvPr>
+            <p:cNvSpPr/>
+            <p:nvPr/>
+          </p:nvSpPr>
+          <p:spPr>
+            <a:xfrm>
+              <a:off x="2403266" y="1901679"/>
+              <a:ext cx="2212081" cy="1861653"/>
+            </a:xfrm>
+            <a:prstGeom prst="ellipse">
+              <a:avLst/>
+            </a:prstGeom>
+            <a:noFill/>
+          </p:spPr>
+          <p:style>
+            <a:lnRef idx="2">
+              <a:schemeClr val="accent1">
+                <a:shade val="50000"/>
+              </a:schemeClr>
+            </a:lnRef>
+            <a:fillRef idx="1">
+              <a:schemeClr val="accent1"/>
+            </a:fillRef>
+            <a:effectRef idx="0">
+              <a:schemeClr val="accent1"/>
+            </a:effectRef>
+            <a:fontRef idx="minor">
+              <a:schemeClr val="lt1"/>
+            </a:fontRef>
+          </p:style>
+          <p:txBody>
+            <a:bodyPr rtlCol="0" anchor="ctr"/>
+            <a:lstStyle/>
+            <a:p>
+              <a:pPr algn="ctr"/>
+              <a:endParaRPr lang="de-DE"/>
+            </a:p>
+          </p:txBody>
+        </p:sp>
+        <p:sp>
+          <p:nvSpPr>
+            <p:cNvPr id="10" name="Rechteck 9">
+              <a:extLst>
+                <a:ext uri="{FF2B5EF4-FFF2-40B4-BE49-F238E27FC236}">
+                  <a16:creationId xmlns:a16="http://schemas.microsoft.com/office/drawing/2014/main" id="{EE0E5C93-6755-4C7D-B95E-D8C804D6E4BC}"/>
+                </a:ext>
+              </a:extLst>
+            </p:cNvPr>
+            <p:cNvSpPr/>
+            <p:nvPr/>
+          </p:nvSpPr>
+          <p:spPr>
+            <a:xfrm>
+              <a:off x="2884649" y="2202829"/>
+              <a:ext cx="328527" cy="525643"/>
+            </a:xfrm>
+            <a:prstGeom prst="rect">
+              <a:avLst/>
+            </a:prstGeom>
+          </p:spPr>
+          <p:style>
+            <a:lnRef idx="2">
+              <a:schemeClr val="accent1">
+                <a:shade val="50000"/>
+              </a:schemeClr>
+            </a:lnRef>
+            <a:fillRef idx="1">
+              <a:schemeClr val="accent1"/>
+            </a:fillRef>
+            <a:effectRef idx="0">
+              <a:schemeClr val="accent1"/>
+            </a:effectRef>
+            <a:fontRef idx="minor">
+              <a:schemeClr val="lt1"/>
+            </a:fontRef>
+          </p:style>
+          <p:txBody>
+            <a:bodyPr rtlCol="0" anchor="ctr"/>
+            <a:lstStyle/>
+            <a:p>
+              <a:pPr algn="ctr"/>
+              <a:endParaRPr lang="de-DE"/>
+            </a:p>
+          </p:txBody>
+        </p:sp>
+        <p:sp>
+          <p:nvSpPr>
+            <p:cNvPr id="11" name="Rechteck 10">
+              <a:extLst>
+                <a:ext uri="{FF2B5EF4-FFF2-40B4-BE49-F238E27FC236}">
+                  <a16:creationId xmlns:a16="http://schemas.microsoft.com/office/drawing/2014/main" id="{43C9D49B-73AD-41F6-9A2E-14DA6C18CCD5}"/>
+                </a:ext>
+              </a:extLst>
+            </p:cNvPr>
+            <p:cNvSpPr/>
+            <p:nvPr/>
+          </p:nvSpPr>
+          <p:spPr>
+            <a:xfrm>
+              <a:off x="2884648" y="2893961"/>
+              <a:ext cx="328527" cy="525643"/>
+            </a:xfrm>
+            <a:prstGeom prst="rect">
+              <a:avLst/>
+            </a:prstGeom>
+          </p:spPr>
+          <p:style>
+            <a:lnRef idx="2">
+              <a:schemeClr val="accent1">
+                <a:shade val="50000"/>
+              </a:schemeClr>
+            </a:lnRef>
+            <a:fillRef idx="1">
+              <a:schemeClr val="accent1"/>
+            </a:fillRef>
+            <a:effectRef idx="0">
+              <a:schemeClr val="accent1"/>
+            </a:effectRef>
+            <a:fontRef idx="minor">
+              <a:schemeClr val="lt1"/>
+            </a:fontRef>
+          </p:style>
+          <p:txBody>
+            <a:bodyPr rtlCol="0" anchor="ctr"/>
+            <a:lstStyle/>
+            <a:p>
+              <a:pPr algn="ctr"/>
+              <a:endParaRPr lang="de-DE"/>
+            </a:p>
+          </p:txBody>
+        </p:sp>
+        <p:sp>
+          <p:nvSpPr>
+            <p:cNvPr id="12" name="Rechteck 11">
+              <a:extLst>
+                <a:ext uri="{FF2B5EF4-FFF2-40B4-BE49-F238E27FC236}">
+                  <a16:creationId xmlns:a16="http://schemas.microsoft.com/office/drawing/2014/main" id="{A95328B6-545C-4F95-92EC-AF2429B990AF}"/>
+                </a:ext>
+              </a:extLst>
+            </p:cNvPr>
+            <p:cNvSpPr/>
+            <p:nvPr/>
+          </p:nvSpPr>
+          <p:spPr>
+            <a:xfrm>
+              <a:off x="3321773" y="2202829"/>
+              <a:ext cx="328527" cy="525643"/>
+            </a:xfrm>
+            <a:prstGeom prst="rect">
+              <a:avLst/>
+            </a:prstGeom>
+          </p:spPr>
+          <p:style>
+            <a:lnRef idx="2">
+              <a:schemeClr val="accent1">
+                <a:shade val="50000"/>
+              </a:schemeClr>
+            </a:lnRef>
+            <a:fillRef idx="1">
+              <a:schemeClr val="accent1"/>
+            </a:fillRef>
+            <a:effectRef idx="0">
+              <a:schemeClr val="accent1"/>
+            </a:effectRef>
+            <a:fontRef idx="minor">
+              <a:schemeClr val="lt1"/>
+            </a:fontRef>
+          </p:style>
+          <p:txBody>
+            <a:bodyPr rtlCol="0" anchor="ctr"/>
+            <a:lstStyle/>
+            <a:p>
+              <a:pPr algn="ctr"/>
+              <a:endParaRPr lang="de-DE"/>
+            </a:p>
+          </p:txBody>
+        </p:sp>
+        <p:sp>
+          <p:nvSpPr>
+            <p:cNvPr id="13" name="Rechteck 12">
+              <a:extLst>
+                <a:ext uri="{FF2B5EF4-FFF2-40B4-BE49-F238E27FC236}">
+                  <a16:creationId xmlns:a16="http://schemas.microsoft.com/office/drawing/2014/main" id="{0BECACDF-39EC-438B-BE5D-88CCF7CDD222}"/>
+                </a:ext>
+              </a:extLst>
+            </p:cNvPr>
+            <p:cNvSpPr/>
+            <p:nvPr/>
+          </p:nvSpPr>
+          <p:spPr>
+            <a:xfrm>
+              <a:off x="3321772" y="2893961"/>
+              <a:ext cx="328527" cy="525643"/>
+            </a:xfrm>
+            <a:prstGeom prst="rect">
+              <a:avLst/>
+            </a:prstGeom>
+          </p:spPr>
+          <p:style>
+            <a:lnRef idx="2">
+              <a:schemeClr val="accent1">
+                <a:shade val="50000"/>
+              </a:schemeClr>
+            </a:lnRef>
+            <a:fillRef idx="1">
+              <a:schemeClr val="accent1"/>
+            </a:fillRef>
+            <a:effectRef idx="0">
+              <a:schemeClr val="accent1"/>
+            </a:effectRef>
+            <a:fontRef idx="minor">
+              <a:schemeClr val="lt1"/>
+            </a:fontRef>
+          </p:style>
+          <p:txBody>
+            <a:bodyPr rtlCol="0" anchor="ctr"/>
+            <a:lstStyle/>
+            <a:p>
+              <a:pPr algn="ctr"/>
+              <a:endParaRPr lang="de-DE"/>
+            </a:p>
+          </p:txBody>
+        </p:sp>
+        <p:sp>
+          <p:nvSpPr>
+            <p:cNvPr id="14" name="Rechteck 13">
+              <a:extLst>
+                <a:ext uri="{FF2B5EF4-FFF2-40B4-BE49-F238E27FC236}">
+                  <a16:creationId xmlns:a16="http://schemas.microsoft.com/office/drawing/2014/main" id="{69738194-3228-46DE-AD09-DC58B6BD014E}"/>
+                </a:ext>
+              </a:extLst>
+            </p:cNvPr>
+            <p:cNvSpPr/>
+            <p:nvPr/>
+          </p:nvSpPr>
+          <p:spPr>
+            <a:xfrm>
+              <a:off x="3758896" y="2202829"/>
+              <a:ext cx="328527" cy="525643"/>
+            </a:xfrm>
+            <a:prstGeom prst="rect">
+              <a:avLst/>
+            </a:prstGeom>
+          </p:spPr>
+          <p:style>
+            <a:lnRef idx="2">
+              <a:schemeClr val="accent1">
+                <a:shade val="50000"/>
+              </a:schemeClr>
+            </a:lnRef>
+            <a:fillRef idx="1">
+              <a:schemeClr val="accent1"/>
+            </a:fillRef>
+            <a:effectRef idx="0">
+              <a:schemeClr val="accent1"/>
+            </a:effectRef>
+            <a:fontRef idx="minor">
+              <a:schemeClr val="lt1"/>
+            </a:fontRef>
+          </p:style>
+          <p:txBody>
+            <a:bodyPr rtlCol="0" anchor="ctr"/>
+            <a:lstStyle/>
+            <a:p>
+              <a:pPr algn="ctr"/>
+              <a:endParaRPr lang="de-DE"/>
+            </a:p>
+          </p:txBody>
+        </p:sp>
+        <p:sp>
+          <p:nvSpPr>
+            <p:cNvPr id="15" name="Rechteck 14">
+              <a:extLst>
+                <a:ext uri="{FF2B5EF4-FFF2-40B4-BE49-F238E27FC236}">
+                  <a16:creationId xmlns:a16="http://schemas.microsoft.com/office/drawing/2014/main" id="{D4130C4A-D69A-4F38-8D3B-3BDC0A9C6F21}"/>
+                </a:ext>
+              </a:extLst>
+            </p:cNvPr>
+            <p:cNvSpPr/>
+            <p:nvPr/>
+          </p:nvSpPr>
+          <p:spPr>
+            <a:xfrm>
+              <a:off x="3758895" y="2893961"/>
+              <a:ext cx="328527" cy="525643"/>
+            </a:xfrm>
+            <a:prstGeom prst="rect">
+              <a:avLst/>
+            </a:prstGeom>
+          </p:spPr>
+          <p:style>
+            <a:lnRef idx="2">
+              <a:schemeClr val="accent1">
+                <a:shade val="50000"/>
+              </a:schemeClr>
+            </a:lnRef>
+            <a:fillRef idx="1">
+              <a:schemeClr val="accent1"/>
+            </a:fillRef>
+            <a:effectRef idx="0">
+              <a:schemeClr val="accent1"/>
+            </a:effectRef>
+            <a:fontRef idx="minor">
+              <a:schemeClr val="lt1"/>
+            </a:fontRef>
+          </p:style>
+          <p:txBody>
+            <a:bodyPr rtlCol="0" anchor="ctr"/>
+            <a:lstStyle/>
+            <a:p>
+              <a:pPr algn="ctr"/>
+              <a:endParaRPr lang="de-DE"/>
+            </a:p>
+          </p:txBody>
+        </p:sp>
+        <p:sp>
+          <p:nvSpPr>
+            <p:cNvPr id="16" name="Textfeld 15">
+              <a:extLst>
+                <a:ext uri="{FF2B5EF4-FFF2-40B4-BE49-F238E27FC236}">
+                  <a16:creationId xmlns:a16="http://schemas.microsoft.com/office/drawing/2014/main" id="{317F09E4-9F16-47D7-924D-1ED6E2F294B6}"/>
+                </a:ext>
+              </a:extLst>
+            </p:cNvPr>
+            <p:cNvSpPr txBox="1"/>
+            <p:nvPr/>
+          </p:nvSpPr>
+          <p:spPr>
+            <a:xfrm>
+              <a:off x="2801037" y="1530784"/>
+              <a:ext cx="2998036" cy="369332"/>
+            </a:xfrm>
+            <a:prstGeom prst="rect">
+              <a:avLst/>
+            </a:prstGeom>
+            <a:noFill/>
+          </p:spPr>
+          <p:txBody>
+            <a:bodyPr wrap="square" rtlCol="0">
+              <a:spAutoFit/>
+            </a:bodyPr>
+            <a:lstStyle/>
+            <a:p>
+              <a:r>
+                <a:rPr lang="de-DE" dirty="0" err="1"/>
+                <a:t>Pre</a:t>
+              </a:r>
+              <a:r>
+                <a:rPr lang="de-DE" dirty="0"/>
+                <a:t> </a:t>
+              </a:r>
+              <a:r>
+                <a:rPr lang="de-DE" dirty="0" err="1"/>
+                <a:t>production</a:t>
+              </a:r>
+              <a:endParaRPr lang="de-DE" dirty="0"/>
+            </a:p>
+          </p:txBody>
+        </p:sp>
+        <p:sp>
+          <p:nvSpPr>
+            <p:cNvPr id="17" name="Rechteck 16">
+              <a:extLst>
+                <a:ext uri="{FF2B5EF4-FFF2-40B4-BE49-F238E27FC236}">
+                  <a16:creationId xmlns:a16="http://schemas.microsoft.com/office/drawing/2014/main" id="{696D02EC-3311-45A0-8461-D2F31506C1F4}"/>
+                </a:ext>
+              </a:extLst>
+            </p:cNvPr>
+            <p:cNvSpPr/>
+            <p:nvPr/>
+          </p:nvSpPr>
+          <p:spPr>
+            <a:xfrm>
+              <a:off x="6267217" y="3175921"/>
+              <a:ext cx="290201" cy="525643"/>
+            </a:xfrm>
+            <a:prstGeom prst="rect">
+              <a:avLst/>
+            </a:prstGeom>
+            <a:solidFill>
+              <a:schemeClr val="bg1">
+                <a:lumMod val="50000"/>
+              </a:schemeClr>
+            </a:solidFill>
+          </p:spPr>
+          <p:style>
+            <a:lnRef idx="2">
+              <a:schemeClr val="accent1">
+                <a:shade val="50000"/>
+              </a:schemeClr>
+            </a:lnRef>
+            <a:fillRef idx="1">
+              <a:schemeClr val="accent1"/>
+            </a:fillRef>
+            <a:effectRef idx="0">
+              <a:schemeClr val="accent1"/>
+            </a:effectRef>
+            <a:fontRef idx="minor">
+              <a:schemeClr val="lt1"/>
+            </a:fontRef>
+          </p:style>
+          <p:txBody>
+            <a:bodyPr rtlCol="0" anchor="ctr"/>
+            <a:lstStyle/>
+            <a:p>
+              <a:pPr algn="ctr"/>
+              <a:endParaRPr lang="de-DE"/>
+            </a:p>
+          </p:txBody>
+        </p:sp>
+        <p:sp>
+          <p:nvSpPr>
+            <p:cNvPr id="18" name="Rechteck 17">
+              <a:extLst>
+                <a:ext uri="{FF2B5EF4-FFF2-40B4-BE49-F238E27FC236}">
+                  <a16:creationId xmlns:a16="http://schemas.microsoft.com/office/drawing/2014/main" id="{FECBBAD9-61BD-442C-BE5A-DCC451E3B54A}"/>
+                </a:ext>
+              </a:extLst>
+            </p:cNvPr>
+            <p:cNvSpPr/>
+            <p:nvPr/>
+          </p:nvSpPr>
+          <p:spPr>
+            <a:xfrm>
+              <a:off x="7792360" y="2871421"/>
+              <a:ext cx="290201" cy="525643"/>
+            </a:xfrm>
+            <a:prstGeom prst="rect">
+              <a:avLst/>
+            </a:prstGeom>
+            <a:solidFill>
+              <a:schemeClr val="bg1">
+                <a:lumMod val="50000"/>
+              </a:schemeClr>
+            </a:solidFill>
+          </p:spPr>
+          <p:style>
+            <a:lnRef idx="2">
+              <a:schemeClr val="accent1">
+                <a:shade val="50000"/>
+              </a:schemeClr>
+            </a:lnRef>
+            <a:fillRef idx="1">
+              <a:schemeClr val="accent1"/>
+            </a:fillRef>
+            <a:effectRef idx="0">
+              <a:schemeClr val="accent1"/>
+            </a:effectRef>
+            <a:fontRef idx="minor">
+              <a:schemeClr val="lt1"/>
+            </a:fontRef>
+          </p:style>
+          <p:txBody>
+            <a:bodyPr rtlCol="0" anchor="ctr"/>
+            <a:lstStyle/>
+            <a:p>
+              <a:pPr algn="ctr"/>
+              <a:endParaRPr lang="de-DE"/>
+            </a:p>
+          </p:txBody>
+        </p:sp>
+        <p:sp>
+          <p:nvSpPr>
+            <p:cNvPr id="19" name="Rechteck 18">
+              <a:extLst>
+                <a:ext uri="{FF2B5EF4-FFF2-40B4-BE49-F238E27FC236}">
+                  <a16:creationId xmlns:a16="http://schemas.microsoft.com/office/drawing/2014/main" id="{5C9C0D44-E3C6-4672-9F79-03DEB72B5C15}"/>
+                </a:ext>
+              </a:extLst>
+            </p:cNvPr>
+            <p:cNvSpPr/>
+            <p:nvPr/>
+          </p:nvSpPr>
+          <p:spPr>
+            <a:xfrm>
+              <a:off x="6782196" y="2784714"/>
+              <a:ext cx="290201" cy="525643"/>
+            </a:xfrm>
+            <a:prstGeom prst="rect">
+              <a:avLst/>
+            </a:prstGeom>
+            <a:solidFill>
+              <a:schemeClr val="bg1">
+                <a:lumMod val="50000"/>
+              </a:schemeClr>
+            </a:solidFill>
+          </p:spPr>
+          <p:style>
+            <a:lnRef idx="2">
+              <a:schemeClr val="accent1">
+                <a:shade val="50000"/>
+              </a:schemeClr>
+            </a:lnRef>
+            <a:fillRef idx="1">
+              <a:schemeClr val="accent1"/>
+            </a:fillRef>
+            <a:effectRef idx="0">
+              <a:schemeClr val="accent1"/>
+            </a:effectRef>
+            <a:fontRef idx="minor">
+              <a:schemeClr val="lt1"/>
+            </a:fontRef>
+          </p:style>
+          <p:txBody>
+            <a:bodyPr rtlCol="0" anchor="ctr"/>
+            <a:lstStyle/>
+            <a:p>
+              <a:pPr algn="ctr"/>
+              <a:endParaRPr lang="de-DE"/>
+            </a:p>
+          </p:txBody>
+        </p:sp>
+        <p:sp>
+          <p:nvSpPr>
+            <p:cNvPr id="20" name="Rechteck 19">
+              <a:extLst>
+                <a:ext uri="{FF2B5EF4-FFF2-40B4-BE49-F238E27FC236}">
+                  <a16:creationId xmlns:a16="http://schemas.microsoft.com/office/drawing/2014/main" id="{3CC560C1-A231-4441-9BBB-FA8BF391AC98}"/>
+                </a:ext>
+              </a:extLst>
+            </p:cNvPr>
+            <p:cNvSpPr/>
+            <p:nvPr/>
+          </p:nvSpPr>
+          <p:spPr>
+            <a:xfrm>
+              <a:off x="7625812" y="1697689"/>
+              <a:ext cx="290201" cy="525643"/>
+            </a:xfrm>
+            <a:prstGeom prst="rect">
+              <a:avLst/>
+            </a:prstGeom>
+            <a:solidFill>
+              <a:schemeClr val="bg1">
+                <a:lumMod val="50000"/>
+              </a:schemeClr>
+            </a:solidFill>
+          </p:spPr>
+          <p:style>
+            <a:lnRef idx="2">
+              <a:schemeClr val="accent1">
+                <a:shade val="50000"/>
+              </a:schemeClr>
+            </a:lnRef>
+            <a:fillRef idx="1">
+              <a:schemeClr val="accent1"/>
+            </a:fillRef>
+            <a:effectRef idx="0">
+              <a:schemeClr val="accent1"/>
+            </a:effectRef>
+            <a:fontRef idx="minor">
+              <a:schemeClr val="lt1"/>
+            </a:fontRef>
+          </p:style>
+          <p:txBody>
+            <a:bodyPr rtlCol="0" anchor="ctr"/>
+            <a:lstStyle/>
+            <a:p>
+              <a:pPr algn="ctr"/>
+              <a:endParaRPr lang="de-DE"/>
+            </a:p>
+          </p:txBody>
+        </p:sp>
+        <p:sp>
+          <p:nvSpPr>
+            <p:cNvPr id="21" name="Rechteck 20">
+              <a:extLst>
+                <a:ext uri="{FF2B5EF4-FFF2-40B4-BE49-F238E27FC236}">
+                  <a16:creationId xmlns:a16="http://schemas.microsoft.com/office/drawing/2014/main" id="{87A108F5-95F5-444D-94ED-5F476146D9FD}"/>
+                </a:ext>
+              </a:extLst>
+            </p:cNvPr>
+            <p:cNvSpPr/>
+            <p:nvPr/>
+          </p:nvSpPr>
+          <p:spPr>
+            <a:xfrm>
+              <a:off x="6808035" y="1711520"/>
+              <a:ext cx="290201" cy="525643"/>
+            </a:xfrm>
+            <a:prstGeom prst="rect">
+              <a:avLst/>
+            </a:prstGeom>
+            <a:solidFill>
+              <a:schemeClr val="bg1">
+                <a:lumMod val="50000"/>
+              </a:schemeClr>
+            </a:solidFill>
+          </p:spPr>
+          <p:style>
+            <a:lnRef idx="2">
+              <a:schemeClr val="accent1">
+                <a:shade val="50000"/>
+              </a:schemeClr>
+            </a:lnRef>
+            <a:fillRef idx="1">
+              <a:schemeClr val="accent1"/>
+            </a:fillRef>
+            <a:effectRef idx="0">
+              <a:schemeClr val="accent1"/>
+            </a:effectRef>
+            <a:fontRef idx="minor">
+              <a:schemeClr val="lt1"/>
+            </a:fontRef>
+          </p:style>
+          <p:txBody>
+            <a:bodyPr rtlCol="0" anchor="ctr"/>
+            <a:lstStyle/>
+            <a:p>
+              <a:pPr algn="ctr"/>
+              <a:endParaRPr lang="de-DE"/>
+            </a:p>
+          </p:txBody>
+        </p:sp>
+        <p:sp>
+          <p:nvSpPr>
+            <p:cNvPr id="22" name="Rechteck 21">
+              <a:extLst>
+                <a:ext uri="{FF2B5EF4-FFF2-40B4-BE49-F238E27FC236}">
+                  <a16:creationId xmlns:a16="http://schemas.microsoft.com/office/drawing/2014/main" id="{944B5245-158D-4066-BD51-7E408FDEA920}"/>
+                </a:ext>
+              </a:extLst>
+            </p:cNvPr>
+            <p:cNvSpPr/>
+            <p:nvPr/>
+          </p:nvSpPr>
+          <p:spPr>
+            <a:xfrm>
+              <a:off x="6252442" y="2330721"/>
+              <a:ext cx="290201" cy="525643"/>
+            </a:xfrm>
+            <a:prstGeom prst="rect">
+              <a:avLst/>
+            </a:prstGeom>
+            <a:solidFill>
+              <a:schemeClr val="bg1">
+                <a:lumMod val="50000"/>
+              </a:schemeClr>
+            </a:solidFill>
+          </p:spPr>
+          <p:style>
+            <a:lnRef idx="2">
+              <a:schemeClr val="accent1">
+                <a:shade val="50000"/>
+              </a:schemeClr>
+            </a:lnRef>
+            <a:fillRef idx="1">
+              <a:schemeClr val="accent1"/>
+            </a:fillRef>
+            <a:effectRef idx="0">
+              <a:schemeClr val="accent1"/>
+            </a:effectRef>
+            <a:fontRef idx="minor">
+              <a:schemeClr val="lt1"/>
+            </a:fontRef>
+          </p:style>
+          <p:txBody>
+            <a:bodyPr rtlCol="0" anchor="ctr"/>
+            <a:lstStyle/>
+            <a:p>
+              <a:pPr algn="ctr"/>
+              <a:endParaRPr lang="de-DE"/>
+            </a:p>
+          </p:txBody>
+        </p:sp>
+        <p:sp>
+          <p:nvSpPr>
+            <p:cNvPr id="23" name="Rechteck 22">
+              <a:extLst>
+                <a:ext uri="{FF2B5EF4-FFF2-40B4-BE49-F238E27FC236}">
+                  <a16:creationId xmlns:a16="http://schemas.microsoft.com/office/drawing/2014/main" id="{71C9FD30-5A85-4675-95CC-358DBAD1D688}"/>
+                </a:ext>
+              </a:extLst>
+            </p:cNvPr>
+            <p:cNvSpPr/>
+            <p:nvPr/>
+          </p:nvSpPr>
+          <p:spPr>
+            <a:xfrm>
+              <a:off x="6198149" y="1560387"/>
+              <a:ext cx="290201" cy="525643"/>
+            </a:xfrm>
+            <a:prstGeom prst="rect">
+              <a:avLst/>
+            </a:prstGeom>
+            <a:solidFill>
+              <a:schemeClr val="bg1">
+                <a:lumMod val="50000"/>
+              </a:schemeClr>
+            </a:solidFill>
+          </p:spPr>
+          <p:style>
+            <a:lnRef idx="2">
+              <a:schemeClr val="accent1">
+                <a:shade val="50000"/>
+              </a:schemeClr>
+            </a:lnRef>
+            <a:fillRef idx="1">
+              <a:schemeClr val="accent1"/>
+            </a:fillRef>
+            <a:effectRef idx="0">
+              <a:schemeClr val="accent1"/>
+            </a:effectRef>
+            <a:fontRef idx="minor">
+              <a:schemeClr val="lt1"/>
+            </a:fontRef>
+          </p:style>
+          <p:txBody>
+            <a:bodyPr rtlCol="0" anchor="ctr"/>
+            <a:lstStyle/>
+            <a:p>
+              <a:pPr algn="ctr"/>
+              <a:endParaRPr lang="de-DE"/>
+            </a:p>
+          </p:txBody>
+        </p:sp>
+        <p:sp>
+          <p:nvSpPr>
+            <p:cNvPr id="24" name="Rechteck 23">
+              <a:extLst>
+                <a:ext uri="{FF2B5EF4-FFF2-40B4-BE49-F238E27FC236}">
+                  <a16:creationId xmlns:a16="http://schemas.microsoft.com/office/drawing/2014/main" id="{59ADDDA4-704E-47E6-80AE-BAFA3B916F6D}"/>
+                </a:ext>
+              </a:extLst>
+            </p:cNvPr>
+            <p:cNvSpPr/>
+            <p:nvPr/>
+          </p:nvSpPr>
+          <p:spPr>
+            <a:xfrm>
+              <a:off x="7300825" y="2359141"/>
+              <a:ext cx="290201" cy="525643"/>
+            </a:xfrm>
+            <a:prstGeom prst="rect">
+              <a:avLst/>
+            </a:prstGeom>
+            <a:solidFill>
+              <a:schemeClr val="bg1">
+                <a:lumMod val="50000"/>
+              </a:schemeClr>
+            </a:solidFill>
+          </p:spPr>
+          <p:style>
+            <a:lnRef idx="2">
+              <a:schemeClr val="accent1">
+                <a:shade val="50000"/>
+              </a:schemeClr>
+            </a:lnRef>
+            <a:fillRef idx="1">
+              <a:schemeClr val="accent1"/>
+            </a:fillRef>
+            <a:effectRef idx="0">
+              <a:schemeClr val="accent1"/>
+            </a:effectRef>
+            <a:fontRef idx="minor">
+              <a:schemeClr val="lt1"/>
+            </a:fontRef>
+          </p:style>
+          <p:txBody>
+            <a:bodyPr rtlCol="0" anchor="ctr"/>
+            <a:lstStyle/>
+            <a:p>
+              <a:pPr algn="ctr"/>
+              <a:endParaRPr lang="de-DE"/>
+            </a:p>
+          </p:txBody>
+        </p:sp>
+        <p:sp>
+          <p:nvSpPr>
+            <p:cNvPr id="25" name="Rechteck 24">
+              <a:extLst>
+                <a:ext uri="{FF2B5EF4-FFF2-40B4-BE49-F238E27FC236}">
+                  <a16:creationId xmlns:a16="http://schemas.microsoft.com/office/drawing/2014/main" id="{3B0DB064-BE17-4BDE-A3A4-EA5021C3F0F6}"/>
+                </a:ext>
+              </a:extLst>
+            </p:cNvPr>
+            <p:cNvSpPr/>
+            <p:nvPr/>
+          </p:nvSpPr>
+          <p:spPr>
+            <a:xfrm>
+              <a:off x="8372875" y="3242869"/>
+              <a:ext cx="290201" cy="525643"/>
+            </a:xfrm>
+            <a:prstGeom prst="rect">
+              <a:avLst/>
+            </a:prstGeom>
+            <a:solidFill>
+              <a:schemeClr val="bg1">
+                <a:lumMod val="50000"/>
+              </a:schemeClr>
+            </a:solidFill>
+          </p:spPr>
+          <p:style>
+            <a:lnRef idx="2">
+              <a:schemeClr val="accent1">
+                <a:shade val="50000"/>
+              </a:schemeClr>
+            </a:lnRef>
+            <a:fillRef idx="1">
+              <a:schemeClr val="accent1"/>
+            </a:fillRef>
+            <a:effectRef idx="0">
+              <a:schemeClr val="accent1"/>
+            </a:effectRef>
+            <a:fontRef idx="minor">
+              <a:schemeClr val="lt1"/>
+            </a:fontRef>
+          </p:style>
+          <p:txBody>
+            <a:bodyPr rtlCol="0" anchor="ctr"/>
+            <a:lstStyle/>
+            <a:p>
+              <a:pPr algn="ctr"/>
+              <a:endParaRPr lang="de-DE"/>
+            </a:p>
+          </p:txBody>
+        </p:sp>
+        <p:cxnSp>
+          <p:nvCxnSpPr>
+            <p:cNvPr id="26" name="Gerade Verbindung mit Pfeil 25">
+              <a:extLst>
+                <a:ext uri="{FF2B5EF4-FFF2-40B4-BE49-F238E27FC236}">
+                  <a16:creationId xmlns:a16="http://schemas.microsoft.com/office/drawing/2014/main" id="{240F3E63-C338-4BA9-A8C1-DB445F56CB05}"/>
+                </a:ext>
+              </a:extLst>
+            </p:cNvPr>
+            <p:cNvCxnSpPr>
+              <a:stCxn id="14" idx="3"/>
+              <a:endCxn id="21" idx="1"/>
+            </p:cNvCxnSpPr>
+            <p:nvPr/>
+          </p:nvCxnSpPr>
+          <p:spPr>
+            <a:xfrm flipV="1">
+              <a:off x="4087423" y="1974342"/>
+              <a:ext cx="2720612" cy="491309"/>
+            </a:xfrm>
+            <a:prstGeom prst="straightConnector1">
+              <a:avLst/>
+            </a:prstGeom>
+            <a:ln>
+              <a:tailEnd type="triangle"/>
+            </a:ln>
+          </p:spPr>
+          <p:style>
+            <a:lnRef idx="1">
+              <a:schemeClr val="dk1"/>
+            </a:lnRef>
+            <a:fillRef idx="0">
+              <a:schemeClr val="dk1"/>
+            </a:fillRef>
+            <a:effectRef idx="0">
+              <a:schemeClr val="dk1"/>
+            </a:effectRef>
+            <a:fontRef idx="minor">
+              <a:schemeClr val="tx1"/>
+            </a:fontRef>
+          </p:style>
+        </p:cxnSp>
+        <p:cxnSp>
+          <p:nvCxnSpPr>
+            <p:cNvPr id="27" name="Gerade Verbindung mit Pfeil 26">
+              <a:extLst>
+                <a:ext uri="{FF2B5EF4-FFF2-40B4-BE49-F238E27FC236}">
+                  <a16:creationId xmlns:a16="http://schemas.microsoft.com/office/drawing/2014/main" id="{5D3B45FA-EEC6-43DF-884C-4448727E03B0}"/>
+                </a:ext>
+              </a:extLst>
+            </p:cNvPr>
+            <p:cNvCxnSpPr>
+              <a:cxnSpLocks/>
+              <a:stCxn id="14" idx="3"/>
+              <a:endCxn id="22" idx="1"/>
+            </p:cNvCxnSpPr>
+            <p:nvPr/>
+          </p:nvCxnSpPr>
+          <p:spPr>
+            <a:xfrm>
+              <a:off x="4087423" y="2465651"/>
+              <a:ext cx="2165019" cy="127892"/>
+            </a:xfrm>
+            <a:prstGeom prst="straightConnector1">
+              <a:avLst/>
+            </a:prstGeom>
+            <a:ln>
+              <a:tailEnd type="triangle"/>
+            </a:ln>
+          </p:spPr>
+          <p:style>
+            <a:lnRef idx="1">
+              <a:schemeClr val="dk1"/>
+            </a:lnRef>
+            <a:fillRef idx="0">
+              <a:schemeClr val="dk1"/>
+            </a:fillRef>
+            <a:effectRef idx="0">
+              <a:schemeClr val="dk1"/>
+            </a:effectRef>
+            <a:fontRef idx="minor">
+              <a:schemeClr val="tx1"/>
+            </a:fontRef>
+          </p:style>
+        </p:cxnSp>
+        <p:cxnSp>
+          <p:nvCxnSpPr>
+            <p:cNvPr id="28" name="Gerade Verbindung mit Pfeil 27">
+              <a:extLst>
+                <a:ext uri="{FF2B5EF4-FFF2-40B4-BE49-F238E27FC236}">
+                  <a16:creationId xmlns:a16="http://schemas.microsoft.com/office/drawing/2014/main" id="{D5F4B749-4499-48D3-B4C9-C677344B8651}"/>
+                </a:ext>
+              </a:extLst>
+            </p:cNvPr>
+            <p:cNvCxnSpPr>
+              <a:cxnSpLocks/>
+              <a:stCxn id="14" idx="3"/>
+              <a:endCxn id="19" idx="1"/>
+            </p:cNvCxnSpPr>
+            <p:nvPr/>
+          </p:nvCxnSpPr>
+          <p:spPr>
+            <a:xfrm>
+              <a:off x="4087423" y="2465651"/>
+              <a:ext cx="2694773" cy="581885"/>
+            </a:xfrm>
+            <a:prstGeom prst="straightConnector1">
+              <a:avLst/>
+            </a:prstGeom>
+            <a:ln>
+              <a:tailEnd type="triangle"/>
+            </a:ln>
+          </p:spPr>
+          <p:style>
+            <a:lnRef idx="1">
+              <a:schemeClr val="dk1"/>
+            </a:lnRef>
+            <a:fillRef idx="0">
+              <a:schemeClr val="dk1"/>
+            </a:fillRef>
+            <a:effectRef idx="0">
+              <a:schemeClr val="dk1"/>
+            </a:effectRef>
+            <a:fontRef idx="minor">
+              <a:schemeClr val="tx1"/>
+            </a:fontRef>
+          </p:style>
+        </p:cxnSp>
+        <p:cxnSp>
+          <p:nvCxnSpPr>
+            <p:cNvPr id="29" name="Gerade Verbindung mit Pfeil 28">
+              <a:extLst>
+                <a:ext uri="{FF2B5EF4-FFF2-40B4-BE49-F238E27FC236}">
+                  <a16:creationId xmlns:a16="http://schemas.microsoft.com/office/drawing/2014/main" id="{B9751EB8-8F55-421F-B547-4CB86002140A}"/>
+                </a:ext>
+              </a:extLst>
+            </p:cNvPr>
+            <p:cNvCxnSpPr>
+              <a:cxnSpLocks/>
+              <a:stCxn id="13" idx="3"/>
+              <a:endCxn id="22" idx="1"/>
+            </p:cNvCxnSpPr>
+            <p:nvPr/>
+          </p:nvCxnSpPr>
+          <p:spPr>
+            <a:xfrm flipV="1">
+              <a:off x="3650299" y="2593543"/>
+              <a:ext cx="2602143" cy="563240"/>
+            </a:xfrm>
+            <a:prstGeom prst="straightConnector1">
+              <a:avLst/>
+            </a:prstGeom>
+            <a:ln>
+              <a:tailEnd type="triangle"/>
+            </a:ln>
+          </p:spPr>
+          <p:style>
+            <a:lnRef idx="1">
+              <a:schemeClr val="dk1"/>
+            </a:lnRef>
+            <a:fillRef idx="0">
+              <a:schemeClr val="dk1"/>
+            </a:fillRef>
+            <a:effectRef idx="0">
+              <a:schemeClr val="dk1"/>
+            </a:effectRef>
+            <a:fontRef idx="minor">
+              <a:schemeClr val="tx1"/>
+            </a:fontRef>
+          </p:style>
+        </p:cxnSp>
+        <p:cxnSp>
+          <p:nvCxnSpPr>
+            <p:cNvPr id="30" name="Gerade Verbindung mit Pfeil 29">
+              <a:extLst>
+                <a:ext uri="{FF2B5EF4-FFF2-40B4-BE49-F238E27FC236}">
+                  <a16:creationId xmlns:a16="http://schemas.microsoft.com/office/drawing/2014/main" id="{644A512B-C6BC-43BC-92D0-3334C01CF410}"/>
+                </a:ext>
+              </a:extLst>
+            </p:cNvPr>
+            <p:cNvCxnSpPr>
+              <a:cxnSpLocks/>
+              <a:stCxn id="11" idx="3"/>
+              <a:endCxn id="23" idx="1"/>
+            </p:cNvCxnSpPr>
+            <p:nvPr/>
+          </p:nvCxnSpPr>
+          <p:spPr>
+            <a:xfrm flipV="1">
+              <a:off x="3213175" y="1823209"/>
+              <a:ext cx="2984974" cy="1333574"/>
+            </a:xfrm>
+            <a:prstGeom prst="straightConnector1">
+              <a:avLst/>
+            </a:prstGeom>
+            <a:ln>
+              <a:tailEnd type="triangle"/>
+            </a:ln>
+          </p:spPr>
+          <p:style>
+            <a:lnRef idx="1">
+              <a:schemeClr val="dk1"/>
+            </a:lnRef>
+            <a:fillRef idx="0">
+              <a:schemeClr val="dk1"/>
+            </a:fillRef>
+            <a:effectRef idx="0">
+              <a:schemeClr val="dk1"/>
+            </a:effectRef>
+            <a:fontRef idx="minor">
+              <a:schemeClr val="tx1"/>
+            </a:fontRef>
+          </p:style>
+        </p:cxnSp>
+        <p:cxnSp>
+          <p:nvCxnSpPr>
+            <p:cNvPr id="31" name="Gerade Verbindung mit Pfeil 30">
+              <a:extLst>
+                <a:ext uri="{FF2B5EF4-FFF2-40B4-BE49-F238E27FC236}">
+                  <a16:creationId xmlns:a16="http://schemas.microsoft.com/office/drawing/2014/main" id="{CC1986A7-F8DB-4620-B103-04F6B25FBEFC}"/>
+                </a:ext>
+              </a:extLst>
+            </p:cNvPr>
+            <p:cNvCxnSpPr>
+              <a:cxnSpLocks/>
+              <a:stCxn id="10" idx="3"/>
+              <a:endCxn id="17" idx="1"/>
+            </p:cNvCxnSpPr>
+            <p:nvPr/>
+          </p:nvCxnSpPr>
+          <p:spPr>
+            <a:xfrm>
+              <a:off x="3213176" y="2465651"/>
+              <a:ext cx="3054041" cy="973092"/>
+            </a:xfrm>
+            <a:prstGeom prst="straightConnector1">
+              <a:avLst/>
+            </a:prstGeom>
+            <a:ln>
+              <a:tailEnd type="triangle"/>
+            </a:ln>
+          </p:spPr>
+          <p:style>
+            <a:lnRef idx="1">
+              <a:schemeClr val="dk1"/>
+            </a:lnRef>
+            <a:fillRef idx="0">
+              <a:schemeClr val="dk1"/>
+            </a:fillRef>
+            <a:effectRef idx="0">
+              <a:schemeClr val="dk1"/>
+            </a:effectRef>
+            <a:fontRef idx="minor">
+              <a:schemeClr val="tx1"/>
+            </a:fontRef>
+          </p:style>
+        </p:cxnSp>
+        <p:cxnSp>
+          <p:nvCxnSpPr>
+            <p:cNvPr id="32" name="Gerade Verbindung mit Pfeil 31">
+              <a:extLst>
+                <a:ext uri="{FF2B5EF4-FFF2-40B4-BE49-F238E27FC236}">
+                  <a16:creationId xmlns:a16="http://schemas.microsoft.com/office/drawing/2014/main" id="{2439EC1E-948B-42CC-8EAA-BE33CA7DD82B}"/>
+                </a:ext>
+              </a:extLst>
+            </p:cNvPr>
+            <p:cNvCxnSpPr>
+              <a:cxnSpLocks/>
+              <a:stCxn id="11" idx="3"/>
+              <a:endCxn id="25" idx="1"/>
+            </p:cNvCxnSpPr>
+            <p:nvPr/>
+          </p:nvCxnSpPr>
+          <p:spPr>
+            <a:xfrm>
+              <a:off x="3213175" y="3156783"/>
+              <a:ext cx="5159700" cy="348908"/>
+            </a:xfrm>
+            <a:prstGeom prst="straightConnector1">
+              <a:avLst/>
+            </a:prstGeom>
+            <a:ln>
+              <a:tailEnd type="triangle"/>
+            </a:ln>
+          </p:spPr>
+          <p:style>
+            <a:lnRef idx="1">
+              <a:schemeClr val="dk1"/>
+            </a:lnRef>
+            <a:fillRef idx="0">
+              <a:schemeClr val="dk1"/>
+            </a:fillRef>
+            <a:effectRef idx="0">
+              <a:schemeClr val="dk1"/>
+            </a:effectRef>
+            <a:fontRef idx="minor">
+              <a:schemeClr val="tx1"/>
+            </a:fontRef>
+          </p:style>
+        </p:cxnSp>
+        <p:cxnSp>
+          <p:nvCxnSpPr>
+            <p:cNvPr id="33" name="Gerade Verbindung mit Pfeil 32">
+              <a:extLst>
+                <a:ext uri="{FF2B5EF4-FFF2-40B4-BE49-F238E27FC236}">
+                  <a16:creationId xmlns:a16="http://schemas.microsoft.com/office/drawing/2014/main" id="{870338CF-BB41-4790-8900-8F2BC210483F}"/>
+                </a:ext>
+              </a:extLst>
+            </p:cNvPr>
+            <p:cNvCxnSpPr>
+              <a:cxnSpLocks/>
+              <a:stCxn id="12" idx="3"/>
+              <a:endCxn id="20" idx="1"/>
+            </p:cNvCxnSpPr>
+            <p:nvPr/>
+          </p:nvCxnSpPr>
+          <p:spPr>
+            <a:xfrm flipV="1">
+              <a:off x="3650300" y="1960511"/>
+              <a:ext cx="3975512" cy="505140"/>
+            </a:xfrm>
+            <a:prstGeom prst="straightConnector1">
+              <a:avLst/>
+            </a:prstGeom>
+            <a:ln>
+              <a:tailEnd type="triangle"/>
+            </a:ln>
+          </p:spPr>
+          <p:style>
+            <a:lnRef idx="1">
+              <a:schemeClr val="dk1"/>
+            </a:lnRef>
+            <a:fillRef idx="0">
+              <a:schemeClr val="dk1"/>
+            </a:fillRef>
+            <a:effectRef idx="0">
+              <a:schemeClr val="dk1"/>
+            </a:effectRef>
+            <a:fontRef idx="minor">
+              <a:schemeClr val="tx1"/>
+            </a:fontRef>
+          </p:style>
+        </p:cxnSp>
+        <p:cxnSp>
+          <p:nvCxnSpPr>
+            <p:cNvPr id="34" name="Gerade Verbindung mit Pfeil 33">
+              <a:extLst>
+                <a:ext uri="{FF2B5EF4-FFF2-40B4-BE49-F238E27FC236}">
+                  <a16:creationId xmlns:a16="http://schemas.microsoft.com/office/drawing/2014/main" id="{7981E5E7-0736-4FB7-8E53-FE108C425C16}"/>
+                </a:ext>
+              </a:extLst>
+            </p:cNvPr>
+            <p:cNvCxnSpPr>
+              <a:cxnSpLocks/>
+              <a:stCxn id="11" idx="3"/>
+              <a:endCxn id="24" idx="1"/>
+            </p:cNvCxnSpPr>
+            <p:nvPr/>
+          </p:nvCxnSpPr>
+          <p:spPr>
+            <a:xfrm flipV="1">
+              <a:off x="3213175" y="2621963"/>
+              <a:ext cx="4087650" cy="534820"/>
+            </a:xfrm>
+            <a:prstGeom prst="straightConnector1">
+              <a:avLst/>
+            </a:prstGeom>
+            <a:ln>
+              <a:tailEnd type="triangle"/>
+            </a:ln>
+          </p:spPr>
+          <p:style>
+            <a:lnRef idx="1">
+              <a:schemeClr val="dk1"/>
+            </a:lnRef>
+            <a:fillRef idx="0">
+              <a:schemeClr val="dk1"/>
+            </a:fillRef>
+            <a:effectRef idx="0">
+              <a:schemeClr val="dk1"/>
+            </a:effectRef>
+            <a:fontRef idx="minor">
+              <a:schemeClr val="tx1"/>
+            </a:fontRef>
+          </p:style>
+        </p:cxnSp>
+        <p:cxnSp>
+          <p:nvCxnSpPr>
+            <p:cNvPr id="35" name="Gerade Verbindung mit Pfeil 34">
+              <a:extLst>
+                <a:ext uri="{FF2B5EF4-FFF2-40B4-BE49-F238E27FC236}">
+                  <a16:creationId xmlns:a16="http://schemas.microsoft.com/office/drawing/2014/main" id="{C34EC502-4B56-4ED5-B5C5-6CA3F4D8671B}"/>
+                </a:ext>
+              </a:extLst>
+            </p:cNvPr>
+            <p:cNvCxnSpPr>
+              <a:cxnSpLocks/>
+              <a:stCxn id="10" idx="3"/>
+              <a:endCxn id="18" idx="1"/>
+            </p:cNvCxnSpPr>
+            <p:nvPr/>
+          </p:nvCxnSpPr>
+          <p:spPr>
+            <a:xfrm>
+              <a:off x="3213176" y="2465651"/>
+              <a:ext cx="4579184" cy="668592"/>
+            </a:xfrm>
+            <a:prstGeom prst="straightConnector1">
+              <a:avLst/>
+            </a:prstGeom>
+            <a:ln>
+              <a:tailEnd type="triangle"/>
+            </a:ln>
+          </p:spPr>
+          <p:style>
+            <a:lnRef idx="1">
+              <a:schemeClr val="dk1"/>
+            </a:lnRef>
+            <a:fillRef idx="0">
+              <a:schemeClr val="dk1"/>
+            </a:fillRef>
+            <a:effectRef idx="0">
+              <a:schemeClr val="dk1"/>
+            </a:effectRef>
+            <a:fontRef idx="minor">
+              <a:schemeClr val="tx1"/>
+            </a:fontRef>
+          </p:style>
+        </p:cxnSp>
+        <p:cxnSp>
+          <p:nvCxnSpPr>
+            <p:cNvPr id="36" name="Gerade Verbindung mit Pfeil 35">
+              <a:extLst>
+                <a:ext uri="{FF2B5EF4-FFF2-40B4-BE49-F238E27FC236}">
+                  <a16:creationId xmlns:a16="http://schemas.microsoft.com/office/drawing/2014/main" id="{F9DDDB00-F244-4F3C-9C7C-2AD35287D6A9}"/>
+                </a:ext>
+              </a:extLst>
+            </p:cNvPr>
+            <p:cNvCxnSpPr>
+              <a:cxnSpLocks/>
+              <a:stCxn id="15" idx="3"/>
+              <a:endCxn id="17" idx="0"/>
+            </p:cNvCxnSpPr>
+            <p:nvPr/>
+          </p:nvCxnSpPr>
+          <p:spPr>
+            <a:xfrm>
+              <a:off x="4087422" y="3156783"/>
+              <a:ext cx="2324896" cy="19138"/>
+            </a:xfrm>
+            <a:prstGeom prst="straightConnector1">
+              <a:avLst/>
+            </a:prstGeom>
+            <a:ln>
+              <a:tailEnd type="triangle"/>
+            </a:ln>
+          </p:spPr>
+          <p:style>
+            <a:lnRef idx="1">
+              <a:schemeClr val="dk1"/>
+            </a:lnRef>
+            <a:fillRef idx="0">
+              <a:schemeClr val="dk1"/>
+            </a:fillRef>
+            <a:effectRef idx="0">
+              <a:schemeClr val="dk1"/>
+            </a:effectRef>
+            <a:fontRef idx="minor">
+              <a:schemeClr val="tx1"/>
+            </a:fontRef>
+          </p:style>
+        </p:cxnSp>
+        <p:sp>
+          <p:nvSpPr>
+            <p:cNvPr id="37" name="Textfeld 36">
+              <a:extLst>
+                <a:ext uri="{FF2B5EF4-FFF2-40B4-BE49-F238E27FC236}">
+                  <a16:creationId xmlns:a16="http://schemas.microsoft.com/office/drawing/2014/main" id="{F733D36B-B426-4A2A-8D90-10827EC859A5}"/>
+                </a:ext>
+              </a:extLst>
+            </p:cNvPr>
+            <p:cNvSpPr txBox="1"/>
+            <p:nvPr/>
+          </p:nvSpPr>
+          <p:spPr>
+            <a:xfrm>
+              <a:off x="6782196" y="1114202"/>
+              <a:ext cx="2168278" cy="369332"/>
+            </a:xfrm>
+            <a:prstGeom prst="rect">
+              <a:avLst/>
+            </a:prstGeom>
+            <a:noFill/>
+          </p:spPr>
+          <p:txBody>
+            <a:bodyPr wrap="square" rtlCol="0">
+              <a:spAutoFit/>
+            </a:bodyPr>
+            <a:lstStyle/>
+            <a:p>
+              <a:r>
+                <a:rPr lang="de-DE" dirty="0"/>
+                <a:t>End </a:t>
+              </a:r>
+              <a:r>
+                <a:rPr lang="de-DE" dirty="0" err="1"/>
+                <a:t>production</a:t>
+              </a:r>
+              <a:endParaRPr lang="de-DE" dirty="0"/>
+            </a:p>
+          </p:txBody>
+        </p:sp>
+      </p:grpSp>
       <p:sp>
         <p:nvSpPr>
-          <p:cNvPr id="2" name="Titel 1">
-            <a:extLst>
-              <a:ext uri="{FF2B5EF4-FFF2-40B4-BE49-F238E27FC236}">
-                <a16:creationId xmlns:a16="http://schemas.microsoft.com/office/drawing/2014/main" id="{085F5D6D-96C6-48F0-9FED-90B111BBDE9E}"/>
-              </a:ext>
-            </a:extLst>
-          </p:cNvPr>
-          <p:cNvSpPr>
-            <a:spLocks noGrp="1"/>
-          </p:cNvSpPr>
-          <p:nvPr>
-            <p:ph type="title"/>
-          </p:nvPr>
-        </p:nvSpPr>
-        <p:spPr/>
-        <p:txBody>
-          <a:bodyPr/>
-          <a:lstStyle/>
-          <a:p>
-            <a:r>
-              <a:rPr lang="de-DE" dirty="0"/>
-              <a:t>Table </a:t>
-            </a:r>
-            <a:r>
-              <a:rPr lang="de-DE" dirty="0" err="1"/>
-              <a:t>of</a:t>
-            </a:r>
-            <a:r>
-              <a:rPr lang="de-DE" dirty="0"/>
-              <a:t> </a:t>
-            </a:r>
-            <a:r>
-              <a:rPr lang="de-DE" dirty="0" err="1"/>
-              <a:t>contents</a:t>
-            </a:r>
-            <a:endParaRPr lang="de-DE" dirty="0"/>
-          </a:p>
-        </p:txBody>
-      </p:sp>
-      <p:sp>
-        <p:nvSpPr>
-          <p:cNvPr id="3" name="Inhaltsplatzhalter 2">
-            <a:extLst>
-              <a:ext uri="{FF2B5EF4-FFF2-40B4-BE49-F238E27FC236}">
-                <a16:creationId xmlns:a16="http://schemas.microsoft.com/office/drawing/2014/main" id="{374FC687-92F1-4406-827B-8CF60ADBB6F1}"/>
-              </a:ext>
-            </a:extLst>
-          </p:cNvPr>
-          <p:cNvSpPr>
-            <a:spLocks noGrp="1"/>
-          </p:cNvSpPr>
-          <p:nvPr>
-            <p:ph idx="1"/>
-          </p:nvPr>
-        </p:nvSpPr>
-        <p:spPr/>
-        <p:txBody>
-          <a:bodyPr/>
-          <a:lstStyle/>
-          <a:p>
-            <a:r>
-              <a:rPr lang="de-DE" dirty="0"/>
-              <a:t>Motivation &amp; </a:t>
-            </a:r>
-            <a:r>
-              <a:rPr lang="de-DE" dirty="0" err="1"/>
-              <a:t>goals</a:t>
-            </a:r>
-            <a:endParaRPr lang="de-DE" dirty="0"/>
-          </a:p>
-          <a:p>
-            <a:r>
-              <a:rPr lang="de-DE" dirty="0" err="1"/>
-              <a:t>Current</a:t>
-            </a:r>
-            <a:r>
-              <a:rPr lang="de-DE" dirty="0"/>
-              <a:t> </a:t>
-            </a:r>
-            <a:r>
-              <a:rPr lang="de-DE" dirty="0" err="1"/>
-              <a:t>state</a:t>
-            </a:r>
-            <a:endParaRPr lang="de-DE" dirty="0"/>
-          </a:p>
-          <a:p>
-            <a:r>
-              <a:rPr lang="de-DE" dirty="0"/>
-              <a:t>Target </a:t>
-            </a:r>
-            <a:r>
-              <a:rPr lang="de-DE" dirty="0" err="1"/>
-              <a:t>state</a:t>
-            </a:r>
-            <a:endParaRPr lang="de-DE" dirty="0"/>
-          </a:p>
-          <a:p>
-            <a:pPr lvl="1"/>
-            <a:r>
-              <a:rPr lang="de-DE" dirty="0" err="1"/>
-              <a:t>Challenges</a:t>
-            </a:r>
-            <a:endParaRPr lang="de-DE" dirty="0"/>
-          </a:p>
-          <a:p>
-            <a:pPr lvl="1"/>
-            <a:r>
-              <a:rPr lang="de-DE" dirty="0"/>
-              <a:t>Solutions</a:t>
-            </a:r>
-          </a:p>
-          <a:p>
-            <a:r>
-              <a:rPr lang="de-DE" dirty="0" err="1"/>
-              <a:t>Failures</a:t>
-            </a:r>
-            <a:r>
-              <a:rPr lang="de-DE" dirty="0"/>
-              <a:t> </a:t>
-            </a:r>
-            <a:r>
-              <a:rPr lang="de-DE" dirty="0" err="1"/>
-              <a:t>of</a:t>
-            </a:r>
-            <a:r>
-              <a:rPr lang="de-DE" dirty="0"/>
-              <a:t> </a:t>
-            </a:r>
-            <a:r>
-              <a:rPr lang="de-DE" dirty="0" err="1"/>
-              <a:t>previous</a:t>
-            </a:r>
-            <a:r>
-              <a:rPr lang="de-DE" dirty="0"/>
-              <a:t> </a:t>
-            </a:r>
-            <a:r>
-              <a:rPr lang="de-DE" dirty="0" err="1"/>
-              <a:t>attempt</a:t>
-            </a:r>
-            <a:r>
-              <a:rPr lang="de-DE" dirty="0"/>
-              <a:t> (real </a:t>
-            </a:r>
-            <a:r>
-              <a:rPr lang="de-DE" dirty="0" err="1"/>
-              <a:t>case</a:t>
-            </a:r>
-            <a:r>
-              <a:rPr lang="de-DE" dirty="0"/>
-              <a:t>) </a:t>
-            </a:r>
-          </a:p>
-          <a:p>
-            <a:r>
-              <a:rPr lang="de-DE" dirty="0" err="1"/>
-              <a:t>Conclusion</a:t>
-            </a:r>
-            <a:endParaRPr lang="de-DE" dirty="0"/>
-          </a:p>
-          <a:p>
-            <a:endParaRPr lang="de-DE" dirty="0"/>
-          </a:p>
-          <a:p>
-            <a:endParaRPr lang="de-DE" dirty="0"/>
-          </a:p>
-          <a:p>
-            <a:endParaRPr lang="de-DE" dirty="0"/>
-          </a:p>
-          <a:p>
-            <a:endParaRPr lang="de-DE" dirty="0"/>
-          </a:p>
-        </p:txBody>
-      </p:sp>
-    </p:spTree>
-    <p:extLst>
-      <p:ext uri="{BB962C8B-B14F-4D97-AF65-F5344CB8AC3E}">
-        <p14:creationId xmlns:p14="http://schemas.microsoft.com/office/powerpoint/2010/main" val="1635871413"/>
-      </p:ext>
-    </p:extLst>
-  </p:cSld>
-  <p:clrMapOvr>
-    <a:masterClrMapping/>
-  </p:clrMapOvr>
-</p:sld>
-</file>
-
-<file path=ppt/slides/slide3.xml><?xml version="1.0" encoding="utf-8"?>
-<p:sld xmlns:a="http://schemas.openxmlformats.org/drawingml/2006/main" xmlns:r="http://schemas.openxmlformats.org/officeDocument/2006/relationships" xmlns:p="http://schemas.openxmlformats.org/presentationml/2006/main">
-  <p:cSld>
-    <p:spTree>
-      <p:nvGrpSpPr>
-        <p:cNvPr id="1" name=""/>
-        <p:cNvGrpSpPr/>
-        <p:nvPr/>
-      </p:nvGrpSpPr>
-      <p:grpSpPr>
-        <a:xfrm>
-          <a:off x="0" y="0"/>
-          <a:ext cx="0" cy="0"/>
-          <a:chOff x="0" y="0"/>
-          <a:chExt cx="0" cy="0"/>
-        </a:xfrm>
-      </p:grpSpPr>
-      <p:sp>
-        <p:nvSpPr>
-          <p:cNvPr id="2" name="Titel 1">
-            <a:extLst>
-              <a:ext uri="{FF2B5EF4-FFF2-40B4-BE49-F238E27FC236}">
-                <a16:creationId xmlns:a16="http://schemas.microsoft.com/office/drawing/2014/main" id="{D12CA9C3-5F39-4320-A5E0-6B6989091C85}"/>
-              </a:ext>
-            </a:extLst>
-          </p:cNvPr>
-          <p:cNvSpPr>
-            <a:spLocks noGrp="1"/>
-          </p:cNvSpPr>
-          <p:nvPr>
-            <p:ph type="title"/>
-          </p:nvPr>
-        </p:nvSpPr>
-        <p:spPr/>
-        <p:txBody>
-          <a:bodyPr/>
-          <a:lstStyle/>
-          <a:p>
-            <a:r>
-              <a:rPr lang="de-DE" dirty="0"/>
-              <a:t>Motivation &amp; </a:t>
-            </a:r>
-            <a:r>
-              <a:rPr lang="de-DE" dirty="0" err="1"/>
-              <a:t>goals</a:t>
-            </a:r>
-            <a:endParaRPr lang="de-DE" dirty="0"/>
-          </a:p>
-        </p:txBody>
-      </p:sp>
-      <p:sp>
-        <p:nvSpPr>
-          <p:cNvPr id="3" name="Inhaltsplatzhalter 2">
-            <a:extLst>
-              <a:ext uri="{FF2B5EF4-FFF2-40B4-BE49-F238E27FC236}">
-                <a16:creationId xmlns:a16="http://schemas.microsoft.com/office/drawing/2014/main" id="{A596CFC5-F6BB-4E93-A2F0-A3A9FB872E45}"/>
-              </a:ext>
-            </a:extLst>
-          </p:cNvPr>
-          <p:cNvSpPr>
-            <a:spLocks noGrp="1"/>
-          </p:cNvSpPr>
-          <p:nvPr>
-            <p:ph idx="1"/>
-          </p:nvPr>
-        </p:nvSpPr>
-        <p:spPr/>
-        <p:txBody>
-          <a:bodyPr/>
-          <a:lstStyle/>
-          <a:p>
-            <a:r>
-              <a:rPr lang="de-DE" dirty="0" err="1"/>
-              <a:t>Reduction</a:t>
-            </a:r>
-            <a:r>
-              <a:rPr lang="de-DE" dirty="0"/>
-              <a:t> </a:t>
-            </a:r>
-            <a:r>
-              <a:rPr lang="de-DE" dirty="0" err="1"/>
-              <a:t>of</a:t>
-            </a:r>
-            <a:r>
-              <a:rPr lang="de-DE" dirty="0"/>
-              <a:t> </a:t>
-            </a:r>
-            <a:r>
-              <a:rPr lang="de-DE" dirty="0" err="1"/>
-              <a:t>workload</a:t>
-            </a:r>
-            <a:endParaRPr lang="de-DE" dirty="0"/>
-          </a:p>
-          <a:p>
-            <a:r>
-              <a:rPr lang="de-DE" dirty="0" err="1"/>
-              <a:t>Optimized</a:t>
-            </a:r>
-            <a:r>
-              <a:rPr lang="de-DE" dirty="0"/>
-              <a:t> stock in </a:t>
-            </a:r>
-            <a:r>
-              <a:rPr lang="de-DE" dirty="0" err="1"/>
-              <a:t>production</a:t>
-            </a:r>
-            <a:endParaRPr lang="de-DE" dirty="0"/>
-          </a:p>
-          <a:p>
-            <a:r>
-              <a:rPr lang="de-DE" dirty="0" err="1"/>
-              <a:t>Reduce</a:t>
-            </a:r>
-            <a:r>
-              <a:rPr lang="de-DE" dirty="0"/>
-              <a:t> </a:t>
-            </a:r>
-            <a:r>
-              <a:rPr lang="de-DE" dirty="0" err="1"/>
-              <a:t>lead</a:t>
-            </a:r>
-            <a:r>
-              <a:rPr lang="de-DE" dirty="0"/>
-              <a:t> time</a:t>
-            </a:r>
-          </a:p>
-        </p:txBody>
-      </p:sp>
-    </p:spTree>
-    <p:extLst>
-      <p:ext uri="{BB962C8B-B14F-4D97-AF65-F5344CB8AC3E}">
-        <p14:creationId xmlns:p14="http://schemas.microsoft.com/office/powerpoint/2010/main" val="3140822267"/>
-      </p:ext>
-    </p:extLst>
-  </p:cSld>
-  <p:clrMapOvr>
-    <a:masterClrMapping/>
-  </p:clrMapOvr>
-</p:sld>
-</file>
-
-<file path=ppt/slides/slide4.xml><?xml version="1.0" encoding="utf-8"?>
-<p:sld xmlns:a="http://schemas.openxmlformats.org/drawingml/2006/main" xmlns:r="http://schemas.openxmlformats.org/officeDocument/2006/relationships" xmlns:p="http://schemas.openxmlformats.org/presentationml/2006/main">
-  <p:cSld>
-    <p:spTree>
-      <p:nvGrpSpPr>
-        <p:cNvPr id="1" name=""/>
-        <p:cNvGrpSpPr/>
-        <p:nvPr/>
-      </p:nvGrpSpPr>
-      <p:grpSpPr>
-        <a:xfrm>
-          <a:off x="0" y="0"/>
-          <a:ext cx="0" cy="0"/>
-          <a:chOff x="0" y="0"/>
-          <a:chExt cx="0" cy="0"/>
-        </a:xfrm>
-      </p:grpSpPr>
-      <p:sp>
-        <p:nvSpPr>
-          <p:cNvPr id="152" name="Rechteck 151">
-            <a:extLst>
-              <a:ext uri="{FF2B5EF4-FFF2-40B4-BE49-F238E27FC236}">
-                <a16:creationId xmlns:a16="http://schemas.microsoft.com/office/drawing/2014/main" id="{950FE1C3-6E6E-4EDE-A0F9-6C2B1D218BCD}"/>
+          <p:cNvPr id="38" name="Rechteck 37">
+            <a:extLst>
+              <a:ext uri="{FF2B5EF4-FFF2-40B4-BE49-F238E27FC236}">
+                <a16:creationId xmlns:a16="http://schemas.microsoft.com/office/drawing/2014/main" id="{F30A818E-65DC-4DA7-B30A-1405A956EB31}"/>
               </a:ext>
             </a:extLst>
           </p:cNvPr>
@@ -5815,7 +6752,7 @@
         </p:nvSpPr>
         <p:spPr>
           <a:xfrm>
-            <a:off x="2132684" y="4746980"/>
+            <a:off x="916544" y="4550413"/>
             <a:ext cx="5879292" cy="1682391"/>
           </a:xfrm>
           <a:prstGeom prst="rect">
@@ -5872,10 +6809,10 @@
       </p:sp>
       <p:sp>
         <p:nvSpPr>
-          <p:cNvPr id="150" name="Rechteck 149">
-            <a:extLst>
-              <a:ext uri="{FF2B5EF4-FFF2-40B4-BE49-F238E27FC236}">
-                <a16:creationId xmlns:a16="http://schemas.microsoft.com/office/drawing/2014/main" id="{34F4C50E-61F5-47A4-ACE5-89270500759E}"/>
+          <p:cNvPr id="39" name="Rechteck 38">
+            <a:extLst>
+              <a:ext uri="{FF2B5EF4-FFF2-40B4-BE49-F238E27FC236}">
+                <a16:creationId xmlns:a16="http://schemas.microsoft.com/office/drawing/2014/main" id="{24A8DD79-273F-410F-81BC-75CEF6492CE3}"/>
               </a:ext>
             </a:extLst>
           </p:cNvPr>
@@ -5884,7 +6821,7 @@
         </p:nvSpPr>
         <p:spPr>
           <a:xfrm>
-            <a:off x="8037959" y="4744290"/>
+            <a:off x="6821819" y="4547723"/>
             <a:ext cx="4101112" cy="1682391"/>
           </a:xfrm>
           <a:prstGeom prst="rect">
@@ -5941,10 +6878,10 @@
       </p:sp>
       <p:sp>
         <p:nvSpPr>
-          <p:cNvPr id="89" name="Rechteck 88">
-            <a:extLst>
-              <a:ext uri="{FF2B5EF4-FFF2-40B4-BE49-F238E27FC236}">
-                <a16:creationId xmlns:a16="http://schemas.microsoft.com/office/drawing/2014/main" id="{2A7F618C-C17A-4C17-9468-C7316FB5CD2A}"/>
+          <p:cNvPr id="40" name="Pfeil: nach links 39">
+            <a:extLst>
+              <a:ext uri="{FF2B5EF4-FFF2-40B4-BE49-F238E27FC236}">
+                <a16:creationId xmlns:a16="http://schemas.microsoft.com/office/drawing/2014/main" id="{02DD61CE-EF67-463E-8CB2-885A9F39399B}"/>
               </a:ext>
             </a:extLst>
           </p:cNvPr>
@@ -5953,1493 +6890,7 @@
         </p:nvSpPr>
         <p:spPr>
           <a:xfrm>
-            <a:off x="2083409" y="1146324"/>
-            <a:ext cx="7522583" cy="2909007"/>
-          </a:xfrm>
-          <a:prstGeom prst="rect">
-            <a:avLst/>
-          </a:prstGeom>
-          <a:solidFill>
-            <a:schemeClr val="bg2"/>
-          </a:solidFill>
-          <a:ln w="28575">
-            <a:solidFill>
-              <a:schemeClr val="tx1"/>
-            </a:solidFill>
-          </a:ln>
-        </p:spPr>
-        <p:style>
-          <a:lnRef idx="2">
-            <a:schemeClr val="accent6"/>
-          </a:lnRef>
-          <a:fillRef idx="1">
-            <a:schemeClr val="lt1"/>
-          </a:fillRef>
-          <a:effectRef idx="0">
-            <a:schemeClr val="accent6"/>
-          </a:effectRef>
-          <a:fontRef idx="minor">
-            <a:schemeClr val="dk1"/>
-          </a:fontRef>
-        </p:style>
-        <p:txBody>
-          <a:bodyPr rtlCol="0" anchor="ctr"/>
-          <a:lstStyle/>
-          <a:p>
-            <a:pPr algn="ctr"/>
-            <a:endParaRPr lang="de-DE"/>
-          </a:p>
-        </p:txBody>
-      </p:sp>
-      <p:sp>
-        <p:nvSpPr>
-          <p:cNvPr id="58" name="Rechteck 57">
-            <a:extLst>
-              <a:ext uri="{FF2B5EF4-FFF2-40B4-BE49-F238E27FC236}">
-                <a16:creationId xmlns:a16="http://schemas.microsoft.com/office/drawing/2014/main" id="{A09F0E44-FA1F-4C66-931F-13F1FB326B1A}"/>
-              </a:ext>
-            </a:extLst>
-          </p:cNvPr>
-          <p:cNvSpPr/>
-          <p:nvPr/>
-        </p:nvSpPr>
-        <p:spPr>
-          <a:xfrm>
-            <a:off x="6090754" y="1455687"/>
-            <a:ext cx="2874611" cy="2464715"/>
-          </a:xfrm>
-          <a:prstGeom prst="rect">
-            <a:avLst/>
-          </a:prstGeom>
-          <a:solidFill>
-            <a:schemeClr val="bg2"/>
-          </a:solidFill>
-          <a:ln>
-            <a:solidFill>
-              <a:schemeClr val="bg1">
-                <a:lumMod val="50000"/>
-              </a:schemeClr>
-            </a:solidFill>
-          </a:ln>
-        </p:spPr>
-        <p:style>
-          <a:lnRef idx="2">
-            <a:schemeClr val="accent6"/>
-          </a:lnRef>
-          <a:fillRef idx="1">
-            <a:schemeClr val="lt1"/>
-          </a:fillRef>
-          <a:effectRef idx="0">
-            <a:schemeClr val="accent6"/>
-          </a:effectRef>
-          <a:fontRef idx="minor">
-            <a:schemeClr val="dk1"/>
-          </a:fontRef>
-        </p:style>
-        <p:txBody>
-          <a:bodyPr rtlCol="0" anchor="ctr"/>
-          <a:lstStyle/>
-          <a:p>
-            <a:pPr algn="ctr"/>
-            <a:endParaRPr lang="de-DE"/>
-          </a:p>
-        </p:txBody>
-      </p:sp>
-      <p:sp>
-        <p:nvSpPr>
-          <p:cNvPr id="13" name="Ellipse 12">
-            <a:extLst>
-              <a:ext uri="{FF2B5EF4-FFF2-40B4-BE49-F238E27FC236}">
-                <a16:creationId xmlns:a16="http://schemas.microsoft.com/office/drawing/2014/main" id="{9E30C5AA-4083-4F41-A42B-05FD1D97434B}"/>
-              </a:ext>
-            </a:extLst>
-          </p:cNvPr>
-          <p:cNvSpPr/>
-          <p:nvPr/>
-        </p:nvSpPr>
-        <p:spPr>
-          <a:xfrm>
-            <a:off x="2403266" y="1901679"/>
-            <a:ext cx="2212081" cy="1861653"/>
-          </a:xfrm>
-          <a:prstGeom prst="ellipse">
-            <a:avLst/>
-          </a:prstGeom>
-          <a:noFill/>
-        </p:spPr>
-        <p:style>
-          <a:lnRef idx="2">
-            <a:schemeClr val="accent1">
-              <a:shade val="50000"/>
-            </a:schemeClr>
-          </a:lnRef>
-          <a:fillRef idx="1">
-            <a:schemeClr val="accent1"/>
-          </a:fillRef>
-          <a:effectRef idx="0">
-            <a:schemeClr val="accent1"/>
-          </a:effectRef>
-          <a:fontRef idx="minor">
-            <a:schemeClr val="lt1"/>
-          </a:fontRef>
-        </p:style>
-        <p:txBody>
-          <a:bodyPr rtlCol="0" anchor="ctr"/>
-          <a:lstStyle/>
-          <a:p>
-            <a:pPr algn="ctr"/>
-            <a:endParaRPr lang="de-DE"/>
-          </a:p>
-        </p:txBody>
-      </p:sp>
-      <p:sp>
-        <p:nvSpPr>
-          <p:cNvPr id="2" name="Titel 1">
-            <a:extLst>
-              <a:ext uri="{FF2B5EF4-FFF2-40B4-BE49-F238E27FC236}">
-                <a16:creationId xmlns:a16="http://schemas.microsoft.com/office/drawing/2014/main" id="{150BA517-0FF7-42B8-B934-43619BF4508C}"/>
-              </a:ext>
-            </a:extLst>
-          </p:cNvPr>
-          <p:cNvSpPr>
-            <a:spLocks noGrp="1"/>
-          </p:cNvSpPr>
-          <p:nvPr>
-            <p:ph type="title"/>
-          </p:nvPr>
-        </p:nvSpPr>
-        <p:spPr>
-          <a:xfrm>
-            <a:off x="704961" y="119416"/>
-            <a:ext cx="10515600" cy="1325563"/>
-          </a:xfrm>
-        </p:spPr>
-        <p:txBody>
-          <a:bodyPr/>
-          <a:lstStyle/>
-          <a:p>
-            <a:r>
-              <a:rPr lang="de-DE" dirty="0" err="1"/>
-              <a:t>Current</a:t>
-            </a:r>
-            <a:r>
-              <a:rPr lang="de-DE" dirty="0"/>
-              <a:t> </a:t>
-            </a:r>
-            <a:r>
-              <a:rPr lang="de-DE" dirty="0" err="1"/>
-              <a:t>state</a:t>
-            </a:r>
-            <a:endParaRPr lang="de-DE" dirty="0"/>
-          </a:p>
-        </p:txBody>
-      </p:sp>
-      <p:sp>
-        <p:nvSpPr>
-          <p:cNvPr id="4" name="Rechteck 3">
-            <a:extLst>
-              <a:ext uri="{FF2B5EF4-FFF2-40B4-BE49-F238E27FC236}">
-                <a16:creationId xmlns:a16="http://schemas.microsoft.com/office/drawing/2014/main" id="{F36D6A40-AD54-45CA-9F7A-EA35882329C7}"/>
-              </a:ext>
-            </a:extLst>
-          </p:cNvPr>
-          <p:cNvSpPr/>
-          <p:nvPr/>
-        </p:nvSpPr>
-        <p:spPr>
-          <a:xfrm>
-            <a:off x="2884649" y="2202829"/>
-            <a:ext cx="328527" cy="525643"/>
-          </a:xfrm>
-          <a:prstGeom prst="rect">
-            <a:avLst/>
-          </a:prstGeom>
-        </p:spPr>
-        <p:style>
-          <a:lnRef idx="2">
-            <a:schemeClr val="accent1">
-              <a:shade val="50000"/>
-            </a:schemeClr>
-          </a:lnRef>
-          <a:fillRef idx="1">
-            <a:schemeClr val="accent1"/>
-          </a:fillRef>
-          <a:effectRef idx="0">
-            <a:schemeClr val="accent1"/>
-          </a:effectRef>
-          <a:fontRef idx="minor">
-            <a:schemeClr val="lt1"/>
-          </a:fontRef>
-        </p:style>
-        <p:txBody>
-          <a:bodyPr rtlCol="0" anchor="ctr"/>
-          <a:lstStyle/>
-          <a:p>
-            <a:pPr algn="ctr"/>
-            <a:endParaRPr lang="de-DE"/>
-          </a:p>
-        </p:txBody>
-      </p:sp>
-      <p:sp>
-        <p:nvSpPr>
-          <p:cNvPr id="8" name="Rechteck 7">
-            <a:extLst>
-              <a:ext uri="{FF2B5EF4-FFF2-40B4-BE49-F238E27FC236}">
-                <a16:creationId xmlns:a16="http://schemas.microsoft.com/office/drawing/2014/main" id="{911BAE19-B3A5-4E3B-9EDD-E0E71DCB5C50}"/>
-              </a:ext>
-            </a:extLst>
-          </p:cNvPr>
-          <p:cNvSpPr/>
-          <p:nvPr/>
-        </p:nvSpPr>
-        <p:spPr>
-          <a:xfrm>
-            <a:off x="2884648" y="2893961"/>
-            <a:ext cx="328527" cy="525643"/>
-          </a:xfrm>
-          <a:prstGeom prst="rect">
-            <a:avLst/>
-          </a:prstGeom>
-        </p:spPr>
-        <p:style>
-          <a:lnRef idx="2">
-            <a:schemeClr val="accent1">
-              <a:shade val="50000"/>
-            </a:schemeClr>
-          </a:lnRef>
-          <a:fillRef idx="1">
-            <a:schemeClr val="accent1"/>
-          </a:fillRef>
-          <a:effectRef idx="0">
-            <a:schemeClr val="accent1"/>
-          </a:effectRef>
-          <a:fontRef idx="minor">
-            <a:schemeClr val="lt1"/>
-          </a:fontRef>
-        </p:style>
-        <p:txBody>
-          <a:bodyPr rtlCol="0" anchor="ctr"/>
-          <a:lstStyle/>
-          <a:p>
-            <a:pPr algn="ctr"/>
-            <a:endParaRPr lang="de-DE"/>
-          </a:p>
-        </p:txBody>
-      </p:sp>
-      <p:sp>
-        <p:nvSpPr>
-          <p:cNvPr id="9" name="Rechteck 8">
-            <a:extLst>
-              <a:ext uri="{FF2B5EF4-FFF2-40B4-BE49-F238E27FC236}">
-                <a16:creationId xmlns:a16="http://schemas.microsoft.com/office/drawing/2014/main" id="{ADA90F57-6663-44C3-A4DE-2D3B9C3FAA4D}"/>
-              </a:ext>
-            </a:extLst>
-          </p:cNvPr>
-          <p:cNvSpPr/>
-          <p:nvPr/>
-        </p:nvSpPr>
-        <p:spPr>
-          <a:xfrm>
-            <a:off x="3321773" y="2202829"/>
-            <a:ext cx="328527" cy="525643"/>
-          </a:xfrm>
-          <a:prstGeom prst="rect">
-            <a:avLst/>
-          </a:prstGeom>
-        </p:spPr>
-        <p:style>
-          <a:lnRef idx="2">
-            <a:schemeClr val="accent1">
-              <a:shade val="50000"/>
-            </a:schemeClr>
-          </a:lnRef>
-          <a:fillRef idx="1">
-            <a:schemeClr val="accent1"/>
-          </a:fillRef>
-          <a:effectRef idx="0">
-            <a:schemeClr val="accent1"/>
-          </a:effectRef>
-          <a:fontRef idx="minor">
-            <a:schemeClr val="lt1"/>
-          </a:fontRef>
-        </p:style>
-        <p:txBody>
-          <a:bodyPr rtlCol="0" anchor="ctr"/>
-          <a:lstStyle/>
-          <a:p>
-            <a:pPr algn="ctr"/>
-            <a:endParaRPr lang="de-DE"/>
-          </a:p>
-        </p:txBody>
-      </p:sp>
-      <p:sp>
-        <p:nvSpPr>
-          <p:cNvPr id="10" name="Rechteck 9">
-            <a:extLst>
-              <a:ext uri="{FF2B5EF4-FFF2-40B4-BE49-F238E27FC236}">
-                <a16:creationId xmlns:a16="http://schemas.microsoft.com/office/drawing/2014/main" id="{382EEF81-1B84-44B6-B3D0-204E398A4C7C}"/>
-              </a:ext>
-            </a:extLst>
-          </p:cNvPr>
-          <p:cNvSpPr/>
-          <p:nvPr/>
-        </p:nvSpPr>
-        <p:spPr>
-          <a:xfrm>
-            <a:off x="3321772" y="2893961"/>
-            <a:ext cx="328527" cy="525643"/>
-          </a:xfrm>
-          <a:prstGeom prst="rect">
-            <a:avLst/>
-          </a:prstGeom>
-        </p:spPr>
-        <p:style>
-          <a:lnRef idx="2">
-            <a:schemeClr val="accent1">
-              <a:shade val="50000"/>
-            </a:schemeClr>
-          </a:lnRef>
-          <a:fillRef idx="1">
-            <a:schemeClr val="accent1"/>
-          </a:fillRef>
-          <a:effectRef idx="0">
-            <a:schemeClr val="accent1"/>
-          </a:effectRef>
-          <a:fontRef idx="minor">
-            <a:schemeClr val="lt1"/>
-          </a:fontRef>
-        </p:style>
-        <p:txBody>
-          <a:bodyPr rtlCol="0" anchor="ctr"/>
-          <a:lstStyle/>
-          <a:p>
-            <a:pPr algn="ctr"/>
-            <a:endParaRPr lang="de-DE"/>
-          </a:p>
-        </p:txBody>
-      </p:sp>
-      <p:sp>
-        <p:nvSpPr>
-          <p:cNvPr id="11" name="Rechteck 10">
-            <a:extLst>
-              <a:ext uri="{FF2B5EF4-FFF2-40B4-BE49-F238E27FC236}">
-                <a16:creationId xmlns:a16="http://schemas.microsoft.com/office/drawing/2014/main" id="{70522B91-2EA5-4599-B197-A0CD82C801EC}"/>
-              </a:ext>
-            </a:extLst>
-          </p:cNvPr>
-          <p:cNvSpPr/>
-          <p:nvPr/>
-        </p:nvSpPr>
-        <p:spPr>
-          <a:xfrm>
-            <a:off x="3758896" y="2202829"/>
-            <a:ext cx="328527" cy="525643"/>
-          </a:xfrm>
-          <a:prstGeom prst="rect">
-            <a:avLst/>
-          </a:prstGeom>
-        </p:spPr>
-        <p:style>
-          <a:lnRef idx="2">
-            <a:schemeClr val="accent1">
-              <a:shade val="50000"/>
-            </a:schemeClr>
-          </a:lnRef>
-          <a:fillRef idx="1">
-            <a:schemeClr val="accent1"/>
-          </a:fillRef>
-          <a:effectRef idx="0">
-            <a:schemeClr val="accent1"/>
-          </a:effectRef>
-          <a:fontRef idx="minor">
-            <a:schemeClr val="lt1"/>
-          </a:fontRef>
-        </p:style>
-        <p:txBody>
-          <a:bodyPr rtlCol="0" anchor="ctr"/>
-          <a:lstStyle/>
-          <a:p>
-            <a:pPr algn="ctr"/>
-            <a:endParaRPr lang="de-DE"/>
-          </a:p>
-        </p:txBody>
-      </p:sp>
-      <p:sp>
-        <p:nvSpPr>
-          <p:cNvPr id="12" name="Rechteck 11">
-            <a:extLst>
-              <a:ext uri="{FF2B5EF4-FFF2-40B4-BE49-F238E27FC236}">
-                <a16:creationId xmlns:a16="http://schemas.microsoft.com/office/drawing/2014/main" id="{068D75AE-C16B-4340-A121-99E675CE5EAF}"/>
-              </a:ext>
-            </a:extLst>
-          </p:cNvPr>
-          <p:cNvSpPr/>
-          <p:nvPr/>
-        </p:nvSpPr>
-        <p:spPr>
-          <a:xfrm>
-            <a:off x="3758895" y="2893961"/>
-            <a:ext cx="328527" cy="525643"/>
-          </a:xfrm>
-          <a:prstGeom prst="rect">
-            <a:avLst/>
-          </a:prstGeom>
-        </p:spPr>
-        <p:style>
-          <a:lnRef idx="2">
-            <a:schemeClr val="accent1">
-              <a:shade val="50000"/>
-            </a:schemeClr>
-          </a:lnRef>
-          <a:fillRef idx="1">
-            <a:schemeClr val="accent1"/>
-          </a:fillRef>
-          <a:effectRef idx="0">
-            <a:schemeClr val="accent1"/>
-          </a:effectRef>
-          <a:fontRef idx="minor">
-            <a:schemeClr val="lt1"/>
-          </a:fontRef>
-        </p:style>
-        <p:txBody>
-          <a:bodyPr rtlCol="0" anchor="ctr"/>
-          <a:lstStyle/>
-          <a:p>
-            <a:pPr algn="ctr"/>
-            <a:endParaRPr lang="de-DE"/>
-          </a:p>
-        </p:txBody>
-      </p:sp>
-      <p:sp>
-        <p:nvSpPr>
-          <p:cNvPr id="14" name="Textfeld 13">
-            <a:extLst>
-              <a:ext uri="{FF2B5EF4-FFF2-40B4-BE49-F238E27FC236}">
-                <a16:creationId xmlns:a16="http://schemas.microsoft.com/office/drawing/2014/main" id="{1EFE61D5-4E32-43E0-84D4-6DCD3C577C02}"/>
-              </a:ext>
-            </a:extLst>
-          </p:cNvPr>
-          <p:cNvSpPr txBox="1"/>
-          <p:nvPr/>
-        </p:nvSpPr>
-        <p:spPr>
-          <a:xfrm>
-            <a:off x="2801037" y="1530784"/>
-            <a:ext cx="2998036" cy="369332"/>
-          </a:xfrm>
-          <a:prstGeom prst="rect">
-            <a:avLst/>
-          </a:prstGeom>
-          <a:noFill/>
-        </p:spPr>
-        <p:txBody>
-          <a:bodyPr wrap="square" rtlCol="0">
-            <a:spAutoFit/>
-          </a:bodyPr>
-          <a:lstStyle/>
-          <a:p>
-            <a:r>
-              <a:rPr lang="de-DE" dirty="0" err="1"/>
-              <a:t>Pre</a:t>
-            </a:r>
-            <a:r>
-              <a:rPr lang="de-DE" dirty="0"/>
-              <a:t> </a:t>
-            </a:r>
-            <a:r>
-              <a:rPr lang="de-DE" dirty="0" err="1"/>
-              <a:t>production</a:t>
-            </a:r>
-            <a:endParaRPr lang="de-DE" dirty="0"/>
-          </a:p>
-        </p:txBody>
-      </p:sp>
-      <p:sp>
-        <p:nvSpPr>
-          <p:cNvPr id="16" name="Rechteck 15">
-            <a:extLst>
-              <a:ext uri="{FF2B5EF4-FFF2-40B4-BE49-F238E27FC236}">
-                <a16:creationId xmlns:a16="http://schemas.microsoft.com/office/drawing/2014/main" id="{66E90626-2255-4A47-B820-A158A2269C85}"/>
-              </a:ext>
-            </a:extLst>
-          </p:cNvPr>
-          <p:cNvSpPr/>
-          <p:nvPr/>
-        </p:nvSpPr>
-        <p:spPr>
-          <a:xfrm>
-            <a:off x="6267217" y="3175921"/>
-            <a:ext cx="290201" cy="525643"/>
-          </a:xfrm>
-          <a:prstGeom prst="rect">
-            <a:avLst/>
-          </a:prstGeom>
-          <a:solidFill>
-            <a:schemeClr val="bg1">
-              <a:lumMod val="50000"/>
-            </a:schemeClr>
-          </a:solidFill>
-        </p:spPr>
-        <p:style>
-          <a:lnRef idx="2">
-            <a:schemeClr val="accent1">
-              <a:shade val="50000"/>
-            </a:schemeClr>
-          </a:lnRef>
-          <a:fillRef idx="1">
-            <a:schemeClr val="accent1"/>
-          </a:fillRef>
-          <a:effectRef idx="0">
-            <a:schemeClr val="accent1"/>
-          </a:effectRef>
-          <a:fontRef idx="minor">
-            <a:schemeClr val="lt1"/>
-          </a:fontRef>
-        </p:style>
-        <p:txBody>
-          <a:bodyPr rtlCol="0" anchor="ctr"/>
-          <a:lstStyle/>
-          <a:p>
-            <a:pPr algn="ctr"/>
-            <a:endParaRPr lang="de-DE"/>
-          </a:p>
-        </p:txBody>
-      </p:sp>
-      <p:sp>
-        <p:nvSpPr>
-          <p:cNvPr id="17" name="Rechteck 16">
-            <a:extLst>
-              <a:ext uri="{FF2B5EF4-FFF2-40B4-BE49-F238E27FC236}">
-                <a16:creationId xmlns:a16="http://schemas.microsoft.com/office/drawing/2014/main" id="{2EAC971F-0257-4309-933B-0BC58C6C3136}"/>
-              </a:ext>
-            </a:extLst>
-          </p:cNvPr>
-          <p:cNvSpPr/>
-          <p:nvPr/>
-        </p:nvSpPr>
-        <p:spPr>
-          <a:xfrm>
-            <a:off x="7792360" y="2871421"/>
-            <a:ext cx="290201" cy="525643"/>
-          </a:xfrm>
-          <a:prstGeom prst="rect">
-            <a:avLst/>
-          </a:prstGeom>
-          <a:solidFill>
-            <a:schemeClr val="bg1">
-              <a:lumMod val="50000"/>
-            </a:schemeClr>
-          </a:solidFill>
-        </p:spPr>
-        <p:style>
-          <a:lnRef idx="2">
-            <a:schemeClr val="accent1">
-              <a:shade val="50000"/>
-            </a:schemeClr>
-          </a:lnRef>
-          <a:fillRef idx="1">
-            <a:schemeClr val="accent1"/>
-          </a:fillRef>
-          <a:effectRef idx="0">
-            <a:schemeClr val="accent1"/>
-          </a:effectRef>
-          <a:fontRef idx="minor">
-            <a:schemeClr val="lt1"/>
-          </a:fontRef>
-        </p:style>
-        <p:txBody>
-          <a:bodyPr rtlCol="0" anchor="ctr"/>
-          <a:lstStyle/>
-          <a:p>
-            <a:pPr algn="ctr"/>
-            <a:endParaRPr lang="de-DE"/>
-          </a:p>
-        </p:txBody>
-      </p:sp>
-      <p:sp>
-        <p:nvSpPr>
-          <p:cNvPr id="18" name="Rechteck 17">
-            <a:extLst>
-              <a:ext uri="{FF2B5EF4-FFF2-40B4-BE49-F238E27FC236}">
-                <a16:creationId xmlns:a16="http://schemas.microsoft.com/office/drawing/2014/main" id="{6E9B1B6D-B4DE-4B71-8746-C07C79308393}"/>
-              </a:ext>
-            </a:extLst>
-          </p:cNvPr>
-          <p:cNvSpPr/>
-          <p:nvPr/>
-        </p:nvSpPr>
-        <p:spPr>
-          <a:xfrm>
-            <a:off x="6782196" y="2784714"/>
-            <a:ext cx="290201" cy="525643"/>
-          </a:xfrm>
-          <a:prstGeom prst="rect">
-            <a:avLst/>
-          </a:prstGeom>
-          <a:solidFill>
-            <a:schemeClr val="bg1">
-              <a:lumMod val="50000"/>
-            </a:schemeClr>
-          </a:solidFill>
-        </p:spPr>
-        <p:style>
-          <a:lnRef idx="2">
-            <a:schemeClr val="accent1">
-              <a:shade val="50000"/>
-            </a:schemeClr>
-          </a:lnRef>
-          <a:fillRef idx="1">
-            <a:schemeClr val="accent1"/>
-          </a:fillRef>
-          <a:effectRef idx="0">
-            <a:schemeClr val="accent1"/>
-          </a:effectRef>
-          <a:fontRef idx="minor">
-            <a:schemeClr val="lt1"/>
-          </a:fontRef>
-        </p:style>
-        <p:txBody>
-          <a:bodyPr rtlCol="0" anchor="ctr"/>
-          <a:lstStyle/>
-          <a:p>
-            <a:pPr algn="ctr"/>
-            <a:endParaRPr lang="de-DE"/>
-          </a:p>
-        </p:txBody>
-      </p:sp>
-      <p:sp>
-        <p:nvSpPr>
-          <p:cNvPr id="20" name="Rechteck 19">
-            <a:extLst>
-              <a:ext uri="{FF2B5EF4-FFF2-40B4-BE49-F238E27FC236}">
-                <a16:creationId xmlns:a16="http://schemas.microsoft.com/office/drawing/2014/main" id="{3F5C6248-52EB-4C89-A490-22C48DEC5C0A}"/>
-              </a:ext>
-            </a:extLst>
-          </p:cNvPr>
-          <p:cNvSpPr/>
-          <p:nvPr/>
-        </p:nvSpPr>
-        <p:spPr>
-          <a:xfrm>
-            <a:off x="7625812" y="1697689"/>
-            <a:ext cx="290201" cy="525643"/>
-          </a:xfrm>
-          <a:prstGeom prst="rect">
-            <a:avLst/>
-          </a:prstGeom>
-          <a:solidFill>
-            <a:schemeClr val="bg1">
-              <a:lumMod val="50000"/>
-            </a:schemeClr>
-          </a:solidFill>
-        </p:spPr>
-        <p:style>
-          <a:lnRef idx="2">
-            <a:schemeClr val="accent1">
-              <a:shade val="50000"/>
-            </a:schemeClr>
-          </a:lnRef>
-          <a:fillRef idx="1">
-            <a:schemeClr val="accent1"/>
-          </a:fillRef>
-          <a:effectRef idx="0">
-            <a:schemeClr val="accent1"/>
-          </a:effectRef>
-          <a:fontRef idx="minor">
-            <a:schemeClr val="lt1"/>
-          </a:fontRef>
-        </p:style>
-        <p:txBody>
-          <a:bodyPr rtlCol="0" anchor="ctr"/>
-          <a:lstStyle/>
-          <a:p>
-            <a:pPr algn="ctr"/>
-            <a:endParaRPr lang="de-DE"/>
-          </a:p>
-        </p:txBody>
-      </p:sp>
-      <p:sp>
-        <p:nvSpPr>
-          <p:cNvPr id="21" name="Rechteck 20">
-            <a:extLst>
-              <a:ext uri="{FF2B5EF4-FFF2-40B4-BE49-F238E27FC236}">
-                <a16:creationId xmlns:a16="http://schemas.microsoft.com/office/drawing/2014/main" id="{37362187-927F-4A9B-B1D8-57D2B57CA74D}"/>
-              </a:ext>
-            </a:extLst>
-          </p:cNvPr>
-          <p:cNvSpPr/>
-          <p:nvPr/>
-        </p:nvSpPr>
-        <p:spPr>
-          <a:xfrm>
-            <a:off x="6808035" y="1711520"/>
-            <a:ext cx="290201" cy="525643"/>
-          </a:xfrm>
-          <a:prstGeom prst="rect">
-            <a:avLst/>
-          </a:prstGeom>
-          <a:solidFill>
-            <a:schemeClr val="bg1">
-              <a:lumMod val="50000"/>
-            </a:schemeClr>
-          </a:solidFill>
-        </p:spPr>
-        <p:style>
-          <a:lnRef idx="2">
-            <a:schemeClr val="accent1">
-              <a:shade val="50000"/>
-            </a:schemeClr>
-          </a:lnRef>
-          <a:fillRef idx="1">
-            <a:schemeClr val="accent1"/>
-          </a:fillRef>
-          <a:effectRef idx="0">
-            <a:schemeClr val="accent1"/>
-          </a:effectRef>
-          <a:fontRef idx="minor">
-            <a:schemeClr val="lt1"/>
-          </a:fontRef>
-        </p:style>
-        <p:txBody>
-          <a:bodyPr rtlCol="0" anchor="ctr"/>
-          <a:lstStyle/>
-          <a:p>
-            <a:pPr algn="ctr"/>
-            <a:endParaRPr lang="de-DE"/>
-          </a:p>
-        </p:txBody>
-      </p:sp>
-      <p:sp>
-        <p:nvSpPr>
-          <p:cNvPr id="22" name="Rechteck 21">
-            <a:extLst>
-              <a:ext uri="{FF2B5EF4-FFF2-40B4-BE49-F238E27FC236}">
-                <a16:creationId xmlns:a16="http://schemas.microsoft.com/office/drawing/2014/main" id="{4877500C-9EFD-4832-A284-ADD196CAB036}"/>
-              </a:ext>
-            </a:extLst>
-          </p:cNvPr>
-          <p:cNvSpPr/>
-          <p:nvPr/>
-        </p:nvSpPr>
-        <p:spPr>
-          <a:xfrm>
-            <a:off x="6252442" y="2330721"/>
-            <a:ext cx="290201" cy="525643"/>
-          </a:xfrm>
-          <a:prstGeom prst="rect">
-            <a:avLst/>
-          </a:prstGeom>
-          <a:solidFill>
-            <a:schemeClr val="bg1">
-              <a:lumMod val="50000"/>
-            </a:schemeClr>
-          </a:solidFill>
-        </p:spPr>
-        <p:style>
-          <a:lnRef idx="2">
-            <a:schemeClr val="accent1">
-              <a:shade val="50000"/>
-            </a:schemeClr>
-          </a:lnRef>
-          <a:fillRef idx="1">
-            <a:schemeClr val="accent1"/>
-          </a:fillRef>
-          <a:effectRef idx="0">
-            <a:schemeClr val="accent1"/>
-          </a:effectRef>
-          <a:fontRef idx="minor">
-            <a:schemeClr val="lt1"/>
-          </a:fontRef>
-        </p:style>
-        <p:txBody>
-          <a:bodyPr rtlCol="0" anchor="ctr"/>
-          <a:lstStyle/>
-          <a:p>
-            <a:pPr algn="ctr"/>
-            <a:endParaRPr lang="de-DE"/>
-          </a:p>
-        </p:txBody>
-      </p:sp>
-      <p:sp>
-        <p:nvSpPr>
-          <p:cNvPr id="23" name="Rechteck 22">
-            <a:extLst>
-              <a:ext uri="{FF2B5EF4-FFF2-40B4-BE49-F238E27FC236}">
-                <a16:creationId xmlns:a16="http://schemas.microsoft.com/office/drawing/2014/main" id="{384611B1-D5E4-4F00-B5DA-93EF6A29BCC5}"/>
-              </a:ext>
-            </a:extLst>
-          </p:cNvPr>
-          <p:cNvSpPr/>
-          <p:nvPr/>
-        </p:nvSpPr>
-        <p:spPr>
-          <a:xfrm>
-            <a:off x="6198149" y="1560387"/>
-            <a:ext cx="290201" cy="525643"/>
-          </a:xfrm>
-          <a:prstGeom prst="rect">
-            <a:avLst/>
-          </a:prstGeom>
-          <a:solidFill>
-            <a:schemeClr val="bg1">
-              <a:lumMod val="50000"/>
-            </a:schemeClr>
-          </a:solidFill>
-        </p:spPr>
-        <p:style>
-          <a:lnRef idx="2">
-            <a:schemeClr val="accent1">
-              <a:shade val="50000"/>
-            </a:schemeClr>
-          </a:lnRef>
-          <a:fillRef idx="1">
-            <a:schemeClr val="accent1"/>
-          </a:fillRef>
-          <a:effectRef idx="0">
-            <a:schemeClr val="accent1"/>
-          </a:effectRef>
-          <a:fontRef idx="minor">
-            <a:schemeClr val="lt1"/>
-          </a:fontRef>
-        </p:style>
-        <p:txBody>
-          <a:bodyPr rtlCol="0" anchor="ctr"/>
-          <a:lstStyle/>
-          <a:p>
-            <a:pPr algn="ctr"/>
-            <a:endParaRPr lang="de-DE"/>
-          </a:p>
-        </p:txBody>
-      </p:sp>
-      <p:sp>
-        <p:nvSpPr>
-          <p:cNvPr id="24" name="Rechteck 23">
-            <a:extLst>
-              <a:ext uri="{FF2B5EF4-FFF2-40B4-BE49-F238E27FC236}">
-                <a16:creationId xmlns:a16="http://schemas.microsoft.com/office/drawing/2014/main" id="{2BE57AC9-3EBD-40F3-9547-ECBC8BC9E83C}"/>
-              </a:ext>
-            </a:extLst>
-          </p:cNvPr>
-          <p:cNvSpPr/>
-          <p:nvPr/>
-        </p:nvSpPr>
-        <p:spPr>
-          <a:xfrm>
-            <a:off x="7300825" y="2359141"/>
-            <a:ext cx="290201" cy="525643"/>
-          </a:xfrm>
-          <a:prstGeom prst="rect">
-            <a:avLst/>
-          </a:prstGeom>
-          <a:solidFill>
-            <a:schemeClr val="bg1">
-              <a:lumMod val="50000"/>
-            </a:schemeClr>
-          </a:solidFill>
-        </p:spPr>
-        <p:style>
-          <a:lnRef idx="2">
-            <a:schemeClr val="accent1">
-              <a:shade val="50000"/>
-            </a:schemeClr>
-          </a:lnRef>
-          <a:fillRef idx="1">
-            <a:schemeClr val="accent1"/>
-          </a:fillRef>
-          <a:effectRef idx="0">
-            <a:schemeClr val="accent1"/>
-          </a:effectRef>
-          <a:fontRef idx="minor">
-            <a:schemeClr val="lt1"/>
-          </a:fontRef>
-        </p:style>
-        <p:txBody>
-          <a:bodyPr rtlCol="0" anchor="ctr"/>
-          <a:lstStyle/>
-          <a:p>
-            <a:pPr algn="ctr"/>
-            <a:endParaRPr lang="de-DE"/>
-          </a:p>
-        </p:txBody>
-      </p:sp>
-      <p:sp>
-        <p:nvSpPr>
-          <p:cNvPr id="25" name="Rechteck 24">
-            <a:extLst>
-              <a:ext uri="{FF2B5EF4-FFF2-40B4-BE49-F238E27FC236}">
-                <a16:creationId xmlns:a16="http://schemas.microsoft.com/office/drawing/2014/main" id="{A979964A-AE4D-4EDD-9E6F-3F65B03EE770}"/>
-              </a:ext>
-            </a:extLst>
-          </p:cNvPr>
-          <p:cNvSpPr/>
-          <p:nvPr/>
-        </p:nvSpPr>
-        <p:spPr>
-          <a:xfrm>
-            <a:off x="8372875" y="3242869"/>
-            <a:ext cx="290201" cy="525643"/>
-          </a:xfrm>
-          <a:prstGeom prst="rect">
-            <a:avLst/>
-          </a:prstGeom>
-          <a:solidFill>
-            <a:schemeClr val="bg1">
-              <a:lumMod val="50000"/>
-            </a:schemeClr>
-          </a:solidFill>
-        </p:spPr>
-        <p:style>
-          <a:lnRef idx="2">
-            <a:schemeClr val="accent1">
-              <a:shade val="50000"/>
-            </a:schemeClr>
-          </a:lnRef>
-          <a:fillRef idx="1">
-            <a:schemeClr val="accent1"/>
-          </a:fillRef>
-          <a:effectRef idx="0">
-            <a:schemeClr val="accent1"/>
-          </a:effectRef>
-          <a:fontRef idx="minor">
-            <a:schemeClr val="lt1"/>
-          </a:fontRef>
-        </p:style>
-        <p:txBody>
-          <a:bodyPr rtlCol="0" anchor="ctr"/>
-          <a:lstStyle/>
-          <a:p>
-            <a:pPr algn="ctr"/>
-            <a:endParaRPr lang="de-DE"/>
-          </a:p>
-        </p:txBody>
-      </p:sp>
-      <p:cxnSp>
-        <p:nvCxnSpPr>
-          <p:cNvPr id="27" name="Gerade Verbindung mit Pfeil 26">
-            <a:extLst>
-              <a:ext uri="{FF2B5EF4-FFF2-40B4-BE49-F238E27FC236}">
-                <a16:creationId xmlns:a16="http://schemas.microsoft.com/office/drawing/2014/main" id="{BED48CA8-9E2E-4B78-91C4-EFCBE49C0885}"/>
-              </a:ext>
-            </a:extLst>
-          </p:cNvPr>
-          <p:cNvCxnSpPr>
-            <a:stCxn id="11" idx="3"/>
-            <a:endCxn id="21" idx="1"/>
-          </p:cNvCxnSpPr>
-          <p:nvPr/>
-        </p:nvCxnSpPr>
-        <p:spPr>
-          <a:xfrm flipV="1">
-            <a:off x="4087423" y="1974342"/>
-            <a:ext cx="2720612" cy="491309"/>
-          </a:xfrm>
-          <a:prstGeom prst="straightConnector1">
-            <a:avLst/>
-          </a:prstGeom>
-          <a:ln>
-            <a:tailEnd type="triangle"/>
-          </a:ln>
-        </p:spPr>
-        <p:style>
-          <a:lnRef idx="1">
-            <a:schemeClr val="dk1"/>
-          </a:lnRef>
-          <a:fillRef idx="0">
-            <a:schemeClr val="dk1"/>
-          </a:fillRef>
-          <a:effectRef idx="0">
-            <a:schemeClr val="dk1"/>
-          </a:effectRef>
-          <a:fontRef idx="minor">
-            <a:schemeClr val="tx1"/>
-          </a:fontRef>
-        </p:style>
-      </p:cxnSp>
-      <p:cxnSp>
-        <p:nvCxnSpPr>
-          <p:cNvPr id="28" name="Gerade Verbindung mit Pfeil 27">
-            <a:extLst>
-              <a:ext uri="{FF2B5EF4-FFF2-40B4-BE49-F238E27FC236}">
-                <a16:creationId xmlns:a16="http://schemas.microsoft.com/office/drawing/2014/main" id="{E058E11D-EF13-4234-B203-D664C76CA24E}"/>
-              </a:ext>
-            </a:extLst>
-          </p:cNvPr>
-          <p:cNvCxnSpPr>
-            <a:cxnSpLocks/>
-            <a:stCxn id="11" idx="3"/>
-            <a:endCxn id="22" idx="1"/>
-          </p:cNvCxnSpPr>
-          <p:nvPr/>
-        </p:nvCxnSpPr>
-        <p:spPr>
-          <a:xfrm>
-            <a:off x="4087423" y="2465651"/>
-            <a:ext cx="2165019" cy="127892"/>
-          </a:xfrm>
-          <a:prstGeom prst="straightConnector1">
-            <a:avLst/>
-          </a:prstGeom>
-          <a:ln>
-            <a:tailEnd type="triangle"/>
-          </a:ln>
-        </p:spPr>
-        <p:style>
-          <a:lnRef idx="1">
-            <a:schemeClr val="dk1"/>
-          </a:lnRef>
-          <a:fillRef idx="0">
-            <a:schemeClr val="dk1"/>
-          </a:fillRef>
-          <a:effectRef idx="0">
-            <a:schemeClr val="dk1"/>
-          </a:effectRef>
-          <a:fontRef idx="minor">
-            <a:schemeClr val="tx1"/>
-          </a:fontRef>
-        </p:style>
-      </p:cxnSp>
-      <p:cxnSp>
-        <p:nvCxnSpPr>
-          <p:cNvPr id="31" name="Gerade Verbindung mit Pfeil 30">
-            <a:extLst>
-              <a:ext uri="{FF2B5EF4-FFF2-40B4-BE49-F238E27FC236}">
-                <a16:creationId xmlns:a16="http://schemas.microsoft.com/office/drawing/2014/main" id="{F9C7D8AA-887F-45C5-8922-76B528EB0345}"/>
-              </a:ext>
-            </a:extLst>
-          </p:cNvPr>
-          <p:cNvCxnSpPr>
-            <a:cxnSpLocks/>
-            <a:stCxn id="11" idx="3"/>
-            <a:endCxn id="18" idx="1"/>
-          </p:cNvCxnSpPr>
-          <p:nvPr/>
-        </p:nvCxnSpPr>
-        <p:spPr>
-          <a:xfrm>
-            <a:off x="4087423" y="2465651"/>
-            <a:ext cx="2694773" cy="581885"/>
-          </a:xfrm>
-          <a:prstGeom prst="straightConnector1">
-            <a:avLst/>
-          </a:prstGeom>
-          <a:ln>
-            <a:tailEnd type="triangle"/>
-          </a:ln>
-        </p:spPr>
-        <p:style>
-          <a:lnRef idx="1">
-            <a:schemeClr val="dk1"/>
-          </a:lnRef>
-          <a:fillRef idx="0">
-            <a:schemeClr val="dk1"/>
-          </a:fillRef>
-          <a:effectRef idx="0">
-            <a:schemeClr val="dk1"/>
-          </a:effectRef>
-          <a:fontRef idx="minor">
-            <a:schemeClr val="tx1"/>
-          </a:fontRef>
-        </p:style>
-      </p:cxnSp>
-      <p:cxnSp>
-        <p:nvCxnSpPr>
-          <p:cNvPr id="34" name="Gerade Verbindung mit Pfeil 33">
-            <a:extLst>
-              <a:ext uri="{FF2B5EF4-FFF2-40B4-BE49-F238E27FC236}">
-                <a16:creationId xmlns:a16="http://schemas.microsoft.com/office/drawing/2014/main" id="{DE471D5D-BE61-4356-AE5B-540B883A33D2}"/>
-              </a:ext>
-            </a:extLst>
-          </p:cNvPr>
-          <p:cNvCxnSpPr>
-            <a:cxnSpLocks/>
-            <a:stCxn id="10" idx="3"/>
-            <a:endCxn id="22" idx="1"/>
-          </p:cNvCxnSpPr>
-          <p:nvPr/>
-        </p:nvCxnSpPr>
-        <p:spPr>
-          <a:xfrm flipV="1">
-            <a:off x="3650299" y="2593543"/>
-            <a:ext cx="2602143" cy="563240"/>
-          </a:xfrm>
-          <a:prstGeom prst="straightConnector1">
-            <a:avLst/>
-          </a:prstGeom>
-          <a:ln>
-            <a:tailEnd type="triangle"/>
-          </a:ln>
-        </p:spPr>
-        <p:style>
-          <a:lnRef idx="1">
-            <a:schemeClr val="dk1"/>
-          </a:lnRef>
-          <a:fillRef idx="0">
-            <a:schemeClr val="dk1"/>
-          </a:fillRef>
-          <a:effectRef idx="0">
-            <a:schemeClr val="dk1"/>
-          </a:effectRef>
-          <a:fontRef idx="minor">
-            <a:schemeClr val="tx1"/>
-          </a:fontRef>
-        </p:style>
-      </p:cxnSp>
-      <p:cxnSp>
-        <p:nvCxnSpPr>
-          <p:cNvPr id="37" name="Gerade Verbindung mit Pfeil 36">
-            <a:extLst>
-              <a:ext uri="{FF2B5EF4-FFF2-40B4-BE49-F238E27FC236}">
-                <a16:creationId xmlns:a16="http://schemas.microsoft.com/office/drawing/2014/main" id="{567F7154-8F63-454C-BC75-24D157A586B3}"/>
-              </a:ext>
-            </a:extLst>
-          </p:cNvPr>
-          <p:cNvCxnSpPr>
-            <a:cxnSpLocks/>
-            <a:stCxn id="8" idx="3"/>
-            <a:endCxn id="23" idx="1"/>
-          </p:cNvCxnSpPr>
-          <p:nvPr/>
-        </p:nvCxnSpPr>
-        <p:spPr>
-          <a:xfrm flipV="1">
-            <a:off x="3213175" y="1823209"/>
-            <a:ext cx="2984974" cy="1333574"/>
-          </a:xfrm>
-          <a:prstGeom prst="straightConnector1">
-            <a:avLst/>
-          </a:prstGeom>
-          <a:ln>
-            <a:tailEnd type="triangle"/>
-          </a:ln>
-        </p:spPr>
-        <p:style>
-          <a:lnRef idx="1">
-            <a:schemeClr val="dk1"/>
-          </a:lnRef>
-          <a:fillRef idx="0">
-            <a:schemeClr val="dk1"/>
-          </a:fillRef>
-          <a:effectRef idx="0">
-            <a:schemeClr val="dk1"/>
-          </a:effectRef>
-          <a:fontRef idx="minor">
-            <a:schemeClr val="tx1"/>
-          </a:fontRef>
-        </p:style>
-      </p:cxnSp>
-      <p:cxnSp>
-        <p:nvCxnSpPr>
-          <p:cNvPr id="40" name="Gerade Verbindung mit Pfeil 39">
-            <a:extLst>
-              <a:ext uri="{FF2B5EF4-FFF2-40B4-BE49-F238E27FC236}">
-                <a16:creationId xmlns:a16="http://schemas.microsoft.com/office/drawing/2014/main" id="{9051859C-1E99-4CDE-8768-1536B1C9FDFB}"/>
-              </a:ext>
-            </a:extLst>
-          </p:cNvPr>
-          <p:cNvCxnSpPr>
-            <a:cxnSpLocks/>
-            <a:stCxn id="4" idx="3"/>
-            <a:endCxn id="16" idx="1"/>
-          </p:cNvCxnSpPr>
-          <p:nvPr/>
-        </p:nvCxnSpPr>
-        <p:spPr>
-          <a:xfrm>
-            <a:off x="3213176" y="2465651"/>
-            <a:ext cx="3054041" cy="973092"/>
-          </a:xfrm>
-          <a:prstGeom prst="straightConnector1">
-            <a:avLst/>
-          </a:prstGeom>
-          <a:ln>
-            <a:tailEnd type="triangle"/>
-          </a:ln>
-        </p:spPr>
-        <p:style>
-          <a:lnRef idx="1">
-            <a:schemeClr val="dk1"/>
-          </a:lnRef>
-          <a:fillRef idx="0">
-            <a:schemeClr val="dk1"/>
-          </a:fillRef>
-          <a:effectRef idx="0">
-            <a:schemeClr val="dk1"/>
-          </a:effectRef>
-          <a:fontRef idx="minor">
-            <a:schemeClr val="tx1"/>
-          </a:fontRef>
-        </p:style>
-      </p:cxnSp>
-      <p:cxnSp>
-        <p:nvCxnSpPr>
-          <p:cNvPr id="43" name="Gerade Verbindung mit Pfeil 42">
-            <a:extLst>
-              <a:ext uri="{FF2B5EF4-FFF2-40B4-BE49-F238E27FC236}">
-                <a16:creationId xmlns:a16="http://schemas.microsoft.com/office/drawing/2014/main" id="{3FD6E247-9227-4810-BEC8-0ABC366BDDEB}"/>
-              </a:ext>
-            </a:extLst>
-          </p:cNvPr>
-          <p:cNvCxnSpPr>
-            <a:cxnSpLocks/>
-            <a:stCxn id="8" idx="3"/>
-            <a:endCxn id="25" idx="1"/>
-          </p:cNvCxnSpPr>
-          <p:nvPr/>
-        </p:nvCxnSpPr>
-        <p:spPr>
-          <a:xfrm>
-            <a:off x="3213175" y="3156783"/>
-            <a:ext cx="5159700" cy="348908"/>
-          </a:xfrm>
-          <a:prstGeom prst="straightConnector1">
-            <a:avLst/>
-          </a:prstGeom>
-          <a:ln>
-            <a:tailEnd type="triangle"/>
-          </a:ln>
-        </p:spPr>
-        <p:style>
-          <a:lnRef idx="1">
-            <a:schemeClr val="dk1"/>
-          </a:lnRef>
-          <a:fillRef idx="0">
-            <a:schemeClr val="dk1"/>
-          </a:fillRef>
-          <a:effectRef idx="0">
-            <a:schemeClr val="dk1"/>
-          </a:effectRef>
-          <a:fontRef idx="minor">
-            <a:schemeClr val="tx1"/>
-          </a:fontRef>
-        </p:style>
-      </p:cxnSp>
-      <p:cxnSp>
-        <p:nvCxnSpPr>
-          <p:cNvPr id="46" name="Gerade Verbindung mit Pfeil 45">
-            <a:extLst>
-              <a:ext uri="{FF2B5EF4-FFF2-40B4-BE49-F238E27FC236}">
-                <a16:creationId xmlns:a16="http://schemas.microsoft.com/office/drawing/2014/main" id="{84ED7B17-F42A-4DC9-B1AD-EBEC5437728E}"/>
-              </a:ext>
-            </a:extLst>
-          </p:cNvPr>
-          <p:cNvCxnSpPr>
-            <a:cxnSpLocks/>
-            <a:stCxn id="9" idx="3"/>
-            <a:endCxn id="20" idx="1"/>
-          </p:cNvCxnSpPr>
-          <p:nvPr/>
-        </p:nvCxnSpPr>
-        <p:spPr>
-          <a:xfrm flipV="1">
-            <a:off x="3650300" y="1960511"/>
-            <a:ext cx="3975512" cy="505140"/>
-          </a:xfrm>
-          <a:prstGeom prst="straightConnector1">
-            <a:avLst/>
-          </a:prstGeom>
-          <a:ln>
-            <a:tailEnd type="triangle"/>
-          </a:ln>
-        </p:spPr>
-        <p:style>
-          <a:lnRef idx="1">
-            <a:schemeClr val="dk1"/>
-          </a:lnRef>
-          <a:fillRef idx="0">
-            <a:schemeClr val="dk1"/>
-          </a:fillRef>
-          <a:effectRef idx="0">
-            <a:schemeClr val="dk1"/>
-          </a:effectRef>
-          <a:fontRef idx="minor">
-            <a:schemeClr val="tx1"/>
-          </a:fontRef>
-        </p:style>
-      </p:cxnSp>
-      <p:cxnSp>
-        <p:nvCxnSpPr>
-          <p:cNvPr id="49" name="Gerade Verbindung mit Pfeil 48">
-            <a:extLst>
-              <a:ext uri="{FF2B5EF4-FFF2-40B4-BE49-F238E27FC236}">
-                <a16:creationId xmlns:a16="http://schemas.microsoft.com/office/drawing/2014/main" id="{1ACAD403-2CF9-4BCA-B04A-147E394C41CB}"/>
-              </a:ext>
-            </a:extLst>
-          </p:cNvPr>
-          <p:cNvCxnSpPr>
-            <a:cxnSpLocks/>
-            <a:stCxn id="8" idx="3"/>
-            <a:endCxn id="24" idx="1"/>
-          </p:cNvCxnSpPr>
-          <p:nvPr/>
-        </p:nvCxnSpPr>
-        <p:spPr>
-          <a:xfrm flipV="1">
-            <a:off x="3213175" y="2621963"/>
-            <a:ext cx="4087650" cy="534820"/>
-          </a:xfrm>
-          <a:prstGeom prst="straightConnector1">
-            <a:avLst/>
-          </a:prstGeom>
-          <a:ln>
-            <a:tailEnd type="triangle"/>
-          </a:ln>
-        </p:spPr>
-        <p:style>
-          <a:lnRef idx="1">
-            <a:schemeClr val="dk1"/>
-          </a:lnRef>
-          <a:fillRef idx="0">
-            <a:schemeClr val="dk1"/>
-          </a:fillRef>
-          <a:effectRef idx="0">
-            <a:schemeClr val="dk1"/>
-          </a:effectRef>
-          <a:fontRef idx="minor">
-            <a:schemeClr val="tx1"/>
-          </a:fontRef>
-        </p:style>
-      </p:cxnSp>
-      <p:cxnSp>
-        <p:nvCxnSpPr>
-          <p:cNvPr id="52" name="Gerade Verbindung mit Pfeil 51">
-            <a:extLst>
-              <a:ext uri="{FF2B5EF4-FFF2-40B4-BE49-F238E27FC236}">
-                <a16:creationId xmlns:a16="http://schemas.microsoft.com/office/drawing/2014/main" id="{761504C2-FCA1-40C4-9271-A7606FB85307}"/>
-              </a:ext>
-            </a:extLst>
-          </p:cNvPr>
-          <p:cNvCxnSpPr>
-            <a:cxnSpLocks/>
-            <a:stCxn id="4" idx="3"/>
-            <a:endCxn id="17" idx="1"/>
-          </p:cNvCxnSpPr>
-          <p:nvPr/>
-        </p:nvCxnSpPr>
-        <p:spPr>
-          <a:xfrm>
-            <a:off x="3213176" y="2465651"/>
-            <a:ext cx="4579184" cy="668592"/>
-          </a:xfrm>
-          <a:prstGeom prst="straightConnector1">
-            <a:avLst/>
-          </a:prstGeom>
-          <a:ln>
-            <a:tailEnd type="triangle"/>
-          </a:ln>
-        </p:spPr>
-        <p:style>
-          <a:lnRef idx="1">
-            <a:schemeClr val="dk1"/>
-          </a:lnRef>
-          <a:fillRef idx="0">
-            <a:schemeClr val="dk1"/>
-          </a:fillRef>
-          <a:effectRef idx="0">
-            <a:schemeClr val="dk1"/>
-          </a:effectRef>
-          <a:fontRef idx="minor">
-            <a:schemeClr val="tx1"/>
-          </a:fontRef>
-        </p:style>
-      </p:cxnSp>
-      <p:cxnSp>
-        <p:nvCxnSpPr>
-          <p:cNvPr id="55" name="Gerade Verbindung mit Pfeil 54">
-            <a:extLst>
-              <a:ext uri="{FF2B5EF4-FFF2-40B4-BE49-F238E27FC236}">
-                <a16:creationId xmlns:a16="http://schemas.microsoft.com/office/drawing/2014/main" id="{F0919B19-5C6F-4283-A969-A98C77499B0B}"/>
-              </a:ext>
-            </a:extLst>
-          </p:cNvPr>
-          <p:cNvCxnSpPr>
-            <a:cxnSpLocks/>
-            <a:stCxn id="12" idx="3"/>
-            <a:endCxn id="16" idx="0"/>
-          </p:cNvCxnSpPr>
-          <p:nvPr/>
-        </p:nvCxnSpPr>
-        <p:spPr>
-          <a:xfrm>
-            <a:off x="4087422" y="3156783"/>
-            <a:ext cx="2324896" cy="19138"/>
-          </a:xfrm>
-          <a:prstGeom prst="straightConnector1">
-            <a:avLst/>
-          </a:prstGeom>
-          <a:ln>
-            <a:tailEnd type="triangle"/>
-          </a:ln>
-        </p:spPr>
-        <p:style>
-          <a:lnRef idx="1">
-            <a:schemeClr val="dk1"/>
-          </a:lnRef>
-          <a:fillRef idx="0">
-            <a:schemeClr val="dk1"/>
-          </a:fillRef>
-          <a:effectRef idx="0">
-            <a:schemeClr val="dk1"/>
-          </a:effectRef>
-          <a:fontRef idx="minor">
-            <a:schemeClr val="tx1"/>
-          </a:fontRef>
-        </p:style>
-      </p:cxnSp>
-      <p:sp>
-        <p:nvSpPr>
-          <p:cNvPr id="88" name="Textfeld 87">
-            <a:extLst>
-              <a:ext uri="{FF2B5EF4-FFF2-40B4-BE49-F238E27FC236}">
-                <a16:creationId xmlns:a16="http://schemas.microsoft.com/office/drawing/2014/main" id="{F86CF3D7-A4F6-47B5-B00C-3CA425A3658F}"/>
-              </a:ext>
-            </a:extLst>
-          </p:cNvPr>
-          <p:cNvSpPr txBox="1"/>
-          <p:nvPr/>
-        </p:nvSpPr>
-        <p:spPr>
-          <a:xfrm>
-            <a:off x="6782196" y="1114202"/>
-            <a:ext cx="2168278" cy="369332"/>
-          </a:xfrm>
-          <a:prstGeom prst="rect">
-            <a:avLst/>
-          </a:prstGeom>
-          <a:noFill/>
-        </p:spPr>
-        <p:txBody>
-          <a:bodyPr wrap="square" rtlCol="0">
-            <a:spAutoFit/>
-          </a:bodyPr>
-          <a:lstStyle/>
-          <a:p>
-            <a:r>
-              <a:rPr lang="de-DE" dirty="0"/>
-              <a:t>End </a:t>
-            </a:r>
-            <a:r>
-              <a:rPr lang="de-DE" dirty="0" err="1"/>
-              <a:t>production</a:t>
-            </a:r>
-            <a:endParaRPr lang="de-DE" dirty="0"/>
-          </a:p>
-        </p:txBody>
-      </p:sp>
-      <p:sp>
-        <p:nvSpPr>
-          <p:cNvPr id="92" name="Pfeil: nach links 91">
-            <a:extLst>
-              <a:ext uri="{FF2B5EF4-FFF2-40B4-BE49-F238E27FC236}">
-                <a16:creationId xmlns:a16="http://schemas.microsoft.com/office/drawing/2014/main" id="{31DCD27D-9D50-4D7A-8ADB-B0ACBBF76BFA}"/>
-              </a:ext>
-            </a:extLst>
-          </p:cNvPr>
-          <p:cNvSpPr/>
-          <p:nvPr/>
-        </p:nvSpPr>
-        <p:spPr>
-          <a:xfrm>
-            <a:off x="9847951" y="5178940"/>
+            <a:off x="8631811" y="4982373"/>
             <a:ext cx="766901" cy="755326"/>
           </a:xfrm>
           <a:prstGeom prst="leftArrow">
@@ -7494,10 +6945,10 @@
       </p:sp>
       <p:sp>
         <p:nvSpPr>
-          <p:cNvPr id="93" name="Textfeld 92">
-            <a:extLst>
-              <a:ext uri="{FF2B5EF4-FFF2-40B4-BE49-F238E27FC236}">
-                <a16:creationId xmlns:a16="http://schemas.microsoft.com/office/drawing/2014/main" id="{DE251A9B-EE01-452E-83E3-1515A9B1256E}"/>
+          <p:cNvPr id="41" name="Textfeld 40">
+            <a:extLst>
+              <a:ext uri="{FF2B5EF4-FFF2-40B4-BE49-F238E27FC236}">
+                <a16:creationId xmlns:a16="http://schemas.microsoft.com/office/drawing/2014/main" id="{35C865FA-65B0-4720-B60A-EE0A64B28C26}"/>
               </a:ext>
             </a:extLst>
           </p:cNvPr>
@@ -7506,7 +6957,7 @@
         </p:nvSpPr>
         <p:spPr>
           <a:xfrm>
-            <a:off x="9120319" y="5398544"/>
+            <a:off x="7904179" y="5201977"/>
             <a:ext cx="612909" cy="369332"/>
           </a:xfrm>
           <a:prstGeom prst="rect">
@@ -7542,10 +6993,10 @@
       </p:sp>
       <p:sp>
         <p:nvSpPr>
-          <p:cNvPr id="99" name="Textfeld 98">
-            <a:extLst>
-              <a:ext uri="{FF2B5EF4-FFF2-40B4-BE49-F238E27FC236}">
-                <a16:creationId xmlns:a16="http://schemas.microsoft.com/office/drawing/2014/main" id="{74868C6D-0C55-41AE-BA52-D8C4556B038D}"/>
+          <p:cNvPr id="42" name="Textfeld 41">
+            <a:extLst>
+              <a:ext uri="{FF2B5EF4-FFF2-40B4-BE49-F238E27FC236}">
+                <a16:creationId xmlns:a16="http://schemas.microsoft.com/office/drawing/2014/main" id="{E7ACA6E0-15B7-435B-9571-94E7562FD5FA}"/>
               </a:ext>
             </a:extLst>
           </p:cNvPr>
@@ -7554,82 +7005,7 @@
         </p:nvSpPr>
         <p:spPr>
           <a:xfrm>
-            <a:off x="5164144" y="4153998"/>
-            <a:ext cx="3930147" cy="646331"/>
-          </a:xfrm>
-          <a:prstGeom prst="rect">
-            <a:avLst/>
-          </a:prstGeom>
-          <a:noFill/>
-        </p:spPr>
-        <p:txBody>
-          <a:bodyPr wrap="square" rtlCol="0">
-            <a:spAutoFit/>
-          </a:bodyPr>
-          <a:lstStyle/>
-          <a:p>
-            <a:r>
-              <a:rPr lang="de-DE" b="1" dirty="0"/>
-              <a:t>Manuel </a:t>
-            </a:r>
-            <a:r>
-              <a:rPr lang="de-DE" b="1" dirty="0" err="1"/>
-              <a:t>sequencing</a:t>
-            </a:r>
-            <a:r>
-              <a:rPr lang="de-DE" b="1" dirty="0"/>
-              <a:t> per </a:t>
-            </a:r>
-            <a:r>
-              <a:rPr lang="de-DE" b="1" dirty="0" err="1"/>
-              <a:t>production</a:t>
-            </a:r>
-            <a:r>
-              <a:rPr lang="de-DE" b="1" dirty="0"/>
-              <a:t> </a:t>
-            </a:r>
-            <a:r>
-              <a:rPr lang="de-DE" b="1" dirty="0" err="1"/>
-              <a:t>line</a:t>
-            </a:r>
-            <a:r>
-              <a:rPr lang="de-DE" b="1" dirty="0"/>
-              <a:t> (</a:t>
-            </a:r>
-            <a:r>
-              <a:rPr lang="de-DE" b="1" dirty="0" err="1"/>
-              <a:t>once</a:t>
-            </a:r>
-            <a:r>
-              <a:rPr lang="de-DE" b="1" dirty="0"/>
-              <a:t> per </a:t>
-            </a:r>
-            <a:r>
-              <a:rPr lang="de-DE" b="1" dirty="0" err="1"/>
-              <a:t>week</a:t>
-            </a:r>
-            <a:r>
-              <a:rPr lang="de-DE" b="1" dirty="0"/>
-              <a:t>)</a:t>
-            </a:r>
-          </a:p>
-        </p:txBody>
-      </p:sp>
-      <p:sp>
-        <p:nvSpPr>
-          <p:cNvPr id="135" name="Textfeld 134">
-            <a:extLst>
-              <a:ext uri="{FF2B5EF4-FFF2-40B4-BE49-F238E27FC236}">
-                <a16:creationId xmlns:a16="http://schemas.microsoft.com/office/drawing/2014/main" id="{B08F03D0-410F-4B37-A44F-929C8A820B3B}"/>
-              </a:ext>
-            </a:extLst>
-          </p:cNvPr>
-          <p:cNvSpPr txBox="1"/>
-          <p:nvPr/>
-        </p:nvSpPr>
-        <p:spPr>
-          <a:xfrm>
-            <a:off x="10724690" y="5178940"/>
+            <a:off x="9508550" y="4982373"/>
             <a:ext cx="1339430" cy="923330"/>
           </a:xfrm>
           <a:prstGeom prst="rect">
@@ -7677,10 +7053,10 @@
       </p:sp>
       <p:sp>
         <p:nvSpPr>
-          <p:cNvPr id="136" name="Pfeil: nach links 135">
-            <a:extLst>
-              <a:ext uri="{FF2B5EF4-FFF2-40B4-BE49-F238E27FC236}">
-                <a16:creationId xmlns:a16="http://schemas.microsoft.com/office/drawing/2014/main" id="{56C344A6-8E1A-475F-A6EC-9DDB4C640406}"/>
+          <p:cNvPr id="43" name="Pfeil: nach links 42">
+            <a:extLst>
+              <a:ext uri="{FF2B5EF4-FFF2-40B4-BE49-F238E27FC236}">
+                <a16:creationId xmlns:a16="http://schemas.microsoft.com/office/drawing/2014/main" id="{34D74EFA-31BC-4588-9A22-0DAE057B8EB9}"/>
               </a:ext>
             </a:extLst>
           </p:cNvPr>
@@ -7689,7 +7065,7 @@
         </p:nvSpPr>
         <p:spPr>
           <a:xfrm>
-            <a:off x="8121814" y="5185157"/>
+            <a:off x="6905674" y="4988590"/>
             <a:ext cx="766901" cy="755326"/>
           </a:xfrm>
           <a:prstGeom prst="leftArrow">
@@ -7744,10 +7120,10 @@
       </p:sp>
       <p:sp>
         <p:nvSpPr>
-          <p:cNvPr id="138" name="Textfeld 137">
-            <a:extLst>
-              <a:ext uri="{FF2B5EF4-FFF2-40B4-BE49-F238E27FC236}">
-                <a16:creationId xmlns:a16="http://schemas.microsoft.com/office/drawing/2014/main" id="{D66A5A8F-8385-420B-9B2F-0520F188C31A}"/>
+          <p:cNvPr id="44" name="Textfeld 43">
+            <a:extLst>
+              <a:ext uri="{FF2B5EF4-FFF2-40B4-BE49-F238E27FC236}">
+                <a16:creationId xmlns:a16="http://schemas.microsoft.com/office/drawing/2014/main" id="{54AB7BD8-95F7-484B-961A-13C7AF1C8252}"/>
               </a:ext>
             </a:extLst>
           </p:cNvPr>
@@ -7756,7 +7132,7 @@
         </p:nvSpPr>
         <p:spPr>
           <a:xfrm>
-            <a:off x="6046706" y="5260045"/>
+            <a:off x="4830566" y="5063478"/>
             <a:ext cx="1890754" cy="646331"/>
           </a:xfrm>
           <a:prstGeom prst="rect">
@@ -7816,10 +7192,10 @@
       </p:sp>
       <p:sp>
         <p:nvSpPr>
-          <p:cNvPr id="139" name="Pfeil: nach links 138">
-            <a:extLst>
-              <a:ext uri="{FF2B5EF4-FFF2-40B4-BE49-F238E27FC236}">
-                <a16:creationId xmlns:a16="http://schemas.microsoft.com/office/drawing/2014/main" id="{FFBE769D-837E-4DA4-AFEB-D2C8437F1C25}"/>
+          <p:cNvPr id="45" name="Pfeil: nach links 44">
+            <a:extLst>
+              <a:ext uri="{FF2B5EF4-FFF2-40B4-BE49-F238E27FC236}">
+                <a16:creationId xmlns:a16="http://schemas.microsoft.com/office/drawing/2014/main" id="{2B30BD41-E613-4903-9CAB-1E3E16B2ED3B}"/>
               </a:ext>
             </a:extLst>
           </p:cNvPr>
@@ -7828,7 +7204,7 @@
         </p:nvSpPr>
         <p:spPr>
           <a:xfrm>
-            <a:off x="4786481" y="5178940"/>
+            <a:off x="3570341" y="4982373"/>
             <a:ext cx="766901" cy="755326"/>
           </a:xfrm>
           <a:prstGeom prst="leftArrow">
@@ -7883,10 +7259,10 @@
       </p:sp>
       <p:sp>
         <p:nvSpPr>
-          <p:cNvPr id="140" name="Textfeld 139">
-            <a:extLst>
-              <a:ext uri="{FF2B5EF4-FFF2-40B4-BE49-F238E27FC236}">
-                <a16:creationId xmlns:a16="http://schemas.microsoft.com/office/drawing/2014/main" id="{C3DC1842-AD9F-420D-966E-2F0F04B63783}"/>
+          <p:cNvPr id="46" name="Textfeld 45">
+            <a:extLst>
+              <a:ext uri="{FF2B5EF4-FFF2-40B4-BE49-F238E27FC236}">
+                <a16:creationId xmlns:a16="http://schemas.microsoft.com/office/drawing/2014/main" id="{C9A42D21-3F4F-45CE-AF0D-B62632F5F908}"/>
               </a:ext>
             </a:extLst>
           </p:cNvPr>
@@ -7895,7 +7271,7 @@
         </p:nvSpPr>
         <p:spPr>
           <a:xfrm>
-            <a:off x="2503162" y="5233437"/>
+            <a:off x="1287022" y="5036870"/>
             <a:ext cx="1890754" cy="646331"/>
           </a:xfrm>
           <a:prstGeom prst="rect">
@@ -7957,6 +7333,3772 @@
           </a:p>
         </p:txBody>
       </p:sp>
+      <p:sp>
+        <p:nvSpPr>
+          <p:cNvPr id="2" name="Ellipse 1">
+            <a:extLst>
+              <a:ext uri="{FF2B5EF4-FFF2-40B4-BE49-F238E27FC236}">
+                <a16:creationId xmlns:a16="http://schemas.microsoft.com/office/drawing/2014/main" id="{40BFBDCA-97AE-454F-833A-3CB1FF1C354A}"/>
+              </a:ext>
+            </a:extLst>
+          </p:cNvPr>
+          <p:cNvSpPr/>
+          <p:nvPr/>
+        </p:nvSpPr>
+        <p:spPr>
+          <a:xfrm>
+            <a:off x="3400259" y="4823871"/>
+            <a:ext cx="1253878" cy="1067938"/>
+          </a:xfrm>
+          <a:prstGeom prst="ellipse">
+            <a:avLst/>
+          </a:prstGeom>
+          <a:noFill/>
+          <a:ln w="28575">
+            <a:solidFill>
+              <a:schemeClr val="tx1"/>
+            </a:solidFill>
+          </a:ln>
+        </p:spPr>
+        <p:style>
+          <a:lnRef idx="2">
+            <a:schemeClr val="accent6"/>
+          </a:lnRef>
+          <a:fillRef idx="1">
+            <a:schemeClr val="lt1"/>
+          </a:fillRef>
+          <a:effectRef idx="0">
+            <a:schemeClr val="accent6"/>
+          </a:effectRef>
+          <a:fontRef idx="minor">
+            <a:schemeClr val="dk1"/>
+          </a:fontRef>
+        </p:style>
+        <p:txBody>
+          <a:bodyPr rtlCol="0" anchor="ctr"/>
+          <a:lstStyle/>
+          <a:p>
+            <a:pPr algn="ctr"/>
+            <a:endParaRPr lang="de-DE"/>
+          </a:p>
+        </p:txBody>
+      </p:sp>
+      <p:cxnSp>
+        <p:nvCxnSpPr>
+          <p:cNvPr id="49" name="Gerade Verbindung mit Pfeil 48">
+            <a:extLst>
+              <a:ext uri="{FF2B5EF4-FFF2-40B4-BE49-F238E27FC236}">
+                <a16:creationId xmlns:a16="http://schemas.microsoft.com/office/drawing/2014/main" id="{FD7EF23D-2580-45F3-8E99-2A9C1B9D79EA}"/>
+              </a:ext>
+            </a:extLst>
+          </p:cNvPr>
+          <p:cNvCxnSpPr>
+            <a:cxnSpLocks/>
+            <a:endCxn id="2" idx="4"/>
+          </p:cNvCxnSpPr>
+          <p:nvPr/>
+        </p:nvCxnSpPr>
+        <p:spPr>
+          <a:xfrm flipV="1">
+            <a:off x="3260297" y="5891809"/>
+            <a:ext cx="766901" cy="486457"/>
+          </a:xfrm>
+          <a:prstGeom prst="straightConnector1">
+            <a:avLst/>
+          </a:prstGeom>
+          <a:ln>
+            <a:tailEnd type="triangle"/>
+          </a:ln>
+        </p:spPr>
+        <p:style>
+          <a:lnRef idx="1">
+            <a:schemeClr val="dk1"/>
+          </a:lnRef>
+          <a:fillRef idx="0">
+            <a:schemeClr val="dk1"/>
+          </a:fillRef>
+          <a:effectRef idx="0">
+            <a:schemeClr val="dk1"/>
+          </a:effectRef>
+          <a:fontRef idx="minor">
+            <a:schemeClr val="tx1"/>
+          </a:fontRef>
+        </p:style>
+      </p:cxnSp>
+      <p:sp>
+        <p:nvSpPr>
+          <p:cNvPr id="52" name="Textfeld 51">
+            <a:extLst>
+              <a:ext uri="{FF2B5EF4-FFF2-40B4-BE49-F238E27FC236}">
+                <a16:creationId xmlns:a16="http://schemas.microsoft.com/office/drawing/2014/main" id="{545D11FA-612E-441F-8B43-357595EF49AD}"/>
+              </a:ext>
+            </a:extLst>
+          </p:cNvPr>
+          <p:cNvSpPr txBox="1"/>
+          <p:nvPr/>
+        </p:nvSpPr>
+        <p:spPr>
+          <a:xfrm>
+            <a:off x="2800697" y="6262245"/>
+            <a:ext cx="1459207" cy="369332"/>
+          </a:xfrm>
+          <a:prstGeom prst="rect">
+            <a:avLst/>
+          </a:prstGeom>
+          <a:noFill/>
+        </p:spPr>
+        <p:txBody>
+          <a:bodyPr wrap="square" rtlCol="0">
+            <a:spAutoFit/>
+          </a:bodyPr>
+          <a:lstStyle/>
+          <a:p>
+            <a:r>
+              <a:rPr lang="de-DE" b="1" dirty="0" err="1"/>
+              <a:t>automize</a:t>
+            </a:r>
+            <a:endParaRPr lang="de-DE" b="1" dirty="0"/>
+          </a:p>
+        </p:txBody>
+      </p:sp>
+    </p:spTree>
+    <p:extLst>
+      <p:ext uri="{BB962C8B-B14F-4D97-AF65-F5344CB8AC3E}">
+        <p14:creationId xmlns:p14="http://schemas.microsoft.com/office/powerpoint/2010/main" val="1441180185"/>
+      </p:ext>
+    </p:extLst>
+  </p:cSld>
+  <p:clrMapOvr>
+    <a:masterClrMapping/>
+  </p:clrMapOvr>
+</p:sld>
+</file>
+
+<file path=ppt/slides/slide13.xml><?xml version="1.0" encoding="utf-8"?>
+<p:sld xmlns:a="http://schemas.openxmlformats.org/drawingml/2006/main" xmlns:r="http://schemas.openxmlformats.org/officeDocument/2006/relationships" xmlns:p="http://schemas.openxmlformats.org/presentationml/2006/main">
+  <p:cSld>
+    <p:spTree>
+      <p:nvGrpSpPr>
+        <p:cNvPr id="1" name=""/>
+        <p:cNvGrpSpPr/>
+        <p:nvPr/>
+      </p:nvGrpSpPr>
+      <p:grpSpPr>
+        <a:xfrm>
+          <a:off x="0" y="0"/>
+          <a:ext cx="0" cy="0"/>
+          <a:chOff x="0" y="0"/>
+          <a:chExt cx="0" cy="0"/>
+        </a:xfrm>
+      </p:grpSpPr>
+      <p:sp>
+        <p:nvSpPr>
+          <p:cNvPr id="6" name="Titel 1">
+            <a:extLst>
+              <a:ext uri="{FF2B5EF4-FFF2-40B4-BE49-F238E27FC236}">
+                <a16:creationId xmlns:a16="http://schemas.microsoft.com/office/drawing/2014/main" id="{3E3A3AA1-58AA-4EE7-BE49-4C9A67AF7D24}"/>
+              </a:ext>
+            </a:extLst>
+          </p:cNvPr>
+          <p:cNvSpPr txBox="1">
+            <a:spLocks/>
+          </p:cNvSpPr>
+          <p:nvPr/>
+        </p:nvSpPr>
+        <p:spPr>
+          <a:xfrm>
+            <a:off x="704961" y="212494"/>
+            <a:ext cx="10515600" cy="1325563"/>
+          </a:xfrm>
+          <a:prstGeom prst="rect">
+            <a:avLst/>
+          </a:prstGeom>
+        </p:spPr>
+        <p:txBody>
+          <a:bodyPr vert="horz" lIns="91440" tIns="45720" rIns="91440" bIns="45720" rtlCol="0" anchor="ctr">
+            <a:normAutofit/>
+          </a:bodyPr>
+          <a:lstStyle>
+            <a:lvl1pPr algn="l" defTabSz="914400" rtl="0" eaLnBrk="1" latinLnBrk="0" hangingPunct="1">
+              <a:lnSpc>
+                <a:spcPct val="90000"/>
+              </a:lnSpc>
+              <a:spcBef>
+                <a:spcPct val="0"/>
+              </a:spcBef>
+              <a:buNone/>
+              <a:defRPr sz="4400" kern="1200">
+                <a:solidFill>
+                  <a:schemeClr val="tx1"/>
+                </a:solidFill>
+                <a:latin typeface="+mj-lt"/>
+                <a:ea typeface="+mj-ea"/>
+                <a:cs typeface="+mj-cs"/>
+              </a:defRPr>
+            </a:lvl1pPr>
+          </a:lstStyle>
+          <a:p>
+            <a:r>
+              <a:rPr lang="de-DE" dirty="0" err="1"/>
+              <a:t>Failure</a:t>
+            </a:r>
+            <a:r>
+              <a:rPr lang="de-DE" dirty="0"/>
+              <a:t> </a:t>
+            </a:r>
+            <a:r>
+              <a:rPr lang="de-DE" dirty="0" err="1"/>
+              <a:t>of</a:t>
+            </a:r>
+            <a:r>
+              <a:rPr lang="de-DE" dirty="0"/>
+              <a:t> </a:t>
+            </a:r>
+            <a:r>
+              <a:rPr lang="de-DE" dirty="0" err="1"/>
+              <a:t>previous</a:t>
+            </a:r>
+            <a:r>
+              <a:rPr lang="de-DE" dirty="0"/>
+              <a:t> </a:t>
+            </a:r>
+            <a:r>
+              <a:rPr lang="de-DE" dirty="0" err="1"/>
+              <a:t>attempt</a:t>
+            </a:r>
+            <a:endParaRPr lang="de-DE" dirty="0"/>
+          </a:p>
+          <a:p>
+            <a:r>
+              <a:rPr lang="de-DE" dirty="0" err="1"/>
+              <a:t>Why</a:t>
+            </a:r>
+            <a:r>
+              <a:rPr lang="de-DE" dirty="0"/>
+              <a:t> </a:t>
+            </a:r>
+            <a:r>
+              <a:rPr lang="de-DE" dirty="0" err="1"/>
+              <a:t>hasn‘t</a:t>
+            </a:r>
+            <a:r>
+              <a:rPr lang="de-DE" dirty="0"/>
+              <a:t> </a:t>
+            </a:r>
+            <a:r>
+              <a:rPr lang="de-DE" dirty="0" err="1"/>
+              <a:t>this</a:t>
+            </a:r>
+            <a:r>
+              <a:rPr lang="de-DE" dirty="0"/>
+              <a:t> </a:t>
+            </a:r>
+            <a:r>
+              <a:rPr lang="de-DE" dirty="0" err="1"/>
+              <a:t>project</a:t>
+            </a:r>
+            <a:r>
+              <a:rPr lang="de-DE" dirty="0"/>
+              <a:t> </a:t>
+            </a:r>
+            <a:r>
+              <a:rPr lang="de-DE" dirty="0" err="1"/>
+              <a:t>succeeded</a:t>
+            </a:r>
+            <a:r>
+              <a:rPr lang="de-DE" dirty="0"/>
+              <a:t>?</a:t>
+            </a:r>
+          </a:p>
+        </p:txBody>
+      </p:sp>
+      <p:sp>
+        <p:nvSpPr>
+          <p:cNvPr id="7" name="Inhaltsplatzhalter 2">
+            <a:extLst>
+              <a:ext uri="{FF2B5EF4-FFF2-40B4-BE49-F238E27FC236}">
+                <a16:creationId xmlns:a16="http://schemas.microsoft.com/office/drawing/2014/main" id="{134155ED-8CF0-466D-8F68-910A3A54FD4B}"/>
+              </a:ext>
+            </a:extLst>
+          </p:cNvPr>
+          <p:cNvSpPr txBox="1">
+            <a:spLocks/>
+          </p:cNvSpPr>
+          <p:nvPr/>
+        </p:nvSpPr>
+        <p:spPr>
+          <a:xfrm>
+            <a:off x="838200" y="2048132"/>
+            <a:ext cx="10515600" cy="4483224"/>
+          </a:xfrm>
+          <a:prstGeom prst="rect">
+            <a:avLst/>
+          </a:prstGeom>
+        </p:spPr>
+        <p:txBody>
+          <a:bodyPr vert="horz" lIns="91440" tIns="45720" rIns="91440" bIns="45720" rtlCol="0">
+            <a:normAutofit/>
+          </a:bodyPr>
+          <a:lstStyle>
+            <a:lvl1pPr marL="228600" indent="-228600" algn="l" defTabSz="914400" rtl="0" eaLnBrk="1" latinLnBrk="0" hangingPunct="1">
+              <a:lnSpc>
+                <a:spcPct val="90000"/>
+              </a:lnSpc>
+              <a:spcBef>
+                <a:spcPts val="1000"/>
+              </a:spcBef>
+              <a:buFont typeface="Arial" panose="020B0604020202020204" pitchFamily="34" charset="0"/>
+              <a:buChar char="•"/>
+              <a:defRPr sz="2800" kern="1200">
+                <a:solidFill>
+                  <a:schemeClr val="tx1"/>
+                </a:solidFill>
+                <a:latin typeface="+mn-lt"/>
+                <a:ea typeface="+mn-ea"/>
+                <a:cs typeface="+mn-cs"/>
+              </a:defRPr>
+            </a:lvl1pPr>
+            <a:lvl2pPr marL="685800" indent="-228600" algn="l" defTabSz="914400" rtl="0" eaLnBrk="1" latinLnBrk="0" hangingPunct="1">
+              <a:lnSpc>
+                <a:spcPct val="90000"/>
+              </a:lnSpc>
+              <a:spcBef>
+                <a:spcPts val="500"/>
+              </a:spcBef>
+              <a:buFont typeface="Arial" panose="020B0604020202020204" pitchFamily="34" charset="0"/>
+              <a:buChar char="•"/>
+              <a:defRPr sz="2400" kern="1200">
+                <a:solidFill>
+                  <a:schemeClr val="tx1"/>
+                </a:solidFill>
+                <a:latin typeface="+mn-lt"/>
+                <a:ea typeface="+mn-ea"/>
+                <a:cs typeface="+mn-cs"/>
+              </a:defRPr>
+            </a:lvl2pPr>
+            <a:lvl3pPr marL="1143000" indent="-228600" algn="l" defTabSz="914400" rtl="0" eaLnBrk="1" latinLnBrk="0" hangingPunct="1">
+              <a:lnSpc>
+                <a:spcPct val="90000"/>
+              </a:lnSpc>
+              <a:spcBef>
+                <a:spcPts val="500"/>
+              </a:spcBef>
+              <a:buFont typeface="Arial" panose="020B0604020202020204" pitchFamily="34" charset="0"/>
+              <a:buChar char="•"/>
+              <a:defRPr sz="2000" kern="1200">
+                <a:solidFill>
+                  <a:schemeClr val="tx1"/>
+                </a:solidFill>
+                <a:latin typeface="+mn-lt"/>
+                <a:ea typeface="+mn-ea"/>
+                <a:cs typeface="+mn-cs"/>
+              </a:defRPr>
+            </a:lvl3pPr>
+            <a:lvl4pPr marL="1600200" indent="-228600" algn="l" defTabSz="914400" rtl="0" eaLnBrk="1" latinLnBrk="0" hangingPunct="1">
+              <a:lnSpc>
+                <a:spcPct val="90000"/>
+              </a:lnSpc>
+              <a:spcBef>
+                <a:spcPts val="500"/>
+              </a:spcBef>
+              <a:buFont typeface="Arial" panose="020B0604020202020204" pitchFamily="34" charset="0"/>
+              <a:buChar char="•"/>
+              <a:defRPr sz="1800" kern="1200">
+                <a:solidFill>
+                  <a:schemeClr val="tx1"/>
+                </a:solidFill>
+                <a:latin typeface="+mn-lt"/>
+                <a:ea typeface="+mn-ea"/>
+                <a:cs typeface="+mn-cs"/>
+              </a:defRPr>
+            </a:lvl4pPr>
+            <a:lvl5pPr marL="2057400" indent="-228600" algn="l" defTabSz="914400" rtl="0" eaLnBrk="1" latinLnBrk="0" hangingPunct="1">
+              <a:lnSpc>
+                <a:spcPct val="90000"/>
+              </a:lnSpc>
+              <a:spcBef>
+                <a:spcPts val="500"/>
+              </a:spcBef>
+              <a:buFont typeface="Arial" panose="020B0604020202020204" pitchFamily="34" charset="0"/>
+              <a:buChar char="•"/>
+              <a:defRPr sz="1800" kern="1200">
+                <a:solidFill>
+                  <a:schemeClr val="tx1"/>
+                </a:solidFill>
+                <a:latin typeface="+mn-lt"/>
+                <a:ea typeface="+mn-ea"/>
+                <a:cs typeface="+mn-cs"/>
+              </a:defRPr>
+            </a:lvl5pPr>
+            <a:lvl6pPr marL="2514600" indent="-228600" algn="l" defTabSz="914400" rtl="0" eaLnBrk="1" latinLnBrk="0" hangingPunct="1">
+              <a:lnSpc>
+                <a:spcPct val="90000"/>
+              </a:lnSpc>
+              <a:spcBef>
+                <a:spcPts val="500"/>
+              </a:spcBef>
+              <a:buFont typeface="Arial" panose="020B0604020202020204" pitchFamily="34" charset="0"/>
+              <a:buChar char="•"/>
+              <a:defRPr sz="1800" kern="1200">
+                <a:solidFill>
+                  <a:schemeClr val="tx1"/>
+                </a:solidFill>
+                <a:latin typeface="+mn-lt"/>
+                <a:ea typeface="+mn-ea"/>
+                <a:cs typeface="+mn-cs"/>
+              </a:defRPr>
+            </a:lvl6pPr>
+            <a:lvl7pPr marL="2971800" indent="-228600" algn="l" defTabSz="914400" rtl="0" eaLnBrk="1" latinLnBrk="0" hangingPunct="1">
+              <a:lnSpc>
+                <a:spcPct val="90000"/>
+              </a:lnSpc>
+              <a:spcBef>
+                <a:spcPts val="500"/>
+              </a:spcBef>
+              <a:buFont typeface="Arial" panose="020B0604020202020204" pitchFamily="34" charset="0"/>
+              <a:buChar char="•"/>
+              <a:defRPr sz="1800" kern="1200">
+                <a:solidFill>
+                  <a:schemeClr val="tx1"/>
+                </a:solidFill>
+                <a:latin typeface="+mn-lt"/>
+                <a:ea typeface="+mn-ea"/>
+                <a:cs typeface="+mn-cs"/>
+              </a:defRPr>
+            </a:lvl7pPr>
+            <a:lvl8pPr marL="3429000" indent="-228600" algn="l" defTabSz="914400" rtl="0" eaLnBrk="1" latinLnBrk="0" hangingPunct="1">
+              <a:lnSpc>
+                <a:spcPct val="90000"/>
+              </a:lnSpc>
+              <a:spcBef>
+                <a:spcPts val="500"/>
+              </a:spcBef>
+              <a:buFont typeface="Arial" panose="020B0604020202020204" pitchFamily="34" charset="0"/>
+              <a:buChar char="•"/>
+              <a:defRPr sz="1800" kern="1200">
+                <a:solidFill>
+                  <a:schemeClr val="tx1"/>
+                </a:solidFill>
+                <a:latin typeface="+mn-lt"/>
+                <a:ea typeface="+mn-ea"/>
+                <a:cs typeface="+mn-cs"/>
+              </a:defRPr>
+            </a:lvl8pPr>
+            <a:lvl9pPr marL="3886200" indent="-228600" algn="l" defTabSz="914400" rtl="0" eaLnBrk="1" latinLnBrk="0" hangingPunct="1">
+              <a:lnSpc>
+                <a:spcPct val="90000"/>
+              </a:lnSpc>
+              <a:spcBef>
+                <a:spcPts val="500"/>
+              </a:spcBef>
+              <a:buFont typeface="Arial" panose="020B0604020202020204" pitchFamily="34" charset="0"/>
+              <a:buChar char="•"/>
+              <a:defRPr sz="1800" kern="1200">
+                <a:solidFill>
+                  <a:schemeClr val="tx1"/>
+                </a:solidFill>
+                <a:latin typeface="+mn-lt"/>
+                <a:ea typeface="+mn-ea"/>
+                <a:cs typeface="+mn-cs"/>
+              </a:defRPr>
+            </a:lvl9pPr>
+          </a:lstStyle>
+          <a:p>
+            <a:pPr marL="0" indent="0">
+              <a:buNone/>
+            </a:pPr>
+            <a:r>
+              <a:rPr lang="de-DE" dirty="0"/>
+              <a:t>1) </a:t>
+            </a:r>
+            <a:r>
+              <a:rPr lang="de-DE" dirty="0" err="1"/>
+              <a:t>Wrong</a:t>
+            </a:r>
+            <a:r>
+              <a:rPr lang="de-DE" dirty="0"/>
+              <a:t> </a:t>
+            </a:r>
+            <a:r>
+              <a:rPr lang="de-DE" dirty="0" err="1"/>
+              <a:t>expectation</a:t>
+            </a:r>
+            <a:r>
+              <a:rPr lang="de-DE" dirty="0"/>
+              <a:t> </a:t>
+            </a:r>
+            <a:r>
+              <a:rPr lang="de-DE" dirty="0" err="1"/>
+              <a:t>of</a:t>
+            </a:r>
+            <a:r>
+              <a:rPr lang="de-DE" dirty="0"/>
+              <a:t> </a:t>
+            </a:r>
+            <a:r>
+              <a:rPr lang="de-DE" dirty="0" err="1"/>
+              <a:t>management</a:t>
+            </a:r>
+            <a:r>
+              <a:rPr lang="de-DE" dirty="0"/>
+              <a:t>:</a:t>
+            </a:r>
+          </a:p>
+          <a:p>
+            <a:pPr lvl="1"/>
+            <a:r>
+              <a:rPr lang="de-DE" dirty="0"/>
+              <a:t>Implementation in </a:t>
+            </a:r>
+            <a:r>
+              <a:rPr lang="de-DE" dirty="0" err="1"/>
+              <a:t>production</a:t>
+            </a:r>
+            <a:r>
+              <a:rPr lang="de-DE" dirty="0"/>
+              <a:t> </a:t>
+            </a:r>
+            <a:r>
+              <a:rPr lang="de-DE" dirty="0" err="1"/>
+              <a:t>within</a:t>
+            </a:r>
+            <a:r>
+              <a:rPr lang="de-DE" dirty="0"/>
+              <a:t> </a:t>
+            </a:r>
+            <a:r>
+              <a:rPr lang="de-DE" dirty="0" err="1"/>
+              <a:t>weeks</a:t>
+            </a:r>
+            <a:endParaRPr lang="de-DE" dirty="0"/>
+          </a:p>
+          <a:p>
+            <a:pPr lvl="1"/>
+            <a:r>
+              <a:rPr lang="de-DE" dirty="0"/>
+              <a:t>Low </a:t>
+            </a:r>
+            <a:r>
+              <a:rPr lang="de-DE" dirty="0" err="1"/>
+              <a:t>budget</a:t>
+            </a:r>
+            <a:endParaRPr lang="de-DE" dirty="0"/>
+          </a:p>
+          <a:p>
+            <a:pPr lvl="1"/>
+            <a:endParaRPr lang="de-DE" dirty="0"/>
+          </a:p>
+          <a:p>
+            <a:pPr marL="0" indent="0">
+              <a:buNone/>
+            </a:pPr>
+            <a:r>
+              <a:rPr lang="de-DE" dirty="0"/>
+              <a:t>2) Outsource </a:t>
+            </a:r>
+            <a:r>
+              <a:rPr lang="de-DE" dirty="0" err="1"/>
+              <a:t>development</a:t>
+            </a:r>
+            <a:r>
+              <a:rPr lang="de-DE" dirty="0"/>
+              <a:t> </a:t>
+            </a:r>
+            <a:r>
+              <a:rPr lang="de-DE" dirty="0" err="1"/>
+              <a:t>of</a:t>
+            </a:r>
+            <a:r>
+              <a:rPr lang="de-DE" dirty="0"/>
+              <a:t> AI </a:t>
+            </a:r>
+            <a:r>
+              <a:rPr lang="de-DE" dirty="0" err="1"/>
+              <a:t>system</a:t>
+            </a:r>
+            <a:endParaRPr lang="de-DE" dirty="0"/>
+          </a:p>
+          <a:p>
+            <a:pPr lvl="1"/>
+            <a:r>
+              <a:rPr lang="de-DE" dirty="0" err="1"/>
+              <a:t>No</a:t>
+            </a:r>
+            <a:r>
+              <a:rPr lang="de-DE" dirty="0"/>
+              <a:t> </a:t>
+            </a:r>
+            <a:r>
+              <a:rPr lang="de-DE" dirty="0" err="1"/>
+              <a:t>insight</a:t>
+            </a:r>
+            <a:r>
+              <a:rPr lang="de-DE" dirty="0"/>
+              <a:t> </a:t>
+            </a:r>
+            <a:r>
+              <a:rPr lang="de-DE" dirty="0" err="1"/>
+              <a:t>knowledge</a:t>
+            </a:r>
+            <a:endParaRPr lang="de-DE" dirty="0"/>
+          </a:p>
+          <a:p>
+            <a:pPr lvl="1"/>
+            <a:r>
+              <a:rPr lang="de-DE" dirty="0" err="1"/>
+              <a:t>Too</a:t>
+            </a:r>
+            <a:r>
+              <a:rPr lang="de-DE" dirty="0"/>
+              <a:t> </a:t>
+            </a:r>
+            <a:r>
+              <a:rPr lang="de-DE" dirty="0" err="1"/>
+              <a:t>few</a:t>
+            </a:r>
+            <a:r>
+              <a:rPr lang="de-DE" dirty="0"/>
+              <a:t> </a:t>
+            </a:r>
+            <a:r>
+              <a:rPr lang="de-DE" dirty="0" err="1"/>
+              <a:t>test</a:t>
+            </a:r>
+            <a:r>
+              <a:rPr lang="de-DE" dirty="0"/>
+              <a:t> </a:t>
+            </a:r>
+            <a:r>
+              <a:rPr lang="de-DE" dirty="0" err="1"/>
+              <a:t>meetings</a:t>
+            </a:r>
+            <a:r>
+              <a:rPr lang="de-DE" dirty="0"/>
+              <a:t> </a:t>
+            </a:r>
+            <a:r>
+              <a:rPr lang="de-DE" dirty="0" err="1"/>
+              <a:t>with</a:t>
+            </a:r>
+            <a:r>
+              <a:rPr lang="de-DE" dirty="0"/>
+              <a:t> </a:t>
+            </a:r>
+            <a:r>
+              <a:rPr lang="de-DE" dirty="0" err="1"/>
+              <a:t>experts</a:t>
+            </a:r>
+            <a:r>
+              <a:rPr lang="de-DE" dirty="0"/>
+              <a:t> </a:t>
+            </a:r>
+            <a:r>
+              <a:rPr lang="de-DE" dirty="0" err="1"/>
+              <a:t>of</a:t>
+            </a:r>
+            <a:r>
+              <a:rPr lang="de-DE" dirty="0"/>
+              <a:t> </a:t>
+            </a:r>
+            <a:r>
+              <a:rPr lang="de-DE" dirty="0" err="1"/>
+              <a:t>the</a:t>
+            </a:r>
+            <a:r>
+              <a:rPr lang="de-DE" dirty="0"/>
+              <a:t> </a:t>
+            </a:r>
+            <a:r>
+              <a:rPr lang="de-DE" dirty="0" err="1"/>
+              <a:t>system</a:t>
+            </a:r>
+            <a:endParaRPr lang="de-DE" dirty="0"/>
+          </a:p>
+          <a:p>
+            <a:pPr marL="457200" lvl="1" indent="0">
+              <a:buNone/>
+            </a:pPr>
+            <a:endParaRPr lang="de-DE" dirty="0"/>
+          </a:p>
+          <a:p>
+            <a:pPr marL="0" indent="0">
+              <a:buNone/>
+            </a:pPr>
+            <a:r>
+              <a:rPr lang="de-DE" dirty="0"/>
+              <a:t>3) </a:t>
+            </a:r>
+            <a:r>
+              <a:rPr lang="de-DE" dirty="0" err="1"/>
+              <a:t>No</a:t>
+            </a:r>
+            <a:r>
+              <a:rPr lang="de-DE" dirty="0"/>
+              <a:t> support </a:t>
+            </a:r>
+            <a:r>
+              <a:rPr lang="de-DE" dirty="0" err="1"/>
+              <a:t>from</a:t>
+            </a:r>
+            <a:r>
+              <a:rPr lang="de-DE" dirty="0"/>
+              <a:t> </a:t>
+            </a:r>
+            <a:r>
+              <a:rPr lang="de-DE" dirty="0" err="1"/>
+              <a:t>the</a:t>
+            </a:r>
+            <a:r>
+              <a:rPr lang="de-DE" dirty="0"/>
+              <a:t> </a:t>
+            </a:r>
+            <a:r>
+              <a:rPr lang="de-DE" dirty="0" err="1"/>
+              <a:t>current</a:t>
+            </a:r>
+            <a:r>
+              <a:rPr lang="de-DE" dirty="0"/>
+              <a:t> </a:t>
+            </a:r>
+            <a:r>
+              <a:rPr lang="de-DE" dirty="0" err="1"/>
+              <a:t>planning</a:t>
+            </a:r>
+            <a:r>
+              <a:rPr lang="de-DE" dirty="0"/>
+              <a:t> </a:t>
+            </a:r>
+            <a:r>
+              <a:rPr lang="de-DE" dirty="0" err="1"/>
+              <a:t>experts</a:t>
+            </a:r>
+            <a:r>
+              <a:rPr lang="de-DE" dirty="0"/>
+              <a:t> </a:t>
+            </a:r>
+            <a:r>
+              <a:rPr lang="de-DE" dirty="0" err="1"/>
+              <a:t>as</a:t>
+            </a:r>
+            <a:r>
+              <a:rPr lang="de-DE" dirty="0"/>
+              <a:t> </a:t>
+            </a:r>
+            <a:r>
+              <a:rPr lang="de-DE" dirty="0" err="1"/>
+              <a:t>they</a:t>
+            </a:r>
+            <a:r>
+              <a:rPr lang="de-DE" dirty="0"/>
+              <a:t> </a:t>
+            </a:r>
+            <a:r>
+              <a:rPr lang="de-DE" dirty="0" err="1"/>
+              <a:t>feared</a:t>
+            </a:r>
+            <a:r>
+              <a:rPr lang="de-DE" dirty="0"/>
+              <a:t> </a:t>
+            </a:r>
+            <a:r>
+              <a:rPr lang="de-DE" dirty="0" err="1"/>
+              <a:t>to</a:t>
+            </a:r>
+            <a:r>
+              <a:rPr lang="de-DE" dirty="0"/>
+              <a:t> lose </a:t>
+            </a:r>
+            <a:r>
+              <a:rPr lang="de-DE" dirty="0" err="1"/>
+              <a:t>their</a:t>
+            </a:r>
+            <a:r>
+              <a:rPr lang="de-DE" dirty="0"/>
+              <a:t> </a:t>
+            </a:r>
+            <a:r>
+              <a:rPr lang="de-DE" dirty="0" err="1"/>
+              <a:t>jobs</a:t>
+            </a:r>
+            <a:endParaRPr lang="de-DE" dirty="0"/>
+          </a:p>
+          <a:p>
+            <a:pPr lvl="1"/>
+            <a:endParaRPr lang="de-DE" dirty="0"/>
+          </a:p>
+        </p:txBody>
+      </p:sp>
+    </p:spTree>
+    <p:extLst>
+      <p:ext uri="{BB962C8B-B14F-4D97-AF65-F5344CB8AC3E}">
+        <p14:creationId xmlns:p14="http://schemas.microsoft.com/office/powerpoint/2010/main" val="3033248655"/>
+      </p:ext>
+    </p:extLst>
+  </p:cSld>
+  <p:clrMapOvr>
+    <a:masterClrMapping/>
+  </p:clrMapOvr>
+</p:sld>
+</file>
+
+<file path=ppt/slides/slide14.xml><?xml version="1.0" encoding="utf-8"?>
+<p:sld xmlns:a="http://schemas.openxmlformats.org/drawingml/2006/main" xmlns:r="http://schemas.openxmlformats.org/officeDocument/2006/relationships" xmlns:p="http://schemas.openxmlformats.org/presentationml/2006/main">
+  <p:cSld>
+    <p:spTree>
+      <p:nvGrpSpPr>
+        <p:cNvPr id="1" name=""/>
+        <p:cNvGrpSpPr/>
+        <p:nvPr/>
+      </p:nvGrpSpPr>
+      <p:grpSpPr>
+        <a:xfrm>
+          <a:off x="0" y="0"/>
+          <a:ext cx="0" cy="0"/>
+          <a:chOff x="0" y="0"/>
+          <a:chExt cx="0" cy="0"/>
+        </a:xfrm>
+      </p:grpSpPr>
+      <p:sp>
+        <p:nvSpPr>
+          <p:cNvPr id="2" name="Titel 1">
+            <a:extLst>
+              <a:ext uri="{FF2B5EF4-FFF2-40B4-BE49-F238E27FC236}">
+                <a16:creationId xmlns:a16="http://schemas.microsoft.com/office/drawing/2014/main" id="{9B4DC892-5DB0-4D80-8D7B-070E71D600FB}"/>
+              </a:ext>
+            </a:extLst>
+          </p:cNvPr>
+          <p:cNvSpPr>
+            <a:spLocks noGrp="1"/>
+          </p:cNvSpPr>
+          <p:nvPr>
+            <p:ph type="title"/>
+          </p:nvPr>
+        </p:nvSpPr>
+        <p:spPr/>
+        <p:txBody>
+          <a:bodyPr/>
+          <a:lstStyle/>
+          <a:p>
+            <a:r>
+              <a:rPr lang="de-DE" dirty="0" err="1"/>
+              <a:t>Conclusion</a:t>
+            </a:r>
+            <a:endParaRPr lang="de-DE" dirty="0"/>
+          </a:p>
+        </p:txBody>
+      </p:sp>
+      <p:sp>
+        <p:nvSpPr>
+          <p:cNvPr id="3" name="Inhaltsplatzhalter 2">
+            <a:extLst>
+              <a:ext uri="{FF2B5EF4-FFF2-40B4-BE49-F238E27FC236}">
+                <a16:creationId xmlns:a16="http://schemas.microsoft.com/office/drawing/2014/main" id="{659D3A7C-78AA-4316-BB33-5D791E125A3B}"/>
+              </a:ext>
+            </a:extLst>
+          </p:cNvPr>
+          <p:cNvSpPr>
+            <a:spLocks noGrp="1"/>
+          </p:cNvSpPr>
+          <p:nvPr>
+            <p:ph idx="1"/>
+          </p:nvPr>
+        </p:nvSpPr>
+        <p:spPr/>
+        <p:txBody>
+          <a:bodyPr/>
+          <a:lstStyle/>
+          <a:p>
+            <a:r>
+              <a:rPr lang="de-DE" dirty="0" err="1"/>
+              <a:t>you</a:t>
+            </a:r>
+            <a:r>
+              <a:rPr lang="de-DE" dirty="0"/>
+              <a:t> </a:t>
+            </a:r>
+            <a:r>
+              <a:rPr lang="de-DE" dirty="0" err="1"/>
+              <a:t>need</a:t>
+            </a:r>
+            <a:r>
+              <a:rPr lang="de-DE" dirty="0"/>
+              <a:t> </a:t>
+            </a:r>
+            <a:r>
+              <a:rPr lang="de-DE" dirty="0" err="1"/>
+              <a:t>one</a:t>
+            </a:r>
+            <a:r>
+              <a:rPr lang="de-DE" dirty="0"/>
+              <a:t> inhouse </a:t>
+            </a:r>
+            <a:r>
+              <a:rPr lang="de-DE" dirty="0" err="1"/>
+              <a:t>responsible</a:t>
+            </a:r>
+            <a:r>
+              <a:rPr lang="de-DE" dirty="0"/>
+              <a:t> </a:t>
+            </a:r>
+            <a:r>
+              <a:rPr lang="de-DE" dirty="0" err="1"/>
+              <a:t>who</a:t>
+            </a:r>
+            <a:r>
+              <a:rPr lang="de-DE" dirty="0"/>
+              <a:t> </a:t>
+            </a:r>
+            <a:r>
+              <a:rPr lang="de-DE" dirty="0" err="1"/>
+              <a:t>is</a:t>
+            </a:r>
+            <a:r>
+              <a:rPr lang="de-DE" dirty="0"/>
+              <a:t> </a:t>
+            </a:r>
+            <a:r>
+              <a:rPr lang="de-DE" dirty="0" err="1"/>
+              <a:t>driving</a:t>
+            </a:r>
+            <a:r>
+              <a:rPr lang="de-DE" dirty="0"/>
+              <a:t> </a:t>
+            </a:r>
+            <a:r>
+              <a:rPr lang="de-DE" dirty="0" err="1"/>
+              <a:t>this</a:t>
+            </a:r>
+            <a:r>
+              <a:rPr lang="de-DE" dirty="0"/>
+              <a:t> </a:t>
+            </a:r>
+            <a:r>
+              <a:rPr lang="de-DE" dirty="0" err="1"/>
+              <a:t>project</a:t>
+            </a:r>
+            <a:r>
+              <a:rPr lang="de-DE" dirty="0"/>
+              <a:t> and </a:t>
+            </a:r>
+            <a:r>
+              <a:rPr lang="de-DE" dirty="0" err="1"/>
+              <a:t>gets</a:t>
+            </a:r>
+            <a:r>
+              <a:rPr lang="de-DE" dirty="0"/>
+              <a:t> fast </a:t>
+            </a:r>
+            <a:r>
+              <a:rPr lang="de-DE" dirty="0" err="1"/>
+              <a:t>access</a:t>
+            </a:r>
+            <a:r>
+              <a:rPr lang="de-DE" dirty="0"/>
+              <a:t> </a:t>
+            </a:r>
+            <a:r>
+              <a:rPr lang="de-DE" dirty="0" err="1"/>
+              <a:t>to</a:t>
+            </a:r>
+            <a:r>
+              <a:rPr lang="de-DE" dirty="0"/>
+              <a:t> all </a:t>
+            </a:r>
+            <a:r>
+              <a:rPr lang="de-DE" dirty="0" err="1"/>
+              <a:t>necessary</a:t>
+            </a:r>
+            <a:r>
+              <a:rPr lang="de-DE" dirty="0"/>
+              <a:t> </a:t>
+            </a:r>
+            <a:r>
+              <a:rPr lang="de-DE" dirty="0" err="1"/>
+              <a:t>data</a:t>
+            </a:r>
+            <a:r>
+              <a:rPr lang="de-DE" dirty="0"/>
+              <a:t> </a:t>
+            </a:r>
+            <a:r>
+              <a:rPr lang="de-DE" dirty="0" err="1"/>
+              <a:t>sources</a:t>
+            </a:r>
+            <a:r>
+              <a:rPr lang="de-DE" dirty="0"/>
+              <a:t> (e.g. CDO)</a:t>
+            </a:r>
+          </a:p>
+          <a:p>
+            <a:r>
+              <a:rPr lang="de-DE" dirty="0"/>
+              <a:t> </a:t>
+            </a:r>
+            <a:r>
+              <a:rPr lang="de-DE" dirty="0" err="1"/>
+              <a:t>this</a:t>
+            </a:r>
+            <a:r>
+              <a:rPr lang="de-DE" dirty="0"/>
+              <a:t> </a:t>
+            </a:r>
+            <a:r>
+              <a:rPr lang="de-DE" dirty="0" err="1"/>
+              <a:t>person</a:t>
+            </a:r>
+            <a:r>
+              <a:rPr lang="de-DE" dirty="0"/>
+              <a:t> </a:t>
+            </a:r>
+            <a:r>
+              <a:rPr lang="de-DE" dirty="0" err="1"/>
+              <a:t>needs</a:t>
+            </a:r>
+            <a:r>
+              <a:rPr lang="de-DE" dirty="0"/>
+              <a:t> </a:t>
+            </a:r>
+            <a:r>
+              <a:rPr lang="de-DE" dirty="0" err="1"/>
+              <a:t>to</a:t>
+            </a:r>
+            <a:r>
+              <a:rPr lang="de-DE" dirty="0"/>
+              <a:t> </a:t>
+            </a:r>
+            <a:r>
+              <a:rPr lang="de-DE" dirty="0" err="1"/>
+              <a:t>address</a:t>
+            </a:r>
+            <a:r>
+              <a:rPr lang="de-DE" dirty="0"/>
+              <a:t> open </a:t>
+            </a:r>
+            <a:r>
+              <a:rPr lang="de-DE" dirty="0" err="1"/>
+              <a:t>topics</a:t>
+            </a:r>
+            <a:r>
+              <a:rPr lang="de-DE" dirty="0"/>
+              <a:t> and </a:t>
+            </a:r>
+            <a:r>
+              <a:rPr lang="de-DE" dirty="0" err="1"/>
+              <a:t>realistic</a:t>
+            </a:r>
+            <a:r>
+              <a:rPr lang="de-DE" dirty="0"/>
+              <a:t> time </a:t>
+            </a:r>
+            <a:r>
+              <a:rPr lang="de-DE" dirty="0" err="1"/>
+              <a:t>scheduling</a:t>
+            </a:r>
+            <a:r>
+              <a:rPr lang="de-DE" dirty="0"/>
+              <a:t> </a:t>
+            </a:r>
+            <a:r>
+              <a:rPr lang="de-DE" dirty="0" err="1"/>
+              <a:t>to</a:t>
+            </a:r>
+            <a:r>
+              <a:rPr lang="de-DE" dirty="0"/>
+              <a:t> </a:t>
+            </a:r>
+            <a:r>
+              <a:rPr lang="de-DE" dirty="0" err="1"/>
+              <a:t>the</a:t>
+            </a:r>
+            <a:r>
+              <a:rPr lang="de-DE" dirty="0"/>
+              <a:t> </a:t>
+            </a:r>
+            <a:r>
+              <a:rPr lang="de-DE" dirty="0" err="1"/>
+              <a:t>management</a:t>
+            </a:r>
+            <a:endParaRPr lang="de-DE" dirty="0"/>
+          </a:p>
+          <a:p>
+            <a:r>
+              <a:rPr lang="de-DE" dirty="0"/>
+              <a:t> </a:t>
+            </a:r>
+            <a:r>
+              <a:rPr lang="de-DE" dirty="0" err="1"/>
+              <a:t>without</a:t>
+            </a:r>
+            <a:r>
+              <a:rPr lang="de-DE" dirty="0"/>
+              <a:t> </a:t>
+            </a:r>
+            <a:r>
+              <a:rPr lang="de-DE" dirty="0" err="1"/>
+              <a:t>the</a:t>
+            </a:r>
+            <a:r>
+              <a:rPr lang="de-DE" dirty="0"/>
+              <a:t> support </a:t>
+            </a:r>
+            <a:r>
+              <a:rPr lang="de-DE" dirty="0" err="1"/>
+              <a:t>from</a:t>
+            </a:r>
+            <a:r>
+              <a:rPr lang="de-DE" dirty="0"/>
+              <a:t> </a:t>
+            </a:r>
+            <a:r>
+              <a:rPr lang="de-DE" dirty="0" err="1"/>
+              <a:t>the</a:t>
+            </a:r>
+            <a:r>
+              <a:rPr lang="de-DE" dirty="0"/>
+              <a:t> </a:t>
+            </a:r>
+            <a:r>
+              <a:rPr lang="de-DE" dirty="0" err="1"/>
+              <a:t>current</a:t>
+            </a:r>
+            <a:r>
+              <a:rPr lang="de-DE" dirty="0"/>
+              <a:t> </a:t>
+            </a:r>
+            <a:r>
+              <a:rPr lang="de-DE" dirty="0" err="1"/>
+              <a:t>experts</a:t>
+            </a:r>
+            <a:r>
+              <a:rPr lang="de-DE" dirty="0"/>
+              <a:t> </a:t>
+            </a:r>
+            <a:r>
+              <a:rPr lang="de-DE" dirty="0" err="1"/>
+              <a:t>it</a:t>
+            </a:r>
+            <a:r>
+              <a:rPr lang="de-DE" dirty="0"/>
+              <a:t> will </a:t>
+            </a:r>
+            <a:r>
+              <a:rPr lang="de-DE" dirty="0" err="1"/>
+              <a:t>be</a:t>
+            </a:r>
+            <a:r>
+              <a:rPr lang="de-DE" dirty="0"/>
+              <a:t> </a:t>
+            </a:r>
+            <a:r>
+              <a:rPr lang="de-DE" dirty="0" err="1"/>
+              <a:t>hard</a:t>
+            </a:r>
+            <a:r>
+              <a:rPr lang="de-DE" dirty="0"/>
+              <a:t> </a:t>
+            </a:r>
+            <a:r>
+              <a:rPr lang="de-DE" dirty="0" err="1"/>
+              <a:t>to</a:t>
+            </a:r>
+            <a:r>
+              <a:rPr lang="de-DE" dirty="0"/>
+              <a:t> </a:t>
+            </a:r>
+            <a:r>
+              <a:rPr lang="de-DE" dirty="0" err="1"/>
+              <a:t>establish</a:t>
+            </a:r>
+            <a:r>
+              <a:rPr lang="de-DE" dirty="0"/>
+              <a:t> </a:t>
+            </a:r>
+            <a:r>
+              <a:rPr lang="de-DE" dirty="0" err="1"/>
+              <a:t>this</a:t>
+            </a:r>
+            <a:r>
+              <a:rPr lang="de-DE" dirty="0"/>
+              <a:t> </a:t>
+            </a:r>
+            <a:r>
+              <a:rPr lang="de-DE" dirty="0" err="1"/>
+              <a:t>system</a:t>
+            </a:r>
+            <a:r>
+              <a:rPr lang="de-DE" dirty="0"/>
+              <a:t> </a:t>
+            </a:r>
+            <a:r>
+              <a:rPr lang="de-DE" dirty="0" err="1"/>
+              <a:t>into</a:t>
+            </a:r>
+            <a:r>
+              <a:rPr lang="de-DE" dirty="0"/>
+              <a:t> </a:t>
+            </a:r>
+            <a:r>
+              <a:rPr lang="de-DE"/>
+              <a:t>production</a:t>
+            </a:r>
+            <a:endParaRPr lang="de-DE" dirty="0"/>
+          </a:p>
+        </p:txBody>
+      </p:sp>
+    </p:spTree>
+    <p:extLst>
+      <p:ext uri="{BB962C8B-B14F-4D97-AF65-F5344CB8AC3E}">
+        <p14:creationId xmlns:p14="http://schemas.microsoft.com/office/powerpoint/2010/main" val="4094628579"/>
+      </p:ext>
+    </p:extLst>
+  </p:cSld>
+  <p:clrMapOvr>
+    <a:masterClrMapping/>
+  </p:clrMapOvr>
+</p:sld>
+</file>
+
+<file path=ppt/slides/slide2.xml><?xml version="1.0" encoding="utf-8"?>
+<p:sld xmlns:a="http://schemas.openxmlformats.org/drawingml/2006/main" xmlns:r="http://schemas.openxmlformats.org/officeDocument/2006/relationships" xmlns:p="http://schemas.openxmlformats.org/presentationml/2006/main">
+  <p:cSld>
+    <p:spTree>
+      <p:nvGrpSpPr>
+        <p:cNvPr id="1" name=""/>
+        <p:cNvGrpSpPr/>
+        <p:nvPr/>
+      </p:nvGrpSpPr>
+      <p:grpSpPr>
+        <a:xfrm>
+          <a:off x="0" y="0"/>
+          <a:ext cx="0" cy="0"/>
+          <a:chOff x="0" y="0"/>
+          <a:chExt cx="0" cy="0"/>
+        </a:xfrm>
+      </p:grpSpPr>
+      <p:sp>
+        <p:nvSpPr>
+          <p:cNvPr id="2" name="Titel 1">
+            <a:extLst>
+              <a:ext uri="{FF2B5EF4-FFF2-40B4-BE49-F238E27FC236}">
+                <a16:creationId xmlns:a16="http://schemas.microsoft.com/office/drawing/2014/main" id="{085F5D6D-96C6-48F0-9FED-90B111BBDE9E}"/>
+              </a:ext>
+            </a:extLst>
+          </p:cNvPr>
+          <p:cNvSpPr>
+            <a:spLocks noGrp="1"/>
+          </p:cNvSpPr>
+          <p:nvPr>
+            <p:ph type="title"/>
+          </p:nvPr>
+        </p:nvSpPr>
+        <p:spPr/>
+        <p:txBody>
+          <a:bodyPr/>
+          <a:lstStyle/>
+          <a:p>
+            <a:r>
+              <a:rPr lang="de-DE" dirty="0"/>
+              <a:t>Table </a:t>
+            </a:r>
+            <a:r>
+              <a:rPr lang="de-DE" dirty="0" err="1"/>
+              <a:t>of</a:t>
+            </a:r>
+            <a:r>
+              <a:rPr lang="de-DE" dirty="0"/>
+              <a:t> </a:t>
+            </a:r>
+            <a:r>
+              <a:rPr lang="de-DE" dirty="0" err="1"/>
+              <a:t>contents</a:t>
+            </a:r>
+            <a:endParaRPr lang="de-DE" dirty="0"/>
+          </a:p>
+        </p:txBody>
+      </p:sp>
+      <p:sp>
+        <p:nvSpPr>
+          <p:cNvPr id="3" name="Inhaltsplatzhalter 2">
+            <a:extLst>
+              <a:ext uri="{FF2B5EF4-FFF2-40B4-BE49-F238E27FC236}">
+                <a16:creationId xmlns:a16="http://schemas.microsoft.com/office/drawing/2014/main" id="{374FC687-92F1-4406-827B-8CF60ADBB6F1}"/>
+              </a:ext>
+            </a:extLst>
+          </p:cNvPr>
+          <p:cNvSpPr>
+            <a:spLocks noGrp="1"/>
+          </p:cNvSpPr>
+          <p:nvPr>
+            <p:ph idx="1"/>
+          </p:nvPr>
+        </p:nvSpPr>
+        <p:spPr/>
+        <p:txBody>
+          <a:bodyPr/>
+          <a:lstStyle/>
+          <a:p>
+            <a:r>
+              <a:rPr lang="de-DE" dirty="0"/>
+              <a:t>Motivation &amp; </a:t>
+            </a:r>
+            <a:r>
+              <a:rPr lang="de-DE" dirty="0" err="1"/>
+              <a:t>goals</a:t>
+            </a:r>
+            <a:endParaRPr lang="de-DE" dirty="0"/>
+          </a:p>
+          <a:p>
+            <a:r>
+              <a:rPr lang="de-DE" dirty="0" err="1"/>
+              <a:t>Current</a:t>
+            </a:r>
+            <a:r>
+              <a:rPr lang="de-DE" dirty="0"/>
+              <a:t> </a:t>
+            </a:r>
+            <a:r>
+              <a:rPr lang="de-DE" dirty="0" err="1"/>
+              <a:t>state</a:t>
+            </a:r>
+            <a:endParaRPr lang="de-DE" dirty="0"/>
+          </a:p>
+          <a:p>
+            <a:r>
+              <a:rPr lang="de-DE" dirty="0"/>
+              <a:t>Target </a:t>
+            </a:r>
+            <a:r>
+              <a:rPr lang="de-DE" dirty="0" err="1"/>
+              <a:t>state</a:t>
+            </a:r>
+            <a:endParaRPr lang="de-DE" dirty="0"/>
+          </a:p>
+          <a:p>
+            <a:pPr lvl="1"/>
+            <a:r>
+              <a:rPr lang="de-DE" dirty="0" err="1"/>
+              <a:t>Challenges</a:t>
+            </a:r>
+            <a:endParaRPr lang="de-DE" dirty="0"/>
+          </a:p>
+          <a:p>
+            <a:pPr lvl="1"/>
+            <a:r>
+              <a:rPr lang="de-DE" dirty="0"/>
+              <a:t>Solutions</a:t>
+            </a:r>
+          </a:p>
+          <a:p>
+            <a:r>
+              <a:rPr lang="de-DE" dirty="0" err="1"/>
+              <a:t>Failures</a:t>
+            </a:r>
+            <a:r>
+              <a:rPr lang="de-DE" dirty="0"/>
+              <a:t> </a:t>
+            </a:r>
+            <a:r>
+              <a:rPr lang="de-DE" dirty="0" err="1"/>
+              <a:t>of</a:t>
+            </a:r>
+            <a:r>
+              <a:rPr lang="de-DE" dirty="0"/>
+              <a:t> </a:t>
+            </a:r>
+            <a:r>
+              <a:rPr lang="de-DE" dirty="0" err="1"/>
+              <a:t>previous</a:t>
+            </a:r>
+            <a:r>
+              <a:rPr lang="de-DE" dirty="0"/>
+              <a:t> </a:t>
+            </a:r>
+            <a:r>
+              <a:rPr lang="de-DE" dirty="0" err="1"/>
+              <a:t>attempt</a:t>
+            </a:r>
+            <a:r>
+              <a:rPr lang="de-DE" dirty="0"/>
+              <a:t> (real </a:t>
+            </a:r>
+            <a:r>
+              <a:rPr lang="de-DE" dirty="0" err="1"/>
+              <a:t>case</a:t>
+            </a:r>
+            <a:r>
+              <a:rPr lang="de-DE" dirty="0"/>
+              <a:t>) </a:t>
+            </a:r>
+          </a:p>
+          <a:p>
+            <a:r>
+              <a:rPr lang="de-DE" dirty="0" err="1"/>
+              <a:t>Conclusion</a:t>
+            </a:r>
+            <a:endParaRPr lang="de-DE" dirty="0"/>
+          </a:p>
+          <a:p>
+            <a:endParaRPr lang="de-DE" dirty="0"/>
+          </a:p>
+          <a:p>
+            <a:endParaRPr lang="de-DE" dirty="0"/>
+          </a:p>
+          <a:p>
+            <a:endParaRPr lang="de-DE" dirty="0"/>
+          </a:p>
+          <a:p>
+            <a:endParaRPr lang="de-DE" dirty="0"/>
+          </a:p>
+        </p:txBody>
+      </p:sp>
+    </p:spTree>
+    <p:extLst>
+      <p:ext uri="{BB962C8B-B14F-4D97-AF65-F5344CB8AC3E}">
+        <p14:creationId xmlns:p14="http://schemas.microsoft.com/office/powerpoint/2010/main" val="1635871413"/>
+      </p:ext>
+    </p:extLst>
+  </p:cSld>
+  <p:clrMapOvr>
+    <a:masterClrMapping/>
+  </p:clrMapOvr>
+</p:sld>
+</file>
+
+<file path=ppt/slides/slide3.xml><?xml version="1.0" encoding="utf-8"?>
+<p:sld xmlns:a="http://schemas.openxmlformats.org/drawingml/2006/main" xmlns:r="http://schemas.openxmlformats.org/officeDocument/2006/relationships" xmlns:p="http://schemas.openxmlformats.org/presentationml/2006/main">
+  <p:cSld>
+    <p:spTree>
+      <p:nvGrpSpPr>
+        <p:cNvPr id="1" name=""/>
+        <p:cNvGrpSpPr/>
+        <p:nvPr/>
+      </p:nvGrpSpPr>
+      <p:grpSpPr>
+        <a:xfrm>
+          <a:off x="0" y="0"/>
+          <a:ext cx="0" cy="0"/>
+          <a:chOff x="0" y="0"/>
+          <a:chExt cx="0" cy="0"/>
+        </a:xfrm>
+      </p:grpSpPr>
+      <p:sp>
+        <p:nvSpPr>
+          <p:cNvPr id="2" name="Titel 1">
+            <a:extLst>
+              <a:ext uri="{FF2B5EF4-FFF2-40B4-BE49-F238E27FC236}">
+                <a16:creationId xmlns:a16="http://schemas.microsoft.com/office/drawing/2014/main" id="{D12CA9C3-5F39-4320-A5E0-6B6989091C85}"/>
+              </a:ext>
+            </a:extLst>
+          </p:cNvPr>
+          <p:cNvSpPr>
+            <a:spLocks noGrp="1"/>
+          </p:cNvSpPr>
+          <p:nvPr>
+            <p:ph type="title"/>
+          </p:nvPr>
+        </p:nvSpPr>
+        <p:spPr/>
+        <p:txBody>
+          <a:bodyPr/>
+          <a:lstStyle/>
+          <a:p>
+            <a:r>
+              <a:rPr lang="de-DE" dirty="0"/>
+              <a:t>Motivation &amp; </a:t>
+            </a:r>
+            <a:r>
+              <a:rPr lang="de-DE" dirty="0" err="1"/>
+              <a:t>goals</a:t>
+            </a:r>
+            <a:endParaRPr lang="de-DE" dirty="0"/>
+          </a:p>
+        </p:txBody>
+      </p:sp>
+      <p:sp>
+        <p:nvSpPr>
+          <p:cNvPr id="3" name="Inhaltsplatzhalter 2">
+            <a:extLst>
+              <a:ext uri="{FF2B5EF4-FFF2-40B4-BE49-F238E27FC236}">
+                <a16:creationId xmlns:a16="http://schemas.microsoft.com/office/drawing/2014/main" id="{A596CFC5-F6BB-4E93-A2F0-A3A9FB872E45}"/>
+              </a:ext>
+            </a:extLst>
+          </p:cNvPr>
+          <p:cNvSpPr>
+            <a:spLocks noGrp="1"/>
+          </p:cNvSpPr>
+          <p:nvPr>
+            <p:ph idx="1"/>
+          </p:nvPr>
+        </p:nvSpPr>
+        <p:spPr/>
+        <p:txBody>
+          <a:bodyPr/>
+          <a:lstStyle/>
+          <a:p>
+            <a:r>
+              <a:rPr lang="de-DE" dirty="0" err="1"/>
+              <a:t>Reduction</a:t>
+            </a:r>
+            <a:r>
+              <a:rPr lang="de-DE" dirty="0"/>
+              <a:t> </a:t>
+            </a:r>
+            <a:r>
+              <a:rPr lang="de-DE" dirty="0" err="1"/>
+              <a:t>of</a:t>
+            </a:r>
+            <a:r>
+              <a:rPr lang="de-DE" dirty="0"/>
+              <a:t> </a:t>
+            </a:r>
+            <a:r>
+              <a:rPr lang="de-DE" dirty="0" err="1"/>
+              <a:t>workload</a:t>
+            </a:r>
+            <a:endParaRPr lang="de-DE" dirty="0"/>
+          </a:p>
+          <a:p>
+            <a:r>
+              <a:rPr lang="de-DE" dirty="0" err="1"/>
+              <a:t>Optimized</a:t>
+            </a:r>
+            <a:r>
+              <a:rPr lang="de-DE" dirty="0"/>
+              <a:t> stock in </a:t>
+            </a:r>
+            <a:r>
+              <a:rPr lang="de-DE" dirty="0" err="1"/>
+              <a:t>production</a:t>
+            </a:r>
+            <a:endParaRPr lang="de-DE" dirty="0"/>
+          </a:p>
+          <a:p>
+            <a:r>
+              <a:rPr lang="de-DE" dirty="0" err="1"/>
+              <a:t>Reduce</a:t>
+            </a:r>
+            <a:r>
+              <a:rPr lang="de-DE" dirty="0"/>
+              <a:t> </a:t>
+            </a:r>
+            <a:r>
+              <a:rPr lang="de-DE" dirty="0" err="1"/>
+              <a:t>lead</a:t>
+            </a:r>
+            <a:r>
+              <a:rPr lang="de-DE" dirty="0"/>
+              <a:t> time</a:t>
+            </a:r>
+          </a:p>
+        </p:txBody>
+      </p:sp>
+    </p:spTree>
+    <p:extLst>
+      <p:ext uri="{BB962C8B-B14F-4D97-AF65-F5344CB8AC3E}">
+        <p14:creationId xmlns:p14="http://schemas.microsoft.com/office/powerpoint/2010/main" val="3140822267"/>
+      </p:ext>
+    </p:extLst>
+  </p:cSld>
+  <p:clrMapOvr>
+    <a:masterClrMapping/>
+  </p:clrMapOvr>
+</p:sld>
+</file>
+
+<file path=ppt/slides/slide4.xml><?xml version="1.0" encoding="utf-8"?>
+<p:sld xmlns:a="http://schemas.openxmlformats.org/drawingml/2006/main" xmlns:r="http://schemas.openxmlformats.org/officeDocument/2006/relationships" xmlns:p="http://schemas.openxmlformats.org/presentationml/2006/main">
+  <p:cSld>
+    <p:spTree>
+      <p:nvGrpSpPr>
+        <p:cNvPr id="1" name=""/>
+        <p:cNvGrpSpPr/>
+        <p:nvPr/>
+      </p:nvGrpSpPr>
+      <p:grpSpPr>
+        <a:xfrm>
+          <a:off x="0" y="0"/>
+          <a:ext cx="0" cy="0"/>
+          <a:chOff x="0" y="0"/>
+          <a:chExt cx="0" cy="0"/>
+        </a:xfrm>
+      </p:grpSpPr>
+      <p:sp>
+        <p:nvSpPr>
+          <p:cNvPr id="152" name="Rechteck 151">
+            <a:extLst>
+              <a:ext uri="{FF2B5EF4-FFF2-40B4-BE49-F238E27FC236}">
+                <a16:creationId xmlns:a16="http://schemas.microsoft.com/office/drawing/2014/main" id="{950FE1C3-6E6E-4EDE-A0F9-6C2B1D218BCD}"/>
+              </a:ext>
+            </a:extLst>
+          </p:cNvPr>
+          <p:cNvSpPr/>
+          <p:nvPr/>
+        </p:nvSpPr>
+        <p:spPr>
+          <a:xfrm>
+            <a:off x="902904" y="4761089"/>
+            <a:ext cx="5879292" cy="1682391"/>
+          </a:xfrm>
+          <a:prstGeom prst="rect">
+            <a:avLst/>
+          </a:prstGeom>
+          <a:ln>
+            <a:solidFill>
+              <a:schemeClr val="tx1">
+                <a:lumMod val="95000"/>
+                <a:lumOff val="5000"/>
+              </a:schemeClr>
+            </a:solidFill>
+          </a:ln>
+        </p:spPr>
+        <p:style>
+          <a:lnRef idx="2">
+            <a:schemeClr val="accent6"/>
+          </a:lnRef>
+          <a:fillRef idx="1">
+            <a:schemeClr val="lt1"/>
+          </a:fillRef>
+          <a:effectRef idx="0">
+            <a:schemeClr val="accent6"/>
+          </a:effectRef>
+          <a:fontRef idx="minor">
+            <a:schemeClr val="dk1"/>
+          </a:fontRef>
+        </p:style>
+        <p:txBody>
+          <a:bodyPr rot="0" spcFirstLastPara="0" vertOverflow="overflow" horzOverflow="overflow" vert="horz" wrap="square" lIns="91440" tIns="45720" rIns="91440" bIns="45720" numCol="1" spcCol="0" rtlCol="0" fromWordArt="0" anchor="ctr" anchorCtr="0" forceAA="0" compatLnSpc="1">
+            <a:prstTxWarp prst="textNoShape">
+              <a:avLst/>
+            </a:prstTxWarp>
+            <a:noAutofit/>
+          </a:bodyPr>
+          <a:lstStyle/>
+          <a:p>
+            <a:pPr algn="ctr"/>
+            <a:endParaRPr lang="de-DE">
+              <a:ln w="0"/>
+              <a:solidFill>
+                <a:schemeClr val="tx1"/>
+              </a:solidFill>
+              <a:effectLst>
+                <a:outerShdw blurRad="38100" dist="19050" dir="2700000" algn="tl" rotWithShape="0">
+                  <a:schemeClr val="dk1">
+                    <a:alpha val="40000"/>
+                  </a:schemeClr>
+                </a:outerShdw>
+              </a:effectLst>
+            </a:endParaRPr>
+          </a:p>
+        </p:txBody>
+      </p:sp>
+      <p:sp>
+        <p:nvSpPr>
+          <p:cNvPr id="150" name="Rechteck 149">
+            <a:extLst>
+              <a:ext uri="{FF2B5EF4-FFF2-40B4-BE49-F238E27FC236}">
+                <a16:creationId xmlns:a16="http://schemas.microsoft.com/office/drawing/2014/main" id="{34F4C50E-61F5-47A4-ACE5-89270500759E}"/>
+              </a:ext>
+            </a:extLst>
+          </p:cNvPr>
+          <p:cNvSpPr/>
+          <p:nvPr/>
+        </p:nvSpPr>
+        <p:spPr>
+          <a:xfrm>
+            <a:off x="6808179" y="4758399"/>
+            <a:ext cx="4101112" cy="1682391"/>
+          </a:xfrm>
+          <a:prstGeom prst="rect">
+            <a:avLst/>
+          </a:prstGeom>
+          <a:ln>
+            <a:solidFill>
+              <a:schemeClr val="tx1">
+                <a:lumMod val="95000"/>
+                <a:lumOff val="5000"/>
+              </a:schemeClr>
+            </a:solidFill>
+          </a:ln>
+        </p:spPr>
+        <p:style>
+          <a:lnRef idx="2">
+            <a:schemeClr val="accent6"/>
+          </a:lnRef>
+          <a:fillRef idx="1">
+            <a:schemeClr val="lt1"/>
+          </a:fillRef>
+          <a:effectRef idx="0">
+            <a:schemeClr val="accent6"/>
+          </a:effectRef>
+          <a:fontRef idx="minor">
+            <a:schemeClr val="dk1"/>
+          </a:fontRef>
+        </p:style>
+        <p:txBody>
+          <a:bodyPr rot="0" spcFirstLastPara="0" vertOverflow="overflow" horzOverflow="overflow" vert="horz" wrap="square" lIns="91440" tIns="45720" rIns="91440" bIns="45720" numCol="1" spcCol="0" rtlCol="0" fromWordArt="0" anchor="ctr" anchorCtr="0" forceAA="0" compatLnSpc="1">
+            <a:prstTxWarp prst="textNoShape">
+              <a:avLst/>
+            </a:prstTxWarp>
+            <a:noAutofit/>
+          </a:bodyPr>
+          <a:lstStyle/>
+          <a:p>
+            <a:pPr algn="ctr"/>
+            <a:endParaRPr lang="de-DE">
+              <a:ln w="0"/>
+              <a:solidFill>
+                <a:schemeClr val="tx1"/>
+              </a:solidFill>
+              <a:effectLst>
+                <a:outerShdw blurRad="38100" dist="19050" dir="2700000" algn="tl" rotWithShape="0">
+                  <a:schemeClr val="dk1">
+                    <a:alpha val="40000"/>
+                  </a:schemeClr>
+                </a:outerShdw>
+              </a:effectLst>
+            </a:endParaRPr>
+          </a:p>
+        </p:txBody>
+      </p:sp>
+      <p:sp>
+        <p:nvSpPr>
+          <p:cNvPr id="2" name="Titel 1">
+            <a:extLst>
+              <a:ext uri="{FF2B5EF4-FFF2-40B4-BE49-F238E27FC236}">
+                <a16:creationId xmlns:a16="http://schemas.microsoft.com/office/drawing/2014/main" id="{150BA517-0FF7-42B8-B934-43619BF4508C}"/>
+              </a:ext>
+            </a:extLst>
+          </p:cNvPr>
+          <p:cNvSpPr>
+            <a:spLocks noGrp="1"/>
+          </p:cNvSpPr>
+          <p:nvPr>
+            <p:ph type="title"/>
+          </p:nvPr>
+        </p:nvSpPr>
+        <p:spPr>
+          <a:xfrm>
+            <a:off x="704961" y="119416"/>
+            <a:ext cx="10515600" cy="1325563"/>
+          </a:xfrm>
+        </p:spPr>
+        <p:txBody>
+          <a:bodyPr/>
+          <a:lstStyle/>
+          <a:p>
+            <a:r>
+              <a:rPr lang="de-DE" dirty="0" err="1"/>
+              <a:t>Current</a:t>
+            </a:r>
+            <a:r>
+              <a:rPr lang="de-DE" dirty="0"/>
+              <a:t> </a:t>
+            </a:r>
+            <a:r>
+              <a:rPr lang="de-DE" dirty="0" err="1"/>
+              <a:t>state</a:t>
+            </a:r>
+            <a:endParaRPr lang="de-DE" dirty="0"/>
+          </a:p>
+        </p:txBody>
+      </p:sp>
+      <p:grpSp>
+        <p:nvGrpSpPr>
+          <p:cNvPr id="3" name="Gruppieren 2">
+            <a:extLst>
+              <a:ext uri="{FF2B5EF4-FFF2-40B4-BE49-F238E27FC236}">
+                <a16:creationId xmlns:a16="http://schemas.microsoft.com/office/drawing/2014/main" id="{64EE5B2B-8032-4BC3-B887-0558075191B6}"/>
+              </a:ext>
+            </a:extLst>
+          </p:cNvPr>
+          <p:cNvGrpSpPr/>
+          <p:nvPr/>
+        </p:nvGrpSpPr>
+        <p:grpSpPr>
+          <a:xfrm>
+            <a:off x="2083409" y="1114202"/>
+            <a:ext cx="7522583" cy="2941129"/>
+            <a:chOff x="2083409" y="1114202"/>
+            <a:chExt cx="7522583" cy="2941129"/>
+          </a:xfrm>
+        </p:grpSpPr>
+        <p:sp>
+          <p:nvSpPr>
+            <p:cNvPr id="89" name="Rechteck 88">
+              <a:extLst>
+                <a:ext uri="{FF2B5EF4-FFF2-40B4-BE49-F238E27FC236}">
+                  <a16:creationId xmlns:a16="http://schemas.microsoft.com/office/drawing/2014/main" id="{2A7F618C-C17A-4C17-9468-C7316FB5CD2A}"/>
+                </a:ext>
+              </a:extLst>
+            </p:cNvPr>
+            <p:cNvSpPr/>
+            <p:nvPr/>
+          </p:nvSpPr>
+          <p:spPr>
+            <a:xfrm>
+              <a:off x="2083409" y="1146324"/>
+              <a:ext cx="7522583" cy="2909007"/>
+            </a:xfrm>
+            <a:prstGeom prst="rect">
+              <a:avLst/>
+            </a:prstGeom>
+            <a:solidFill>
+              <a:schemeClr val="bg2"/>
+            </a:solidFill>
+            <a:ln w="28575">
+              <a:solidFill>
+                <a:schemeClr val="tx1"/>
+              </a:solidFill>
+            </a:ln>
+          </p:spPr>
+          <p:style>
+            <a:lnRef idx="2">
+              <a:schemeClr val="accent6"/>
+            </a:lnRef>
+            <a:fillRef idx="1">
+              <a:schemeClr val="lt1"/>
+            </a:fillRef>
+            <a:effectRef idx="0">
+              <a:schemeClr val="accent6"/>
+            </a:effectRef>
+            <a:fontRef idx="minor">
+              <a:schemeClr val="dk1"/>
+            </a:fontRef>
+          </p:style>
+          <p:txBody>
+            <a:bodyPr rtlCol="0" anchor="ctr"/>
+            <a:lstStyle/>
+            <a:p>
+              <a:pPr algn="ctr"/>
+              <a:endParaRPr lang="de-DE"/>
+            </a:p>
+          </p:txBody>
+        </p:sp>
+        <p:sp>
+          <p:nvSpPr>
+            <p:cNvPr id="58" name="Rechteck 57">
+              <a:extLst>
+                <a:ext uri="{FF2B5EF4-FFF2-40B4-BE49-F238E27FC236}">
+                  <a16:creationId xmlns:a16="http://schemas.microsoft.com/office/drawing/2014/main" id="{A09F0E44-FA1F-4C66-931F-13F1FB326B1A}"/>
+                </a:ext>
+              </a:extLst>
+            </p:cNvPr>
+            <p:cNvSpPr/>
+            <p:nvPr/>
+          </p:nvSpPr>
+          <p:spPr>
+            <a:xfrm>
+              <a:off x="6090754" y="1455687"/>
+              <a:ext cx="2874611" cy="2464715"/>
+            </a:xfrm>
+            <a:prstGeom prst="rect">
+              <a:avLst/>
+            </a:prstGeom>
+            <a:solidFill>
+              <a:schemeClr val="bg2"/>
+            </a:solidFill>
+            <a:ln>
+              <a:solidFill>
+                <a:schemeClr val="bg1">
+                  <a:lumMod val="50000"/>
+                </a:schemeClr>
+              </a:solidFill>
+            </a:ln>
+          </p:spPr>
+          <p:style>
+            <a:lnRef idx="2">
+              <a:schemeClr val="accent6"/>
+            </a:lnRef>
+            <a:fillRef idx="1">
+              <a:schemeClr val="lt1"/>
+            </a:fillRef>
+            <a:effectRef idx="0">
+              <a:schemeClr val="accent6"/>
+            </a:effectRef>
+            <a:fontRef idx="minor">
+              <a:schemeClr val="dk1"/>
+            </a:fontRef>
+          </p:style>
+          <p:txBody>
+            <a:bodyPr rtlCol="0" anchor="ctr"/>
+            <a:lstStyle/>
+            <a:p>
+              <a:pPr algn="ctr"/>
+              <a:endParaRPr lang="de-DE"/>
+            </a:p>
+          </p:txBody>
+        </p:sp>
+        <p:sp>
+          <p:nvSpPr>
+            <p:cNvPr id="13" name="Ellipse 12">
+              <a:extLst>
+                <a:ext uri="{FF2B5EF4-FFF2-40B4-BE49-F238E27FC236}">
+                  <a16:creationId xmlns:a16="http://schemas.microsoft.com/office/drawing/2014/main" id="{9E30C5AA-4083-4F41-A42B-05FD1D97434B}"/>
+                </a:ext>
+              </a:extLst>
+            </p:cNvPr>
+            <p:cNvSpPr/>
+            <p:nvPr/>
+          </p:nvSpPr>
+          <p:spPr>
+            <a:xfrm>
+              <a:off x="2403266" y="1901679"/>
+              <a:ext cx="2212081" cy="1861653"/>
+            </a:xfrm>
+            <a:prstGeom prst="ellipse">
+              <a:avLst/>
+            </a:prstGeom>
+            <a:noFill/>
+          </p:spPr>
+          <p:style>
+            <a:lnRef idx="2">
+              <a:schemeClr val="accent1">
+                <a:shade val="50000"/>
+              </a:schemeClr>
+            </a:lnRef>
+            <a:fillRef idx="1">
+              <a:schemeClr val="accent1"/>
+            </a:fillRef>
+            <a:effectRef idx="0">
+              <a:schemeClr val="accent1"/>
+            </a:effectRef>
+            <a:fontRef idx="minor">
+              <a:schemeClr val="lt1"/>
+            </a:fontRef>
+          </p:style>
+          <p:txBody>
+            <a:bodyPr rtlCol="0" anchor="ctr"/>
+            <a:lstStyle/>
+            <a:p>
+              <a:pPr algn="ctr"/>
+              <a:endParaRPr lang="de-DE"/>
+            </a:p>
+          </p:txBody>
+        </p:sp>
+        <p:sp>
+          <p:nvSpPr>
+            <p:cNvPr id="4" name="Rechteck 3">
+              <a:extLst>
+                <a:ext uri="{FF2B5EF4-FFF2-40B4-BE49-F238E27FC236}">
+                  <a16:creationId xmlns:a16="http://schemas.microsoft.com/office/drawing/2014/main" id="{F36D6A40-AD54-45CA-9F7A-EA35882329C7}"/>
+                </a:ext>
+              </a:extLst>
+            </p:cNvPr>
+            <p:cNvSpPr/>
+            <p:nvPr/>
+          </p:nvSpPr>
+          <p:spPr>
+            <a:xfrm>
+              <a:off x="2884649" y="2202829"/>
+              <a:ext cx="328527" cy="525643"/>
+            </a:xfrm>
+            <a:prstGeom prst="rect">
+              <a:avLst/>
+            </a:prstGeom>
+          </p:spPr>
+          <p:style>
+            <a:lnRef idx="2">
+              <a:schemeClr val="accent1">
+                <a:shade val="50000"/>
+              </a:schemeClr>
+            </a:lnRef>
+            <a:fillRef idx="1">
+              <a:schemeClr val="accent1"/>
+            </a:fillRef>
+            <a:effectRef idx="0">
+              <a:schemeClr val="accent1"/>
+            </a:effectRef>
+            <a:fontRef idx="minor">
+              <a:schemeClr val="lt1"/>
+            </a:fontRef>
+          </p:style>
+          <p:txBody>
+            <a:bodyPr rtlCol="0" anchor="ctr"/>
+            <a:lstStyle/>
+            <a:p>
+              <a:pPr algn="ctr"/>
+              <a:endParaRPr lang="de-DE"/>
+            </a:p>
+          </p:txBody>
+        </p:sp>
+        <p:sp>
+          <p:nvSpPr>
+            <p:cNvPr id="8" name="Rechteck 7">
+              <a:extLst>
+                <a:ext uri="{FF2B5EF4-FFF2-40B4-BE49-F238E27FC236}">
+                  <a16:creationId xmlns:a16="http://schemas.microsoft.com/office/drawing/2014/main" id="{911BAE19-B3A5-4E3B-9EDD-E0E71DCB5C50}"/>
+                </a:ext>
+              </a:extLst>
+            </p:cNvPr>
+            <p:cNvSpPr/>
+            <p:nvPr/>
+          </p:nvSpPr>
+          <p:spPr>
+            <a:xfrm>
+              <a:off x="2884648" y="2893961"/>
+              <a:ext cx="328527" cy="525643"/>
+            </a:xfrm>
+            <a:prstGeom prst="rect">
+              <a:avLst/>
+            </a:prstGeom>
+          </p:spPr>
+          <p:style>
+            <a:lnRef idx="2">
+              <a:schemeClr val="accent1">
+                <a:shade val="50000"/>
+              </a:schemeClr>
+            </a:lnRef>
+            <a:fillRef idx="1">
+              <a:schemeClr val="accent1"/>
+            </a:fillRef>
+            <a:effectRef idx="0">
+              <a:schemeClr val="accent1"/>
+            </a:effectRef>
+            <a:fontRef idx="minor">
+              <a:schemeClr val="lt1"/>
+            </a:fontRef>
+          </p:style>
+          <p:txBody>
+            <a:bodyPr rtlCol="0" anchor="ctr"/>
+            <a:lstStyle/>
+            <a:p>
+              <a:pPr algn="ctr"/>
+              <a:endParaRPr lang="de-DE"/>
+            </a:p>
+          </p:txBody>
+        </p:sp>
+        <p:sp>
+          <p:nvSpPr>
+            <p:cNvPr id="9" name="Rechteck 8">
+              <a:extLst>
+                <a:ext uri="{FF2B5EF4-FFF2-40B4-BE49-F238E27FC236}">
+                  <a16:creationId xmlns:a16="http://schemas.microsoft.com/office/drawing/2014/main" id="{ADA90F57-6663-44C3-A4DE-2D3B9C3FAA4D}"/>
+                </a:ext>
+              </a:extLst>
+            </p:cNvPr>
+            <p:cNvSpPr/>
+            <p:nvPr/>
+          </p:nvSpPr>
+          <p:spPr>
+            <a:xfrm>
+              <a:off x="3321773" y="2202829"/>
+              <a:ext cx="328527" cy="525643"/>
+            </a:xfrm>
+            <a:prstGeom prst="rect">
+              <a:avLst/>
+            </a:prstGeom>
+          </p:spPr>
+          <p:style>
+            <a:lnRef idx="2">
+              <a:schemeClr val="accent1">
+                <a:shade val="50000"/>
+              </a:schemeClr>
+            </a:lnRef>
+            <a:fillRef idx="1">
+              <a:schemeClr val="accent1"/>
+            </a:fillRef>
+            <a:effectRef idx="0">
+              <a:schemeClr val="accent1"/>
+            </a:effectRef>
+            <a:fontRef idx="minor">
+              <a:schemeClr val="lt1"/>
+            </a:fontRef>
+          </p:style>
+          <p:txBody>
+            <a:bodyPr rtlCol="0" anchor="ctr"/>
+            <a:lstStyle/>
+            <a:p>
+              <a:pPr algn="ctr"/>
+              <a:endParaRPr lang="de-DE"/>
+            </a:p>
+          </p:txBody>
+        </p:sp>
+        <p:sp>
+          <p:nvSpPr>
+            <p:cNvPr id="10" name="Rechteck 9">
+              <a:extLst>
+                <a:ext uri="{FF2B5EF4-FFF2-40B4-BE49-F238E27FC236}">
+                  <a16:creationId xmlns:a16="http://schemas.microsoft.com/office/drawing/2014/main" id="{382EEF81-1B84-44B6-B3D0-204E398A4C7C}"/>
+                </a:ext>
+              </a:extLst>
+            </p:cNvPr>
+            <p:cNvSpPr/>
+            <p:nvPr/>
+          </p:nvSpPr>
+          <p:spPr>
+            <a:xfrm>
+              <a:off x="3321772" y="2893961"/>
+              <a:ext cx="328527" cy="525643"/>
+            </a:xfrm>
+            <a:prstGeom prst="rect">
+              <a:avLst/>
+            </a:prstGeom>
+          </p:spPr>
+          <p:style>
+            <a:lnRef idx="2">
+              <a:schemeClr val="accent1">
+                <a:shade val="50000"/>
+              </a:schemeClr>
+            </a:lnRef>
+            <a:fillRef idx="1">
+              <a:schemeClr val="accent1"/>
+            </a:fillRef>
+            <a:effectRef idx="0">
+              <a:schemeClr val="accent1"/>
+            </a:effectRef>
+            <a:fontRef idx="minor">
+              <a:schemeClr val="lt1"/>
+            </a:fontRef>
+          </p:style>
+          <p:txBody>
+            <a:bodyPr rtlCol="0" anchor="ctr"/>
+            <a:lstStyle/>
+            <a:p>
+              <a:pPr algn="ctr"/>
+              <a:endParaRPr lang="de-DE"/>
+            </a:p>
+          </p:txBody>
+        </p:sp>
+        <p:sp>
+          <p:nvSpPr>
+            <p:cNvPr id="11" name="Rechteck 10">
+              <a:extLst>
+                <a:ext uri="{FF2B5EF4-FFF2-40B4-BE49-F238E27FC236}">
+                  <a16:creationId xmlns:a16="http://schemas.microsoft.com/office/drawing/2014/main" id="{70522B91-2EA5-4599-B197-A0CD82C801EC}"/>
+                </a:ext>
+              </a:extLst>
+            </p:cNvPr>
+            <p:cNvSpPr/>
+            <p:nvPr/>
+          </p:nvSpPr>
+          <p:spPr>
+            <a:xfrm>
+              <a:off x="3758896" y="2202829"/>
+              <a:ext cx="328527" cy="525643"/>
+            </a:xfrm>
+            <a:prstGeom prst="rect">
+              <a:avLst/>
+            </a:prstGeom>
+          </p:spPr>
+          <p:style>
+            <a:lnRef idx="2">
+              <a:schemeClr val="accent1">
+                <a:shade val="50000"/>
+              </a:schemeClr>
+            </a:lnRef>
+            <a:fillRef idx="1">
+              <a:schemeClr val="accent1"/>
+            </a:fillRef>
+            <a:effectRef idx="0">
+              <a:schemeClr val="accent1"/>
+            </a:effectRef>
+            <a:fontRef idx="minor">
+              <a:schemeClr val="lt1"/>
+            </a:fontRef>
+          </p:style>
+          <p:txBody>
+            <a:bodyPr rtlCol="0" anchor="ctr"/>
+            <a:lstStyle/>
+            <a:p>
+              <a:pPr algn="ctr"/>
+              <a:endParaRPr lang="de-DE"/>
+            </a:p>
+          </p:txBody>
+        </p:sp>
+        <p:sp>
+          <p:nvSpPr>
+            <p:cNvPr id="12" name="Rechteck 11">
+              <a:extLst>
+                <a:ext uri="{FF2B5EF4-FFF2-40B4-BE49-F238E27FC236}">
+                  <a16:creationId xmlns:a16="http://schemas.microsoft.com/office/drawing/2014/main" id="{068D75AE-C16B-4340-A121-99E675CE5EAF}"/>
+                </a:ext>
+              </a:extLst>
+            </p:cNvPr>
+            <p:cNvSpPr/>
+            <p:nvPr/>
+          </p:nvSpPr>
+          <p:spPr>
+            <a:xfrm>
+              <a:off x="3758895" y="2893961"/>
+              <a:ext cx="328527" cy="525643"/>
+            </a:xfrm>
+            <a:prstGeom prst="rect">
+              <a:avLst/>
+            </a:prstGeom>
+          </p:spPr>
+          <p:style>
+            <a:lnRef idx="2">
+              <a:schemeClr val="accent1">
+                <a:shade val="50000"/>
+              </a:schemeClr>
+            </a:lnRef>
+            <a:fillRef idx="1">
+              <a:schemeClr val="accent1"/>
+            </a:fillRef>
+            <a:effectRef idx="0">
+              <a:schemeClr val="accent1"/>
+            </a:effectRef>
+            <a:fontRef idx="minor">
+              <a:schemeClr val="lt1"/>
+            </a:fontRef>
+          </p:style>
+          <p:txBody>
+            <a:bodyPr rtlCol="0" anchor="ctr"/>
+            <a:lstStyle/>
+            <a:p>
+              <a:pPr algn="ctr"/>
+              <a:endParaRPr lang="de-DE"/>
+            </a:p>
+          </p:txBody>
+        </p:sp>
+        <p:sp>
+          <p:nvSpPr>
+            <p:cNvPr id="14" name="Textfeld 13">
+              <a:extLst>
+                <a:ext uri="{FF2B5EF4-FFF2-40B4-BE49-F238E27FC236}">
+                  <a16:creationId xmlns:a16="http://schemas.microsoft.com/office/drawing/2014/main" id="{1EFE61D5-4E32-43E0-84D4-6DCD3C577C02}"/>
+                </a:ext>
+              </a:extLst>
+            </p:cNvPr>
+            <p:cNvSpPr txBox="1"/>
+            <p:nvPr/>
+          </p:nvSpPr>
+          <p:spPr>
+            <a:xfrm>
+              <a:off x="2801037" y="1530784"/>
+              <a:ext cx="2998036" cy="369332"/>
+            </a:xfrm>
+            <a:prstGeom prst="rect">
+              <a:avLst/>
+            </a:prstGeom>
+            <a:noFill/>
+          </p:spPr>
+          <p:txBody>
+            <a:bodyPr wrap="square" rtlCol="0">
+              <a:spAutoFit/>
+            </a:bodyPr>
+            <a:lstStyle/>
+            <a:p>
+              <a:r>
+                <a:rPr lang="de-DE" dirty="0" err="1"/>
+                <a:t>Pre</a:t>
+              </a:r>
+              <a:r>
+                <a:rPr lang="de-DE" dirty="0"/>
+                <a:t> </a:t>
+              </a:r>
+              <a:r>
+                <a:rPr lang="de-DE" dirty="0" err="1"/>
+                <a:t>production</a:t>
+              </a:r>
+              <a:endParaRPr lang="de-DE" dirty="0"/>
+            </a:p>
+          </p:txBody>
+        </p:sp>
+        <p:sp>
+          <p:nvSpPr>
+            <p:cNvPr id="16" name="Rechteck 15">
+              <a:extLst>
+                <a:ext uri="{FF2B5EF4-FFF2-40B4-BE49-F238E27FC236}">
+                  <a16:creationId xmlns:a16="http://schemas.microsoft.com/office/drawing/2014/main" id="{66E90626-2255-4A47-B820-A158A2269C85}"/>
+                </a:ext>
+              </a:extLst>
+            </p:cNvPr>
+            <p:cNvSpPr/>
+            <p:nvPr/>
+          </p:nvSpPr>
+          <p:spPr>
+            <a:xfrm>
+              <a:off x="6267217" y="3175921"/>
+              <a:ext cx="290201" cy="525643"/>
+            </a:xfrm>
+            <a:prstGeom prst="rect">
+              <a:avLst/>
+            </a:prstGeom>
+            <a:solidFill>
+              <a:schemeClr val="bg1">
+                <a:lumMod val="50000"/>
+              </a:schemeClr>
+            </a:solidFill>
+          </p:spPr>
+          <p:style>
+            <a:lnRef idx="2">
+              <a:schemeClr val="accent1">
+                <a:shade val="50000"/>
+              </a:schemeClr>
+            </a:lnRef>
+            <a:fillRef idx="1">
+              <a:schemeClr val="accent1"/>
+            </a:fillRef>
+            <a:effectRef idx="0">
+              <a:schemeClr val="accent1"/>
+            </a:effectRef>
+            <a:fontRef idx="minor">
+              <a:schemeClr val="lt1"/>
+            </a:fontRef>
+          </p:style>
+          <p:txBody>
+            <a:bodyPr rtlCol="0" anchor="ctr"/>
+            <a:lstStyle/>
+            <a:p>
+              <a:pPr algn="ctr"/>
+              <a:endParaRPr lang="de-DE"/>
+            </a:p>
+          </p:txBody>
+        </p:sp>
+        <p:sp>
+          <p:nvSpPr>
+            <p:cNvPr id="17" name="Rechteck 16">
+              <a:extLst>
+                <a:ext uri="{FF2B5EF4-FFF2-40B4-BE49-F238E27FC236}">
+                  <a16:creationId xmlns:a16="http://schemas.microsoft.com/office/drawing/2014/main" id="{2EAC971F-0257-4309-933B-0BC58C6C3136}"/>
+                </a:ext>
+              </a:extLst>
+            </p:cNvPr>
+            <p:cNvSpPr/>
+            <p:nvPr/>
+          </p:nvSpPr>
+          <p:spPr>
+            <a:xfrm>
+              <a:off x="7792360" y="2871421"/>
+              <a:ext cx="290201" cy="525643"/>
+            </a:xfrm>
+            <a:prstGeom prst="rect">
+              <a:avLst/>
+            </a:prstGeom>
+            <a:solidFill>
+              <a:schemeClr val="bg1">
+                <a:lumMod val="50000"/>
+              </a:schemeClr>
+            </a:solidFill>
+          </p:spPr>
+          <p:style>
+            <a:lnRef idx="2">
+              <a:schemeClr val="accent1">
+                <a:shade val="50000"/>
+              </a:schemeClr>
+            </a:lnRef>
+            <a:fillRef idx="1">
+              <a:schemeClr val="accent1"/>
+            </a:fillRef>
+            <a:effectRef idx="0">
+              <a:schemeClr val="accent1"/>
+            </a:effectRef>
+            <a:fontRef idx="minor">
+              <a:schemeClr val="lt1"/>
+            </a:fontRef>
+          </p:style>
+          <p:txBody>
+            <a:bodyPr rtlCol="0" anchor="ctr"/>
+            <a:lstStyle/>
+            <a:p>
+              <a:pPr algn="ctr"/>
+              <a:endParaRPr lang="de-DE"/>
+            </a:p>
+          </p:txBody>
+        </p:sp>
+        <p:sp>
+          <p:nvSpPr>
+            <p:cNvPr id="18" name="Rechteck 17">
+              <a:extLst>
+                <a:ext uri="{FF2B5EF4-FFF2-40B4-BE49-F238E27FC236}">
+                  <a16:creationId xmlns:a16="http://schemas.microsoft.com/office/drawing/2014/main" id="{6E9B1B6D-B4DE-4B71-8746-C07C79308393}"/>
+                </a:ext>
+              </a:extLst>
+            </p:cNvPr>
+            <p:cNvSpPr/>
+            <p:nvPr/>
+          </p:nvSpPr>
+          <p:spPr>
+            <a:xfrm>
+              <a:off x="6782196" y="2784714"/>
+              <a:ext cx="290201" cy="525643"/>
+            </a:xfrm>
+            <a:prstGeom prst="rect">
+              <a:avLst/>
+            </a:prstGeom>
+            <a:solidFill>
+              <a:schemeClr val="bg1">
+                <a:lumMod val="50000"/>
+              </a:schemeClr>
+            </a:solidFill>
+          </p:spPr>
+          <p:style>
+            <a:lnRef idx="2">
+              <a:schemeClr val="accent1">
+                <a:shade val="50000"/>
+              </a:schemeClr>
+            </a:lnRef>
+            <a:fillRef idx="1">
+              <a:schemeClr val="accent1"/>
+            </a:fillRef>
+            <a:effectRef idx="0">
+              <a:schemeClr val="accent1"/>
+            </a:effectRef>
+            <a:fontRef idx="minor">
+              <a:schemeClr val="lt1"/>
+            </a:fontRef>
+          </p:style>
+          <p:txBody>
+            <a:bodyPr rtlCol="0" anchor="ctr"/>
+            <a:lstStyle/>
+            <a:p>
+              <a:pPr algn="ctr"/>
+              <a:endParaRPr lang="de-DE"/>
+            </a:p>
+          </p:txBody>
+        </p:sp>
+        <p:sp>
+          <p:nvSpPr>
+            <p:cNvPr id="20" name="Rechteck 19">
+              <a:extLst>
+                <a:ext uri="{FF2B5EF4-FFF2-40B4-BE49-F238E27FC236}">
+                  <a16:creationId xmlns:a16="http://schemas.microsoft.com/office/drawing/2014/main" id="{3F5C6248-52EB-4C89-A490-22C48DEC5C0A}"/>
+                </a:ext>
+              </a:extLst>
+            </p:cNvPr>
+            <p:cNvSpPr/>
+            <p:nvPr/>
+          </p:nvSpPr>
+          <p:spPr>
+            <a:xfrm>
+              <a:off x="7625812" y="1697689"/>
+              <a:ext cx="290201" cy="525643"/>
+            </a:xfrm>
+            <a:prstGeom prst="rect">
+              <a:avLst/>
+            </a:prstGeom>
+            <a:solidFill>
+              <a:schemeClr val="bg1">
+                <a:lumMod val="50000"/>
+              </a:schemeClr>
+            </a:solidFill>
+          </p:spPr>
+          <p:style>
+            <a:lnRef idx="2">
+              <a:schemeClr val="accent1">
+                <a:shade val="50000"/>
+              </a:schemeClr>
+            </a:lnRef>
+            <a:fillRef idx="1">
+              <a:schemeClr val="accent1"/>
+            </a:fillRef>
+            <a:effectRef idx="0">
+              <a:schemeClr val="accent1"/>
+            </a:effectRef>
+            <a:fontRef idx="minor">
+              <a:schemeClr val="lt1"/>
+            </a:fontRef>
+          </p:style>
+          <p:txBody>
+            <a:bodyPr rtlCol="0" anchor="ctr"/>
+            <a:lstStyle/>
+            <a:p>
+              <a:pPr algn="ctr"/>
+              <a:endParaRPr lang="de-DE"/>
+            </a:p>
+          </p:txBody>
+        </p:sp>
+        <p:sp>
+          <p:nvSpPr>
+            <p:cNvPr id="21" name="Rechteck 20">
+              <a:extLst>
+                <a:ext uri="{FF2B5EF4-FFF2-40B4-BE49-F238E27FC236}">
+                  <a16:creationId xmlns:a16="http://schemas.microsoft.com/office/drawing/2014/main" id="{37362187-927F-4A9B-B1D8-57D2B57CA74D}"/>
+                </a:ext>
+              </a:extLst>
+            </p:cNvPr>
+            <p:cNvSpPr/>
+            <p:nvPr/>
+          </p:nvSpPr>
+          <p:spPr>
+            <a:xfrm>
+              <a:off x="6808035" y="1711520"/>
+              <a:ext cx="290201" cy="525643"/>
+            </a:xfrm>
+            <a:prstGeom prst="rect">
+              <a:avLst/>
+            </a:prstGeom>
+            <a:solidFill>
+              <a:schemeClr val="bg1">
+                <a:lumMod val="50000"/>
+              </a:schemeClr>
+            </a:solidFill>
+          </p:spPr>
+          <p:style>
+            <a:lnRef idx="2">
+              <a:schemeClr val="accent1">
+                <a:shade val="50000"/>
+              </a:schemeClr>
+            </a:lnRef>
+            <a:fillRef idx="1">
+              <a:schemeClr val="accent1"/>
+            </a:fillRef>
+            <a:effectRef idx="0">
+              <a:schemeClr val="accent1"/>
+            </a:effectRef>
+            <a:fontRef idx="minor">
+              <a:schemeClr val="lt1"/>
+            </a:fontRef>
+          </p:style>
+          <p:txBody>
+            <a:bodyPr rtlCol="0" anchor="ctr"/>
+            <a:lstStyle/>
+            <a:p>
+              <a:pPr algn="ctr"/>
+              <a:endParaRPr lang="de-DE"/>
+            </a:p>
+          </p:txBody>
+        </p:sp>
+        <p:sp>
+          <p:nvSpPr>
+            <p:cNvPr id="22" name="Rechteck 21">
+              <a:extLst>
+                <a:ext uri="{FF2B5EF4-FFF2-40B4-BE49-F238E27FC236}">
+                  <a16:creationId xmlns:a16="http://schemas.microsoft.com/office/drawing/2014/main" id="{4877500C-9EFD-4832-A284-ADD196CAB036}"/>
+                </a:ext>
+              </a:extLst>
+            </p:cNvPr>
+            <p:cNvSpPr/>
+            <p:nvPr/>
+          </p:nvSpPr>
+          <p:spPr>
+            <a:xfrm>
+              <a:off x="6252442" y="2330721"/>
+              <a:ext cx="290201" cy="525643"/>
+            </a:xfrm>
+            <a:prstGeom prst="rect">
+              <a:avLst/>
+            </a:prstGeom>
+            <a:solidFill>
+              <a:schemeClr val="bg1">
+                <a:lumMod val="50000"/>
+              </a:schemeClr>
+            </a:solidFill>
+          </p:spPr>
+          <p:style>
+            <a:lnRef idx="2">
+              <a:schemeClr val="accent1">
+                <a:shade val="50000"/>
+              </a:schemeClr>
+            </a:lnRef>
+            <a:fillRef idx="1">
+              <a:schemeClr val="accent1"/>
+            </a:fillRef>
+            <a:effectRef idx="0">
+              <a:schemeClr val="accent1"/>
+            </a:effectRef>
+            <a:fontRef idx="minor">
+              <a:schemeClr val="lt1"/>
+            </a:fontRef>
+          </p:style>
+          <p:txBody>
+            <a:bodyPr rtlCol="0" anchor="ctr"/>
+            <a:lstStyle/>
+            <a:p>
+              <a:pPr algn="ctr"/>
+              <a:endParaRPr lang="de-DE"/>
+            </a:p>
+          </p:txBody>
+        </p:sp>
+        <p:sp>
+          <p:nvSpPr>
+            <p:cNvPr id="23" name="Rechteck 22">
+              <a:extLst>
+                <a:ext uri="{FF2B5EF4-FFF2-40B4-BE49-F238E27FC236}">
+                  <a16:creationId xmlns:a16="http://schemas.microsoft.com/office/drawing/2014/main" id="{384611B1-D5E4-4F00-B5DA-93EF6A29BCC5}"/>
+                </a:ext>
+              </a:extLst>
+            </p:cNvPr>
+            <p:cNvSpPr/>
+            <p:nvPr/>
+          </p:nvSpPr>
+          <p:spPr>
+            <a:xfrm>
+              <a:off x="6198149" y="1560387"/>
+              <a:ext cx="290201" cy="525643"/>
+            </a:xfrm>
+            <a:prstGeom prst="rect">
+              <a:avLst/>
+            </a:prstGeom>
+            <a:solidFill>
+              <a:schemeClr val="bg1">
+                <a:lumMod val="50000"/>
+              </a:schemeClr>
+            </a:solidFill>
+          </p:spPr>
+          <p:style>
+            <a:lnRef idx="2">
+              <a:schemeClr val="accent1">
+                <a:shade val="50000"/>
+              </a:schemeClr>
+            </a:lnRef>
+            <a:fillRef idx="1">
+              <a:schemeClr val="accent1"/>
+            </a:fillRef>
+            <a:effectRef idx="0">
+              <a:schemeClr val="accent1"/>
+            </a:effectRef>
+            <a:fontRef idx="minor">
+              <a:schemeClr val="lt1"/>
+            </a:fontRef>
+          </p:style>
+          <p:txBody>
+            <a:bodyPr rtlCol="0" anchor="ctr"/>
+            <a:lstStyle/>
+            <a:p>
+              <a:pPr algn="ctr"/>
+              <a:endParaRPr lang="de-DE"/>
+            </a:p>
+          </p:txBody>
+        </p:sp>
+        <p:sp>
+          <p:nvSpPr>
+            <p:cNvPr id="24" name="Rechteck 23">
+              <a:extLst>
+                <a:ext uri="{FF2B5EF4-FFF2-40B4-BE49-F238E27FC236}">
+                  <a16:creationId xmlns:a16="http://schemas.microsoft.com/office/drawing/2014/main" id="{2BE57AC9-3EBD-40F3-9547-ECBC8BC9E83C}"/>
+                </a:ext>
+              </a:extLst>
+            </p:cNvPr>
+            <p:cNvSpPr/>
+            <p:nvPr/>
+          </p:nvSpPr>
+          <p:spPr>
+            <a:xfrm>
+              <a:off x="7300825" y="2359141"/>
+              <a:ext cx="290201" cy="525643"/>
+            </a:xfrm>
+            <a:prstGeom prst="rect">
+              <a:avLst/>
+            </a:prstGeom>
+            <a:solidFill>
+              <a:schemeClr val="bg1">
+                <a:lumMod val="50000"/>
+              </a:schemeClr>
+            </a:solidFill>
+          </p:spPr>
+          <p:style>
+            <a:lnRef idx="2">
+              <a:schemeClr val="accent1">
+                <a:shade val="50000"/>
+              </a:schemeClr>
+            </a:lnRef>
+            <a:fillRef idx="1">
+              <a:schemeClr val="accent1"/>
+            </a:fillRef>
+            <a:effectRef idx="0">
+              <a:schemeClr val="accent1"/>
+            </a:effectRef>
+            <a:fontRef idx="minor">
+              <a:schemeClr val="lt1"/>
+            </a:fontRef>
+          </p:style>
+          <p:txBody>
+            <a:bodyPr rtlCol="0" anchor="ctr"/>
+            <a:lstStyle/>
+            <a:p>
+              <a:pPr algn="ctr"/>
+              <a:endParaRPr lang="de-DE"/>
+            </a:p>
+          </p:txBody>
+        </p:sp>
+        <p:sp>
+          <p:nvSpPr>
+            <p:cNvPr id="25" name="Rechteck 24">
+              <a:extLst>
+                <a:ext uri="{FF2B5EF4-FFF2-40B4-BE49-F238E27FC236}">
+                  <a16:creationId xmlns:a16="http://schemas.microsoft.com/office/drawing/2014/main" id="{A979964A-AE4D-4EDD-9E6F-3F65B03EE770}"/>
+                </a:ext>
+              </a:extLst>
+            </p:cNvPr>
+            <p:cNvSpPr/>
+            <p:nvPr/>
+          </p:nvSpPr>
+          <p:spPr>
+            <a:xfrm>
+              <a:off x="8372875" y="3242869"/>
+              <a:ext cx="290201" cy="525643"/>
+            </a:xfrm>
+            <a:prstGeom prst="rect">
+              <a:avLst/>
+            </a:prstGeom>
+            <a:solidFill>
+              <a:schemeClr val="bg1">
+                <a:lumMod val="50000"/>
+              </a:schemeClr>
+            </a:solidFill>
+          </p:spPr>
+          <p:style>
+            <a:lnRef idx="2">
+              <a:schemeClr val="accent1">
+                <a:shade val="50000"/>
+              </a:schemeClr>
+            </a:lnRef>
+            <a:fillRef idx="1">
+              <a:schemeClr val="accent1"/>
+            </a:fillRef>
+            <a:effectRef idx="0">
+              <a:schemeClr val="accent1"/>
+            </a:effectRef>
+            <a:fontRef idx="minor">
+              <a:schemeClr val="lt1"/>
+            </a:fontRef>
+          </p:style>
+          <p:txBody>
+            <a:bodyPr rtlCol="0" anchor="ctr"/>
+            <a:lstStyle/>
+            <a:p>
+              <a:pPr algn="ctr"/>
+              <a:endParaRPr lang="de-DE"/>
+            </a:p>
+          </p:txBody>
+        </p:sp>
+        <p:cxnSp>
+          <p:nvCxnSpPr>
+            <p:cNvPr id="27" name="Gerade Verbindung mit Pfeil 26">
+              <a:extLst>
+                <a:ext uri="{FF2B5EF4-FFF2-40B4-BE49-F238E27FC236}">
+                  <a16:creationId xmlns:a16="http://schemas.microsoft.com/office/drawing/2014/main" id="{BED48CA8-9E2E-4B78-91C4-EFCBE49C0885}"/>
+                </a:ext>
+              </a:extLst>
+            </p:cNvPr>
+            <p:cNvCxnSpPr>
+              <a:stCxn id="11" idx="3"/>
+              <a:endCxn id="21" idx="1"/>
+            </p:cNvCxnSpPr>
+            <p:nvPr/>
+          </p:nvCxnSpPr>
+          <p:spPr>
+            <a:xfrm flipV="1">
+              <a:off x="4087423" y="1974342"/>
+              <a:ext cx="2720612" cy="491309"/>
+            </a:xfrm>
+            <a:prstGeom prst="straightConnector1">
+              <a:avLst/>
+            </a:prstGeom>
+            <a:ln>
+              <a:tailEnd type="triangle"/>
+            </a:ln>
+          </p:spPr>
+          <p:style>
+            <a:lnRef idx="1">
+              <a:schemeClr val="dk1"/>
+            </a:lnRef>
+            <a:fillRef idx="0">
+              <a:schemeClr val="dk1"/>
+            </a:fillRef>
+            <a:effectRef idx="0">
+              <a:schemeClr val="dk1"/>
+            </a:effectRef>
+            <a:fontRef idx="minor">
+              <a:schemeClr val="tx1"/>
+            </a:fontRef>
+          </p:style>
+        </p:cxnSp>
+        <p:cxnSp>
+          <p:nvCxnSpPr>
+            <p:cNvPr id="28" name="Gerade Verbindung mit Pfeil 27">
+              <a:extLst>
+                <a:ext uri="{FF2B5EF4-FFF2-40B4-BE49-F238E27FC236}">
+                  <a16:creationId xmlns:a16="http://schemas.microsoft.com/office/drawing/2014/main" id="{E058E11D-EF13-4234-B203-D664C76CA24E}"/>
+                </a:ext>
+              </a:extLst>
+            </p:cNvPr>
+            <p:cNvCxnSpPr>
+              <a:cxnSpLocks/>
+              <a:stCxn id="11" idx="3"/>
+              <a:endCxn id="22" idx="1"/>
+            </p:cNvCxnSpPr>
+            <p:nvPr/>
+          </p:nvCxnSpPr>
+          <p:spPr>
+            <a:xfrm>
+              <a:off x="4087423" y="2465651"/>
+              <a:ext cx="2165019" cy="127892"/>
+            </a:xfrm>
+            <a:prstGeom prst="straightConnector1">
+              <a:avLst/>
+            </a:prstGeom>
+            <a:ln>
+              <a:tailEnd type="triangle"/>
+            </a:ln>
+          </p:spPr>
+          <p:style>
+            <a:lnRef idx="1">
+              <a:schemeClr val="dk1"/>
+            </a:lnRef>
+            <a:fillRef idx="0">
+              <a:schemeClr val="dk1"/>
+            </a:fillRef>
+            <a:effectRef idx="0">
+              <a:schemeClr val="dk1"/>
+            </a:effectRef>
+            <a:fontRef idx="minor">
+              <a:schemeClr val="tx1"/>
+            </a:fontRef>
+          </p:style>
+        </p:cxnSp>
+        <p:cxnSp>
+          <p:nvCxnSpPr>
+            <p:cNvPr id="31" name="Gerade Verbindung mit Pfeil 30">
+              <a:extLst>
+                <a:ext uri="{FF2B5EF4-FFF2-40B4-BE49-F238E27FC236}">
+                  <a16:creationId xmlns:a16="http://schemas.microsoft.com/office/drawing/2014/main" id="{F9C7D8AA-887F-45C5-8922-76B528EB0345}"/>
+                </a:ext>
+              </a:extLst>
+            </p:cNvPr>
+            <p:cNvCxnSpPr>
+              <a:cxnSpLocks/>
+              <a:stCxn id="11" idx="3"/>
+              <a:endCxn id="18" idx="1"/>
+            </p:cNvCxnSpPr>
+            <p:nvPr/>
+          </p:nvCxnSpPr>
+          <p:spPr>
+            <a:xfrm>
+              <a:off x="4087423" y="2465651"/>
+              <a:ext cx="2694773" cy="581885"/>
+            </a:xfrm>
+            <a:prstGeom prst="straightConnector1">
+              <a:avLst/>
+            </a:prstGeom>
+            <a:ln>
+              <a:tailEnd type="triangle"/>
+            </a:ln>
+          </p:spPr>
+          <p:style>
+            <a:lnRef idx="1">
+              <a:schemeClr val="dk1"/>
+            </a:lnRef>
+            <a:fillRef idx="0">
+              <a:schemeClr val="dk1"/>
+            </a:fillRef>
+            <a:effectRef idx="0">
+              <a:schemeClr val="dk1"/>
+            </a:effectRef>
+            <a:fontRef idx="minor">
+              <a:schemeClr val="tx1"/>
+            </a:fontRef>
+          </p:style>
+        </p:cxnSp>
+        <p:cxnSp>
+          <p:nvCxnSpPr>
+            <p:cNvPr id="34" name="Gerade Verbindung mit Pfeil 33">
+              <a:extLst>
+                <a:ext uri="{FF2B5EF4-FFF2-40B4-BE49-F238E27FC236}">
+                  <a16:creationId xmlns:a16="http://schemas.microsoft.com/office/drawing/2014/main" id="{DE471D5D-BE61-4356-AE5B-540B883A33D2}"/>
+                </a:ext>
+              </a:extLst>
+            </p:cNvPr>
+            <p:cNvCxnSpPr>
+              <a:cxnSpLocks/>
+              <a:stCxn id="10" idx="3"/>
+              <a:endCxn id="22" idx="1"/>
+            </p:cNvCxnSpPr>
+            <p:nvPr/>
+          </p:nvCxnSpPr>
+          <p:spPr>
+            <a:xfrm flipV="1">
+              <a:off x="3650299" y="2593543"/>
+              <a:ext cx="2602143" cy="563240"/>
+            </a:xfrm>
+            <a:prstGeom prst="straightConnector1">
+              <a:avLst/>
+            </a:prstGeom>
+            <a:ln>
+              <a:tailEnd type="triangle"/>
+            </a:ln>
+          </p:spPr>
+          <p:style>
+            <a:lnRef idx="1">
+              <a:schemeClr val="dk1"/>
+            </a:lnRef>
+            <a:fillRef idx="0">
+              <a:schemeClr val="dk1"/>
+            </a:fillRef>
+            <a:effectRef idx="0">
+              <a:schemeClr val="dk1"/>
+            </a:effectRef>
+            <a:fontRef idx="minor">
+              <a:schemeClr val="tx1"/>
+            </a:fontRef>
+          </p:style>
+        </p:cxnSp>
+        <p:cxnSp>
+          <p:nvCxnSpPr>
+            <p:cNvPr id="37" name="Gerade Verbindung mit Pfeil 36">
+              <a:extLst>
+                <a:ext uri="{FF2B5EF4-FFF2-40B4-BE49-F238E27FC236}">
+                  <a16:creationId xmlns:a16="http://schemas.microsoft.com/office/drawing/2014/main" id="{567F7154-8F63-454C-BC75-24D157A586B3}"/>
+                </a:ext>
+              </a:extLst>
+            </p:cNvPr>
+            <p:cNvCxnSpPr>
+              <a:cxnSpLocks/>
+              <a:stCxn id="8" idx="3"/>
+              <a:endCxn id="23" idx="1"/>
+            </p:cNvCxnSpPr>
+            <p:nvPr/>
+          </p:nvCxnSpPr>
+          <p:spPr>
+            <a:xfrm flipV="1">
+              <a:off x="3213175" y="1823209"/>
+              <a:ext cx="2984974" cy="1333574"/>
+            </a:xfrm>
+            <a:prstGeom prst="straightConnector1">
+              <a:avLst/>
+            </a:prstGeom>
+            <a:ln>
+              <a:tailEnd type="triangle"/>
+            </a:ln>
+          </p:spPr>
+          <p:style>
+            <a:lnRef idx="1">
+              <a:schemeClr val="dk1"/>
+            </a:lnRef>
+            <a:fillRef idx="0">
+              <a:schemeClr val="dk1"/>
+            </a:fillRef>
+            <a:effectRef idx="0">
+              <a:schemeClr val="dk1"/>
+            </a:effectRef>
+            <a:fontRef idx="minor">
+              <a:schemeClr val="tx1"/>
+            </a:fontRef>
+          </p:style>
+        </p:cxnSp>
+        <p:cxnSp>
+          <p:nvCxnSpPr>
+            <p:cNvPr id="40" name="Gerade Verbindung mit Pfeil 39">
+              <a:extLst>
+                <a:ext uri="{FF2B5EF4-FFF2-40B4-BE49-F238E27FC236}">
+                  <a16:creationId xmlns:a16="http://schemas.microsoft.com/office/drawing/2014/main" id="{9051859C-1E99-4CDE-8768-1536B1C9FDFB}"/>
+                </a:ext>
+              </a:extLst>
+            </p:cNvPr>
+            <p:cNvCxnSpPr>
+              <a:cxnSpLocks/>
+              <a:stCxn id="4" idx="3"/>
+              <a:endCxn id="16" idx="1"/>
+            </p:cNvCxnSpPr>
+            <p:nvPr/>
+          </p:nvCxnSpPr>
+          <p:spPr>
+            <a:xfrm>
+              <a:off x="3213176" y="2465651"/>
+              <a:ext cx="3054041" cy="973092"/>
+            </a:xfrm>
+            <a:prstGeom prst="straightConnector1">
+              <a:avLst/>
+            </a:prstGeom>
+            <a:ln>
+              <a:tailEnd type="triangle"/>
+            </a:ln>
+          </p:spPr>
+          <p:style>
+            <a:lnRef idx="1">
+              <a:schemeClr val="dk1"/>
+            </a:lnRef>
+            <a:fillRef idx="0">
+              <a:schemeClr val="dk1"/>
+            </a:fillRef>
+            <a:effectRef idx="0">
+              <a:schemeClr val="dk1"/>
+            </a:effectRef>
+            <a:fontRef idx="minor">
+              <a:schemeClr val="tx1"/>
+            </a:fontRef>
+          </p:style>
+        </p:cxnSp>
+        <p:cxnSp>
+          <p:nvCxnSpPr>
+            <p:cNvPr id="43" name="Gerade Verbindung mit Pfeil 42">
+              <a:extLst>
+                <a:ext uri="{FF2B5EF4-FFF2-40B4-BE49-F238E27FC236}">
+                  <a16:creationId xmlns:a16="http://schemas.microsoft.com/office/drawing/2014/main" id="{3FD6E247-9227-4810-BEC8-0ABC366BDDEB}"/>
+                </a:ext>
+              </a:extLst>
+            </p:cNvPr>
+            <p:cNvCxnSpPr>
+              <a:cxnSpLocks/>
+              <a:stCxn id="8" idx="3"/>
+              <a:endCxn id="25" idx="1"/>
+            </p:cNvCxnSpPr>
+            <p:nvPr/>
+          </p:nvCxnSpPr>
+          <p:spPr>
+            <a:xfrm>
+              <a:off x="3213175" y="3156783"/>
+              <a:ext cx="5159700" cy="348908"/>
+            </a:xfrm>
+            <a:prstGeom prst="straightConnector1">
+              <a:avLst/>
+            </a:prstGeom>
+            <a:ln>
+              <a:tailEnd type="triangle"/>
+            </a:ln>
+          </p:spPr>
+          <p:style>
+            <a:lnRef idx="1">
+              <a:schemeClr val="dk1"/>
+            </a:lnRef>
+            <a:fillRef idx="0">
+              <a:schemeClr val="dk1"/>
+            </a:fillRef>
+            <a:effectRef idx="0">
+              <a:schemeClr val="dk1"/>
+            </a:effectRef>
+            <a:fontRef idx="minor">
+              <a:schemeClr val="tx1"/>
+            </a:fontRef>
+          </p:style>
+        </p:cxnSp>
+        <p:cxnSp>
+          <p:nvCxnSpPr>
+            <p:cNvPr id="46" name="Gerade Verbindung mit Pfeil 45">
+              <a:extLst>
+                <a:ext uri="{FF2B5EF4-FFF2-40B4-BE49-F238E27FC236}">
+                  <a16:creationId xmlns:a16="http://schemas.microsoft.com/office/drawing/2014/main" id="{84ED7B17-F42A-4DC9-B1AD-EBEC5437728E}"/>
+                </a:ext>
+              </a:extLst>
+            </p:cNvPr>
+            <p:cNvCxnSpPr>
+              <a:cxnSpLocks/>
+              <a:stCxn id="9" idx="3"/>
+              <a:endCxn id="20" idx="1"/>
+            </p:cNvCxnSpPr>
+            <p:nvPr/>
+          </p:nvCxnSpPr>
+          <p:spPr>
+            <a:xfrm flipV="1">
+              <a:off x="3650300" y="1960511"/>
+              <a:ext cx="3975512" cy="505140"/>
+            </a:xfrm>
+            <a:prstGeom prst="straightConnector1">
+              <a:avLst/>
+            </a:prstGeom>
+            <a:ln>
+              <a:tailEnd type="triangle"/>
+            </a:ln>
+          </p:spPr>
+          <p:style>
+            <a:lnRef idx="1">
+              <a:schemeClr val="dk1"/>
+            </a:lnRef>
+            <a:fillRef idx="0">
+              <a:schemeClr val="dk1"/>
+            </a:fillRef>
+            <a:effectRef idx="0">
+              <a:schemeClr val="dk1"/>
+            </a:effectRef>
+            <a:fontRef idx="minor">
+              <a:schemeClr val="tx1"/>
+            </a:fontRef>
+          </p:style>
+        </p:cxnSp>
+        <p:cxnSp>
+          <p:nvCxnSpPr>
+            <p:cNvPr id="49" name="Gerade Verbindung mit Pfeil 48">
+              <a:extLst>
+                <a:ext uri="{FF2B5EF4-FFF2-40B4-BE49-F238E27FC236}">
+                  <a16:creationId xmlns:a16="http://schemas.microsoft.com/office/drawing/2014/main" id="{1ACAD403-2CF9-4BCA-B04A-147E394C41CB}"/>
+                </a:ext>
+              </a:extLst>
+            </p:cNvPr>
+            <p:cNvCxnSpPr>
+              <a:cxnSpLocks/>
+              <a:stCxn id="8" idx="3"/>
+              <a:endCxn id="24" idx="1"/>
+            </p:cNvCxnSpPr>
+            <p:nvPr/>
+          </p:nvCxnSpPr>
+          <p:spPr>
+            <a:xfrm flipV="1">
+              <a:off x="3213175" y="2621963"/>
+              <a:ext cx="4087650" cy="534820"/>
+            </a:xfrm>
+            <a:prstGeom prst="straightConnector1">
+              <a:avLst/>
+            </a:prstGeom>
+            <a:ln>
+              <a:tailEnd type="triangle"/>
+            </a:ln>
+          </p:spPr>
+          <p:style>
+            <a:lnRef idx="1">
+              <a:schemeClr val="dk1"/>
+            </a:lnRef>
+            <a:fillRef idx="0">
+              <a:schemeClr val="dk1"/>
+            </a:fillRef>
+            <a:effectRef idx="0">
+              <a:schemeClr val="dk1"/>
+            </a:effectRef>
+            <a:fontRef idx="minor">
+              <a:schemeClr val="tx1"/>
+            </a:fontRef>
+          </p:style>
+        </p:cxnSp>
+        <p:cxnSp>
+          <p:nvCxnSpPr>
+            <p:cNvPr id="52" name="Gerade Verbindung mit Pfeil 51">
+              <a:extLst>
+                <a:ext uri="{FF2B5EF4-FFF2-40B4-BE49-F238E27FC236}">
+                  <a16:creationId xmlns:a16="http://schemas.microsoft.com/office/drawing/2014/main" id="{761504C2-FCA1-40C4-9271-A7606FB85307}"/>
+                </a:ext>
+              </a:extLst>
+            </p:cNvPr>
+            <p:cNvCxnSpPr>
+              <a:cxnSpLocks/>
+              <a:stCxn id="4" idx="3"/>
+              <a:endCxn id="17" idx="1"/>
+            </p:cNvCxnSpPr>
+            <p:nvPr/>
+          </p:nvCxnSpPr>
+          <p:spPr>
+            <a:xfrm>
+              <a:off x="3213176" y="2465651"/>
+              <a:ext cx="4579184" cy="668592"/>
+            </a:xfrm>
+            <a:prstGeom prst="straightConnector1">
+              <a:avLst/>
+            </a:prstGeom>
+            <a:ln>
+              <a:tailEnd type="triangle"/>
+            </a:ln>
+          </p:spPr>
+          <p:style>
+            <a:lnRef idx="1">
+              <a:schemeClr val="dk1"/>
+            </a:lnRef>
+            <a:fillRef idx="0">
+              <a:schemeClr val="dk1"/>
+            </a:fillRef>
+            <a:effectRef idx="0">
+              <a:schemeClr val="dk1"/>
+            </a:effectRef>
+            <a:fontRef idx="minor">
+              <a:schemeClr val="tx1"/>
+            </a:fontRef>
+          </p:style>
+        </p:cxnSp>
+        <p:cxnSp>
+          <p:nvCxnSpPr>
+            <p:cNvPr id="55" name="Gerade Verbindung mit Pfeil 54">
+              <a:extLst>
+                <a:ext uri="{FF2B5EF4-FFF2-40B4-BE49-F238E27FC236}">
+                  <a16:creationId xmlns:a16="http://schemas.microsoft.com/office/drawing/2014/main" id="{F0919B19-5C6F-4283-A969-A98C77499B0B}"/>
+                </a:ext>
+              </a:extLst>
+            </p:cNvPr>
+            <p:cNvCxnSpPr>
+              <a:cxnSpLocks/>
+              <a:stCxn id="12" idx="3"/>
+              <a:endCxn id="16" idx="0"/>
+            </p:cNvCxnSpPr>
+            <p:nvPr/>
+          </p:nvCxnSpPr>
+          <p:spPr>
+            <a:xfrm>
+              <a:off x="4087422" y="3156783"/>
+              <a:ext cx="2324896" cy="19138"/>
+            </a:xfrm>
+            <a:prstGeom prst="straightConnector1">
+              <a:avLst/>
+            </a:prstGeom>
+            <a:ln>
+              <a:tailEnd type="triangle"/>
+            </a:ln>
+          </p:spPr>
+          <p:style>
+            <a:lnRef idx="1">
+              <a:schemeClr val="dk1"/>
+            </a:lnRef>
+            <a:fillRef idx="0">
+              <a:schemeClr val="dk1"/>
+            </a:fillRef>
+            <a:effectRef idx="0">
+              <a:schemeClr val="dk1"/>
+            </a:effectRef>
+            <a:fontRef idx="minor">
+              <a:schemeClr val="tx1"/>
+            </a:fontRef>
+          </p:style>
+        </p:cxnSp>
+        <p:sp>
+          <p:nvSpPr>
+            <p:cNvPr id="88" name="Textfeld 87">
+              <a:extLst>
+                <a:ext uri="{FF2B5EF4-FFF2-40B4-BE49-F238E27FC236}">
+                  <a16:creationId xmlns:a16="http://schemas.microsoft.com/office/drawing/2014/main" id="{F86CF3D7-A4F6-47B5-B00C-3CA425A3658F}"/>
+                </a:ext>
+              </a:extLst>
+            </p:cNvPr>
+            <p:cNvSpPr txBox="1"/>
+            <p:nvPr/>
+          </p:nvSpPr>
+          <p:spPr>
+            <a:xfrm>
+              <a:off x="6782196" y="1114202"/>
+              <a:ext cx="2168278" cy="369332"/>
+            </a:xfrm>
+            <a:prstGeom prst="rect">
+              <a:avLst/>
+            </a:prstGeom>
+            <a:noFill/>
+          </p:spPr>
+          <p:txBody>
+            <a:bodyPr wrap="square" rtlCol="0">
+              <a:spAutoFit/>
+            </a:bodyPr>
+            <a:lstStyle/>
+            <a:p>
+              <a:r>
+                <a:rPr lang="de-DE" dirty="0"/>
+                <a:t>End </a:t>
+              </a:r>
+              <a:r>
+                <a:rPr lang="de-DE" dirty="0" err="1"/>
+                <a:t>production</a:t>
+              </a:r>
+              <a:endParaRPr lang="de-DE" dirty="0"/>
+            </a:p>
+          </p:txBody>
+        </p:sp>
+      </p:grpSp>
+      <p:sp>
+        <p:nvSpPr>
+          <p:cNvPr id="92" name="Pfeil: nach links 91">
+            <a:extLst>
+              <a:ext uri="{FF2B5EF4-FFF2-40B4-BE49-F238E27FC236}">
+                <a16:creationId xmlns:a16="http://schemas.microsoft.com/office/drawing/2014/main" id="{31DCD27D-9D50-4D7A-8ADB-B0ACBBF76BFA}"/>
+              </a:ext>
+            </a:extLst>
+          </p:cNvPr>
+          <p:cNvSpPr/>
+          <p:nvPr/>
+        </p:nvSpPr>
+        <p:spPr>
+          <a:xfrm>
+            <a:off x="8618171" y="5193049"/>
+            <a:ext cx="766901" cy="755326"/>
+          </a:xfrm>
+          <a:prstGeom prst="leftArrow">
+            <a:avLst/>
+          </a:prstGeom>
+          <a:solidFill>
+            <a:srgbClr val="FFC000"/>
+          </a:solidFill>
+        </p:spPr>
+        <p:style>
+          <a:lnRef idx="2">
+            <a:schemeClr val="accent1">
+              <a:shade val="50000"/>
+            </a:schemeClr>
+          </a:lnRef>
+          <a:fillRef idx="1">
+            <a:schemeClr val="accent1"/>
+          </a:fillRef>
+          <a:effectRef idx="0">
+            <a:schemeClr val="accent1"/>
+          </a:effectRef>
+          <a:fontRef idx="minor">
+            <a:schemeClr val="lt1"/>
+          </a:fontRef>
+        </p:style>
+        <p:txBody>
+          <a:bodyPr rot="0" spcFirstLastPara="0" vertOverflow="overflow" horzOverflow="overflow" vert="horz" wrap="square" lIns="91440" tIns="45720" rIns="91440" bIns="45720" numCol="1" spcCol="0" rtlCol="0" fromWordArt="0" anchor="ctr" anchorCtr="0" forceAA="0" compatLnSpc="1">
+            <a:prstTxWarp prst="textNoShape">
+              <a:avLst/>
+            </a:prstTxWarp>
+            <a:noAutofit/>
+          </a:bodyPr>
+          <a:lstStyle/>
+          <a:p>
+            <a:pPr algn="ctr"/>
+            <a:endParaRPr lang="de-DE" b="1">
+              <a:ln w="22225">
+                <a:solidFill>
+                  <a:schemeClr val="accent2"/>
+                </a:solidFill>
+                <a:prstDash val="solid"/>
+              </a:ln>
+              <a:solidFill>
+                <a:schemeClr val="accent2">
+                  <a:lumMod val="40000"/>
+                  <a:lumOff val="60000"/>
+                </a:schemeClr>
+              </a:solidFill>
+            </a:endParaRPr>
+          </a:p>
+        </p:txBody>
+      </p:sp>
+      <p:sp>
+        <p:nvSpPr>
+          <p:cNvPr id="93" name="Textfeld 92">
+            <a:extLst>
+              <a:ext uri="{FF2B5EF4-FFF2-40B4-BE49-F238E27FC236}">
+                <a16:creationId xmlns:a16="http://schemas.microsoft.com/office/drawing/2014/main" id="{DE251A9B-EE01-452E-83E3-1515A9B1256E}"/>
+              </a:ext>
+            </a:extLst>
+          </p:cNvPr>
+          <p:cNvSpPr txBox="1"/>
+          <p:nvPr/>
+        </p:nvSpPr>
+        <p:spPr>
+          <a:xfrm>
+            <a:off x="7890539" y="5412653"/>
+            <a:ext cx="612909" cy="369332"/>
+          </a:xfrm>
+          <a:prstGeom prst="rect">
+            <a:avLst/>
+          </a:prstGeom>
+        </p:spPr>
+        <p:style>
+          <a:lnRef idx="2">
+            <a:schemeClr val="accent2"/>
+          </a:lnRef>
+          <a:fillRef idx="1">
+            <a:schemeClr val="lt1"/>
+          </a:fillRef>
+          <a:effectRef idx="0">
+            <a:schemeClr val="accent2"/>
+          </a:effectRef>
+          <a:fontRef idx="minor">
+            <a:schemeClr val="dk1"/>
+          </a:fontRef>
+        </p:style>
+        <p:txBody>
+          <a:bodyPr wrap="square" rtlCol="0">
+            <a:spAutoFit/>
+          </a:bodyPr>
+          <a:lstStyle/>
+          <a:p>
+            <a:r>
+              <a:rPr lang="de-DE" dirty="0"/>
+              <a:t>SAP</a:t>
+            </a:r>
+          </a:p>
+        </p:txBody>
+      </p:sp>
+      <p:sp>
+        <p:nvSpPr>
+          <p:cNvPr id="99" name="Textfeld 98">
+            <a:extLst>
+              <a:ext uri="{FF2B5EF4-FFF2-40B4-BE49-F238E27FC236}">
+                <a16:creationId xmlns:a16="http://schemas.microsoft.com/office/drawing/2014/main" id="{74868C6D-0C55-41AE-BA52-D8C4556B038D}"/>
+              </a:ext>
+            </a:extLst>
+          </p:cNvPr>
+          <p:cNvSpPr txBox="1"/>
+          <p:nvPr/>
+        </p:nvSpPr>
+        <p:spPr>
+          <a:xfrm>
+            <a:off x="3934364" y="4168107"/>
+            <a:ext cx="3930147" cy="646331"/>
+          </a:xfrm>
+          <a:prstGeom prst="rect">
+            <a:avLst/>
+          </a:prstGeom>
+          <a:noFill/>
+        </p:spPr>
+        <p:txBody>
+          <a:bodyPr wrap="square" rtlCol="0">
+            <a:spAutoFit/>
+          </a:bodyPr>
+          <a:lstStyle/>
+          <a:p>
+            <a:r>
+              <a:rPr lang="de-DE" b="1" dirty="0"/>
+              <a:t>Manuel </a:t>
+            </a:r>
+            <a:r>
+              <a:rPr lang="de-DE" b="1" dirty="0" err="1"/>
+              <a:t>sequencing</a:t>
+            </a:r>
+            <a:r>
+              <a:rPr lang="de-DE" b="1" dirty="0"/>
+              <a:t> per </a:t>
+            </a:r>
+            <a:r>
+              <a:rPr lang="de-DE" b="1" dirty="0" err="1"/>
+              <a:t>production</a:t>
+            </a:r>
+            <a:r>
+              <a:rPr lang="de-DE" b="1" dirty="0"/>
+              <a:t> </a:t>
+            </a:r>
+            <a:r>
+              <a:rPr lang="de-DE" b="1" dirty="0" err="1"/>
+              <a:t>line</a:t>
+            </a:r>
+            <a:r>
+              <a:rPr lang="de-DE" b="1" dirty="0"/>
+              <a:t> (</a:t>
+            </a:r>
+            <a:r>
+              <a:rPr lang="de-DE" b="1" dirty="0" err="1"/>
+              <a:t>once</a:t>
+            </a:r>
+            <a:r>
+              <a:rPr lang="de-DE" b="1" dirty="0"/>
+              <a:t> per </a:t>
+            </a:r>
+            <a:r>
+              <a:rPr lang="de-DE" b="1" dirty="0" err="1"/>
+              <a:t>week</a:t>
+            </a:r>
+            <a:r>
+              <a:rPr lang="de-DE" b="1" dirty="0"/>
+              <a:t>)</a:t>
+            </a:r>
+          </a:p>
+        </p:txBody>
+      </p:sp>
+      <p:sp>
+        <p:nvSpPr>
+          <p:cNvPr id="135" name="Textfeld 134">
+            <a:extLst>
+              <a:ext uri="{FF2B5EF4-FFF2-40B4-BE49-F238E27FC236}">
+                <a16:creationId xmlns:a16="http://schemas.microsoft.com/office/drawing/2014/main" id="{B08F03D0-410F-4B37-A44F-929C8A820B3B}"/>
+              </a:ext>
+            </a:extLst>
+          </p:cNvPr>
+          <p:cNvSpPr txBox="1"/>
+          <p:nvPr/>
+        </p:nvSpPr>
+        <p:spPr>
+          <a:xfrm>
+            <a:off x="9494910" y="5193049"/>
+            <a:ext cx="1339430" cy="923330"/>
+          </a:xfrm>
+          <a:prstGeom prst="rect">
+            <a:avLst/>
+          </a:prstGeom>
+        </p:spPr>
+        <p:style>
+          <a:lnRef idx="2">
+            <a:schemeClr val="accent2"/>
+          </a:lnRef>
+          <a:fillRef idx="1">
+            <a:schemeClr val="lt1"/>
+          </a:fillRef>
+          <a:effectRef idx="0">
+            <a:schemeClr val="accent2"/>
+          </a:effectRef>
+          <a:fontRef idx="minor">
+            <a:schemeClr val="dk1"/>
+          </a:fontRef>
+        </p:style>
+        <p:txBody>
+          <a:bodyPr wrap="square" rtlCol="0">
+            <a:spAutoFit/>
+          </a:bodyPr>
+          <a:lstStyle/>
+          <a:p>
+            <a:r>
+              <a:rPr lang="de-DE" dirty="0" err="1"/>
+              <a:t>Costumer</a:t>
+            </a:r>
+            <a:r>
+              <a:rPr lang="de-DE" dirty="0"/>
+              <a:t> </a:t>
+            </a:r>
+            <a:r>
+              <a:rPr lang="de-DE" dirty="0" err="1"/>
+              <a:t>demand</a:t>
+            </a:r>
+            <a:r>
+              <a:rPr lang="de-DE" dirty="0"/>
+              <a:t> via EDI</a:t>
+            </a:r>
+          </a:p>
+        </p:txBody>
+      </p:sp>
+      <p:sp>
+        <p:nvSpPr>
+          <p:cNvPr id="136" name="Pfeil: nach links 135">
+            <a:extLst>
+              <a:ext uri="{FF2B5EF4-FFF2-40B4-BE49-F238E27FC236}">
+                <a16:creationId xmlns:a16="http://schemas.microsoft.com/office/drawing/2014/main" id="{56C344A6-8E1A-475F-A6EC-9DDB4C640406}"/>
+              </a:ext>
+            </a:extLst>
+          </p:cNvPr>
+          <p:cNvSpPr/>
+          <p:nvPr/>
+        </p:nvSpPr>
+        <p:spPr>
+          <a:xfrm>
+            <a:off x="6892034" y="5199266"/>
+            <a:ext cx="766901" cy="755326"/>
+          </a:xfrm>
+          <a:prstGeom prst="leftArrow">
+            <a:avLst/>
+          </a:prstGeom>
+          <a:solidFill>
+            <a:srgbClr val="FFC000"/>
+          </a:solidFill>
+        </p:spPr>
+        <p:style>
+          <a:lnRef idx="2">
+            <a:schemeClr val="accent1">
+              <a:shade val="50000"/>
+            </a:schemeClr>
+          </a:lnRef>
+          <a:fillRef idx="1">
+            <a:schemeClr val="accent1"/>
+          </a:fillRef>
+          <a:effectRef idx="0">
+            <a:schemeClr val="accent1"/>
+          </a:effectRef>
+          <a:fontRef idx="minor">
+            <a:schemeClr val="lt1"/>
+          </a:fontRef>
+        </p:style>
+        <p:txBody>
+          <a:bodyPr rot="0" spcFirstLastPara="0" vertOverflow="overflow" horzOverflow="overflow" vert="horz" wrap="square" lIns="91440" tIns="45720" rIns="91440" bIns="45720" numCol="1" spcCol="0" rtlCol="0" fromWordArt="0" anchor="ctr" anchorCtr="0" forceAA="0" compatLnSpc="1">
+            <a:prstTxWarp prst="textNoShape">
+              <a:avLst/>
+            </a:prstTxWarp>
+            <a:noAutofit/>
+          </a:bodyPr>
+          <a:lstStyle/>
+          <a:p>
+            <a:pPr algn="ctr"/>
+            <a:endParaRPr lang="de-DE" b="1">
+              <a:ln w="22225">
+                <a:solidFill>
+                  <a:schemeClr val="accent2"/>
+                </a:solidFill>
+                <a:prstDash val="solid"/>
+              </a:ln>
+              <a:solidFill>
+                <a:schemeClr val="accent2">
+                  <a:lumMod val="40000"/>
+                  <a:lumOff val="60000"/>
+                </a:schemeClr>
+              </a:solidFill>
+            </a:endParaRPr>
+          </a:p>
+        </p:txBody>
+      </p:sp>
+      <p:sp>
+        <p:nvSpPr>
+          <p:cNvPr id="138" name="Textfeld 137">
+            <a:extLst>
+              <a:ext uri="{FF2B5EF4-FFF2-40B4-BE49-F238E27FC236}">
+                <a16:creationId xmlns:a16="http://schemas.microsoft.com/office/drawing/2014/main" id="{D66A5A8F-8385-420B-9B2F-0520F188C31A}"/>
+              </a:ext>
+            </a:extLst>
+          </p:cNvPr>
+          <p:cNvSpPr txBox="1"/>
+          <p:nvPr/>
+        </p:nvSpPr>
+        <p:spPr>
+          <a:xfrm>
+            <a:off x="4816926" y="5274154"/>
+            <a:ext cx="1890754" cy="646331"/>
+          </a:xfrm>
+          <a:prstGeom prst="rect">
+            <a:avLst/>
+          </a:prstGeom>
+        </p:spPr>
+        <p:style>
+          <a:lnRef idx="2">
+            <a:schemeClr val="accent2"/>
+          </a:lnRef>
+          <a:fillRef idx="1">
+            <a:schemeClr val="lt1"/>
+          </a:fillRef>
+          <a:effectRef idx="0">
+            <a:schemeClr val="accent2"/>
+          </a:effectRef>
+          <a:fontRef idx="minor">
+            <a:schemeClr val="dk1"/>
+          </a:fontRef>
+        </p:style>
+        <p:txBody>
+          <a:bodyPr wrap="square" rtlCol="0">
+            <a:spAutoFit/>
+          </a:bodyPr>
+          <a:lstStyle/>
+          <a:p>
+            <a:r>
+              <a:rPr lang="de-DE" dirty="0"/>
+              <a:t>End </a:t>
+            </a:r>
+            <a:r>
+              <a:rPr lang="de-DE" dirty="0" err="1"/>
+              <a:t>production</a:t>
+            </a:r>
+            <a:r>
+              <a:rPr lang="de-DE" dirty="0"/>
+              <a:t> </a:t>
+            </a:r>
+            <a:r>
+              <a:rPr lang="de-DE" dirty="0" err="1"/>
+              <a:t>planning</a:t>
+            </a:r>
+            <a:r>
+              <a:rPr lang="de-DE" dirty="0"/>
+              <a:t> </a:t>
+            </a:r>
+            <a:r>
+              <a:rPr lang="de-DE" dirty="0" err="1"/>
+              <a:t>system</a:t>
+            </a:r>
+            <a:r>
+              <a:rPr lang="de-DE" dirty="0"/>
+              <a:t> </a:t>
+            </a:r>
+          </a:p>
+        </p:txBody>
+      </p:sp>
+      <p:sp>
+        <p:nvSpPr>
+          <p:cNvPr id="139" name="Pfeil: nach links 138">
+            <a:extLst>
+              <a:ext uri="{FF2B5EF4-FFF2-40B4-BE49-F238E27FC236}">
+                <a16:creationId xmlns:a16="http://schemas.microsoft.com/office/drawing/2014/main" id="{FFBE769D-837E-4DA4-AFEB-D2C8437F1C25}"/>
+              </a:ext>
+            </a:extLst>
+          </p:cNvPr>
+          <p:cNvSpPr/>
+          <p:nvPr/>
+        </p:nvSpPr>
+        <p:spPr>
+          <a:xfrm>
+            <a:off x="3556701" y="5193049"/>
+            <a:ext cx="766901" cy="755326"/>
+          </a:xfrm>
+          <a:prstGeom prst="leftArrow">
+            <a:avLst/>
+          </a:prstGeom>
+          <a:solidFill>
+            <a:srgbClr val="FFC000"/>
+          </a:solidFill>
+        </p:spPr>
+        <p:style>
+          <a:lnRef idx="2">
+            <a:schemeClr val="accent1">
+              <a:shade val="50000"/>
+            </a:schemeClr>
+          </a:lnRef>
+          <a:fillRef idx="1">
+            <a:schemeClr val="accent1"/>
+          </a:fillRef>
+          <a:effectRef idx="0">
+            <a:schemeClr val="accent1"/>
+          </a:effectRef>
+          <a:fontRef idx="minor">
+            <a:schemeClr val="lt1"/>
+          </a:fontRef>
+        </p:style>
+        <p:txBody>
+          <a:bodyPr rot="0" spcFirstLastPara="0" vertOverflow="overflow" horzOverflow="overflow" vert="horz" wrap="square" lIns="91440" tIns="45720" rIns="91440" bIns="45720" numCol="1" spcCol="0" rtlCol="0" fromWordArt="0" anchor="ctr" anchorCtr="0" forceAA="0" compatLnSpc="1">
+            <a:prstTxWarp prst="textNoShape">
+              <a:avLst/>
+            </a:prstTxWarp>
+            <a:noAutofit/>
+          </a:bodyPr>
+          <a:lstStyle/>
+          <a:p>
+            <a:pPr algn="ctr"/>
+            <a:endParaRPr lang="de-DE" b="1">
+              <a:ln w="22225">
+                <a:solidFill>
+                  <a:schemeClr val="accent2"/>
+                </a:solidFill>
+                <a:prstDash val="solid"/>
+              </a:ln>
+              <a:solidFill>
+                <a:schemeClr val="accent2">
+                  <a:lumMod val="40000"/>
+                  <a:lumOff val="60000"/>
+                </a:schemeClr>
+              </a:solidFill>
+            </a:endParaRPr>
+          </a:p>
+        </p:txBody>
+      </p:sp>
+      <p:sp>
+        <p:nvSpPr>
+          <p:cNvPr id="140" name="Textfeld 139">
+            <a:extLst>
+              <a:ext uri="{FF2B5EF4-FFF2-40B4-BE49-F238E27FC236}">
+                <a16:creationId xmlns:a16="http://schemas.microsoft.com/office/drawing/2014/main" id="{C3DC1842-AD9F-420D-966E-2F0F04B63783}"/>
+              </a:ext>
+            </a:extLst>
+          </p:cNvPr>
+          <p:cNvSpPr txBox="1"/>
+          <p:nvPr/>
+        </p:nvSpPr>
+        <p:spPr>
+          <a:xfrm>
+            <a:off x="1273382" y="5247546"/>
+            <a:ext cx="1890754" cy="646331"/>
+          </a:xfrm>
+          <a:prstGeom prst="rect">
+            <a:avLst/>
+          </a:prstGeom>
+        </p:spPr>
+        <p:style>
+          <a:lnRef idx="2">
+            <a:schemeClr val="accent2"/>
+          </a:lnRef>
+          <a:fillRef idx="1">
+            <a:schemeClr val="lt1"/>
+          </a:fillRef>
+          <a:effectRef idx="0">
+            <a:schemeClr val="accent2"/>
+          </a:effectRef>
+          <a:fontRef idx="minor">
+            <a:schemeClr val="dk1"/>
+          </a:fontRef>
+        </p:style>
+        <p:txBody>
+          <a:bodyPr wrap="square" rtlCol="0">
+            <a:spAutoFit/>
+          </a:bodyPr>
+          <a:lstStyle/>
+          <a:p>
+            <a:r>
+              <a:rPr lang="de-DE" dirty="0" err="1"/>
+              <a:t>Pre</a:t>
+            </a:r>
+            <a:r>
+              <a:rPr lang="de-DE" dirty="0"/>
+              <a:t> </a:t>
+            </a:r>
+            <a:r>
+              <a:rPr lang="de-DE" dirty="0" err="1"/>
+              <a:t>production</a:t>
+            </a:r>
+            <a:r>
+              <a:rPr lang="de-DE" dirty="0"/>
+              <a:t> </a:t>
+            </a:r>
+            <a:r>
+              <a:rPr lang="de-DE" dirty="0" err="1"/>
+              <a:t>planning</a:t>
+            </a:r>
+            <a:r>
+              <a:rPr lang="de-DE" dirty="0"/>
+              <a:t> </a:t>
+            </a:r>
+            <a:r>
+              <a:rPr lang="de-DE" dirty="0" err="1"/>
+              <a:t>system</a:t>
+            </a:r>
+            <a:r>
+              <a:rPr lang="de-DE" dirty="0"/>
+              <a:t> </a:t>
+            </a:r>
+          </a:p>
+        </p:txBody>
+      </p:sp>
       <p:cxnSp>
         <p:nvCxnSpPr>
           <p:cNvPr id="143" name="Verbinder: gekrümmt 142">
@@ -7975,7 +11117,7 @@
         </p:nvCxnSpPr>
         <p:spPr>
           <a:xfrm flipH="1">
-            <a:off x="8888715" y="4477164"/>
+            <a:off x="7658935" y="4491273"/>
             <a:ext cx="205576" cy="1085656"/>
           </a:xfrm>
           <a:prstGeom prst="curvedConnector3">
@@ -8019,7 +11161,7 @@
         </p:nvCxnSpPr>
         <p:spPr>
           <a:xfrm rot="10800000" flipV="1">
-            <a:off x="4783824" y="4477164"/>
+            <a:off x="3554044" y="4491273"/>
             <a:ext cx="380321" cy="1013588"/>
           </a:xfrm>
           <a:prstGeom prst="curvedConnector2">
@@ -8088,7 +11230,7 @@
         </p:nvSpPr>
         <p:spPr>
           <a:xfrm>
-            <a:off x="2132684" y="4746980"/>
+            <a:off x="902904" y="4760245"/>
             <a:ext cx="5879292" cy="1682391"/>
           </a:xfrm>
           <a:prstGeom prst="rect">
@@ -8157,7 +11299,7 @@
         </p:nvSpPr>
         <p:spPr>
           <a:xfrm>
-            <a:off x="8037959" y="4744290"/>
+            <a:off x="6808179" y="4757555"/>
             <a:ext cx="4101112" cy="1682391"/>
           </a:xfrm>
           <a:prstGeom prst="rect">
@@ -9670,7 +12812,7 @@
         </p:nvSpPr>
         <p:spPr>
           <a:xfrm>
-            <a:off x="9847951" y="5178940"/>
+            <a:off x="8618171" y="5192205"/>
             <a:ext cx="766901" cy="755326"/>
           </a:xfrm>
           <a:prstGeom prst="leftArrow">
@@ -9737,7 +12879,7 @@
         </p:nvSpPr>
         <p:spPr>
           <a:xfrm>
-            <a:off x="9164708" y="5398544"/>
+            <a:off x="7934928" y="5411809"/>
             <a:ext cx="612909" cy="369332"/>
           </a:xfrm>
           <a:prstGeom prst="rect">
@@ -9785,7 +12927,7 @@
         </p:nvSpPr>
         <p:spPr>
           <a:xfrm>
-            <a:off x="5793025" y="4227044"/>
+            <a:off x="4563245" y="4240309"/>
             <a:ext cx="2456609" cy="369332"/>
           </a:xfrm>
           <a:prstGeom prst="rect">
@@ -9800,18 +12942,18 @@
           <a:lstStyle/>
           <a:p>
             <a:r>
-              <a:rPr lang="de-DE" dirty="0" err="1"/>
-              <a:t>Continouse</a:t>
-            </a:r>
-            <a:r>
-              <a:rPr lang="de-DE" dirty="0"/>
+              <a:rPr lang="de-DE" b="1" dirty="0" err="1"/>
+              <a:t>Continous</a:t>
+            </a:r>
+            <a:r>
+              <a:rPr lang="de-DE" b="1" dirty="0"/>
               <a:t> AI </a:t>
             </a:r>
             <a:r>
-              <a:rPr lang="de-DE" dirty="0" err="1"/>
+              <a:rPr lang="de-DE" b="1" dirty="0" err="1"/>
               <a:t>planning</a:t>
             </a:r>
-            <a:endParaRPr lang="de-DE" dirty="0"/>
+            <a:endParaRPr lang="de-DE" b="1" dirty="0"/>
           </a:p>
         </p:txBody>
       </p:sp>
@@ -9829,7 +12971,7 @@
         </p:nvSpPr>
         <p:spPr>
           <a:xfrm>
-            <a:off x="10724690" y="5178940"/>
+            <a:off x="9494910" y="5192205"/>
             <a:ext cx="1339430" cy="923330"/>
           </a:xfrm>
           <a:prstGeom prst="rect">
@@ -9889,7 +13031,7 @@
         </p:nvSpPr>
         <p:spPr>
           <a:xfrm>
-            <a:off x="8121814" y="5185157"/>
+            <a:off x="6892034" y="5198422"/>
             <a:ext cx="766901" cy="755326"/>
           </a:xfrm>
           <a:prstGeom prst="leftArrow">
@@ -9956,7 +13098,7 @@
         </p:nvSpPr>
         <p:spPr>
           <a:xfrm>
-            <a:off x="6046706" y="5260045"/>
+            <a:off x="4816926" y="5273310"/>
             <a:ext cx="1890754" cy="646331"/>
           </a:xfrm>
           <a:prstGeom prst="rect">
@@ -10028,7 +13170,7 @@
         </p:nvSpPr>
         <p:spPr>
           <a:xfrm>
-            <a:off x="4786481" y="5178940"/>
+            <a:off x="3556701" y="5192205"/>
             <a:ext cx="766901" cy="755326"/>
           </a:xfrm>
           <a:prstGeom prst="leftArrow">
@@ -10095,7 +13237,7 @@
         </p:nvSpPr>
         <p:spPr>
           <a:xfrm>
-            <a:off x="2503162" y="5233437"/>
+            <a:off x="1273382" y="5246702"/>
             <a:ext cx="1890754" cy="646331"/>
           </a:xfrm>
           <a:prstGeom prst="rect">
@@ -10175,7 +13317,7 @@
         </p:nvCxnSpPr>
         <p:spPr>
           <a:xfrm>
-            <a:off x="8249634" y="4411710"/>
+            <a:off x="7019854" y="4424975"/>
             <a:ext cx="639081" cy="1151110"/>
           </a:xfrm>
           <a:prstGeom prst="curvedConnector3">
@@ -10220,7 +13362,7 @@
         </p:nvCxnSpPr>
         <p:spPr>
           <a:xfrm rot="10800000" flipV="1">
-            <a:off x="4786481" y="4411709"/>
+            <a:off x="3556701" y="4424974"/>
             <a:ext cx="1006544" cy="1144893"/>
           </a:xfrm>
           <a:prstGeom prst="curvedConnector3">

--- a/desandere.pptx
+++ b/desandere.pptx
@@ -128,6 +128,1102 @@
 </p:presentation>
 </file>
 
+<file path=ppt/revisionInfo.xml><?xml version="1.0" encoding="utf-8"?>
+<p1510:revInfo xmlns:a="http://schemas.openxmlformats.org/drawingml/2006/main" xmlns:r="http://schemas.openxmlformats.org/officeDocument/2006/relationships" xmlns:p1510="http://schemas.microsoft.com/office/powerpoint/2015/10/main">
+  <p1510:revLst>
+    <p1510:client id="{24B3CCA9-CB6E-407C-A8B1-11B7B1A7398A}" v="3" dt="2020-09-25T10:03:19.718"/>
+  </p1510:revLst>
+</p1510:revInfo>
+</file>
+
+<file path=ppt/changesInfos/changesInfo1.xml><?xml version="1.0" encoding="utf-8"?>
+<pc:chgInfo xmlns:a="http://schemas.openxmlformats.org/drawingml/2006/main" xmlns:r="http://schemas.openxmlformats.org/officeDocument/2006/relationships" xmlns:ac="http://schemas.microsoft.com/office/drawing/2013/main/command" xmlns:pc="http://schemas.microsoft.com/office/powerpoint/2013/main/command">
+  <pc:docChgLst>
+    <pc:chgData name="Lucas F." userId="bead9aa2788100d9" providerId="LiveId" clId="{24B3CCA9-CB6E-407C-A8B1-11B7B1A7398A}"/>
+    <pc:docChg chg="custSel modSld">
+      <pc:chgData name="Lucas F." userId="bead9aa2788100d9" providerId="LiveId" clId="{24B3CCA9-CB6E-407C-A8B1-11B7B1A7398A}" dt="2020-09-25T10:05:12.234" v="38" actId="33524"/>
+      <pc:docMkLst>
+        <pc:docMk/>
+      </pc:docMkLst>
+      <pc:sldChg chg="modSp">
+        <pc:chgData name="Lucas F." userId="bead9aa2788100d9" providerId="LiveId" clId="{24B3CCA9-CB6E-407C-A8B1-11B7B1A7398A}" dt="2020-09-25T10:01:25.106" v="0" actId="790"/>
+        <pc:sldMkLst>
+          <pc:docMk/>
+          <pc:sldMk cId="2472699406" sldId="256"/>
+        </pc:sldMkLst>
+        <pc:spChg chg="mod">
+          <ac:chgData name="Lucas F." userId="bead9aa2788100d9" providerId="LiveId" clId="{24B3CCA9-CB6E-407C-A8B1-11B7B1A7398A}" dt="2020-09-25T10:01:25.106" v="0" actId="790"/>
+          <ac:spMkLst>
+            <pc:docMk/>
+            <pc:sldMk cId="2472699406" sldId="256"/>
+            <ac:spMk id="2" creationId="{C63E8A3C-2DFC-47EC-89FA-CD5FB24F1D44}"/>
+          </ac:spMkLst>
+        </pc:spChg>
+      </pc:sldChg>
+      <pc:sldChg chg="modSp">
+        <pc:chgData name="Lucas F." userId="bead9aa2788100d9" providerId="LiveId" clId="{24B3CCA9-CB6E-407C-A8B1-11B7B1A7398A}" dt="2020-09-25T10:01:36.771" v="2" actId="790"/>
+        <pc:sldMkLst>
+          <pc:docMk/>
+          <pc:sldMk cId="3140822267" sldId="257"/>
+        </pc:sldMkLst>
+        <pc:spChg chg="mod">
+          <ac:chgData name="Lucas F." userId="bead9aa2788100d9" providerId="LiveId" clId="{24B3CCA9-CB6E-407C-A8B1-11B7B1A7398A}" dt="2020-09-25T10:01:36.771" v="2" actId="790"/>
+          <ac:spMkLst>
+            <pc:docMk/>
+            <pc:sldMk cId="3140822267" sldId="257"/>
+            <ac:spMk id="2" creationId="{D12CA9C3-5F39-4320-A5E0-6B6989091C85}"/>
+          </ac:spMkLst>
+        </pc:spChg>
+        <pc:spChg chg="mod">
+          <ac:chgData name="Lucas F." userId="bead9aa2788100d9" providerId="LiveId" clId="{24B3CCA9-CB6E-407C-A8B1-11B7B1A7398A}" dt="2020-09-25T10:01:36.771" v="2" actId="790"/>
+          <ac:spMkLst>
+            <pc:docMk/>
+            <pc:sldMk cId="3140822267" sldId="257"/>
+            <ac:spMk id="3" creationId="{A596CFC5-F6BB-4E93-A2F0-A3A9FB872E45}"/>
+          </ac:spMkLst>
+        </pc:spChg>
+      </pc:sldChg>
+      <pc:sldChg chg="modSp">
+        <pc:chgData name="Lucas F." userId="bead9aa2788100d9" providerId="LiveId" clId="{24B3CCA9-CB6E-407C-A8B1-11B7B1A7398A}" dt="2020-09-25T10:03:41.474" v="36" actId="20577"/>
+        <pc:sldMkLst>
+          <pc:docMk/>
+          <pc:sldMk cId="1635871413" sldId="258"/>
+        </pc:sldMkLst>
+        <pc:spChg chg="mod">
+          <ac:chgData name="Lucas F." userId="bead9aa2788100d9" providerId="LiveId" clId="{24B3CCA9-CB6E-407C-A8B1-11B7B1A7398A}" dt="2020-09-25T10:01:32.611" v="1" actId="790"/>
+          <ac:spMkLst>
+            <pc:docMk/>
+            <pc:sldMk cId="1635871413" sldId="258"/>
+            <ac:spMk id="2" creationId="{085F5D6D-96C6-48F0-9FED-90B111BBDE9E}"/>
+          </ac:spMkLst>
+        </pc:spChg>
+        <pc:spChg chg="mod">
+          <ac:chgData name="Lucas F." userId="bead9aa2788100d9" providerId="LiveId" clId="{24B3CCA9-CB6E-407C-A8B1-11B7B1A7398A}" dt="2020-09-25T10:03:41.474" v="36" actId="20577"/>
+          <ac:spMkLst>
+            <pc:docMk/>
+            <pc:sldMk cId="1635871413" sldId="258"/>
+            <ac:spMk id="3" creationId="{374FC687-92F1-4406-827B-8CF60ADBB6F1}"/>
+          </ac:spMkLst>
+        </pc:spChg>
+      </pc:sldChg>
+      <pc:sldChg chg="modSp">
+        <pc:chgData name="Lucas F." userId="bead9aa2788100d9" providerId="LiveId" clId="{24B3CCA9-CB6E-407C-A8B1-11B7B1A7398A}" dt="2020-09-25T10:05:12.234" v="38" actId="33524"/>
+        <pc:sldMkLst>
+          <pc:docMk/>
+          <pc:sldMk cId="3944661296" sldId="259"/>
+        </pc:sldMkLst>
+        <pc:spChg chg="mod">
+          <ac:chgData name="Lucas F." userId="bead9aa2788100d9" providerId="LiveId" clId="{24B3CCA9-CB6E-407C-A8B1-11B7B1A7398A}" dt="2020-09-25T10:01:42.391" v="3" actId="790"/>
+          <ac:spMkLst>
+            <pc:docMk/>
+            <pc:sldMk cId="3944661296" sldId="259"/>
+            <ac:spMk id="2" creationId="{150BA517-0FF7-42B8-B934-43619BF4508C}"/>
+          </ac:spMkLst>
+        </pc:spChg>
+        <pc:spChg chg="mod">
+          <ac:chgData name="Lucas F." userId="bead9aa2788100d9" providerId="LiveId" clId="{24B3CCA9-CB6E-407C-A8B1-11B7B1A7398A}" dt="2020-09-25T10:01:42.391" v="3" actId="790"/>
+          <ac:spMkLst>
+            <pc:docMk/>
+            <pc:sldMk cId="3944661296" sldId="259"/>
+            <ac:spMk id="4" creationId="{F36D6A40-AD54-45CA-9F7A-EA35882329C7}"/>
+          </ac:spMkLst>
+        </pc:spChg>
+        <pc:spChg chg="mod">
+          <ac:chgData name="Lucas F." userId="bead9aa2788100d9" providerId="LiveId" clId="{24B3CCA9-CB6E-407C-A8B1-11B7B1A7398A}" dt="2020-09-25T10:01:42.391" v="3" actId="790"/>
+          <ac:spMkLst>
+            <pc:docMk/>
+            <pc:sldMk cId="3944661296" sldId="259"/>
+            <ac:spMk id="8" creationId="{911BAE19-B3A5-4E3B-9EDD-E0E71DCB5C50}"/>
+          </ac:spMkLst>
+        </pc:spChg>
+        <pc:spChg chg="mod">
+          <ac:chgData name="Lucas F." userId="bead9aa2788100d9" providerId="LiveId" clId="{24B3CCA9-CB6E-407C-A8B1-11B7B1A7398A}" dt="2020-09-25T10:01:42.391" v="3" actId="790"/>
+          <ac:spMkLst>
+            <pc:docMk/>
+            <pc:sldMk cId="3944661296" sldId="259"/>
+            <ac:spMk id="9" creationId="{ADA90F57-6663-44C3-A4DE-2D3B9C3FAA4D}"/>
+          </ac:spMkLst>
+        </pc:spChg>
+        <pc:spChg chg="mod">
+          <ac:chgData name="Lucas F." userId="bead9aa2788100d9" providerId="LiveId" clId="{24B3CCA9-CB6E-407C-A8B1-11B7B1A7398A}" dt="2020-09-25T10:01:42.391" v="3" actId="790"/>
+          <ac:spMkLst>
+            <pc:docMk/>
+            <pc:sldMk cId="3944661296" sldId="259"/>
+            <ac:spMk id="10" creationId="{382EEF81-1B84-44B6-B3D0-204E398A4C7C}"/>
+          </ac:spMkLst>
+        </pc:spChg>
+        <pc:spChg chg="mod">
+          <ac:chgData name="Lucas F." userId="bead9aa2788100d9" providerId="LiveId" clId="{24B3CCA9-CB6E-407C-A8B1-11B7B1A7398A}" dt="2020-09-25T10:01:42.391" v="3" actId="790"/>
+          <ac:spMkLst>
+            <pc:docMk/>
+            <pc:sldMk cId="3944661296" sldId="259"/>
+            <ac:spMk id="11" creationId="{70522B91-2EA5-4599-B197-A0CD82C801EC}"/>
+          </ac:spMkLst>
+        </pc:spChg>
+        <pc:spChg chg="mod">
+          <ac:chgData name="Lucas F." userId="bead9aa2788100d9" providerId="LiveId" clId="{24B3CCA9-CB6E-407C-A8B1-11B7B1A7398A}" dt="2020-09-25T10:01:42.391" v="3" actId="790"/>
+          <ac:spMkLst>
+            <pc:docMk/>
+            <pc:sldMk cId="3944661296" sldId="259"/>
+            <ac:spMk id="12" creationId="{068D75AE-C16B-4340-A121-99E675CE5EAF}"/>
+          </ac:spMkLst>
+        </pc:spChg>
+        <pc:spChg chg="mod">
+          <ac:chgData name="Lucas F." userId="bead9aa2788100d9" providerId="LiveId" clId="{24B3CCA9-CB6E-407C-A8B1-11B7B1A7398A}" dt="2020-09-25T10:01:42.391" v="3" actId="790"/>
+          <ac:spMkLst>
+            <pc:docMk/>
+            <pc:sldMk cId="3944661296" sldId="259"/>
+            <ac:spMk id="13" creationId="{9E30C5AA-4083-4F41-A42B-05FD1D97434B}"/>
+          </ac:spMkLst>
+        </pc:spChg>
+        <pc:spChg chg="mod">
+          <ac:chgData name="Lucas F." userId="bead9aa2788100d9" providerId="LiveId" clId="{24B3CCA9-CB6E-407C-A8B1-11B7B1A7398A}" dt="2020-09-25T10:01:42.391" v="3" actId="790"/>
+          <ac:spMkLst>
+            <pc:docMk/>
+            <pc:sldMk cId="3944661296" sldId="259"/>
+            <ac:spMk id="14" creationId="{1EFE61D5-4E32-43E0-84D4-6DCD3C577C02}"/>
+          </ac:spMkLst>
+        </pc:spChg>
+        <pc:spChg chg="mod">
+          <ac:chgData name="Lucas F." userId="bead9aa2788100d9" providerId="LiveId" clId="{24B3CCA9-CB6E-407C-A8B1-11B7B1A7398A}" dt="2020-09-25T10:01:42.391" v="3" actId="790"/>
+          <ac:spMkLst>
+            <pc:docMk/>
+            <pc:sldMk cId="3944661296" sldId="259"/>
+            <ac:spMk id="16" creationId="{66E90626-2255-4A47-B820-A158A2269C85}"/>
+          </ac:spMkLst>
+        </pc:spChg>
+        <pc:spChg chg="mod">
+          <ac:chgData name="Lucas F." userId="bead9aa2788100d9" providerId="LiveId" clId="{24B3CCA9-CB6E-407C-A8B1-11B7B1A7398A}" dt="2020-09-25T10:01:42.391" v="3" actId="790"/>
+          <ac:spMkLst>
+            <pc:docMk/>
+            <pc:sldMk cId="3944661296" sldId="259"/>
+            <ac:spMk id="17" creationId="{2EAC971F-0257-4309-933B-0BC58C6C3136}"/>
+          </ac:spMkLst>
+        </pc:spChg>
+        <pc:spChg chg="mod">
+          <ac:chgData name="Lucas F." userId="bead9aa2788100d9" providerId="LiveId" clId="{24B3CCA9-CB6E-407C-A8B1-11B7B1A7398A}" dt="2020-09-25T10:01:42.391" v="3" actId="790"/>
+          <ac:spMkLst>
+            <pc:docMk/>
+            <pc:sldMk cId="3944661296" sldId="259"/>
+            <ac:spMk id="18" creationId="{6E9B1B6D-B4DE-4B71-8746-C07C79308393}"/>
+          </ac:spMkLst>
+        </pc:spChg>
+        <pc:spChg chg="mod">
+          <ac:chgData name="Lucas F." userId="bead9aa2788100d9" providerId="LiveId" clId="{24B3CCA9-CB6E-407C-A8B1-11B7B1A7398A}" dt="2020-09-25T10:01:42.391" v="3" actId="790"/>
+          <ac:spMkLst>
+            <pc:docMk/>
+            <pc:sldMk cId="3944661296" sldId="259"/>
+            <ac:spMk id="20" creationId="{3F5C6248-52EB-4C89-A490-22C48DEC5C0A}"/>
+          </ac:spMkLst>
+        </pc:spChg>
+        <pc:spChg chg="mod">
+          <ac:chgData name="Lucas F." userId="bead9aa2788100d9" providerId="LiveId" clId="{24B3CCA9-CB6E-407C-A8B1-11B7B1A7398A}" dt="2020-09-25T10:01:42.391" v="3" actId="790"/>
+          <ac:spMkLst>
+            <pc:docMk/>
+            <pc:sldMk cId="3944661296" sldId="259"/>
+            <ac:spMk id="21" creationId="{37362187-927F-4A9B-B1D8-57D2B57CA74D}"/>
+          </ac:spMkLst>
+        </pc:spChg>
+        <pc:spChg chg="mod">
+          <ac:chgData name="Lucas F." userId="bead9aa2788100d9" providerId="LiveId" clId="{24B3CCA9-CB6E-407C-A8B1-11B7B1A7398A}" dt="2020-09-25T10:01:42.391" v="3" actId="790"/>
+          <ac:spMkLst>
+            <pc:docMk/>
+            <pc:sldMk cId="3944661296" sldId="259"/>
+            <ac:spMk id="22" creationId="{4877500C-9EFD-4832-A284-ADD196CAB036}"/>
+          </ac:spMkLst>
+        </pc:spChg>
+        <pc:spChg chg="mod">
+          <ac:chgData name="Lucas F." userId="bead9aa2788100d9" providerId="LiveId" clId="{24B3CCA9-CB6E-407C-A8B1-11B7B1A7398A}" dt="2020-09-25T10:01:42.391" v="3" actId="790"/>
+          <ac:spMkLst>
+            <pc:docMk/>
+            <pc:sldMk cId="3944661296" sldId="259"/>
+            <ac:spMk id="23" creationId="{384611B1-D5E4-4F00-B5DA-93EF6A29BCC5}"/>
+          </ac:spMkLst>
+        </pc:spChg>
+        <pc:spChg chg="mod">
+          <ac:chgData name="Lucas F." userId="bead9aa2788100d9" providerId="LiveId" clId="{24B3CCA9-CB6E-407C-A8B1-11B7B1A7398A}" dt="2020-09-25T10:01:42.391" v="3" actId="790"/>
+          <ac:spMkLst>
+            <pc:docMk/>
+            <pc:sldMk cId="3944661296" sldId="259"/>
+            <ac:spMk id="24" creationId="{2BE57AC9-3EBD-40F3-9547-ECBC8BC9E83C}"/>
+          </ac:spMkLst>
+        </pc:spChg>
+        <pc:spChg chg="mod">
+          <ac:chgData name="Lucas F." userId="bead9aa2788100d9" providerId="LiveId" clId="{24B3CCA9-CB6E-407C-A8B1-11B7B1A7398A}" dt="2020-09-25T10:01:42.391" v="3" actId="790"/>
+          <ac:spMkLst>
+            <pc:docMk/>
+            <pc:sldMk cId="3944661296" sldId="259"/>
+            <ac:spMk id="25" creationId="{A979964A-AE4D-4EDD-9E6F-3F65B03EE770}"/>
+          </ac:spMkLst>
+        </pc:spChg>
+        <pc:spChg chg="mod">
+          <ac:chgData name="Lucas F." userId="bead9aa2788100d9" providerId="LiveId" clId="{24B3CCA9-CB6E-407C-A8B1-11B7B1A7398A}" dt="2020-09-25T10:01:42.391" v="3" actId="790"/>
+          <ac:spMkLst>
+            <pc:docMk/>
+            <pc:sldMk cId="3944661296" sldId="259"/>
+            <ac:spMk id="58" creationId="{A09F0E44-FA1F-4C66-931F-13F1FB326B1A}"/>
+          </ac:spMkLst>
+        </pc:spChg>
+        <pc:spChg chg="mod">
+          <ac:chgData name="Lucas F." userId="bead9aa2788100d9" providerId="LiveId" clId="{24B3CCA9-CB6E-407C-A8B1-11B7B1A7398A}" dt="2020-09-25T10:01:42.391" v="3" actId="790"/>
+          <ac:spMkLst>
+            <pc:docMk/>
+            <pc:sldMk cId="3944661296" sldId="259"/>
+            <ac:spMk id="88" creationId="{F86CF3D7-A4F6-47B5-B00C-3CA425A3658F}"/>
+          </ac:spMkLst>
+        </pc:spChg>
+        <pc:spChg chg="mod">
+          <ac:chgData name="Lucas F." userId="bead9aa2788100d9" providerId="LiveId" clId="{24B3CCA9-CB6E-407C-A8B1-11B7B1A7398A}" dt="2020-09-25T10:01:42.391" v="3" actId="790"/>
+          <ac:spMkLst>
+            <pc:docMk/>
+            <pc:sldMk cId="3944661296" sldId="259"/>
+            <ac:spMk id="89" creationId="{2A7F618C-C17A-4C17-9468-C7316FB5CD2A}"/>
+          </ac:spMkLst>
+        </pc:spChg>
+        <pc:spChg chg="mod">
+          <ac:chgData name="Lucas F." userId="bead9aa2788100d9" providerId="LiveId" clId="{24B3CCA9-CB6E-407C-A8B1-11B7B1A7398A}" dt="2020-09-25T10:01:42.391" v="3" actId="790"/>
+          <ac:spMkLst>
+            <pc:docMk/>
+            <pc:sldMk cId="3944661296" sldId="259"/>
+            <ac:spMk id="92" creationId="{31DCD27D-9D50-4D7A-8ADB-B0ACBBF76BFA}"/>
+          </ac:spMkLst>
+        </pc:spChg>
+        <pc:spChg chg="mod">
+          <ac:chgData name="Lucas F." userId="bead9aa2788100d9" providerId="LiveId" clId="{24B3CCA9-CB6E-407C-A8B1-11B7B1A7398A}" dt="2020-09-25T10:01:42.391" v="3" actId="790"/>
+          <ac:spMkLst>
+            <pc:docMk/>
+            <pc:sldMk cId="3944661296" sldId="259"/>
+            <ac:spMk id="93" creationId="{DE251A9B-EE01-452E-83E3-1515A9B1256E}"/>
+          </ac:spMkLst>
+        </pc:spChg>
+        <pc:spChg chg="mod">
+          <ac:chgData name="Lucas F." userId="bead9aa2788100d9" providerId="LiveId" clId="{24B3CCA9-CB6E-407C-A8B1-11B7B1A7398A}" dt="2020-09-25T10:01:42.391" v="3" actId="790"/>
+          <ac:spMkLst>
+            <pc:docMk/>
+            <pc:sldMk cId="3944661296" sldId="259"/>
+            <ac:spMk id="99" creationId="{74868C6D-0C55-41AE-BA52-D8C4556B038D}"/>
+          </ac:spMkLst>
+        </pc:spChg>
+        <pc:spChg chg="mod">
+          <ac:chgData name="Lucas F." userId="bead9aa2788100d9" providerId="LiveId" clId="{24B3CCA9-CB6E-407C-A8B1-11B7B1A7398A}" dt="2020-09-25T10:01:42.391" v="3" actId="790"/>
+          <ac:spMkLst>
+            <pc:docMk/>
+            <pc:sldMk cId="3944661296" sldId="259"/>
+            <ac:spMk id="135" creationId="{B08F03D0-410F-4B37-A44F-929C8A820B3B}"/>
+          </ac:spMkLst>
+        </pc:spChg>
+        <pc:spChg chg="mod">
+          <ac:chgData name="Lucas F." userId="bead9aa2788100d9" providerId="LiveId" clId="{24B3CCA9-CB6E-407C-A8B1-11B7B1A7398A}" dt="2020-09-25T10:01:42.391" v="3" actId="790"/>
+          <ac:spMkLst>
+            <pc:docMk/>
+            <pc:sldMk cId="3944661296" sldId="259"/>
+            <ac:spMk id="136" creationId="{56C344A6-8E1A-475F-A6EC-9DDB4C640406}"/>
+          </ac:spMkLst>
+        </pc:spChg>
+        <pc:spChg chg="mod">
+          <ac:chgData name="Lucas F." userId="bead9aa2788100d9" providerId="LiveId" clId="{24B3CCA9-CB6E-407C-A8B1-11B7B1A7398A}" dt="2020-09-25T10:01:42.391" v="3" actId="790"/>
+          <ac:spMkLst>
+            <pc:docMk/>
+            <pc:sldMk cId="3944661296" sldId="259"/>
+            <ac:spMk id="138" creationId="{D66A5A8F-8385-420B-9B2F-0520F188C31A}"/>
+          </ac:spMkLst>
+        </pc:spChg>
+        <pc:spChg chg="mod">
+          <ac:chgData name="Lucas F." userId="bead9aa2788100d9" providerId="LiveId" clId="{24B3CCA9-CB6E-407C-A8B1-11B7B1A7398A}" dt="2020-09-25T10:01:42.391" v="3" actId="790"/>
+          <ac:spMkLst>
+            <pc:docMk/>
+            <pc:sldMk cId="3944661296" sldId="259"/>
+            <ac:spMk id="139" creationId="{FFBE769D-837E-4DA4-AFEB-D2C8437F1C25}"/>
+          </ac:spMkLst>
+        </pc:spChg>
+        <pc:spChg chg="mod">
+          <ac:chgData name="Lucas F." userId="bead9aa2788100d9" providerId="LiveId" clId="{24B3CCA9-CB6E-407C-A8B1-11B7B1A7398A}" dt="2020-09-25T10:05:12.234" v="38" actId="33524"/>
+          <ac:spMkLst>
+            <pc:docMk/>
+            <pc:sldMk cId="3944661296" sldId="259"/>
+            <ac:spMk id="140" creationId="{C3DC1842-AD9F-420D-966E-2F0F04B63783}"/>
+          </ac:spMkLst>
+        </pc:spChg>
+        <pc:spChg chg="mod">
+          <ac:chgData name="Lucas F." userId="bead9aa2788100d9" providerId="LiveId" clId="{24B3CCA9-CB6E-407C-A8B1-11B7B1A7398A}" dt="2020-09-25T10:01:42.391" v="3" actId="790"/>
+          <ac:spMkLst>
+            <pc:docMk/>
+            <pc:sldMk cId="3944661296" sldId="259"/>
+            <ac:spMk id="150" creationId="{34F4C50E-61F5-47A4-ACE5-89270500759E}"/>
+          </ac:spMkLst>
+        </pc:spChg>
+        <pc:spChg chg="mod">
+          <ac:chgData name="Lucas F." userId="bead9aa2788100d9" providerId="LiveId" clId="{24B3CCA9-CB6E-407C-A8B1-11B7B1A7398A}" dt="2020-09-25T10:01:42.391" v="3" actId="790"/>
+          <ac:spMkLst>
+            <pc:docMk/>
+            <pc:sldMk cId="3944661296" sldId="259"/>
+            <ac:spMk id="152" creationId="{950FE1C3-6E6E-4EDE-A0F9-6C2B1D218BCD}"/>
+          </ac:spMkLst>
+        </pc:spChg>
+      </pc:sldChg>
+      <pc:sldChg chg="modSp">
+        <pc:chgData name="Lucas F." userId="bead9aa2788100d9" providerId="LiveId" clId="{24B3CCA9-CB6E-407C-A8B1-11B7B1A7398A}" dt="2020-09-25T10:05:09.533" v="37" actId="33524"/>
+        <pc:sldMkLst>
+          <pc:docMk/>
+          <pc:sldMk cId="795176379" sldId="260"/>
+        </pc:sldMkLst>
+        <pc:spChg chg="mod">
+          <ac:chgData name="Lucas F." userId="bead9aa2788100d9" providerId="LiveId" clId="{24B3CCA9-CB6E-407C-A8B1-11B7B1A7398A}" dt="2020-09-25T10:01:47.901" v="4" actId="790"/>
+          <ac:spMkLst>
+            <pc:docMk/>
+            <pc:sldMk cId="795176379" sldId="260"/>
+            <ac:spMk id="4" creationId="{D899FAA8-4EE1-4C4A-A43B-1785087EBE5B}"/>
+          </ac:spMkLst>
+        </pc:spChg>
+        <pc:spChg chg="mod">
+          <ac:chgData name="Lucas F." userId="bead9aa2788100d9" providerId="LiveId" clId="{24B3CCA9-CB6E-407C-A8B1-11B7B1A7398A}" dt="2020-09-25T10:01:47.901" v="4" actId="790"/>
+          <ac:spMkLst>
+            <pc:docMk/>
+            <pc:sldMk cId="795176379" sldId="260"/>
+            <ac:spMk id="5" creationId="{5581E8E4-B2AB-4A08-BDF0-124E888700CA}"/>
+          </ac:spMkLst>
+        </pc:spChg>
+        <pc:spChg chg="mod">
+          <ac:chgData name="Lucas F." userId="bead9aa2788100d9" providerId="LiveId" clId="{24B3CCA9-CB6E-407C-A8B1-11B7B1A7398A}" dt="2020-09-25T10:01:47.901" v="4" actId="790"/>
+          <ac:spMkLst>
+            <pc:docMk/>
+            <pc:sldMk cId="795176379" sldId="260"/>
+            <ac:spMk id="6" creationId="{F700FF8A-D45F-4AA0-9234-1F816026032D}"/>
+          </ac:spMkLst>
+        </pc:spChg>
+        <pc:spChg chg="mod">
+          <ac:chgData name="Lucas F." userId="bead9aa2788100d9" providerId="LiveId" clId="{24B3CCA9-CB6E-407C-A8B1-11B7B1A7398A}" dt="2020-09-25T10:01:47.901" v="4" actId="790"/>
+          <ac:spMkLst>
+            <pc:docMk/>
+            <pc:sldMk cId="795176379" sldId="260"/>
+            <ac:spMk id="7" creationId="{EB03307D-B734-462D-8B98-B237E212C2BE}"/>
+          </ac:spMkLst>
+        </pc:spChg>
+        <pc:spChg chg="mod">
+          <ac:chgData name="Lucas F." userId="bead9aa2788100d9" providerId="LiveId" clId="{24B3CCA9-CB6E-407C-A8B1-11B7B1A7398A}" dt="2020-09-25T10:01:47.901" v="4" actId="790"/>
+          <ac:spMkLst>
+            <pc:docMk/>
+            <pc:sldMk cId="795176379" sldId="260"/>
+            <ac:spMk id="8" creationId="{DDEA8E44-A6D5-4186-A5D4-1F79A81F56AB}"/>
+          </ac:spMkLst>
+        </pc:spChg>
+        <pc:spChg chg="mod">
+          <ac:chgData name="Lucas F." userId="bead9aa2788100d9" providerId="LiveId" clId="{24B3CCA9-CB6E-407C-A8B1-11B7B1A7398A}" dt="2020-09-25T10:01:47.901" v="4" actId="790"/>
+          <ac:spMkLst>
+            <pc:docMk/>
+            <pc:sldMk cId="795176379" sldId="260"/>
+            <ac:spMk id="9" creationId="{388E8183-FCF0-4012-9A19-1F38CB73D2D3}"/>
+          </ac:spMkLst>
+        </pc:spChg>
+        <pc:spChg chg="mod">
+          <ac:chgData name="Lucas F." userId="bead9aa2788100d9" providerId="LiveId" clId="{24B3CCA9-CB6E-407C-A8B1-11B7B1A7398A}" dt="2020-09-25T10:01:47.901" v="4" actId="790"/>
+          <ac:spMkLst>
+            <pc:docMk/>
+            <pc:sldMk cId="795176379" sldId="260"/>
+            <ac:spMk id="10" creationId="{05E9D080-477B-4E12-9B32-178D548ECAD1}"/>
+          </ac:spMkLst>
+        </pc:spChg>
+        <pc:spChg chg="mod">
+          <ac:chgData name="Lucas F." userId="bead9aa2788100d9" providerId="LiveId" clId="{24B3CCA9-CB6E-407C-A8B1-11B7B1A7398A}" dt="2020-09-25T10:01:47.901" v="4" actId="790"/>
+          <ac:spMkLst>
+            <pc:docMk/>
+            <pc:sldMk cId="795176379" sldId="260"/>
+            <ac:spMk id="11" creationId="{62B33B87-D044-4C6F-898C-FFA51C2B221A}"/>
+          </ac:spMkLst>
+        </pc:spChg>
+        <pc:spChg chg="mod">
+          <ac:chgData name="Lucas F." userId="bead9aa2788100d9" providerId="LiveId" clId="{24B3CCA9-CB6E-407C-A8B1-11B7B1A7398A}" dt="2020-09-25T10:01:47.901" v="4" actId="790"/>
+          <ac:spMkLst>
+            <pc:docMk/>
+            <pc:sldMk cId="795176379" sldId="260"/>
+            <ac:spMk id="12" creationId="{E03559EB-3D40-42BB-891E-32CC768B23BB}"/>
+          </ac:spMkLst>
+        </pc:spChg>
+        <pc:spChg chg="mod">
+          <ac:chgData name="Lucas F." userId="bead9aa2788100d9" providerId="LiveId" clId="{24B3CCA9-CB6E-407C-A8B1-11B7B1A7398A}" dt="2020-09-25T10:01:47.901" v="4" actId="790"/>
+          <ac:spMkLst>
+            <pc:docMk/>
+            <pc:sldMk cId="795176379" sldId="260"/>
+            <ac:spMk id="13" creationId="{C84705AE-5804-4BF7-929D-DDB9D06B6177}"/>
+          </ac:spMkLst>
+        </pc:spChg>
+        <pc:spChg chg="mod">
+          <ac:chgData name="Lucas F." userId="bead9aa2788100d9" providerId="LiveId" clId="{24B3CCA9-CB6E-407C-A8B1-11B7B1A7398A}" dt="2020-09-25T10:01:47.901" v="4" actId="790"/>
+          <ac:spMkLst>
+            <pc:docMk/>
+            <pc:sldMk cId="795176379" sldId="260"/>
+            <ac:spMk id="14" creationId="{26206CB8-0027-405A-95BA-610D44C8AB6C}"/>
+          </ac:spMkLst>
+        </pc:spChg>
+        <pc:spChg chg="mod">
+          <ac:chgData name="Lucas F." userId="bead9aa2788100d9" providerId="LiveId" clId="{24B3CCA9-CB6E-407C-A8B1-11B7B1A7398A}" dt="2020-09-25T10:01:47.901" v="4" actId="790"/>
+          <ac:spMkLst>
+            <pc:docMk/>
+            <pc:sldMk cId="795176379" sldId="260"/>
+            <ac:spMk id="15" creationId="{C244FC51-3EE0-44B4-A066-3DA1CCD28E68}"/>
+          </ac:spMkLst>
+        </pc:spChg>
+        <pc:spChg chg="mod">
+          <ac:chgData name="Lucas F." userId="bead9aa2788100d9" providerId="LiveId" clId="{24B3CCA9-CB6E-407C-A8B1-11B7B1A7398A}" dt="2020-09-25T10:01:47.901" v="4" actId="790"/>
+          <ac:spMkLst>
+            <pc:docMk/>
+            <pc:sldMk cId="795176379" sldId="260"/>
+            <ac:spMk id="16" creationId="{FF6A966E-EF4E-41E8-B735-4E9C8E18B81A}"/>
+          </ac:spMkLst>
+        </pc:spChg>
+        <pc:spChg chg="mod">
+          <ac:chgData name="Lucas F." userId="bead9aa2788100d9" providerId="LiveId" clId="{24B3CCA9-CB6E-407C-A8B1-11B7B1A7398A}" dt="2020-09-25T10:01:47.901" v="4" actId="790"/>
+          <ac:spMkLst>
+            <pc:docMk/>
+            <pc:sldMk cId="795176379" sldId="260"/>
+            <ac:spMk id="17" creationId="{F437727E-84B7-4B92-B15B-7F8FC0B48263}"/>
+          </ac:spMkLst>
+        </pc:spChg>
+        <pc:spChg chg="mod">
+          <ac:chgData name="Lucas F." userId="bead9aa2788100d9" providerId="LiveId" clId="{24B3CCA9-CB6E-407C-A8B1-11B7B1A7398A}" dt="2020-09-25T10:01:47.901" v="4" actId="790"/>
+          <ac:spMkLst>
+            <pc:docMk/>
+            <pc:sldMk cId="795176379" sldId="260"/>
+            <ac:spMk id="18" creationId="{4B399856-2F8B-4D81-A513-672E4AD7814A}"/>
+          </ac:spMkLst>
+        </pc:spChg>
+        <pc:spChg chg="mod">
+          <ac:chgData name="Lucas F." userId="bead9aa2788100d9" providerId="LiveId" clId="{24B3CCA9-CB6E-407C-A8B1-11B7B1A7398A}" dt="2020-09-25T10:01:47.901" v="4" actId="790"/>
+          <ac:spMkLst>
+            <pc:docMk/>
+            <pc:sldMk cId="795176379" sldId="260"/>
+            <ac:spMk id="19" creationId="{7B0599BC-87F4-4D57-A012-CA708C4243B0}"/>
+          </ac:spMkLst>
+        </pc:spChg>
+        <pc:spChg chg="mod">
+          <ac:chgData name="Lucas F." userId="bead9aa2788100d9" providerId="LiveId" clId="{24B3CCA9-CB6E-407C-A8B1-11B7B1A7398A}" dt="2020-09-25T10:01:47.901" v="4" actId="790"/>
+          <ac:spMkLst>
+            <pc:docMk/>
+            <pc:sldMk cId="795176379" sldId="260"/>
+            <ac:spMk id="20" creationId="{9705DBD4-8F12-42DD-B6E3-A3F797ED0E64}"/>
+          </ac:spMkLst>
+        </pc:spChg>
+        <pc:spChg chg="mod">
+          <ac:chgData name="Lucas F." userId="bead9aa2788100d9" providerId="LiveId" clId="{24B3CCA9-CB6E-407C-A8B1-11B7B1A7398A}" dt="2020-09-25T10:01:47.901" v="4" actId="790"/>
+          <ac:spMkLst>
+            <pc:docMk/>
+            <pc:sldMk cId="795176379" sldId="260"/>
+            <ac:spMk id="21" creationId="{15084416-FD86-4FBD-B999-CF8C72531376}"/>
+          </ac:spMkLst>
+        </pc:spChg>
+        <pc:spChg chg="mod">
+          <ac:chgData name="Lucas F." userId="bead9aa2788100d9" providerId="LiveId" clId="{24B3CCA9-CB6E-407C-A8B1-11B7B1A7398A}" dt="2020-09-25T10:01:47.901" v="4" actId="790"/>
+          <ac:spMkLst>
+            <pc:docMk/>
+            <pc:sldMk cId="795176379" sldId="260"/>
+            <ac:spMk id="22" creationId="{F194E7BD-0022-45CC-AC93-289B9F511A19}"/>
+          </ac:spMkLst>
+        </pc:spChg>
+        <pc:spChg chg="mod">
+          <ac:chgData name="Lucas F." userId="bead9aa2788100d9" providerId="LiveId" clId="{24B3CCA9-CB6E-407C-A8B1-11B7B1A7398A}" dt="2020-09-25T10:01:47.901" v="4" actId="790"/>
+          <ac:spMkLst>
+            <pc:docMk/>
+            <pc:sldMk cId="795176379" sldId="260"/>
+            <ac:spMk id="23" creationId="{B69B8D10-89C8-4820-8368-4CB9D83808F4}"/>
+          </ac:spMkLst>
+        </pc:spChg>
+        <pc:spChg chg="mod">
+          <ac:chgData name="Lucas F." userId="bead9aa2788100d9" providerId="LiveId" clId="{24B3CCA9-CB6E-407C-A8B1-11B7B1A7398A}" dt="2020-09-25T10:01:47.901" v="4" actId="790"/>
+          <ac:spMkLst>
+            <pc:docMk/>
+            <pc:sldMk cId="795176379" sldId="260"/>
+            <ac:spMk id="24" creationId="{0F0D5707-83AB-4346-858B-7C81C16EA156}"/>
+          </ac:spMkLst>
+        </pc:spChg>
+        <pc:spChg chg="mod">
+          <ac:chgData name="Lucas F." userId="bead9aa2788100d9" providerId="LiveId" clId="{24B3CCA9-CB6E-407C-A8B1-11B7B1A7398A}" dt="2020-09-25T10:01:47.901" v="4" actId="790"/>
+          <ac:spMkLst>
+            <pc:docMk/>
+            <pc:sldMk cId="795176379" sldId="260"/>
+            <ac:spMk id="36" creationId="{28C01750-3C35-4A3A-BB3C-5E1EAAC66298}"/>
+          </ac:spMkLst>
+        </pc:spChg>
+        <pc:spChg chg="mod">
+          <ac:chgData name="Lucas F." userId="bead9aa2788100d9" providerId="LiveId" clId="{24B3CCA9-CB6E-407C-A8B1-11B7B1A7398A}" dt="2020-09-25T10:01:47.901" v="4" actId="790"/>
+          <ac:spMkLst>
+            <pc:docMk/>
+            <pc:sldMk cId="795176379" sldId="260"/>
+            <ac:spMk id="37" creationId="{DEF27723-0AF0-4712-B823-7E079DF664D7}"/>
+          </ac:spMkLst>
+        </pc:spChg>
+        <pc:spChg chg="mod">
+          <ac:chgData name="Lucas F." userId="bead9aa2788100d9" providerId="LiveId" clId="{24B3CCA9-CB6E-407C-A8B1-11B7B1A7398A}" dt="2020-09-25T10:01:47.901" v="4" actId="790"/>
+          <ac:spMkLst>
+            <pc:docMk/>
+            <pc:sldMk cId="795176379" sldId="260"/>
+            <ac:spMk id="38" creationId="{95EB6582-9AAA-4E23-B3C8-3B0801E77211}"/>
+          </ac:spMkLst>
+        </pc:spChg>
+        <pc:spChg chg="mod">
+          <ac:chgData name="Lucas F." userId="bead9aa2788100d9" providerId="LiveId" clId="{24B3CCA9-CB6E-407C-A8B1-11B7B1A7398A}" dt="2020-09-25T10:03:03.834" v="14" actId="313"/>
+          <ac:spMkLst>
+            <pc:docMk/>
+            <pc:sldMk cId="795176379" sldId="260"/>
+            <ac:spMk id="39" creationId="{F684E55A-3355-4B39-988F-0D6E44305CC2}"/>
+          </ac:spMkLst>
+        </pc:spChg>
+        <pc:spChg chg="mod">
+          <ac:chgData name="Lucas F." userId="bead9aa2788100d9" providerId="LiveId" clId="{24B3CCA9-CB6E-407C-A8B1-11B7B1A7398A}" dt="2020-09-25T10:01:47.901" v="4" actId="790"/>
+          <ac:spMkLst>
+            <pc:docMk/>
+            <pc:sldMk cId="795176379" sldId="260"/>
+            <ac:spMk id="40" creationId="{1A7EC6A9-2BAB-4957-A579-BA38FF9F26F3}"/>
+          </ac:spMkLst>
+        </pc:spChg>
+        <pc:spChg chg="mod">
+          <ac:chgData name="Lucas F." userId="bead9aa2788100d9" providerId="LiveId" clId="{24B3CCA9-CB6E-407C-A8B1-11B7B1A7398A}" dt="2020-09-25T10:01:47.901" v="4" actId="790"/>
+          <ac:spMkLst>
+            <pc:docMk/>
+            <pc:sldMk cId="795176379" sldId="260"/>
+            <ac:spMk id="41" creationId="{9F6B841D-0681-4A9E-80FA-AC60A9B3D0C7}"/>
+          </ac:spMkLst>
+        </pc:spChg>
+        <pc:spChg chg="mod">
+          <ac:chgData name="Lucas F." userId="bead9aa2788100d9" providerId="LiveId" clId="{24B3CCA9-CB6E-407C-A8B1-11B7B1A7398A}" dt="2020-09-25T10:01:47.901" v="4" actId="790"/>
+          <ac:spMkLst>
+            <pc:docMk/>
+            <pc:sldMk cId="795176379" sldId="260"/>
+            <ac:spMk id="42" creationId="{385AF2BB-64B2-4265-8FCD-0B01667E8133}"/>
+          </ac:spMkLst>
+        </pc:spChg>
+        <pc:spChg chg="mod">
+          <ac:chgData name="Lucas F." userId="bead9aa2788100d9" providerId="LiveId" clId="{24B3CCA9-CB6E-407C-A8B1-11B7B1A7398A}" dt="2020-09-25T10:01:47.901" v="4" actId="790"/>
+          <ac:spMkLst>
+            <pc:docMk/>
+            <pc:sldMk cId="795176379" sldId="260"/>
+            <ac:spMk id="43" creationId="{459B3BCE-0C99-4721-B66D-411F3C4B993E}"/>
+          </ac:spMkLst>
+        </pc:spChg>
+        <pc:spChg chg="mod">
+          <ac:chgData name="Lucas F." userId="bead9aa2788100d9" providerId="LiveId" clId="{24B3CCA9-CB6E-407C-A8B1-11B7B1A7398A}" dt="2020-09-25T10:05:09.533" v="37" actId="33524"/>
+          <ac:spMkLst>
+            <pc:docMk/>
+            <pc:sldMk cId="795176379" sldId="260"/>
+            <ac:spMk id="44" creationId="{53B261E4-5C7B-41C3-9940-6537A4CF174B}"/>
+          </ac:spMkLst>
+        </pc:spChg>
+        <pc:spChg chg="mod">
+          <ac:chgData name="Lucas F." userId="bead9aa2788100d9" providerId="LiveId" clId="{24B3CCA9-CB6E-407C-A8B1-11B7B1A7398A}" dt="2020-09-25T10:01:47.901" v="4" actId="790"/>
+          <ac:spMkLst>
+            <pc:docMk/>
+            <pc:sldMk cId="795176379" sldId="260"/>
+            <ac:spMk id="57" creationId="{54BB86A9-9033-4270-B7A3-CC5156B0798C}"/>
+          </ac:spMkLst>
+        </pc:spChg>
+      </pc:sldChg>
+      <pc:sldChg chg="modSp">
+        <pc:chgData name="Lucas F." userId="bead9aa2788100d9" providerId="LiveId" clId="{24B3CCA9-CB6E-407C-A8B1-11B7B1A7398A}" dt="2020-09-25T10:03:06.071" v="16" actId="313"/>
+        <pc:sldMkLst>
+          <pc:docMk/>
+          <pc:sldMk cId="3527822062" sldId="261"/>
+        </pc:sldMkLst>
+        <pc:spChg chg="mod">
+          <ac:chgData name="Lucas F." userId="bead9aa2788100d9" providerId="LiveId" clId="{24B3CCA9-CB6E-407C-A8B1-11B7B1A7398A}" dt="2020-09-25T10:03:06.071" v="16" actId="313"/>
+          <ac:spMkLst>
+            <pc:docMk/>
+            <pc:sldMk cId="3527822062" sldId="261"/>
+            <ac:spMk id="3" creationId="{F4A4B6BC-72F5-4A3B-97F0-7A17513F050F}"/>
+          </ac:spMkLst>
+        </pc:spChg>
+        <pc:spChg chg="mod">
+          <ac:chgData name="Lucas F." userId="bead9aa2788100d9" providerId="LiveId" clId="{24B3CCA9-CB6E-407C-A8B1-11B7B1A7398A}" dt="2020-09-25T10:01:52.620" v="5" actId="790"/>
+          <ac:spMkLst>
+            <pc:docMk/>
+            <pc:sldMk cId="3527822062" sldId="261"/>
+            <ac:spMk id="4" creationId="{D8082EE3-1F84-4EC7-BAE9-F85A3F201ACB}"/>
+          </ac:spMkLst>
+        </pc:spChg>
+        <pc:spChg chg="mod">
+          <ac:chgData name="Lucas F." userId="bead9aa2788100d9" providerId="LiveId" clId="{24B3CCA9-CB6E-407C-A8B1-11B7B1A7398A}" dt="2020-09-25T10:01:52.620" v="5" actId="790"/>
+          <ac:spMkLst>
+            <pc:docMk/>
+            <pc:sldMk cId="3527822062" sldId="261"/>
+            <ac:spMk id="5" creationId="{D3C61265-9258-4778-A395-4613730B0328}"/>
+          </ac:spMkLst>
+        </pc:spChg>
+        <pc:spChg chg="mod">
+          <ac:chgData name="Lucas F." userId="bead9aa2788100d9" providerId="LiveId" clId="{24B3CCA9-CB6E-407C-A8B1-11B7B1A7398A}" dt="2020-09-25T10:01:52.620" v="5" actId="790"/>
+          <ac:spMkLst>
+            <pc:docMk/>
+            <pc:sldMk cId="3527822062" sldId="261"/>
+            <ac:spMk id="6" creationId="{3E3A3AA1-58AA-4EE7-BE49-4C9A67AF7D24}"/>
+          </ac:spMkLst>
+        </pc:spChg>
+      </pc:sldChg>
+      <pc:sldChg chg="modSp">
+        <pc:chgData name="Lucas F." userId="bead9aa2788100d9" providerId="LiveId" clId="{24B3CCA9-CB6E-407C-A8B1-11B7B1A7398A}" dt="2020-09-25T10:03:12.131" v="18"/>
+        <pc:sldMkLst>
+          <pc:docMk/>
+          <pc:sldMk cId="440403737" sldId="262"/>
+        </pc:sldMkLst>
+        <pc:spChg chg="mod">
+          <ac:chgData name="Lucas F." userId="bead9aa2788100d9" providerId="LiveId" clId="{24B3CCA9-CB6E-407C-A8B1-11B7B1A7398A}" dt="2020-09-25T10:03:07.225" v="17" actId="313"/>
+          <ac:spMkLst>
+            <pc:docMk/>
+            <pc:sldMk cId="440403737" sldId="262"/>
+            <ac:spMk id="3" creationId="{F4A4B6BC-72F5-4A3B-97F0-7A17513F050F}"/>
+          </ac:spMkLst>
+        </pc:spChg>
+        <pc:spChg chg="mod">
+          <ac:chgData name="Lucas F." userId="bead9aa2788100d9" providerId="LiveId" clId="{24B3CCA9-CB6E-407C-A8B1-11B7B1A7398A}" dt="2020-09-25T10:01:59.351" v="6" actId="790"/>
+          <ac:spMkLst>
+            <pc:docMk/>
+            <pc:sldMk cId="440403737" sldId="262"/>
+            <ac:spMk id="4" creationId="{D8082EE3-1F84-4EC7-BAE9-F85A3F201ACB}"/>
+          </ac:spMkLst>
+        </pc:spChg>
+        <pc:spChg chg="mod">
+          <ac:chgData name="Lucas F." userId="bead9aa2788100d9" providerId="LiveId" clId="{24B3CCA9-CB6E-407C-A8B1-11B7B1A7398A}" dt="2020-09-25T10:03:12.131" v="18"/>
+          <ac:spMkLst>
+            <pc:docMk/>
+            <pc:sldMk cId="440403737" sldId="262"/>
+            <ac:spMk id="5" creationId="{D3C61265-9258-4778-A395-4613730B0328}"/>
+          </ac:spMkLst>
+        </pc:spChg>
+        <pc:spChg chg="mod">
+          <ac:chgData name="Lucas F." userId="bead9aa2788100d9" providerId="LiveId" clId="{24B3CCA9-CB6E-407C-A8B1-11B7B1A7398A}" dt="2020-09-25T10:01:59.351" v="6" actId="790"/>
+          <ac:spMkLst>
+            <pc:docMk/>
+            <pc:sldMk cId="440403737" sldId="262"/>
+            <ac:spMk id="6" creationId="{3E3A3AA1-58AA-4EE7-BE49-4C9A67AF7D24}"/>
+          </ac:spMkLst>
+        </pc:spChg>
+      </pc:sldChg>
+      <pc:sldChg chg="modSp">
+        <pc:chgData name="Lucas F." userId="bead9aa2788100d9" providerId="LiveId" clId="{24B3CCA9-CB6E-407C-A8B1-11B7B1A7398A}" dt="2020-09-25T10:02:18.020" v="8" actId="790"/>
+        <pc:sldMkLst>
+          <pc:docMk/>
+          <pc:sldMk cId="3733509209" sldId="263"/>
+        </pc:sldMkLst>
+        <pc:spChg chg="mod">
+          <ac:chgData name="Lucas F." userId="bead9aa2788100d9" providerId="LiveId" clId="{24B3CCA9-CB6E-407C-A8B1-11B7B1A7398A}" dt="2020-09-25T10:02:18.020" v="8" actId="790"/>
+          <ac:spMkLst>
+            <pc:docMk/>
+            <pc:sldMk cId="3733509209" sldId="263"/>
+            <ac:spMk id="3" creationId="{F4A4B6BC-72F5-4A3B-97F0-7A17513F050F}"/>
+          </ac:spMkLst>
+        </pc:spChg>
+        <pc:spChg chg="mod">
+          <ac:chgData name="Lucas F." userId="bead9aa2788100d9" providerId="LiveId" clId="{24B3CCA9-CB6E-407C-A8B1-11B7B1A7398A}" dt="2020-09-25T10:02:18.020" v="8" actId="790"/>
+          <ac:spMkLst>
+            <pc:docMk/>
+            <pc:sldMk cId="3733509209" sldId="263"/>
+            <ac:spMk id="6" creationId="{3E3A3AA1-58AA-4EE7-BE49-4C9A67AF7D24}"/>
+          </ac:spMkLst>
+        </pc:spChg>
+      </pc:sldChg>
+      <pc:sldChg chg="modSp">
+        <pc:chgData name="Lucas F." userId="bead9aa2788100d9" providerId="LiveId" clId="{24B3CCA9-CB6E-407C-A8B1-11B7B1A7398A}" dt="2020-09-25T10:03:15.043" v="19" actId="313"/>
+        <pc:sldMkLst>
+          <pc:docMk/>
+          <pc:sldMk cId="734460898" sldId="264"/>
+        </pc:sldMkLst>
+        <pc:spChg chg="mod">
+          <ac:chgData name="Lucas F." userId="bead9aa2788100d9" providerId="LiveId" clId="{24B3CCA9-CB6E-407C-A8B1-11B7B1A7398A}" dt="2020-09-25T10:02:03.701" v="7" actId="790"/>
+          <ac:spMkLst>
+            <pc:docMk/>
+            <pc:sldMk cId="734460898" sldId="264"/>
+            <ac:spMk id="3" creationId="{F4A4B6BC-72F5-4A3B-97F0-7A17513F050F}"/>
+          </ac:spMkLst>
+        </pc:spChg>
+        <pc:spChg chg="mod">
+          <ac:chgData name="Lucas F." userId="bead9aa2788100d9" providerId="LiveId" clId="{24B3CCA9-CB6E-407C-A8B1-11B7B1A7398A}" dt="2020-09-25T10:02:03.701" v="7" actId="790"/>
+          <ac:spMkLst>
+            <pc:docMk/>
+            <pc:sldMk cId="734460898" sldId="264"/>
+            <ac:spMk id="4" creationId="{D8082EE3-1F84-4EC7-BAE9-F85A3F201ACB}"/>
+          </ac:spMkLst>
+        </pc:spChg>
+        <pc:spChg chg="mod">
+          <ac:chgData name="Lucas F." userId="bead9aa2788100d9" providerId="LiveId" clId="{24B3CCA9-CB6E-407C-A8B1-11B7B1A7398A}" dt="2020-09-25T10:03:15.043" v="19" actId="313"/>
+          <ac:spMkLst>
+            <pc:docMk/>
+            <pc:sldMk cId="734460898" sldId="264"/>
+            <ac:spMk id="5" creationId="{D3C61265-9258-4778-A395-4613730B0328}"/>
+          </ac:spMkLst>
+        </pc:spChg>
+        <pc:spChg chg="mod">
+          <ac:chgData name="Lucas F." userId="bead9aa2788100d9" providerId="LiveId" clId="{24B3CCA9-CB6E-407C-A8B1-11B7B1A7398A}" dt="2020-09-25T10:02:03.701" v="7" actId="790"/>
+          <ac:spMkLst>
+            <pc:docMk/>
+            <pc:sldMk cId="734460898" sldId="264"/>
+            <ac:spMk id="6" creationId="{3E3A3AA1-58AA-4EE7-BE49-4C9A67AF7D24}"/>
+          </ac:spMkLst>
+        </pc:spChg>
+      </pc:sldChg>
+      <pc:sldChg chg="modSp">
+        <pc:chgData name="Lucas F." userId="bead9aa2788100d9" providerId="LiveId" clId="{24B3CCA9-CB6E-407C-A8B1-11B7B1A7398A}" dt="2020-09-25T10:03:19.718" v="21"/>
+        <pc:sldMkLst>
+          <pc:docMk/>
+          <pc:sldMk cId="1923879552" sldId="265"/>
+        </pc:sldMkLst>
+        <pc:spChg chg="mod">
+          <ac:chgData name="Lucas F." userId="bead9aa2788100d9" providerId="LiveId" clId="{24B3CCA9-CB6E-407C-A8B1-11B7B1A7398A}" dt="2020-09-25T10:02:27.665" v="9" actId="790"/>
+          <ac:spMkLst>
+            <pc:docMk/>
+            <pc:sldMk cId="1923879552" sldId="265"/>
+            <ac:spMk id="6" creationId="{3E3A3AA1-58AA-4EE7-BE49-4C9A67AF7D24}"/>
+          </ac:spMkLst>
+        </pc:spChg>
+        <pc:spChg chg="mod">
+          <ac:chgData name="Lucas F." userId="bead9aa2788100d9" providerId="LiveId" clId="{24B3CCA9-CB6E-407C-A8B1-11B7B1A7398A}" dt="2020-09-25T10:03:19.718" v="21"/>
+          <ac:spMkLst>
+            <pc:docMk/>
+            <pc:sldMk cId="1923879552" sldId="265"/>
+            <ac:spMk id="8" creationId="{7C0E275A-9D3E-43B8-BA3A-558CD1B27E31}"/>
+          </ac:spMkLst>
+        </pc:spChg>
+      </pc:sldChg>
+      <pc:sldChg chg="modSp">
+        <pc:chgData name="Lucas F." userId="bead9aa2788100d9" providerId="LiveId" clId="{24B3CCA9-CB6E-407C-A8B1-11B7B1A7398A}" dt="2020-09-25T10:03:21.902" v="22" actId="313"/>
+        <pc:sldMkLst>
+          <pc:docMk/>
+          <pc:sldMk cId="4216062110" sldId="266"/>
+        </pc:sldMkLst>
+        <pc:spChg chg="mod">
+          <ac:chgData name="Lucas F." userId="bead9aa2788100d9" providerId="LiveId" clId="{24B3CCA9-CB6E-407C-A8B1-11B7B1A7398A}" dt="2020-09-25T10:02:33.382" v="10" actId="790"/>
+          <ac:spMkLst>
+            <pc:docMk/>
+            <pc:sldMk cId="4216062110" sldId="266"/>
+            <ac:spMk id="6" creationId="{3E3A3AA1-58AA-4EE7-BE49-4C9A67AF7D24}"/>
+          </ac:spMkLst>
+        </pc:spChg>
+        <pc:spChg chg="mod">
+          <ac:chgData name="Lucas F." userId="bead9aa2788100d9" providerId="LiveId" clId="{24B3CCA9-CB6E-407C-A8B1-11B7B1A7398A}" dt="2020-09-25T10:03:21.902" v="22" actId="313"/>
+          <ac:spMkLst>
+            <pc:docMk/>
+            <pc:sldMk cId="4216062110" sldId="266"/>
+            <ac:spMk id="7" creationId="{134155ED-8CF0-466D-8F68-910A3A54FD4B}"/>
+          </ac:spMkLst>
+        </pc:spChg>
+      </pc:sldChg>
+      <pc:sldChg chg="modSp">
+        <pc:chgData name="Lucas F." userId="bead9aa2788100d9" providerId="LiveId" clId="{24B3CCA9-CB6E-407C-A8B1-11B7B1A7398A}" dt="2020-09-25T10:02:37.568" v="11" actId="790"/>
+        <pc:sldMkLst>
+          <pc:docMk/>
+          <pc:sldMk cId="1441180185" sldId="267"/>
+        </pc:sldMkLst>
+        <pc:spChg chg="mod">
+          <ac:chgData name="Lucas F." userId="bead9aa2788100d9" providerId="LiveId" clId="{24B3CCA9-CB6E-407C-A8B1-11B7B1A7398A}" dt="2020-09-25T10:02:37.568" v="11" actId="790"/>
+          <ac:spMkLst>
+            <pc:docMk/>
+            <pc:sldMk cId="1441180185" sldId="267"/>
+            <ac:spMk id="2" creationId="{40BFBDCA-97AE-454F-833A-3CB1FF1C354A}"/>
+          </ac:spMkLst>
+        </pc:spChg>
+        <pc:spChg chg="mod">
+          <ac:chgData name="Lucas F." userId="bead9aa2788100d9" providerId="LiveId" clId="{24B3CCA9-CB6E-407C-A8B1-11B7B1A7398A}" dt="2020-09-25T10:02:37.568" v="11" actId="790"/>
+          <ac:spMkLst>
+            <pc:docMk/>
+            <pc:sldMk cId="1441180185" sldId="267"/>
+            <ac:spMk id="5" creationId="{3A0B1CD9-8159-467E-A119-39C6413401D8}"/>
+          </ac:spMkLst>
+        </pc:spChg>
+        <pc:spChg chg="mod">
+          <ac:chgData name="Lucas F." userId="bead9aa2788100d9" providerId="LiveId" clId="{24B3CCA9-CB6E-407C-A8B1-11B7B1A7398A}" dt="2020-09-25T10:02:37.568" v="11" actId="790"/>
+          <ac:spMkLst>
+            <pc:docMk/>
+            <pc:sldMk cId="1441180185" sldId="267"/>
+            <ac:spMk id="6" creationId="{3E3A3AA1-58AA-4EE7-BE49-4C9A67AF7D24}"/>
+          </ac:spMkLst>
+        </pc:spChg>
+        <pc:spChg chg="mod">
+          <ac:chgData name="Lucas F." userId="bead9aa2788100d9" providerId="LiveId" clId="{24B3CCA9-CB6E-407C-A8B1-11B7B1A7398A}" dt="2020-09-25T10:02:37.568" v="11" actId="790"/>
+          <ac:spMkLst>
+            <pc:docMk/>
+            <pc:sldMk cId="1441180185" sldId="267"/>
+            <ac:spMk id="7" creationId="{134155ED-8CF0-466D-8F68-910A3A54FD4B}"/>
+          </ac:spMkLst>
+        </pc:spChg>
+        <pc:spChg chg="mod">
+          <ac:chgData name="Lucas F." userId="bead9aa2788100d9" providerId="LiveId" clId="{24B3CCA9-CB6E-407C-A8B1-11B7B1A7398A}" dt="2020-09-25T10:02:37.568" v="11" actId="790"/>
+          <ac:spMkLst>
+            <pc:docMk/>
+            <pc:sldMk cId="1441180185" sldId="267"/>
+            <ac:spMk id="8" creationId="{BD73AB03-D3B0-4470-AAA0-BB73244ABE52}"/>
+          </ac:spMkLst>
+        </pc:spChg>
+        <pc:spChg chg="mod">
+          <ac:chgData name="Lucas F." userId="bead9aa2788100d9" providerId="LiveId" clId="{24B3CCA9-CB6E-407C-A8B1-11B7B1A7398A}" dt="2020-09-25T10:02:37.568" v="11" actId="790"/>
+          <ac:spMkLst>
+            <pc:docMk/>
+            <pc:sldMk cId="1441180185" sldId="267"/>
+            <ac:spMk id="9" creationId="{95D18FE8-CEE5-4BD6-A978-F9D536E59EA9}"/>
+          </ac:spMkLst>
+        </pc:spChg>
+        <pc:spChg chg="mod">
+          <ac:chgData name="Lucas F." userId="bead9aa2788100d9" providerId="LiveId" clId="{24B3CCA9-CB6E-407C-A8B1-11B7B1A7398A}" dt="2020-09-25T10:02:37.568" v="11" actId="790"/>
+          <ac:spMkLst>
+            <pc:docMk/>
+            <pc:sldMk cId="1441180185" sldId="267"/>
+            <ac:spMk id="10" creationId="{EE0E5C93-6755-4C7D-B95E-D8C804D6E4BC}"/>
+          </ac:spMkLst>
+        </pc:spChg>
+        <pc:spChg chg="mod">
+          <ac:chgData name="Lucas F." userId="bead9aa2788100d9" providerId="LiveId" clId="{24B3CCA9-CB6E-407C-A8B1-11B7B1A7398A}" dt="2020-09-25T10:02:37.568" v="11" actId="790"/>
+          <ac:spMkLst>
+            <pc:docMk/>
+            <pc:sldMk cId="1441180185" sldId="267"/>
+            <ac:spMk id="11" creationId="{43C9D49B-73AD-41F6-9A2E-14DA6C18CCD5}"/>
+          </ac:spMkLst>
+        </pc:spChg>
+        <pc:spChg chg="mod">
+          <ac:chgData name="Lucas F." userId="bead9aa2788100d9" providerId="LiveId" clId="{24B3CCA9-CB6E-407C-A8B1-11B7B1A7398A}" dt="2020-09-25T10:02:37.568" v="11" actId="790"/>
+          <ac:spMkLst>
+            <pc:docMk/>
+            <pc:sldMk cId="1441180185" sldId="267"/>
+            <ac:spMk id="12" creationId="{A95328B6-545C-4F95-92EC-AF2429B990AF}"/>
+          </ac:spMkLst>
+        </pc:spChg>
+        <pc:spChg chg="mod">
+          <ac:chgData name="Lucas F." userId="bead9aa2788100d9" providerId="LiveId" clId="{24B3CCA9-CB6E-407C-A8B1-11B7B1A7398A}" dt="2020-09-25T10:02:37.568" v="11" actId="790"/>
+          <ac:spMkLst>
+            <pc:docMk/>
+            <pc:sldMk cId="1441180185" sldId="267"/>
+            <ac:spMk id="13" creationId="{0BECACDF-39EC-438B-BE5D-88CCF7CDD222}"/>
+          </ac:spMkLst>
+        </pc:spChg>
+        <pc:spChg chg="mod">
+          <ac:chgData name="Lucas F." userId="bead9aa2788100d9" providerId="LiveId" clId="{24B3CCA9-CB6E-407C-A8B1-11B7B1A7398A}" dt="2020-09-25T10:02:37.568" v="11" actId="790"/>
+          <ac:spMkLst>
+            <pc:docMk/>
+            <pc:sldMk cId="1441180185" sldId="267"/>
+            <ac:spMk id="14" creationId="{69738194-3228-46DE-AD09-DC58B6BD014E}"/>
+          </ac:spMkLst>
+        </pc:spChg>
+        <pc:spChg chg="mod">
+          <ac:chgData name="Lucas F." userId="bead9aa2788100d9" providerId="LiveId" clId="{24B3CCA9-CB6E-407C-A8B1-11B7B1A7398A}" dt="2020-09-25T10:02:37.568" v="11" actId="790"/>
+          <ac:spMkLst>
+            <pc:docMk/>
+            <pc:sldMk cId="1441180185" sldId="267"/>
+            <ac:spMk id="15" creationId="{D4130C4A-D69A-4F38-8D3B-3BDC0A9C6F21}"/>
+          </ac:spMkLst>
+        </pc:spChg>
+        <pc:spChg chg="mod">
+          <ac:chgData name="Lucas F." userId="bead9aa2788100d9" providerId="LiveId" clId="{24B3CCA9-CB6E-407C-A8B1-11B7B1A7398A}" dt="2020-09-25T10:02:37.568" v="11" actId="790"/>
+          <ac:spMkLst>
+            <pc:docMk/>
+            <pc:sldMk cId="1441180185" sldId="267"/>
+            <ac:spMk id="16" creationId="{317F09E4-9F16-47D7-924D-1ED6E2F294B6}"/>
+          </ac:spMkLst>
+        </pc:spChg>
+        <pc:spChg chg="mod">
+          <ac:chgData name="Lucas F." userId="bead9aa2788100d9" providerId="LiveId" clId="{24B3CCA9-CB6E-407C-A8B1-11B7B1A7398A}" dt="2020-09-25T10:02:37.568" v="11" actId="790"/>
+          <ac:spMkLst>
+            <pc:docMk/>
+            <pc:sldMk cId="1441180185" sldId="267"/>
+            <ac:spMk id="17" creationId="{696D02EC-3311-45A0-8461-D2F31506C1F4}"/>
+          </ac:spMkLst>
+        </pc:spChg>
+        <pc:spChg chg="mod">
+          <ac:chgData name="Lucas F." userId="bead9aa2788100d9" providerId="LiveId" clId="{24B3CCA9-CB6E-407C-A8B1-11B7B1A7398A}" dt="2020-09-25T10:02:37.568" v="11" actId="790"/>
+          <ac:spMkLst>
+            <pc:docMk/>
+            <pc:sldMk cId="1441180185" sldId="267"/>
+            <ac:spMk id="18" creationId="{FECBBAD9-61BD-442C-BE5A-DCC451E3B54A}"/>
+          </ac:spMkLst>
+        </pc:spChg>
+        <pc:spChg chg="mod">
+          <ac:chgData name="Lucas F." userId="bead9aa2788100d9" providerId="LiveId" clId="{24B3CCA9-CB6E-407C-A8B1-11B7B1A7398A}" dt="2020-09-25T10:02:37.568" v="11" actId="790"/>
+          <ac:spMkLst>
+            <pc:docMk/>
+            <pc:sldMk cId="1441180185" sldId="267"/>
+            <ac:spMk id="19" creationId="{5C9C0D44-E3C6-4672-9F79-03DEB72B5C15}"/>
+          </ac:spMkLst>
+        </pc:spChg>
+        <pc:spChg chg="mod">
+          <ac:chgData name="Lucas F." userId="bead9aa2788100d9" providerId="LiveId" clId="{24B3CCA9-CB6E-407C-A8B1-11B7B1A7398A}" dt="2020-09-25T10:02:37.568" v="11" actId="790"/>
+          <ac:spMkLst>
+            <pc:docMk/>
+            <pc:sldMk cId="1441180185" sldId="267"/>
+            <ac:spMk id="20" creationId="{3CC560C1-A231-4441-9BBB-FA8BF391AC98}"/>
+          </ac:spMkLst>
+        </pc:spChg>
+        <pc:spChg chg="mod">
+          <ac:chgData name="Lucas F." userId="bead9aa2788100d9" providerId="LiveId" clId="{24B3CCA9-CB6E-407C-A8B1-11B7B1A7398A}" dt="2020-09-25T10:02:37.568" v="11" actId="790"/>
+          <ac:spMkLst>
+            <pc:docMk/>
+            <pc:sldMk cId="1441180185" sldId="267"/>
+            <ac:spMk id="21" creationId="{87A108F5-95F5-444D-94ED-5F476146D9FD}"/>
+          </ac:spMkLst>
+        </pc:spChg>
+        <pc:spChg chg="mod">
+          <ac:chgData name="Lucas F." userId="bead9aa2788100d9" providerId="LiveId" clId="{24B3CCA9-CB6E-407C-A8B1-11B7B1A7398A}" dt="2020-09-25T10:02:37.568" v="11" actId="790"/>
+          <ac:spMkLst>
+            <pc:docMk/>
+            <pc:sldMk cId="1441180185" sldId="267"/>
+            <ac:spMk id="22" creationId="{944B5245-158D-4066-BD51-7E408FDEA920}"/>
+          </ac:spMkLst>
+        </pc:spChg>
+        <pc:spChg chg="mod">
+          <ac:chgData name="Lucas F." userId="bead9aa2788100d9" providerId="LiveId" clId="{24B3CCA9-CB6E-407C-A8B1-11B7B1A7398A}" dt="2020-09-25T10:02:37.568" v="11" actId="790"/>
+          <ac:spMkLst>
+            <pc:docMk/>
+            <pc:sldMk cId="1441180185" sldId="267"/>
+            <ac:spMk id="23" creationId="{71C9FD30-5A85-4675-95CC-358DBAD1D688}"/>
+          </ac:spMkLst>
+        </pc:spChg>
+        <pc:spChg chg="mod">
+          <ac:chgData name="Lucas F." userId="bead9aa2788100d9" providerId="LiveId" clId="{24B3CCA9-CB6E-407C-A8B1-11B7B1A7398A}" dt="2020-09-25T10:02:37.568" v="11" actId="790"/>
+          <ac:spMkLst>
+            <pc:docMk/>
+            <pc:sldMk cId="1441180185" sldId="267"/>
+            <ac:spMk id="24" creationId="{59ADDDA4-704E-47E6-80AE-BAFA3B916F6D}"/>
+          </ac:spMkLst>
+        </pc:spChg>
+        <pc:spChg chg="mod">
+          <ac:chgData name="Lucas F." userId="bead9aa2788100d9" providerId="LiveId" clId="{24B3CCA9-CB6E-407C-A8B1-11B7B1A7398A}" dt="2020-09-25T10:02:37.568" v="11" actId="790"/>
+          <ac:spMkLst>
+            <pc:docMk/>
+            <pc:sldMk cId="1441180185" sldId="267"/>
+            <ac:spMk id="25" creationId="{3B0DB064-BE17-4BDE-A3A4-EA5021C3F0F6}"/>
+          </ac:spMkLst>
+        </pc:spChg>
+        <pc:spChg chg="mod">
+          <ac:chgData name="Lucas F." userId="bead9aa2788100d9" providerId="LiveId" clId="{24B3CCA9-CB6E-407C-A8B1-11B7B1A7398A}" dt="2020-09-25T10:02:37.568" v="11" actId="790"/>
+          <ac:spMkLst>
+            <pc:docMk/>
+            <pc:sldMk cId="1441180185" sldId="267"/>
+            <ac:spMk id="37" creationId="{F733D36B-B426-4A2A-8D90-10827EC859A5}"/>
+          </ac:spMkLst>
+        </pc:spChg>
+        <pc:spChg chg="mod">
+          <ac:chgData name="Lucas F." userId="bead9aa2788100d9" providerId="LiveId" clId="{24B3CCA9-CB6E-407C-A8B1-11B7B1A7398A}" dt="2020-09-25T10:02:37.568" v="11" actId="790"/>
+          <ac:spMkLst>
+            <pc:docMk/>
+            <pc:sldMk cId="1441180185" sldId="267"/>
+            <ac:spMk id="38" creationId="{F30A818E-65DC-4DA7-B30A-1405A956EB31}"/>
+          </ac:spMkLst>
+        </pc:spChg>
+        <pc:spChg chg="mod">
+          <ac:chgData name="Lucas F." userId="bead9aa2788100d9" providerId="LiveId" clId="{24B3CCA9-CB6E-407C-A8B1-11B7B1A7398A}" dt="2020-09-25T10:02:37.568" v="11" actId="790"/>
+          <ac:spMkLst>
+            <pc:docMk/>
+            <pc:sldMk cId="1441180185" sldId="267"/>
+            <ac:spMk id="39" creationId="{24A8DD79-273F-410F-81BC-75CEF6492CE3}"/>
+          </ac:spMkLst>
+        </pc:spChg>
+        <pc:spChg chg="mod">
+          <ac:chgData name="Lucas F." userId="bead9aa2788100d9" providerId="LiveId" clId="{24B3CCA9-CB6E-407C-A8B1-11B7B1A7398A}" dt="2020-09-25T10:02:37.568" v="11" actId="790"/>
+          <ac:spMkLst>
+            <pc:docMk/>
+            <pc:sldMk cId="1441180185" sldId="267"/>
+            <ac:spMk id="40" creationId="{02DD61CE-EF67-463E-8CB2-885A9F39399B}"/>
+          </ac:spMkLst>
+        </pc:spChg>
+        <pc:spChg chg="mod">
+          <ac:chgData name="Lucas F." userId="bead9aa2788100d9" providerId="LiveId" clId="{24B3CCA9-CB6E-407C-A8B1-11B7B1A7398A}" dt="2020-09-25T10:02:37.568" v="11" actId="790"/>
+          <ac:spMkLst>
+            <pc:docMk/>
+            <pc:sldMk cId="1441180185" sldId="267"/>
+            <ac:spMk id="41" creationId="{35C865FA-65B0-4720-B60A-EE0A64B28C26}"/>
+          </ac:spMkLst>
+        </pc:spChg>
+        <pc:spChg chg="mod">
+          <ac:chgData name="Lucas F." userId="bead9aa2788100d9" providerId="LiveId" clId="{24B3CCA9-CB6E-407C-A8B1-11B7B1A7398A}" dt="2020-09-25T10:02:37.568" v="11" actId="790"/>
+          <ac:spMkLst>
+            <pc:docMk/>
+            <pc:sldMk cId="1441180185" sldId="267"/>
+            <ac:spMk id="42" creationId="{E7ACA6E0-15B7-435B-9571-94E7562FD5FA}"/>
+          </ac:spMkLst>
+        </pc:spChg>
+        <pc:spChg chg="mod">
+          <ac:chgData name="Lucas F." userId="bead9aa2788100d9" providerId="LiveId" clId="{24B3CCA9-CB6E-407C-A8B1-11B7B1A7398A}" dt="2020-09-25T10:02:37.568" v="11" actId="790"/>
+          <ac:spMkLst>
+            <pc:docMk/>
+            <pc:sldMk cId="1441180185" sldId="267"/>
+            <ac:spMk id="43" creationId="{34D74EFA-31BC-4588-9A22-0DAE057B8EB9}"/>
+          </ac:spMkLst>
+        </pc:spChg>
+        <pc:spChg chg="mod">
+          <ac:chgData name="Lucas F." userId="bead9aa2788100d9" providerId="LiveId" clId="{24B3CCA9-CB6E-407C-A8B1-11B7B1A7398A}" dt="2020-09-25T10:02:37.568" v="11" actId="790"/>
+          <ac:spMkLst>
+            <pc:docMk/>
+            <pc:sldMk cId="1441180185" sldId="267"/>
+            <ac:spMk id="44" creationId="{54AB7BD8-95F7-484B-961A-13C7AF1C8252}"/>
+          </ac:spMkLst>
+        </pc:spChg>
+        <pc:spChg chg="mod">
+          <ac:chgData name="Lucas F." userId="bead9aa2788100d9" providerId="LiveId" clId="{24B3CCA9-CB6E-407C-A8B1-11B7B1A7398A}" dt="2020-09-25T10:02:37.568" v="11" actId="790"/>
+          <ac:spMkLst>
+            <pc:docMk/>
+            <pc:sldMk cId="1441180185" sldId="267"/>
+            <ac:spMk id="45" creationId="{2B30BD41-E613-4903-9CAB-1E3E16B2ED3B}"/>
+          </ac:spMkLst>
+        </pc:spChg>
+        <pc:spChg chg="mod">
+          <ac:chgData name="Lucas F." userId="bead9aa2788100d9" providerId="LiveId" clId="{24B3CCA9-CB6E-407C-A8B1-11B7B1A7398A}" dt="2020-09-25T10:02:37.568" v="11" actId="790"/>
+          <ac:spMkLst>
+            <pc:docMk/>
+            <pc:sldMk cId="1441180185" sldId="267"/>
+            <ac:spMk id="46" creationId="{C9A42D21-3F4F-45CE-AF0D-B62632F5F908}"/>
+          </ac:spMkLst>
+        </pc:spChg>
+        <pc:spChg chg="mod">
+          <ac:chgData name="Lucas F." userId="bead9aa2788100d9" providerId="LiveId" clId="{24B3CCA9-CB6E-407C-A8B1-11B7B1A7398A}" dt="2020-09-25T10:02:37.568" v="11" actId="790"/>
+          <ac:spMkLst>
+            <pc:docMk/>
+            <pc:sldMk cId="1441180185" sldId="267"/>
+            <ac:spMk id="52" creationId="{545D11FA-612E-441F-8B43-357595EF49AD}"/>
+          </ac:spMkLst>
+        </pc:spChg>
+      </pc:sldChg>
+      <pc:sldChg chg="modSp">
+        <pc:chgData name="Lucas F." userId="bead9aa2788100d9" providerId="LiveId" clId="{24B3CCA9-CB6E-407C-A8B1-11B7B1A7398A}" dt="2020-09-25T10:02:41.753" v="12" actId="790"/>
+        <pc:sldMkLst>
+          <pc:docMk/>
+          <pc:sldMk cId="3033248655" sldId="268"/>
+        </pc:sldMkLst>
+        <pc:spChg chg="mod">
+          <ac:chgData name="Lucas F." userId="bead9aa2788100d9" providerId="LiveId" clId="{24B3CCA9-CB6E-407C-A8B1-11B7B1A7398A}" dt="2020-09-25T10:02:41.753" v="12" actId="790"/>
+          <ac:spMkLst>
+            <pc:docMk/>
+            <pc:sldMk cId="3033248655" sldId="268"/>
+            <ac:spMk id="6" creationId="{3E3A3AA1-58AA-4EE7-BE49-4C9A67AF7D24}"/>
+          </ac:spMkLst>
+        </pc:spChg>
+        <pc:spChg chg="mod">
+          <ac:chgData name="Lucas F." userId="bead9aa2788100d9" providerId="LiveId" clId="{24B3CCA9-CB6E-407C-A8B1-11B7B1A7398A}" dt="2020-09-25T10:02:41.753" v="12" actId="790"/>
+          <ac:spMkLst>
+            <pc:docMk/>
+            <pc:sldMk cId="3033248655" sldId="268"/>
+            <ac:spMk id="7" creationId="{134155ED-8CF0-466D-8F68-910A3A54FD4B}"/>
+          </ac:spMkLst>
+        </pc:spChg>
+      </pc:sldChg>
+      <pc:sldChg chg="modSp">
+        <pc:chgData name="Lucas F." userId="bead9aa2788100d9" providerId="LiveId" clId="{24B3CCA9-CB6E-407C-A8B1-11B7B1A7398A}" dt="2020-09-25T10:03:31.770" v="32" actId="20577"/>
+        <pc:sldMkLst>
+          <pc:docMk/>
+          <pc:sldMk cId="4094628579" sldId="269"/>
+        </pc:sldMkLst>
+        <pc:spChg chg="mod">
+          <ac:chgData name="Lucas F." userId="bead9aa2788100d9" providerId="LiveId" clId="{24B3CCA9-CB6E-407C-A8B1-11B7B1A7398A}" dt="2020-09-25T10:02:50.031" v="13" actId="790"/>
+          <ac:spMkLst>
+            <pc:docMk/>
+            <pc:sldMk cId="4094628579" sldId="269"/>
+            <ac:spMk id="2" creationId="{9B4DC892-5DB0-4D80-8D7B-070E71D600FB}"/>
+          </ac:spMkLst>
+        </pc:spChg>
+        <pc:spChg chg="mod">
+          <ac:chgData name="Lucas F." userId="bead9aa2788100d9" providerId="LiveId" clId="{24B3CCA9-CB6E-407C-A8B1-11B7B1A7398A}" dt="2020-09-25T10:03:31.770" v="32" actId="20577"/>
+          <ac:spMkLst>
+            <pc:docMk/>
+            <pc:sldMk cId="4094628579" sldId="269"/>
+            <ac:spMk id="3" creationId="{659D3A7C-78AA-4316-BB33-5D791E125A3B}"/>
+          </ac:spMkLst>
+        </pc:spChg>
+      </pc:sldChg>
+    </pc:docChg>
+  </pc:docChgLst>
+</pc:chgInfo>
+</file>
+
 <file path=ppt/notesMasters/notesMaster1.xml><?xml version="1.0" encoding="utf-8"?>
 <p:notesMaster xmlns:a="http://schemas.openxmlformats.org/drawingml/2006/main" xmlns:r="http://schemas.openxmlformats.org/officeDocument/2006/relationships" xmlns:p="http://schemas.openxmlformats.org/presentationml/2006/main">
   <p:cSld>
@@ -177,7 +1273,7 @@
             </a:lvl1pPr>
           </a:lstStyle>
           <a:p>
-            <a:endParaRPr lang="de-DE"/>
+            <a:endParaRPr lang="de-DE" dirty="0"/>
           </a:p>
         </p:txBody>
       </p:sp>
@@ -212,7 +1308,7 @@
               <a:rPr lang="de-DE" smtClean="0"/>
               <a:t>25.09.2020</a:t>
             </a:fld>
-            <a:endParaRPr lang="de-DE"/>
+            <a:endParaRPr lang="de-DE" dirty="0"/>
           </a:p>
         </p:txBody>
       </p:sp>
@@ -245,7 +1341,7 @@
           <a:bodyPr vert="horz" lIns="91440" tIns="45720" rIns="91440" bIns="45720" rtlCol="0" anchor="ctr"/>
           <a:lstStyle/>
           <a:p>
-            <a:endParaRPr lang="de-DE"/>
+            <a:endParaRPr lang="de-DE" dirty="0"/>
           </a:p>
         </p:txBody>
       </p:sp>
@@ -335,7 +1431,7 @@
             </a:lvl1pPr>
           </a:lstStyle>
           <a:p>
-            <a:endParaRPr lang="de-DE"/>
+            <a:endParaRPr lang="de-DE" dirty="0"/>
           </a:p>
         </p:txBody>
       </p:sp>
@@ -370,7 +1466,7 @@
               <a:rPr lang="de-DE" smtClean="0"/>
               <a:t>‹Nr.›</a:t>
             </a:fld>
-            <a:endParaRPr lang="de-DE"/>
+            <a:endParaRPr lang="de-DE" dirty="0"/>
           </a:p>
         </p:txBody>
       </p:sp>
@@ -544,7 +1640,7 @@
               <a:rPr lang="de-DE" smtClean="0"/>
               <a:t>1</a:t>
             </a:fld>
-            <a:endParaRPr lang="de-DE"/>
+            <a:endParaRPr lang="de-DE" dirty="0"/>
           </a:p>
         </p:txBody>
       </p:sp>
@@ -628,7 +1724,7 @@
               <a:rPr lang="de-DE" smtClean="0"/>
               <a:t>4</a:t>
             </a:fld>
-            <a:endParaRPr lang="de-DE"/>
+            <a:endParaRPr lang="de-DE" dirty="0"/>
           </a:p>
         </p:txBody>
       </p:sp>
@@ -794,7 +1890,7 @@
               <a:rPr lang="de-DE" smtClean="0"/>
               <a:t>25.09.2020</a:t>
             </a:fld>
-            <a:endParaRPr lang="de-DE"/>
+            <a:endParaRPr lang="de-DE" dirty="0"/>
           </a:p>
         </p:txBody>
       </p:sp>
@@ -819,7 +1915,7 @@
           <a:bodyPr/>
           <a:lstStyle/>
           <a:p>
-            <a:endParaRPr lang="de-DE"/>
+            <a:endParaRPr lang="de-DE" dirty="0"/>
           </a:p>
         </p:txBody>
       </p:sp>
@@ -848,7 +1944,7 @@
               <a:rPr lang="de-DE" smtClean="0"/>
               <a:t>‹Nr.›</a:t>
             </a:fld>
-            <a:endParaRPr lang="de-DE"/>
+            <a:endParaRPr lang="de-DE" dirty="0"/>
           </a:p>
         </p:txBody>
       </p:sp>
@@ -992,7 +2088,7 @@
               <a:rPr lang="de-DE" smtClean="0"/>
               <a:t>25.09.2020</a:t>
             </a:fld>
-            <a:endParaRPr lang="de-DE"/>
+            <a:endParaRPr lang="de-DE" dirty="0"/>
           </a:p>
         </p:txBody>
       </p:sp>
@@ -1017,7 +2113,7 @@
           <a:bodyPr/>
           <a:lstStyle/>
           <a:p>
-            <a:endParaRPr lang="de-DE"/>
+            <a:endParaRPr lang="de-DE" dirty="0"/>
           </a:p>
         </p:txBody>
       </p:sp>
@@ -1046,7 +2142,7 @@
               <a:rPr lang="de-DE" smtClean="0"/>
               <a:t>‹Nr.›</a:t>
             </a:fld>
-            <a:endParaRPr lang="de-DE"/>
+            <a:endParaRPr lang="de-DE" dirty="0"/>
           </a:p>
         </p:txBody>
       </p:sp>
@@ -1200,7 +2296,7 @@
               <a:rPr lang="de-DE" smtClean="0"/>
               <a:t>25.09.2020</a:t>
             </a:fld>
-            <a:endParaRPr lang="de-DE"/>
+            <a:endParaRPr lang="de-DE" dirty="0"/>
           </a:p>
         </p:txBody>
       </p:sp>
@@ -1225,7 +2321,7 @@
           <a:bodyPr/>
           <a:lstStyle/>
           <a:p>
-            <a:endParaRPr lang="de-DE"/>
+            <a:endParaRPr lang="de-DE" dirty="0"/>
           </a:p>
         </p:txBody>
       </p:sp>
@@ -1254,7 +2350,7 @@
               <a:rPr lang="de-DE" smtClean="0"/>
               <a:t>‹Nr.›</a:t>
             </a:fld>
-            <a:endParaRPr lang="de-DE"/>
+            <a:endParaRPr lang="de-DE" dirty="0"/>
           </a:p>
         </p:txBody>
       </p:sp>
@@ -1398,7 +2494,7 @@
               <a:rPr lang="de-DE" smtClean="0"/>
               <a:t>25.09.2020</a:t>
             </a:fld>
-            <a:endParaRPr lang="de-DE"/>
+            <a:endParaRPr lang="de-DE" dirty="0"/>
           </a:p>
         </p:txBody>
       </p:sp>
@@ -1423,7 +2519,7 @@
           <a:bodyPr/>
           <a:lstStyle/>
           <a:p>
-            <a:endParaRPr lang="de-DE"/>
+            <a:endParaRPr lang="de-DE" dirty="0"/>
           </a:p>
         </p:txBody>
       </p:sp>
@@ -1452,7 +2548,7 @@
               <a:rPr lang="de-DE" smtClean="0"/>
               <a:t>‹Nr.›</a:t>
             </a:fld>
-            <a:endParaRPr lang="de-DE"/>
+            <a:endParaRPr lang="de-DE" dirty="0"/>
           </a:p>
         </p:txBody>
       </p:sp>
@@ -1673,7 +2769,7 @@
               <a:rPr lang="de-DE" smtClean="0"/>
               <a:t>25.09.2020</a:t>
             </a:fld>
-            <a:endParaRPr lang="de-DE"/>
+            <a:endParaRPr lang="de-DE" dirty="0"/>
           </a:p>
         </p:txBody>
       </p:sp>
@@ -1698,7 +2794,7 @@
           <a:bodyPr/>
           <a:lstStyle/>
           <a:p>
-            <a:endParaRPr lang="de-DE"/>
+            <a:endParaRPr lang="de-DE" dirty="0"/>
           </a:p>
         </p:txBody>
       </p:sp>
@@ -1727,7 +2823,7 @@
               <a:rPr lang="de-DE" smtClean="0"/>
               <a:t>‹Nr.›</a:t>
             </a:fld>
-            <a:endParaRPr lang="de-DE"/>
+            <a:endParaRPr lang="de-DE" dirty="0"/>
           </a:p>
         </p:txBody>
       </p:sp>
@@ -1938,7 +3034,7 @@
               <a:rPr lang="de-DE" smtClean="0"/>
               <a:t>25.09.2020</a:t>
             </a:fld>
-            <a:endParaRPr lang="de-DE"/>
+            <a:endParaRPr lang="de-DE" dirty="0"/>
           </a:p>
         </p:txBody>
       </p:sp>
@@ -1963,7 +3059,7 @@
           <a:bodyPr/>
           <a:lstStyle/>
           <a:p>
-            <a:endParaRPr lang="de-DE"/>
+            <a:endParaRPr lang="de-DE" dirty="0"/>
           </a:p>
         </p:txBody>
       </p:sp>
@@ -1992,7 +3088,7 @@
               <a:rPr lang="de-DE" smtClean="0"/>
               <a:t>‹Nr.›</a:t>
             </a:fld>
-            <a:endParaRPr lang="de-DE"/>
+            <a:endParaRPr lang="de-DE" dirty="0"/>
           </a:p>
         </p:txBody>
       </p:sp>
@@ -2350,7 +3446,7 @@
               <a:rPr lang="de-DE" smtClean="0"/>
               <a:t>25.09.2020</a:t>
             </a:fld>
-            <a:endParaRPr lang="de-DE"/>
+            <a:endParaRPr lang="de-DE" dirty="0"/>
           </a:p>
         </p:txBody>
       </p:sp>
@@ -2375,7 +3471,7 @@
           <a:bodyPr/>
           <a:lstStyle/>
           <a:p>
-            <a:endParaRPr lang="de-DE"/>
+            <a:endParaRPr lang="de-DE" dirty="0"/>
           </a:p>
         </p:txBody>
       </p:sp>
@@ -2404,7 +3500,7 @@
               <a:rPr lang="de-DE" smtClean="0"/>
               <a:t>‹Nr.›</a:t>
             </a:fld>
-            <a:endParaRPr lang="de-DE"/>
+            <a:endParaRPr lang="de-DE" dirty="0"/>
           </a:p>
         </p:txBody>
       </p:sp>
@@ -2491,7 +3587,7 @@
               <a:rPr lang="de-DE" smtClean="0"/>
               <a:t>25.09.2020</a:t>
             </a:fld>
-            <a:endParaRPr lang="de-DE"/>
+            <a:endParaRPr lang="de-DE" dirty="0"/>
           </a:p>
         </p:txBody>
       </p:sp>
@@ -2516,7 +3612,7 @@
           <a:bodyPr/>
           <a:lstStyle/>
           <a:p>
-            <a:endParaRPr lang="de-DE"/>
+            <a:endParaRPr lang="de-DE" dirty="0"/>
           </a:p>
         </p:txBody>
       </p:sp>
@@ -2545,7 +3641,7 @@
               <a:rPr lang="de-DE" smtClean="0"/>
               <a:t>‹Nr.›</a:t>
             </a:fld>
-            <a:endParaRPr lang="de-DE"/>
+            <a:endParaRPr lang="de-DE" dirty="0"/>
           </a:p>
         </p:txBody>
       </p:sp>
@@ -2604,7 +3700,7 @@
               <a:rPr lang="de-DE" smtClean="0"/>
               <a:t>25.09.2020</a:t>
             </a:fld>
-            <a:endParaRPr lang="de-DE"/>
+            <a:endParaRPr lang="de-DE" dirty="0"/>
           </a:p>
         </p:txBody>
       </p:sp>
@@ -2629,7 +3725,7 @@
           <a:bodyPr/>
           <a:lstStyle/>
           <a:p>
-            <a:endParaRPr lang="de-DE"/>
+            <a:endParaRPr lang="de-DE" dirty="0"/>
           </a:p>
         </p:txBody>
       </p:sp>
@@ -2658,7 +3754,7 @@
               <a:rPr lang="de-DE" smtClean="0"/>
               <a:t>‹Nr.›</a:t>
             </a:fld>
-            <a:endParaRPr lang="de-DE"/>
+            <a:endParaRPr lang="de-DE" dirty="0"/>
           </a:p>
         </p:txBody>
       </p:sp>
@@ -2915,7 +4011,7 @@
               <a:rPr lang="de-DE" smtClean="0"/>
               <a:t>25.09.2020</a:t>
             </a:fld>
-            <a:endParaRPr lang="de-DE"/>
+            <a:endParaRPr lang="de-DE" dirty="0"/>
           </a:p>
         </p:txBody>
       </p:sp>
@@ -2940,7 +4036,7 @@
           <a:bodyPr/>
           <a:lstStyle/>
           <a:p>
-            <a:endParaRPr lang="de-DE"/>
+            <a:endParaRPr lang="de-DE" dirty="0"/>
           </a:p>
         </p:txBody>
       </p:sp>
@@ -2969,7 +4065,7 @@
               <a:rPr lang="de-DE" smtClean="0"/>
               <a:t>‹Nr.›</a:t>
             </a:fld>
-            <a:endParaRPr lang="de-DE"/>
+            <a:endParaRPr lang="de-DE" dirty="0"/>
           </a:p>
         </p:txBody>
       </p:sp>
@@ -3103,7 +4199,7 @@
             </a:lvl9pPr>
           </a:lstStyle>
           <a:p>
-            <a:endParaRPr lang="de-DE"/>
+            <a:endParaRPr lang="de-DE" dirty="0"/>
           </a:p>
         </p:txBody>
       </p:sp>
@@ -3203,7 +4299,7 @@
               <a:rPr lang="de-DE" smtClean="0"/>
               <a:t>25.09.2020</a:t>
             </a:fld>
-            <a:endParaRPr lang="de-DE"/>
+            <a:endParaRPr lang="de-DE" dirty="0"/>
           </a:p>
         </p:txBody>
       </p:sp>
@@ -3228,7 +4324,7 @@
           <a:bodyPr/>
           <a:lstStyle/>
           <a:p>
-            <a:endParaRPr lang="de-DE"/>
+            <a:endParaRPr lang="de-DE" dirty="0"/>
           </a:p>
         </p:txBody>
       </p:sp>
@@ -3257,7 +4353,7 @@
               <a:rPr lang="de-DE" smtClean="0"/>
               <a:t>‹Nr.›</a:t>
             </a:fld>
-            <a:endParaRPr lang="de-DE"/>
+            <a:endParaRPr lang="de-DE" dirty="0"/>
           </a:p>
         </p:txBody>
       </p:sp>
@@ -3444,7 +4540,7 @@
               <a:rPr lang="de-DE" smtClean="0"/>
               <a:t>25.09.2020</a:t>
             </a:fld>
-            <a:endParaRPr lang="de-DE"/>
+            <a:endParaRPr lang="de-DE" dirty="0"/>
           </a:p>
         </p:txBody>
       </p:sp>
@@ -3487,7 +4583,7 @@
             </a:lvl1pPr>
           </a:lstStyle>
           <a:p>
-            <a:endParaRPr lang="de-DE"/>
+            <a:endParaRPr lang="de-DE" dirty="0"/>
           </a:p>
         </p:txBody>
       </p:sp>
@@ -3534,7 +4630,7 @@
               <a:rPr lang="de-DE" smtClean="0"/>
               <a:t>‹Nr.›</a:t>
             </a:fld>
-            <a:endParaRPr lang="de-DE"/>
+            <a:endParaRPr lang="de-DE" dirty="0"/>
           </a:p>
         </p:txBody>
       </p:sp>
@@ -3883,52 +4979,8 @@
           <a:lstStyle/>
           <a:p>
             <a:r>
-              <a:rPr lang="de-DE" dirty="0" err="1"/>
-              <a:t>Automized</a:t>
-            </a:r>
-            <a:r>
-              <a:rPr lang="de-DE" dirty="0"/>
-              <a:t> </a:t>
-            </a:r>
-            <a:r>
-              <a:rPr lang="de-DE" dirty="0" err="1"/>
-              <a:t>sequence</a:t>
-            </a:r>
-            <a:r>
-              <a:rPr lang="de-DE" dirty="0"/>
-              <a:t> </a:t>
-            </a:r>
-            <a:r>
-              <a:rPr lang="de-DE" dirty="0" err="1"/>
-              <a:t>planning</a:t>
-            </a:r>
-            <a:r>
-              <a:rPr lang="de-DE" dirty="0"/>
-              <a:t> in </a:t>
-            </a:r>
-            <a:r>
-              <a:rPr lang="de-DE" dirty="0" err="1"/>
-              <a:t>automotive</a:t>
-            </a:r>
-            <a:r>
-              <a:rPr lang="de-DE" dirty="0"/>
-              <a:t> </a:t>
-            </a:r>
-            <a:r>
-              <a:rPr lang="de-DE" dirty="0" err="1"/>
-              <a:t>production</a:t>
-            </a:r>
-            <a:r>
-              <a:rPr lang="de-DE" dirty="0"/>
-              <a:t> </a:t>
-            </a:r>
-            <a:r>
-              <a:rPr lang="de-DE" dirty="0" err="1"/>
-              <a:t>with</a:t>
-            </a:r>
-            <a:r>
-              <a:rPr lang="de-DE" dirty="0"/>
-              <a:t> AI </a:t>
+              <a:rPr lang="en-US" dirty="0"/>
+              <a:t>Automized sequence planning in automotive production with AI </a:t>
             </a:r>
           </a:p>
         </p:txBody>
@@ -4011,7 +5063,7 @@
           </a:lstStyle>
           <a:p>
             <a:r>
-              <a:rPr lang="de-DE" dirty="0"/>
+              <a:rPr lang="en-US" dirty="0"/>
               <a:t>Solutions (2)</a:t>
             </a:r>
           </a:p>
@@ -4213,262 +5265,42 @@
               <a:buNone/>
             </a:pPr>
             <a:r>
-              <a:rPr lang="de-DE" dirty="0"/>
-              <a:t>Problem: Need </a:t>
-            </a:r>
-            <a:r>
-              <a:rPr lang="de-DE" dirty="0" err="1"/>
-              <a:t>to</a:t>
-            </a:r>
-            <a:r>
-              <a:rPr lang="de-DE" dirty="0"/>
-              <a:t> </a:t>
-            </a:r>
-            <a:r>
-              <a:rPr lang="de-DE" dirty="0" err="1"/>
-              <a:t>priorize</a:t>
-            </a:r>
-            <a:r>
-              <a:rPr lang="de-DE" dirty="0"/>
-              <a:t> </a:t>
-            </a:r>
-            <a:r>
-              <a:rPr lang="de-DE" dirty="0" err="1"/>
-              <a:t>demand</a:t>
-            </a:r>
-            <a:r>
-              <a:rPr lang="de-DE" dirty="0"/>
-              <a:t> </a:t>
-            </a:r>
-            <a:r>
-              <a:rPr lang="de-DE" dirty="0" err="1"/>
-              <a:t>of</a:t>
-            </a:r>
-            <a:r>
-              <a:rPr lang="de-DE" dirty="0"/>
-              <a:t> </a:t>
-            </a:r>
-            <a:r>
-              <a:rPr lang="de-DE" dirty="0" err="1"/>
-              <a:t>customer</a:t>
-            </a:r>
-            <a:endParaRPr lang="de-DE" dirty="0"/>
+              <a:rPr lang="en-US" dirty="0"/>
+              <a:t>Problem: Need to prioritize demand of customer</a:t>
+            </a:r>
           </a:p>
           <a:p>
             <a:pPr marL="0" indent="0">
               <a:buFont typeface="Arial" panose="020B0604020202020204" pitchFamily="34" charset="0"/>
               <a:buNone/>
             </a:pPr>
-            <a:endParaRPr lang="de-DE" dirty="0"/>
-          </a:p>
-          <a:p>
-            <a:r>
-              <a:rPr lang="de-DE" dirty="0"/>
-              <a:t>Case 1: Lack </a:t>
-            </a:r>
-            <a:r>
-              <a:rPr lang="de-DE" dirty="0" err="1"/>
-              <a:t>of</a:t>
-            </a:r>
-            <a:r>
-              <a:rPr lang="de-DE" dirty="0"/>
-              <a:t> </a:t>
-            </a:r>
-            <a:r>
-              <a:rPr lang="de-DE" dirty="0" err="1"/>
-              <a:t>data</a:t>
-            </a:r>
-            <a:endParaRPr lang="de-DE" dirty="0"/>
+            <a:endParaRPr lang="en-US" dirty="0"/>
+          </a:p>
+          <a:p>
+            <a:r>
+              <a:rPr lang="en-US" dirty="0"/>
+              <a:t>Case 1: Lack of data</a:t>
+            </a:r>
           </a:p>
           <a:p>
             <a:pPr lvl="1"/>
             <a:r>
-              <a:rPr lang="de-DE" sz="2800" dirty="0"/>
-              <a:t>Combine expert </a:t>
-            </a:r>
-            <a:r>
-              <a:rPr lang="de-DE" sz="2800" dirty="0" err="1"/>
-              <a:t>system</a:t>
-            </a:r>
-            <a:r>
-              <a:rPr lang="de-DE" sz="2800" dirty="0"/>
-              <a:t> </a:t>
-            </a:r>
-            <a:r>
-              <a:rPr lang="de-DE" sz="2800" dirty="0" err="1"/>
-              <a:t>with</a:t>
-            </a:r>
-            <a:r>
-              <a:rPr lang="de-DE" sz="2800" dirty="0"/>
-              <a:t> </a:t>
-            </a:r>
-            <a:r>
-              <a:rPr lang="de-DE" sz="2800" dirty="0" err="1"/>
-              <a:t>machine</a:t>
-            </a:r>
-            <a:r>
-              <a:rPr lang="de-DE" sz="2800" dirty="0"/>
-              <a:t> </a:t>
-            </a:r>
-            <a:r>
-              <a:rPr lang="de-DE" sz="2800" dirty="0" err="1"/>
-              <a:t>learning</a:t>
-            </a:r>
-            <a:r>
-              <a:rPr lang="de-DE" sz="2800" dirty="0"/>
-              <a:t> (</a:t>
-            </a:r>
-            <a:r>
-              <a:rPr lang="de-DE" sz="2800" dirty="0" err="1"/>
-              <a:t>priorize</a:t>
-            </a:r>
-            <a:r>
-              <a:rPr lang="de-DE" sz="2800" dirty="0"/>
-              <a:t> </a:t>
-            </a:r>
-            <a:r>
-              <a:rPr lang="de-DE" sz="2800" dirty="0" err="1"/>
-              <a:t>rule</a:t>
-            </a:r>
-            <a:r>
-              <a:rPr lang="de-DE" sz="2800" dirty="0"/>
-              <a:t> </a:t>
-            </a:r>
-            <a:r>
-              <a:rPr lang="de-DE" sz="2800" dirty="0" err="1"/>
-              <a:t>based</a:t>
-            </a:r>
-            <a:r>
-              <a:rPr lang="de-DE" sz="2800" dirty="0"/>
-              <a:t> </a:t>
-            </a:r>
-            <a:r>
-              <a:rPr lang="de-DE" sz="2800" dirty="0" err="1"/>
-              <a:t>when</a:t>
-            </a:r>
-            <a:r>
-              <a:rPr lang="de-DE" sz="2800" dirty="0"/>
-              <a:t> not </a:t>
-            </a:r>
-            <a:r>
-              <a:rPr lang="de-DE" sz="2800" dirty="0" err="1"/>
-              <a:t>enough</a:t>
-            </a:r>
-            <a:r>
-              <a:rPr lang="de-DE" sz="2800" dirty="0"/>
-              <a:t> </a:t>
-            </a:r>
-            <a:r>
-              <a:rPr lang="de-DE" sz="2800" dirty="0" err="1"/>
-              <a:t>historic</a:t>
-            </a:r>
-            <a:r>
-              <a:rPr lang="de-DE" sz="2800" dirty="0"/>
-              <a:t> </a:t>
-            </a:r>
-            <a:r>
-              <a:rPr lang="de-DE" sz="2800" dirty="0" err="1"/>
-              <a:t>data</a:t>
-            </a:r>
-            <a:r>
-              <a:rPr lang="de-DE" sz="2800" dirty="0"/>
-              <a:t> </a:t>
-            </a:r>
-            <a:r>
-              <a:rPr lang="de-DE" sz="2800" dirty="0" err="1"/>
-              <a:t>is</a:t>
-            </a:r>
-            <a:r>
-              <a:rPr lang="de-DE" sz="2800" dirty="0"/>
-              <a:t> </a:t>
-            </a:r>
-            <a:r>
-              <a:rPr lang="de-DE" sz="2800" dirty="0" err="1"/>
-              <a:t>available</a:t>
-            </a:r>
-            <a:r>
-              <a:rPr lang="de-DE" sz="2800" dirty="0"/>
-              <a:t>)</a:t>
-            </a:r>
-          </a:p>
-          <a:p>
-            <a:r>
-              <a:rPr lang="de-DE" dirty="0"/>
-              <a:t>Case 2: </a:t>
-            </a:r>
-            <a:r>
-              <a:rPr lang="de-DE" dirty="0" err="1"/>
-              <a:t>Sufficient</a:t>
-            </a:r>
-            <a:r>
-              <a:rPr lang="de-DE" dirty="0"/>
-              <a:t> </a:t>
-            </a:r>
-            <a:r>
-              <a:rPr lang="de-DE" dirty="0" err="1"/>
-              <a:t>data</a:t>
-            </a:r>
-            <a:endParaRPr lang="de-DE" dirty="0"/>
+              <a:rPr lang="en-US" sz="2800" dirty="0"/>
+              <a:t>Combine expert system with machine learning (prioritize rule based when not enough historic data is available)</a:t>
+            </a:r>
+          </a:p>
+          <a:p>
+            <a:r>
+              <a:rPr lang="en-US" dirty="0"/>
+              <a:t>Case 2: Sufficient data</a:t>
+            </a:r>
           </a:p>
           <a:p>
             <a:pPr lvl="1"/>
             <a:r>
-              <a:rPr lang="de-DE" sz="2800" dirty="0"/>
-              <a:t>Use </a:t>
-            </a:r>
-            <a:r>
-              <a:rPr lang="de-DE" sz="2800" dirty="0" err="1"/>
-              <a:t>machine</a:t>
-            </a:r>
-            <a:r>
-              <a:rPr lang="de-DE" sz="2800" dirty="0"/>
-              <a:t> </a:t>
-            </a:r>
-            <a:r>
-              <a:rPr lang="de-DE" sz="2800" dirty="0" err="1"/>
-              <a:t>learning</a:t>
-            </a:r>
-            <a:r>
-              <a:rPr lang="de-DE" sz="2800" dirty="0"/>
-              <a:t> </a:t>
-            </a:r>
-            <a:r>
-              <a:rPr lang="de-DE" sz="2800" dirty="0" err="1"/>
-              <a:t>exclusively</a:t>
-            </a:r>
-            <a:r>
-              <a:rPr lang="de-DE" sz="2800" dirty="0"/>
-              <a:t> </a:t>
-            </a:r>
-            <a:r>
-              <a:rPr lang="de-DE" sz="2800" dirty="0" err="1"/>
-              <a:t>without</a:t>
-            </a:r>
-            <a:r>
-              <a:rPr lang="de-DE" sz="2800" dirty="0"/>
-              <a:t> </a:t>
-            </a:r>
-            <a:r>
-              <a:rPr lang="de-DE" sz="2800" dirty="0" err="1"/>
-              <a:t>rule</a:t>
-            </a:r>
-            <a:r>
-              <a:rPr lang="de-DE" sz="2800" dirty="0"/>
-              <a:t> </a:t>
-            </a:r>
-            <a:r>
-              <a:rPr lang="de-DE" sz="2800" dirty="0" err="1"/>
-              <a:t>based</a:t>
-            </a:r>
-            <a:r>
-              <a:rPr lang="de-DE" sz="2800" dirty="0"/>
-              <a:t> </a:t>
-            </a:r>
-            <a:r>
-              <a:rPr lang="de-DE" sz="2800" dirty="0" err="1"/>
-              <a:t>constraints</a:t>
-            </a:r>
-            <a:endParaRPr lang="de-DE" sz="2800" dirty="0"/>
+              <a:rPr lang="en-US" sz="2800" dirty="0"/>
+              <a:t>Use machine learning exclusively without rule based constraints</a:t>
+            </a:r>
           </a:p>
         </p:txBody>
       </p:sp>
@@ -4550,7 +5382,7 @@
           </a:lstStyle>
           <a:p>
             <a:r>
-              <a:rPr lang="de-DE" dirty="0"/>
+              <a:rPr lang="en-US" dirty="0"/>
               <a:t>Solutions (3)</a:t>
             </a:r>
           </a:p>
@@ -4752,207 +5584,40 @@
               <a:buNone/>
             </a:pPr>
             <a:r>
-              <a:rPr lang="de-DE" dirty="0"/>
-              <a:t>Problem: </a:t>
-            </a:r>
-            <a:r>
-              <a:rPr lang="de-DE" dirty="0" err="1"/>
-              <a:t>Resistence</a:t>
-            </a:r>
-            <a:r>
-              <a:rPr lang="de-DE" dirty="0"/>
-              <a:t> </a:t>
-            </a:r>
-            <a:r>
-              <a:rPr lang="de-DE" dirty="0" err="1"/>
-              <a:t>of</a:t>
-            </a:r>
-            <a:r>
-              <a:rPr lang="de-DE" dirty="0"/>
-              <a:t> </a:t>
-            </a:r>
-            <a:r>
-              <a:rPr lang="de-DE" dirty="0" err="1"/>
-              <a:t>affected</a:t>
-            </a:r>
-            <a:r>
-              <a:rPr lang="de-DE" dirty="0"/>
-              <a:t> </a:t>
-            </a:r>
-            <a:r>
-              <a:rPr lang="de-DE" dirty="0" err="1"/>
-              <a:t>employees</a:t>
-            </a:r>
-            <a:endParaRPr lang="de-DE" dirty="0"/>
+              <a:rPr lang="en-US" dirty="0"/>
+              <a:t>Problem: Resistance of affected employees</a:t>
+            </a:r>
           </a:p>
           <a:p>
             <a:pPr marL="0" indent="0">
               <a:buFont typeface="Arial" panose="020B0604020202020204" pitchFamily="34" charset="0"/>
               <a:buNone/>
             </a:pPr>
-            <a:endParaRPr lang="de-DE" dirty="0"/>
-          </a:p>
-          <a:p>
-            <a:r>
-              <a:rPr lang="de-DE" dirty="0"/>
-              <a:t>Change </a:t>
-            </a:r>
-            <a:r>
-              <a:rPr lang="de-DE" dirty="0" err="1"/>
-              <a:t>management</a:t>
-            </a:r>
-            <a:r>
-              <a:rPr lang="de-DE" dirty="0"/>
-              <a:t> </a:t>
+            <a:endParaRPr lang="en-US" dirty="0"/>
+          </a:p>
+          <a:p>
+            <a:r>
+              <a:rPr lang="en-US" dirty="0"/>
+              <a:t>Change management </a:t>
             </a:r>
           </a:p>
           <a:p>
             <a:pPr lvl="1"/>
             <a:r>
-              <a:rPr lang="de-DE" dirty="0" err="1"/>
-              <a:t>Explain</a:t>
-            </a:r>
-            <a:r>
-              <a:rPr lang="de-DE" dirty="0"/>
-              <a:t> </a:t>
-            </a:r>
-            <a:r>
-              <a:rPr lang="de-DE" dirty="0" err="1"/>
-              <a:t>that</a:t>
-            </a:r>
-            <a:r>
-              <a:rPr lang="de-DE" dirty="0"/>
-              <a:t> </a:t>
-            </a:r>
-            <a:r>
-              <a:rPr lang="de-DE" dirty="0" err="1"/>
-              <a:t>they</a:t>
-            </a:r>
-            <a:r>
-              <a:rPr lang="de-DE" dirty="0"/>
-              <a:t> will </a:t>
-            </a:r>
-            <a:r>
-              <a:rPr lang="de-DE" dirty="0" err="1"/>
-              <a:t>profit</a:t>
-            </a:r>
-            <a:r>
-              <a:rPr lang="de-DE" dirty="0"/>
-              <a:t> </a:t>
-            </a:r>
-            <a:r>
-              <a:rPr lang="de-DE" dirty="0" err="1"/>
-              <a:t>from</a:t>
-            </a:r>
-            <a:r>
-              <a:rPr lang="de-DE" dirty="0"/>
-              <a:t> </a:t>
-            </a:r>
-            <a:r>
-              <a:rPr lang="de-DE" dirty="0" err="1"/>
-              <a:t>the</a:t>
-            </a:r>
-            <a:r>
-              <a:rPr lang="de-DE" dirty="0"/>
-              <a:t> </a:t>
-            </a:r>
-            <a:r>
-              <a:rPr lang="de-DE" dirty="0" err="1"/>
-              <a:t>change</a:t>
-            </a:r>
-            <a:r>
-              <a:rPr lang="de-DE" dirty="0"/>
-              <a:t> </a:t>
-            </a:r>
-            <a:r>
-              <a:rPr lang="de-DE" dirty="0" err="1"/>
-              <a:t>by</a:t>
-            </a:r>
-            <a:r>
-              <a:rPr lang="de-DE" dirty="0"/>
-              <a:t> </a:t>
-            </a:r>
-            <a:r>
-              <a:rPr lang="de-DE" dirty="0" err="1"/>
-              <a:t>getting</a:t>
-            </a:r>
-            <a:r>
-              <a:rPr lang="de-DE" dirty="0"/>
-              <a:t> </a:t>
-            </a:r>
-            <a:r>
-              <a:rPr lang="de-DE" dirty="0" err="1"/>
-              <a:t>rid</a:t>
-            </a:r>
-            <a:r>
-              <a:rPr lang="de-DE" dirty="0"/>
-              <a:t> </a:t>
-            </a:r>
-            <a:r>
-              <a:rPr lang="de-DE" dirty="0" err="1"/>
-              <a:t>of</a:t>
-            </a:r>
-            <a:r>
-              <a:rPr lang="de-DE" dirty="0"/>
-              <a:t> </a:t>
-            </a:r>
-            <a:r>
-              <a:rPr lang="de-DE" dirty="0" err="1"/>
-              <a:t>monotonous</a:t>
-            </a:r>
-            <a:r>
-              <a:rPr lang="de-DE" dirty="0"/>
-              <a:t> </a:t>
-            </a:r>
-            <a:r>
-              <a:rPr lang="de-DE" dirty="0" err="1"/>
-              <a:t>tasks</a:t>
-            </a:r>
-            <a:endParaRPr lang="de-DE" dirty="0"/>
+              <a:rPr lang="en-US" dirty="0"/>
+              <a:t>Explain that they will profit from the change by getting rid of monotonous tasks</a:t>
+            </a:r>
           </a:p>
           <a:p>
             <a:pPr lvl="1"/>
             <a:r>
-              <a:rPr lang="de-DE" dirty="0" err="1"/>
-              <a:t>Employee</a:t>
-            </a:r>
-            <a:r>
-              <a:rPr lang="de-DE" dirty="0"/>
-              <a:t> </a:t>
-            </a:r>
-            <a:r>
-              <a:rPr lang="de-DE" dirty="0" err="1"/>
-              <a:t>training</a:t>
-            </a:r>
-            <a:r>
-              <a:rPr lang="de-DE" dirty="0"/>
-              <a:t> on </a:t>
-            </a:r>
-            <a:r>
-              <a:rPr lang="de-DE" dirty="0" err="1"/>
-              <a:t>new</a:t>
-            </a:r>
-            <a:r>
-              <a:rPr lang="de-DE" dirty="0"/>
-              <a:t> digital </a:t>
-            </a:r>
-            <a:r>
-              <a:rPr lang="de-DE" dirty="0" err="1"/>
-              <a:t>work</a:t>
-            </a:r>
-            <a:r>
-              <a:rPr lang="de-DE" dirty="0"/>
-              <a:t> </a:t>
-            </a:r>
-            <a:r>
-              <a:rPr lang="de-DE" dirty="0" err="1"/>
-              <a:t>environment</a:t>
-            </a:r>
-            <a:endParaRPr lang="de-DE" dirty="0"/>
+              <a:rPr lang="en-US" dirty="0"/>
+              <a:t>Employee training on new digital work environment</a:t>
+            </a:r>
           </a:p>
           <a:p>
             <a:pPr lvl="1"/>
-            <a:endParaRPr lang="de-DE" dirty="0"/>
+            <a:endParaRPr lang="en-US" dirty="0"/>
           </a:p>
         </p:txBody>
       </p:sp>
@@ -5034,44 +5699,8 @@
           </a:lstStyle>
           <a:p>
             <a:r>
-              <a:rPr lang="de-DE" dirty="0" err="1"/>
-              <a:t>Failures</a:t>
-            </a:r>
-            <a:r>
-              <a:rPr lang="de-DE" dirty="0"/>
-              <a:t> </a:t>
-            </a:r>
-            <a:r>
-              <a:rPr lang="de-DE" dirty="0" err="1"/>
-              <a:t>of</a:t>
-            </a:r>
-            <a:r>
-              <a:rPr lang="de-DE" dirty="0"/>
-              <a:t> </a:t>
-            </a:r>
-            <a:r>
-              <a:rPr lang="de-DE" dirty="0" err="1"/>
-              <a:t>previous</a:t>
-            </a:r>
-            <a:r>
-              <a:rPr lang="de-DE" dirty="0"/>
-              <a:t> </a:t>
-            </a:r>
-            <a:r>
-              <a:rPr lang="de-DE" dirty="0" err="1"/>
-              <a:t>attempt</a:t>
-            </a:r>
-            <a:r>
-              <a:rPr lang="de-DE" dirty="0"/>
-              <a:t> (real </a:t>
-            </a:r>
-            <a:r>
-              <a:rPr lang="de-DE" dirty="0" err="1"/>
-              <a:t>case</a:t>
-            </a:r>
-            <a:r>
-              <a:rPr lang="de-DE" dirty="0"/>
-              <a:t>) </a:t>
+              <a:rPr lang="en-US" dirty="0"/>
+              <a:t>Failures of previous attempt (real case) </a:t>
             </a:r>
           </a:p>
         </p:txBody>
@@ -5269,7 +5898,7 @@
           </a:lstStyle>
           <a:p>
             <a:pPr lvl="1"/>
-            <a:endParaRPr lang="de-DE" dirty="0"/>
+            <a:endParaRPr lang="en-US" dirty="0"/>
           </a:p>
         </p:txBody>
       </p:sp>
@@ -5341,7 +5970,7 @@
             <a:lstStyle/>
             <a:p>
               <a:pPr algn="ctr"/>
-              <a:endParaRPr lang="de-DE"/>
+              <a:endParaRPr lang="en-US" dirty="0"/>
             </a:p>
           </p:txBody>
         </p:sp>
@@ -5395,7 +6024,7 @@
             <a:lstStyle/>
             <a:p>
               <a:pPr algn="ctr"/>
-              <a:endParaRPr lang="de-DE"/>
+              <a:endParaRPr lang="en-US" dirty="0"/>
             </a:p>
           </p:txBody>
         </p:sp>
@@ -5442,7 +6071,7 @@
             <a:lstStyle/>
             <a:p>
               <a:pPr algn="ctr"/>
-              <a:endParaRPr lang="de-DE"/>
+              <a:endParaRPr lang="en-US" dirty="0"/>
             </a:p>
           </p:txBody>
         </p:sp>
@@ -5488,7 +6117,7 @@
             <a:lstStyle/>
             <a:p>
               <a:pPr algn="ctr"/>
-              <a:endParaRPr lang="de-DE"/>
+              <a:endParaRPr lang="en-US" dirty="0"/>
             </a:p>
           </p:txBody>
         </p:sp>
@@ -5534,7 +6163,7 @@
             <a:lstStyle/>
             <a:p>
               <a:pPr algn="ctr"/>
-              <a:endParaRPr lang="de-DE"/>
+              <a:endParaRPr lang="en-US" dirty="0"/>
             </a:p>
           </p:txBody>
         </p:sp>
@@ -5580,7 +6209,7 @@
             <a:lstStyle/>
             <a:p>
               <a:pPr algn="ctr"/>
-              <a:endParaRPr lang="de-DE"/>
+              <a:endParaRPr lang="en-US" dirty="0"/>
             </a:p>
           </p:txBody>
         </p:sp>
@@ -5626,7 +6255,7 @@
             <a:lstStyle/>
             <a:p>
               <a:pPr algn="ctr"/>
-              <a:endParaRPr lang="de-DE"/>
+              <a:endParaRPr lang="en-US" dirty="0"/>
             </a:p>
           </p:txBody>
         </p:sp>
@@ -5672,7 +6301,7 @@
             <a:lstStyle/>
             <a:p>
               <a:pPr algn="ctr"/>
-              <a:endParaRPr lang="de-DE"/>
+              <a:endParaRPr lang="en-US" dirty="0"/>
             </a:p>
           </p:txBody>
         </p:sp>
@@ -5718,7 +6347,7 @@
             <a:lstStyle/>
             <a:p>
               <a:pPr algn="ctr"/>
-              <a:endParaRPr lang="de-DE"/>
+              <a:endParaRPr lang="en-US" dirty="0"/>
             </a:p>
           </p:txBody>
         </p:sp>
@@ -5751,18 +6380,9 @@
             <a:lstStyle/>
             <a:p>
               <a:r>
-                <a:rPr lang="de-DE" dirty="0" err="1"/>
-                <a:t>Pre</a:t>
+                <a:rPr lang="en-US" dirty="0"/>
+                <a:t>Pre production</a:t>
               </a:r>
-              <a:r>
-                <a:rPr lang="de-DE" dirty="0"/>
-                <a:t> </a:t>
-              </a:r>
-              <a:r>
-                <a:rPr lang="de-DE" dirty="0" err="1"/>
-                <a:t>production</a:t>
-              </a:r>
-              <a:endParaRPr lang="de-DE" dirty="0"/>
             </a:p>
           </p:txBody>
         </p:sp>
@@ -5813,7 +6433,7 @@
             <a:lstStyle/>
             <a:p>
               <a:pPr algn="ctr"/>
-              <a:endParaRPr lang="de-DE"/>
+              <a:endParaRPr lang="en-US" dirty="0"/>
             </a:p>
           </p:txBody>
         </p:sp>
@@ -5864,7 +6484,7 @@
             <a:lstStyle/>
             <a:p>
               <a:pPr algn="ctr"/>
-              <a:endParaRPr lang="de-DE"/>
+              <a:endParaRPr lang="en-US" dirty="0"/>
             </a:p>
           </p:txBody>
         </p:sp>
@@ -5915,7 +6535,7 @@
             <a:lstStyle/>
             <a:p>
               <a:pPr algn="ctr"/>
-              <a:endParaRPr lang="de-DE"/>
+              <a:endParaRPr lang="en-US" dirty="0"/>
             </a:p>
           </p:txBody>
         </p:sp>
@@ -5966,7 +6586,7 @@
             <a:lstStyle/>
             <a:p>
               <a:pPr algn="ctr"/>
-              <a:endParaRPr lang="de-DE"/>
+              <a:endParaRPr lang="en-US" dirty="0"/>
             </a:p>
           </p:txBody>
         </p:sp>
@@ -6017,7 +6637,7 @@
             <a:lstStyle/>
             <a:p>
               <a:pPr algn="ctr"/>
-              <a:endParaRPr lang="de-DE"/>
+              <a:endParaRPr lang="en-US" dirty="0"/>
             </a:p>
           </p:txBody>
         </p:sp>
@@ -6068,7 +6688,7 @@
             <a:lstStyle/>
             <a:p>
               <a:pPr algn="ctr"/>
-              <a:endParaRPr lang="de-DE"/>
+              <a:endParaRPr lang="en-US" dirty="0"/>
             </a:p>
           </p:txBody>
         </p:sp>
@@ -6119,7 +6739,7 @@
             <a:lstStyle/>
             <a:p>
               <a:pPr algn="ctr"/>
-              <a:endParaRPr lang="de-DE"/>
+              <a:endParaRPr lang="en-US" dirty="0"/>
             </a:p>
           </p:txBody>
         </p:sp>
@@ -6170,7 +6790,7 @@
             <a:lstStyle/>
             <a:p>
               <a:pPr algn="ctr"/>
-              <a:endParaRPr lang="de-DE"/>
+              <a:endParaRPr lang="en-US" dirty="0"/>
             </a:p>
           </p:txBody>
         </p:sp>
@@ -6221,7 +6841,7 @@
             <a:lstStyle/>
             <a:p>
               <a:pPr algn="ctr"/>
-              <a:endParaRPr lang="de-DE"/>
+              <a:endParaRPr lang="en-US" dirty="0"/>
             </a:p>
           </p:txBody>
         </p:sp>
@@ -6726,14 +7346,9 @@
             <a:lstStyle/>
             <a:p>
               <a:r>
-                <a:rPr lang="de-DE" dirty="0"/>
-                <a:t>End </a:t>
+                <a:rPr lang="en-US" dirty="0"/>
+                <a:t>End production</a:t>
               </a:r>
-              <a:r>
-                <a:rPr lang="de-DE" dirty="0" err="1"/>
-                <a:t>production</a:t>
-              </a:r>
-              <a:endParaRPr lang="de-DE" dirty="0"/>
             </a:p>
           </p:txBody>
         </p:sp>
@@ -6791,7 +7406,7 @@
           <a:lstStyle/>
           <a:p>
             <a:pPr algn="ctr"/>
-            <a:endParaRPr lang="de-DE">
+            <a:endParaRPr lang="en-US" dirty="0">
               <a:ln w="0"/>
               <a:solidFill>
                 <a:schemeClr val="tx1"/>
@@ -6860,7 +7475,7 @@
           <a:lstStyle/>
           <a:p>
             <a:pPr algn="ctr"/>
-            <a:endParaRPr lang="de-DE">
+            <a:endParaRPr lang="en-US" dirty="0">
               <a:ln w="0"/>
               <a:solidFill>
                 <a:schemeClr val="tx1"/>
@@ -6926,7 +7541,7 @@
           <a:lstStyle/>
           <a:p>
             <a:pPr algn="ctr"/>
-            <a:endParaRPr lang="de-DE" b="1">
+            <a:endParaRPr lang="en-US" b="1" dirty="0">
               <a:ln w="22225">
                 <a:solidFill>
                   <a:schemeClr val="accent2"/>
@@ -6985,7 +7600,7 @@
           <a:lstStyle/>
           <a:p>
             <a:r>
-              <a:rPr lang="de-DE" dirty="0"/>
+              <a:rPr lang="en-US" dirty="0"/>
               <a:t>SAP</a:t>
             </a:r>
           </a:p>
@@ -7033,20 +7648,8 @@
           <a:lstStyle/>
           <a:p>
             <a:r>
-              <a:rPr lang="de-DE" dirty="0" err="1"/>
-              <a:t>Costumer</a:t>
-            </a:r>
-            <a:r>
-              <a:rPr lang="de-DE" dirty="0"/>
-              <a:t> </a:t>
-            </a:r>
-            <a:r>
-              <a:rPr lang="de-DE" dirty="0" err="1"/>
-              <a:t>demand</a:t>
-            </a:r>
-            <a:r>
-              <a:rPr lang="de-DE" dirty="0"/>
-              <a:t> via EDI</a:t>
+              <a:rPr lang="en-US" dirty="0"/>
+              <a:t>Costumer demand via EDI</a:t>
             </a:r>
           </a:p>
         </p:txBody>
@@ -7101,7 +7704,7 @@
           <a:lstStyle/>
           <a:p>
             <a:pPr algn="ctr"/>
-            <a:endParaRPr lang="de-DE" b="1">
+            <a:endParaRPr lang="en-US" b="1" dirty="0">
               <a:ln w="22225">
                 <a:solidFill>
                   <a:schemeClr val="accent2"/>
@@ -7160,32 +7763,8 @@
           <a:lstStyle/>
           <a:p>
             <a:r>
-              <a:rPr lang="de-DE" dirty="0"/>
-              <a:t>End </a:t>
-            </a:r>
-            <a:r>
-              <a:rPr lang="de-DE" dirty="0" err="1"/>
-              <a:t>production</a:t>
-            </a:r>
-            <a:r>
-              <a:rPr lang="de-DE" dirty="0"/>
-              <a:t> </a:t>
-            </a:r>
-            <a:r>
-              <a:rPr lang="de-DE" dirty="0" err="1"/>
-              <a:t>planning</a:t>
-            </a:r>
-            <a:r>
-              <a:rPr lang="de-DE" dirty="0"/>
-              <a:t> </a:t>
-            </a:r>
-            <a:r>
-              <a:rPr lang="de-DE" dirty="0" err="1"/>
-              <a:t>system</a:t>
-            </a:r>
-            <a:r>
-              <a:rPr lang="de-DE" dirty="0"/>
-              <a:t> </a:t>
+              <a:rPr lang="en-US" dirty="0"/>
+              <a:t>End production planning system </a:t>
             </a:r>
           </a:p>
         </p:txBody>
@@ -7240,7 +7819,7 @@
           <a:lstStyle/>
           <a:p>
             <a:pPr algn="ctr"/>
-            <a:endParaRPr lang="de-DE" b="1">
+            <a:endParaRPr lang="en-US" b="1" dirty="0">
               <a:ln w="22225">
                 <a:solidFill>
                   <a:schemeClr val="accent2"/>
@@ -7299,36 +7878,8 @@
           <a:lstStyle/>
           <a:p>
             <a:r>
-              <a:rPr lang="de-DE" dirty="0" err="1"/>
-              <a:t>Pre</a:t>
-            </a:r>
-            <a:r>
-              <a:rPr lang="de-DE" dirty="0"/>
-              <a:t> </a:t>
-            </a:r>
-            <a:r>
-              <a:rPr lang="de-DE" dirty="0" err="1"/>
-              <a:t>production</a:t>
-            </a:r>
-            <a:r>
-              <a:rPr lang="de-DE" dirty="0"/>
-              <a:t> </a:t>
-            </a:r>
-            <a:r>
-              <a:rPr lang="de-DE" dirty="0" err="1"/>
-              <a:t>planning</a:t>
-            </a:r>
-            <a:r>
-              <a:rPr lang="de-DE" dirty="0"/>
-              <a:t> </a:t>
-            </a:r>
-            <a:r>
-              <a:rPr lang="de-DE" dirty="0" err="1"/>
-              <a:t>system</a:t>
-            </a:r>
-            <a:r>
-              <a:rPr lang="de-DE" dirty="0"/>
-              <a:t> </a:t>
+              <a:rPr lang="en-US" dirty="0"/>
+              <a:t>Pre production planning system </a:t>
             </a:r>
           </a:p>
         </p:txBody>
@@ -7379,7 +7930,7 @@
           <a:lstStyle/>
           <a:p>
             <a:pPr algn="ctr"/>
-            <a:endParaRPr lang="de-DE"/>
+            <a:endParaRPr lang="en-US" dirty="0"/>
           </a:p>
         </p:txBody>
       </p:sp>
@@ -7454,10 +8005,9 @@
           <a:lstStyle/>
           <a:p>
             <a:r>
-              <a:rPr lang="de-DE" b="1" dirty="0" err="1"/>
+              <a:rPr lang="en-US" b="1" dirty="0"/>
               <a:t>automize</a:t>
             </a:r>
-            <a:endParaRPr lang="de-DE" b="1" dirty="0"/>
           </a:p>
         </p:txBody>
       </p:sp>
@@ -7539,75 +8089,14 @@
           </a:lstStyle>
           <a:p>
             <a:r>
-              <a:rPr lang="de-DE" dirty="0" err="1"/>
-              <a:t>Failure</a:t>
-            </a:r>
-            <a:r>
-              <a:rPr lang="de-DE" dirty="0"/>
-              <a:t> </a:t>
-            </a:r>
-            <a:r>
-              <a:rPr lang="de-DE" dirty="0" err="1"/>
-              <a:t>of</a:t>
-            </a:r>
-            <a:r>
-              <a:rPr lang="de-DE" dirty="0"/>
-              <a:t> </a:t>
-            </a:r>
-            <a:r>
-              <a:rPr lang="de-DE" dirty="0" err="1"/>
-              <a:t>previous</a:t>
-            </a:r>
-            <a:r>
-              <a:rPr lang="de-DE" dirty="0"/>
-              <a:t> </a:t>
-            </a:r>
-            <a:r>
-              <a:rPr lang="de-DE" dirty="0" err="1"/>
-              <a:t>attempt</a:t>
-            </a:r>
-            <a:endParaRPr lang="de-DE" dirty="0"/>
-          </a:p>
-          <a:p>
-            <a:r>
-              <a:rPr lang="de-DE" dirty="0" err="1"/>
-              <a:t>Why</a:t>
-            </a:r>
-            <a:r>
-              <a:rPr lang="de-DE" dirty="0"/>
-              <a:t> </a:t>
-            </a:r>
-            <a:r>
-              <a:rPr lang="de-DE" dirty="0" err="1"/>
-              <a:t>hasn‘t</a:t>
-            </a:r>
-            <a:r>
-              <a:rPr lang="de-DE" dirty="0"/>
-              <a:t> </a:t>
-            </a:r>
-            <a:r>
-              <a:rPr lang="de-DE" dirty="0" err="1"/>
-              <a:t>this</a:t>
-            </a:r>
-            <a:r>
-              <a:rPr lang="de-DE" dirty="0"/>
-              <a:t> </a:t>
-            </a:r>
-            <a:r>
-              <a:rPr lang="de-DE" dirty="0" err="1"/>
-              <a:t>project</a:t>
-            </a:r>
-            <a:r>
-              <a:rPr lang="de-DE" dirty="0"/>
-              <a:t> </a:t>
-            </a:r>
-            <a:r>
-              <a:rPr lang="de-DE" dirty="0" err="1"/>
-              <a:t>succeeded</a:t>
-            </a:r>
-            <a:r>
-              <a:rPr lang="de-DE" dirty="0"/>
-              <a:t>?</a:t>
+              <a:rPr lang="en-US" dirty="0"/>
+              <a:t>Failure of previous attempt</a:t>
+            </a:r>
+          </a:p>
+          <a:p>
+            <a:r>
+              <a:rPr lang="en-US" dirty="0"/>
+              <a:t>Why hasn‘t this project succeeded?</a:t>
             </a:r>
           </a:p>
         </p:txBody>
@@ -7808,323 +8297,69 @@
               <a:buNone/>
             </a:pPr>
             <a:r>
-              <a:rPr lang="de-DE" dirty="0"/>
-              <a:t>1) </a:t>
-            </a:r>
-            <a:r>
-              <a:rPr lang="de-DE" dirty="0" err="1"/>
-              <a:t>Wrong</a:t>
-            </a:r>
-            <a:r>
-              <a:rPr lang="de-DE" dirty="0"/>
-              <a:t> </a:t>
-            </a:r>
-            <a:r>
-              <a:rPr lang="de-DE" dirty="0" err="1"/>
-              <a:t>expectation</a:t>
-            </a:r>
-            <a:r>
-              <a:rPr lang="de-DE" dirty="0"/>
-              <a:t> </a:t>
-            </a:r>
-            <a:r>
-              <a:rPr lang="de-DE" dirty="0" err="1"/>
-              <a:t>of</a:t>
-            </a:r>
-            <a:r>
-              <a:rPr lang="de-DE" dirty="0"/>
-              <a:t> </a:t>
-            </a:r>
-            <a:r>
-              <a:rPr lang="de-DE" dirty="0" err="1"/>
-              <a:t>management</a:t>
-            </a:r>
-            <a:r>
-              <a:rPr lang="de-DE" dirty="0"/>
-              <a:t>:</a:t>
+              <a:rPr lang="en-US" dirty="0"/>
+              <a:t>1) Wrong expectation of management:</a:t>
             </a:r>
           </a:p>
           <a:p>
             <a:pPr lvl="1"/>
             <a:r>
-              <a:rPr lang="de-DE" dirty="0"/>
-              <a:t>Implementation in </a:t>
-            </a:r>
-            <a:r>
-              <a:rPr lang="de-DE" dirty="0" err="1"/>
-              <a:t>production</a:t>
-            </a:r>
-            <a:r>
-              <a:rPr lang="de-DE" dirty="0"/>
-              <a:t> </a:t>
-            </a:r>
-            <a:r>
-              <a:rPr lang="de-DE" dirty="0" err="1"/>
-              <a:t>within</a:t>
-            </a:r>
-            <a:r>
-              <a:rPr lang="de-DE" dirty="0"/>
-              <a:t> </a:t>
-            </a:r>
-            <a:r>
-              <a:rPr lang="de-DE" dirty="0" err="1"/>
-              <a:t>weeks</a:t>
-            </a:r>
-            <a:endParaRPr lang="de-DE" dirty="0"/>
+              <a:rPr lang="en-US" dirty="0"/>
+              <a:t>Implementation in production within weeks</a:t>
+            </a:r>
           </a:p>
           <a:p>
             <a:pPr lvl="1"/>
             <a:r>
-              <a:rPr lang="de-DE" dirty="0"/>
-              <a:t>Low </a:t>
-            </a:r>
-            <a:r>
-              <a:rPr lang="de-DE" dirty="0" err="1"/>
-              <a:t>budget</a:t>
-            </a:r>
-            <a:endParaRPr lang="de-DE" dirty="0"/>
+              <a:rPr lang="en-US" dirty="0"/>
+              <a:t>Low budget</a:t>
+            </a:r>
           </a:p>
           <a:p>
             <a:pPr lvl="1"/>
-            <a:endParaRPr lang="de-DE" dirty="0"/>
+            <a:endParaRPr lang="en-US" dirty="0"/>
           </a:p>
           <a:p>
             <a:pPr marL="0" indent="0">
               <a:buNone/>
             </a:pPr>
             <a:r>
-              <a:rPr lang="de-DE" dirty="0"/>
-              <a:t>2) Outsource </a:t>
-            </a:r>
-            <a:r>
-              <a:rPr lang="de-DE" dirty="0" err="1"/>
-              <a:t>development</a:t>
-            </a:r>
-            <a:r>
-              <a:rPr lang="de-DE" dirty="0"/>
-              <a:t> </a:t>
-            </a:r>
-            <a:r>
-              <a:rPr lang="de-DE" dirty="0" err="1"/>
-              <a:t>of</a:t>
-            </a:r>
-            <a:r>
-              <a:rPr lang="de-DE" dirty="0"/>
-              <a:t> AI </a:t>
-            </a:r>
-            <a:r>
-              <a:rPr lang="de-DE" dirty="0" err="1"/>
-              <a:t>system</a:t>
-            </a:r>
-            <a:endParaRPr lang="de-DE" dirty="0"/>
+              <a:rPr lang="en-US" dirty="0"/>
+              <a:t>2) Outsource development of AI system</a:t>
+            </a:r>
           </a:p>
           <a:p>
             <a:pPr lvl="1"/>
             <a:r>
-              <a:rPr lang="de-DE" dirty="0" err="1"/>
-              <a:t>No</a:t>
-            </a:r>
-            <a:r>
-              <a:rPr lang="de-DE" dirty="0"/>
-              <a:t> </a:t>
-            </a:r>
-            <a:r>
-              <a:rPr lang="de-DE" dirty="0" err="1"/>
-              <a:t>insight</a:t>
-            </a:r>
-            <a:r>
-              <a:rPr lang="de-DE" dirty="0"/>
-              <a:t> </a:t>
-            </a:r>
-            <a:r>
-              <a:rPr lang="de-DE" dirty="0" err="1"/>
-              <a:t>knowledge</a:t>
-            </a:r>
-            <a:endParaRPr lang="de-DE" dirty="0"/>
+              <a:rPr lang="en-US" dirty="0"/>
+              <a:t>No insight knowledge</a:t>
+            </a:r>
           </a:p>
           <a:p>
             <a:pPr lvl="1"/>
             <a:r>
-              <a:rPr lang="de-DE" dirty="0" err="1"/>
-              <a:t>Too</a:t>
-            </a:r>
-            <a:r>
-              <a:rPr lang="de-DE" dirty="0"/>
-              <a:t> </a:t>
-            </a:r>
-            <a:r>
-              <a:rPr lang="de-DE" dirty="0" err="1"/>
-              <a:t>few</a:t>
-            </a:r>
-            <a:r>
-              <a:rPr lang="de-DE" dirty="0"/>
-              <a:t> </a:t>
-            </a:r>
-            <a:r>
-              <a:rPr lang="de-DE" dirty="0" err="1"/>
-              <a:t>test</a:t>
-            </a:r>
-            <a:r>
-              <a:rPr lang="de-DE" dirty="0"/>
-              <a:t> </a:t>
-            </a:r>
-            <a:r>
-              <a:rPr lang="de-DE" dirty="0" err="1"/>
-              <a:t>meetings</a:t>
-            </a:r>
-            <a:r>
-              <a:rPr lang="de-DE" dirty="0"/>
-              <a:t> </a:t>
-            </a:r>
-            <a:r>
-              <a:rPr lang="de-DE" dirty="0" err="1"/>
-              <a:t>with</a:t>
-            </a:r>
-            <a:r>
-              <a:rPr lang="de-DE" dirty="0"/>
-              <a:t> </a:t>
-            </a:r>
-            <a:r>
-              <a:rPr lang="de-DE" dirty="0" err="1"/>
-              <a:t>experts</a:t>
-            </a:r>
-            <a:r>
-              <a:rPr lang="de-DE" dirty="0"/>
-              <a:t> </a:t>
-            </a:r>
-            <a:r>
-              <a:rPr lang="de-DE" dirty="0" err="1"/>
-              <a:t>of</a:t>
-            </a:r>
-            <a:r>
-              <a:rPr lang="de-DE" dirty="0"/>
-              <a:t> </a:t>
-            </a:r>
-            <a:r>
-              <a:rPr lang="de-DE" dirty="0" err="1"/>
-              <a:t>the</a:t>
-            </a:r>
-            <a:r>
-              <a:rPr lang="de-DE" dirty="0"/>
-              <a:t> </a:t>
-            </a:r>
-            <a:r>
-              <a:rPr lang="de-DE" dirty="0" err="1"/>
-              <a:t>system</a:t>
-            </a:r>
-            <a:endParaRPr lang="de-DE" dirty="0"/>
+              <a:rPr lang="en-US" dirty="0"/>
+              <a:t>Too few test meetings with experts of the system</a:t>
+            </a:r>
           </a:p>
           <a:p>
             <a:pPr marL="457200" lvl="1" indent="0">
               <a:buNone/>
             </a:pPr>
-            <a:endParaRPr lang="de-DE" dirty="0"/>
+            <a:endParaRPr lang="en-US" dirty="0"/>
           </a:p>
           <a:p>
             <a:pPr marL="0" indent="0">
               <a:buNone/>
             </a:pPr>
             <a:r>
-              <a:rPr lang="de-DE" dirty="0"/>
-              <a:t>3) </a:t>
-            </a:r>
-            <a:r>
-              <a:rPr lang="de-DE" dirty="0" err="1"/>
-              <a:t>No</a:t>
-            </a:r>
-            <a:r>
-              <a:rPr lang="de-DE" dirty="0"/>
-              <a:t> support </a:t>
-            </a:r>
-            <a:r>
-              <a:rPr lang="de-DE" dirty="0" err="1"/>
-              <a:t>from</a:t>
-            </a:r>
-            <a:r>
-              <a:rPr lang="de-DE" dirty="0"/>
-              <a:t> </a:t>
-            </a:r>
-            <a:r>
-              <a:rPr lang="de-DE" dirty="0" err="1"/>
-              <a:t>the</a:t>
-            </a:r>
-            <a:r>
-              <a:rPr lang="de-DE" dirty="0"/>
-              <a:t> </a:t>
-            </a:r>
-            <a:r>
-              <a:rPr lang="de-DE" dirty="0" err="1"/>
-              <a:t>current</a:t>
-            </a:r>
-            <a:r>
-              <a:rPr lang="de-DE" dirty="0"/>
-              <a:t> </a:t>
-            </a:r>
-            <a:r>
-              <a:rPr lang="de-DE" dirty="0" err="1"/>
-              <a:t>planning</a:t>
-            </a:r>
-            <a:r>
-              <a:rPr lang="de-DE" dirty="0"/>
-              <a:t> </a:t>
-            </a:r>
-            <a:r>
-              <a:rPr lang="de-DE" dirty="0" err="1"/>
-              <a:t>experts</a:t>
-            </a:r>
-            <a:r>
-              <a:rPr lang="de-DE" dirty="0"/>
-              <a:t> </a:t>
-            </a:r>
-            <a:r>
-              <a:rPr lang="de-DE" dirty="0" err="1"/>
-              <a:t>as</a:t>
-            </a:r>
-            <a:r>
-              <a:rPr lang="de-DE" dirty="0"/>
-              <a:t> </a:t>
-            </a:r>
-            <a:r>
-              <a:rPr lang="de-DE" dirty="0" err="1"/>
-              <a:t>they</a:t>
-            </a:r>
-            <a:r>
-              <a:rPr lang="de-DE" dirty="0"/>
-              <a:t> </a:t>
-            </a:r>
-            <a:r>
-              <a:rPr lang="de-DE" dirty="0" err="1"/>
-              <a:t>feared</a:t>
-            </a:r>
-            <a:r>
-              <a:rPr lang="de-DE" dirty="0"/>
-              <a:t> </a:t>
-            </a:r>
-            <a:r>
-              <a:rPr lang="de-DE" dirty="0" err="1"/>
-              <a:t>to</a:t>
-            </a:r>
-            <a:r>
-              <a:rPr lang="de-DE" dirty="0"/>
-              <a:t> lose </a:t>
-            </a:r>
-            <a:r>
-              <a:rPr lang="de-DE" dirty="0" err="1"/>
-              <a:t>their</a:t>
-            </a:r>
-            <a:r>
-              <a:rPr lang="de-DE" dirty="0"/>
-              <a:t> </a:t>
-            </a:r>
-            <a:r>
-              <a:rPr lang="de-DE" dirty="0" err="1"/>
-              <a:t>jobs</a:t>
-            </a:r>
-            <a:endParaRPr lang="de-DE" dirty="0"/>
+              <a:rPr lang="en-US" dirty="0"/>
+              <a:t>3) No support from the current planning experts as they feared to lose their jobs</a:t>
+            </a:r>
           </a:p>
           <a:p>
             <a:pPr lvl="1"/>
-            <a:endParaRPr lang="de-DE" dirty="0"/>
+            <a:endParaRPr lang="en-US" dirty="0"/>
           </a:p>
         </p:txBody>
       </p:sp>
@@ -8180,10 +8415,9 @@
           <a:lstStyle/>
           <a:p>
             <a:r>
-              <a:rPr lang="de-DE" dirty="0" err="1"/>
+              <a:rPr lang="en-US" dirty="0"/>
               <a:t>Conclusion</a:t>
             </a:r>
-            <a:endParaRPr lang="de-DE" dirty="0"/>
           </a:p>
         </p:txBody>
       </p:sp>
@@ -8209,339 +8443,21 @@
           <a:lstStyle/>
           <a:p>
             <a:r>
-              <a:rPr lang="de-DE" dirty="0" err="1"/>
-              <a:t>you</a:t>
-            </a:r>
-            <a:r>
-              <a:rPr lang="de-DE" dirty="0"/>
-              <a:t> </a:t>
-            </a:r>
-            <a:r>
-              <a:rPr lang="de-DE" dirty="0" err="1"/>
-              <a:t>need</a:t>
-            </a:r>
-            <a:r>
-              <a:rPr lang="de-DE" dirty="0"/>
-              <a:t> </a:t>
-            </a:r>
-            <a:r>
-              <a:rPr lang="de-DE" dirty="0" err="1"/>
-              <a:t>one</a:t>
-            </a:r>
-            <a:r>
-              <a:rPr lang="de-DE" dirty="0"/>
-              <a:t> inhouse </a:t>
-            </a:r>
-            <a:r>
-              <a:rPr lang="de-DE" dirty="0" err="1"/>
-              <a:t>responsible</a:t>
-            </a:r>
-            <a:r>
-              <a:rPr lang="de-DE" dirty="0"/>
-              <a:t> </a:t>
-            </a:r>
-            <a:r>
-              <a:rPr lang="de-DE" dirty="0" err="1"/>
-              <a:t>who</a:t>
-            </a:r>
-            <a:r>
-              <a:rPr lang="de-DE" dirty="0"/>
-              <a:t> </a:t>
-            </a:r>
-            <a:r>
-              <a:rPr lang="de-DE" dirty="0" err="1"/>
-              <a:t>is</a:t>
-            </a:r>
-            <a:r>
-              <a:rPr lang="de-DE" dirty="0"/>
-              <a:t> </a:t>
-            </a:r>
-            <a:r>
-              <a:rPr lang="de-DE" dirty="0" err="1"/>
-              <a:t>driving</a:t>
-            </a:r>
-            <a:r>
-              <a:rPr lang="de-DE" dirty="0"/>
-              <a:t> </a:t>
-            </a:r>
-            <a:r>
-              <a:rPr lang="de-DE" dirty="0" err="1"/>
-              <a:t>this</a:t>
-            </a:r>
-            <a:r>
-              <a:rPr lang="de-DE" dirty="0"/>
-              <a:t> </a:t>
-            </a:r>
-            <a:r>
-              <a:rPr lang="de-DE" dirty="0" err="1"/>
-              <a:t>project</a:t>
-            </a:r>
-            <a:r>
-              <a:rPr lang="de-DE" dirty="0"/>
-              <a:t> and </a:t>
-            </a:r>
-            <a:r>
-              <a:rPr lang="de-DE" dirty="0" err="1"/>
-              <a:t>gets</a:t>
-            </a:r>
-            <a:r>
-              <a:rPr lang="de-DE" dirty="0"/>
-              <a:t> fast </a:t>
-            </a:r>
-            <a:r>
-              <a:rPr lang="de-DE" dirty="0" err="1"/>
-              <a:t>access</a:t>
-            </a:r>
-            <a:r>
-              <a:rPr lang="de-DE" dirty="0"/>
-              <a:t> </a:t>
-            </a:r>
-            <a:r>
-              <a:rPr lang="de-DE" dirty="0" err="1"/>
-              <a:t>to</a:t>
-            </a:r>
-            <a:r>
-              <a:rPr lang="de-DE" dirty="0"/>
-              <a:t> all </a:t>
-            </a:r>
-            <a:r>
-              <a:rPr lang="de-DE" dirty="0" err="1"/>
-              <a:t>necessary</a:t>
-            </a:r>
-            <a:r>
-              <a:rPr lang="de-DE" dirty="0"/>
-              <a:t> </a:t>
-            </a:r>
-            <a:r>
-              <a:rPr lang="de-DE" dirty="0" err="1"/>
-              <a:t>data</a:t>
-            </a:r>
-            <a:r>
-              <a:rPr lang="de-DE" dirty="0"/>
-              <a:t> </a:t>
-            </a:r>
-            <a:r>
-              <a:rPr lang="de-DE" dirty="0" err="1"/>
-              <a:t>sources</a:t>
-            </a:r>
-            <a:r>
-              <a:rPr lang="de-DE" dirty="0"/>
-              <a:t> (e.g. CDO)</a:t>
-            </a:r>
-          </a:p>
-          <a:p>
-            <a:r>
-              <a:rPr lang="de-DE" dirty="0"/>
-              <a:t> </a:t>
-            </a:r>
-            <a:r>
-              <a:rPr lang="de-DE" dirty="0" err="1"/>
-              <a:t>this</a:t>
-            </a:r>
-            <a:r>
-              <a:rPr lang="de-DE" dirty="0"/>
-              <a:t> </a:t>
-            </a:r>
-            <a:r>
-              <a:rPr lang="de-DE" dirty="0" err="1"/>
-              <a:t>person</a:t>
-            </a:r>
-            <a:r>
-              <a:rPr lang="de-DE" dirty="0"/>
-              <a:t> </a:t>
-            </a:r>
-            <a:r>
-              <a:rPr lang="de-DE" dirty="0" err="1"/>
-              <a:t>needs</a:t>
-            </a:r>
-            <a:r>
-              <a:rPr lang="de-DE" dirty="0"/>
-              <a:t> </a:t>
-            </a:r>
-            <a:r>
-              <a:rPr lang="de-DE" dirty="0" err="1"/>
-              <a:t>to</a:t>
-            </a:r>
-            <a:r>
-              <a:rPr lang="de-DE" dirty="0"/>
-              <a:t> </a:t>
-            </a:r>
-            <a:r>
-              <a:rPr lang="de-DE" dirty="0" err="1"/>
-              <a:t>address</a:t>
-            </a:r>
-            <a:r>
-              <a:rPr lang="de-DE" dirty="0"/>
-              <a:t> open </a:t>
-            </a:r>
-            <a:r>
-              <a:rPr lang="de-DE" dirty="0" err="1"/>
-              <a:t>topics</a:t>
-            </a:r>
-            <a:r>
-              <a:rPr lang="de-DE" dirty="0"/>
-              <a:t> and </a:t>
-            </a:r>
-            <a:r>
-              <a:rPr lang="de-DE" dirty="0" err="1"/>
-              <a:t>realistic</a:t>
-            </a:r>
-            <a:r>
-              <a:rPr lang="de-DE" dirty="0"/>
-              <a:t> time </a:t>
-            </a:r>
-            <a:r>
-              <a:rPr lang="de-DE" dirty="0" err="1"/>
-              <a:t>scheduling</a:t>
-            </a:r>
-            <a:r>
-              <a:rPr lang="de-DE" dirty="0"/>
-              <a:t> </a:t>
-            </a:r>
-            <a:r>
-              <a:rPr lang="de-DE" dirty="0" err="1"/>
-              <a:t>to</a:t>
-            </a:r>
-            <a:r>
-              <a:rPr lang="de-DE" dirty="0"/>
-              <a:t> </a:t>
-            </a:r>
-            <a:r>
-              <a:rPr lang="de-DE" dirty="0" err="1"/>
-              <a:t>the</a:t>
-            </a:r>
-            <a:r>
-              <a:rPr lang="de-DE" dirty="0"/>
-              <a:t> </a:t>
-            </a:r>
-            <a:r>
-              <a:rPr lang="de-DE" dirty="0" err="1"/>
-              <a:t>management</a:t>
-            </a:r>
-            <a:endParaRPr lang="de-DE" dirty="0"/>
-          </a:p>
-          <a:p>
-            <a:r>
-              <a:rPr lang="de-DE" dirty="0"/>
-              <a:t> </a:t>
-            </a:r>
-            <a:r>
-              <a:rPr lang="de-DE" dirty="0" err="1"/>
-              <a:t>without</a:t>
-            </a:r>
-            <a:r>
-              <a:rPr lang="de-DE" dirty="0"/>
-              <a:t> </a:t>
-            </a:r>
-            <a:r>
-              <a:rPr lang="de-DE" dirty="0" err="1"/>
-              <a:t>the</a:t>
-            </a:r>
-            <a:r>
-              <a:rPr lang="de-DE" dirty="0"/>
-              <a:t> support </a:t>
-            </a:r>
-            <a:r>
-              <a:rPr lang="de-DE" dirty="0" err="1"/>
-              <a:t>from</a:t>
-            </a:r>
-            <a:r>
-              <a:rPr lang="de-DE" dirty="0"/>
-              <a:t> </a:t>
-            </a:r>
-            <a:r>
-              <a:rPr lang="de-DE" dirty="0" err="1"/>
-              <a:t>the</a:t>
-            </a:r>
-            <a:r>
-              <a:rPr lang="de-DE" dirty="0"/>
-              <a:t> </a:t>
-            </a:r>
-            <a:r>
-              <a:rPr lang="de-DE" dirty="0" err="1"/>
-              <a:t>current</a:t>
-            </a:r>
-            <a:r>
-              <a:rPr lang="de-DE" dirty="0"/>
-              <a:t> </a:t>
-            </a:r>
-            <a:r>
-              <a:rPr lang="de-DE" dirty="0" err="1"/>
-              <a:t>experts</a:t>
-            </a:r>
-            <a:r>
-              <a:rPr lang="de-DE" dirty="0"/>
-              <a:t> </a:t>
-            </a:r>
-            <a:r>
-              <a:rPr lang="de-DE" dirty="0" err="1"/>
-              <a:t>it</a:t>
-            </a:r>
-            <a:r>
-              <a:rPr lang="de-DE" dirty="0"/>
-              <a:t> will </a:t>
-            </a:r>
-            <a:r>
-              <a:rPr lang="de-DE" dirty="0" err="1"/>
-              <a:t>be</a:t>
-            </a:r>
-            <a:r>
-              <a:rPr lang="de-DE" dirty="0"/>
-              <a:t> </a:t>
-            </a:r>
-            <a:r>
-              <a:rPr lang="de-DE" dirty="0" err="1"/>
-              <a:t>hard</a:t>
-            </a:r>
-            <a:r>
-              <a:rPr lang="de-DE" dirty="0"/>
-              <a:t> </a:t>
-            </a:r>
-            <a:r>
-              <a:rPr lang="de-DE" dirty="0" err="1"/>
-              <a:t>to</a:t>
-            </a:r>
-            <a:r>
-              <a:rPr lang="de-DE" dirty="0"/>
-              <a:t> </a:t>
-            </a:r>
-            <a:r>
-              <a:rPr lang="de-DE" dirty="0" err="1"/>
-              <a:t>establish</a:t>
-            </a:r>
-            <a:r>
-              <a:rPr lang="de-DE" dirty="0"/>
-              <a:t> </a:t>
-            </a:r>
-            <a:r>
-              <a:rPr lang="de-DE" dirty="0" err="1"/>
-              <a:t>this</a:t>
-            </a:r>
-            <a:r>
-              <a:rPr lang="de-DE" dirty="0"/>
-              <a:t> </a:t>
-            </a:r>
-            <a:r>
-              <a:rPr lang="de-DE" dirty="0" err="1"/>
-              <a:t>system</a:t>
-            </a:r>
-            <a:r>
-              <a:rPr lang="de-DE" dirty="0"/>
-              <a:t> </a:t>
-            </a:r>
-            <a:r>
-              <a:rPr lang="de-DE" dirty="0" err="1"/>
-              <a:t>into</a:t>
-            </a:r>
-            <a:r>
-              <a:rPr lang="de-DE" dirty="0"/>
-              <a:t> </a:t>
-            </a:r>
-            <a:r>
-              <a:rPr lang="de-DE"/>
-              <a:t>production</a:t>
-            </a:r>
-            <a:endParaRPr lang="de-DE" dirty="0"/>
+              <a:rPr lang="en-US" dirty="0"/>
+              <a:t>You need one inhouse responsible who is driving this project and gets fast access to all necessary data sources (e.g. CDO)</a:t>
+            </a:r>
+          </a:p>
+          <a:p>
+            <a:r>
+              <a:rPr lang="en-US" dirty="0"/>
+              <a:t>This person needs to address open topics and realistic time scheduling to the management</a:t>
+            </a:r>
+          </a:p>
+          <a:p>
+            <a:r>
+              <a:rPr lang="en-US" dirty="0"/>
+              <a:t>Without the support from the current experts it will be hard to establish this system into production</a:t>
+            </a:r>
           </a:p>
         </p:txBody>
       </p:sp>
@@ -8597,22 +8513,9 @@
           <a:lstStyle/>
           <a:p>
             <a:r>
-              <a:rPr lang="de-DE" dirty="0"/>
-              <a:t>Table </a:t>
-            </a:r>
-            <a:r>
-              <a:rPr lang="de-DE" dirty="0" err="1"/>
-              <a:t>of</a:t>
-            </a:r>
-            <a:r>
-              <a:rPr lang="de-DE" dirty="0"/>
-              <a:t> </a:t>
-            </a:r>
-            <a:r>
-              <a:rPr lang="de-DE" dirty="0" err="1"/>
-              <a:t>contents</a:t>
-            </a:r>
-            <a:endParaRPr lang="de-DE" dirty="0"/>
+              <a:rPr lang="en-US" dirty="0"/>
+              <a:t>Table of contents</a:t>
+            </a:r>
           </a:p>
         </p:txBody>
       </p:sp>
@@ -8638,116 +8541,63 @@
           <a:lstStyle/>
           <a:p>
             <a:r>
-              <a:rPr lang="de-DE" dirty="0"/>
-              <a:t>Motivation &amp; </a:t>
-            </a:r>
-            <a:r>
-              <a:rPr lang="de-DE" dirty="0" err="1"/>
-              <a:t>goals</a:t>
-            </a:r>
-            <a:endParaRPr lang="de-DE" dirty="0"/>
-          </a:p>
-          <a:p>
-            <a:r>
-              <a:rPr lang="de-DE" dirty="0" err="1"/>
-              <a:t>Current</a:t>
-            </a:r>
-            <a:r>
-              <a:rPr lang="de-DE" dirty="0"/>
-              <a:t> </a:t>
-            </a:r>
-            <a:r>
-              <a:rPr lang="de-DE" dirty="0" err="1"/>
+              <a:rPr lang="en-US" dirty="0"/>
+              <a:t>Motivation &amp; goals</a:t>
+            </a:r>
+          </a:p>
+          <a:p>
+            <a:r>
+              <a:rPr lang="en-US" dirty="0"/>
+              <a:t>Current state</a:t>
+            </a:r>
+          </a:p>
+          <a:p>
+            <a:r>
+              <a:rPr lang="en-US"/>
+              <a:t>Goal </a:t>
+            </a:r>
+            <a:r>
+              <a:rPr lang="en-US" dirty="0"/>
               <a:t>state</a:t>
             </a:r>
-            <a:endParaRPr lang="de-DE" dirty="0"/>
-          </a:p>
-          <a:p>
-            <a:r>
-              <a:rPr lang="de-DE" dirty="0"/>
-              <a:t>Target </a:t>
-            </a:r>
-            <a:r>
-              <a:rPr lang="de-DE" dirty="0" err="1"/>
-              <a:t>state</a:t>
-            </a:r>
-            <a:endParaRPr lang="de-DE" dirty="0"/>
           </a:p>
           <a:p>
             <a:pPr lvl="1"/>
             <a:r>
-              <a:rPr lang="de-DE" dirty="0" err="1"/>
+              <a:rPr lang="en-US" dirty="0"/>
               <a:t>Challenges</a:t>
             </a:r>
-            <a:endParaRPr lang="de-DE" dirty="0"/>
           </a:p>
           <a:p>
             <a:pPr lvl="1"/>
             <a:r>
-              <a:rPr lang="de-DE" dirty="0"/>
+              <a:rPr lang="en-US" dirty="0"/>
               <a:t>Solutions</a:t>
             </a:r>
           </a:p>
           <a:p>
             <a:r>
-              <a:rPr lang="de-DE" dirty="0" err="1"/>
-              <a:t>Failures</a:t>
-            </a:r>
-            <a:r>
-              <a:rPr lang="de-DE" dirty="0"/>
-              <a:t> </a:t>
-            </a:r>
-            <a:r>
-              <a:rPr lang="de-DE" dirty="0" err="1"/>
-              <a:t>of</a:t>
-            </a:r>
-            <a:r>
-              <a:rPr lang="de-DE" dirty="0"/>
-              <a:t> </a:t>
-            </a:r>
-            <a:r>
-              <a:rPr lang="de-DE" dirty="0" err="1"/>
-              <a:t>previous</a:t>
-            </a:r>
-            <a:r>
-              <a:rPr lang="de-DE" dirty="0"/>
-              <a:t> </a:t>
-            </a:r>
-            <a:r>
-              <a:rPr lang="de-DE" dirty="0" err="1"/>
-              <a:t>attempt</a:t>
-            </a:r>
-            <a:r>
-              <a:rPr lang="de-DE" dirty="0"/>
-              <a:t> (real </a:t>
-            </a:r>
-            <a:r>
-              <a:rPr lang="de-DE" dirty="0" err="1"/>
-              <a:t>case</a:t>
-            </a:r>
-            <a:r>
-              <a:rPr lang="de-DE" dirty="0"/>
-              <a:t>) </a:t>
-            </a:r>
-          </a:p>
-          <a:p>
-            <a:r>
-              <a:rPr lang="de-DE" dirty="0" err="1"/>
+              <a:rPr lang="en-US" dirty="0"/>
+              <a:t>Failures of previous attempt (real case) </a:t>
+            </a:r>
+          </a:p>
+          <a:p>
+            <a:r>
+              <a:rPr lang="en-US" dirty="0"/>
               <a:t>Conclusion</a:t>
             </a:r>
-            <a:endParaRPr lang="de-DE" dirty="0"/>
-          </a:p>
-          <a:p>
-            <a:endParaRPr lang="de-DE" dirty="0"/>
-          </a:p>
-          <a:p>
-            <a:endParaRPr lang="de-DE" dirty="0"/>
-          </a:p>
-          <a:p>
-            <a:endParaRPr lang="de-DE" dirty="0"/>
-          </a:p>
-          <a:p>
-            <a:endParaRPr lang="de-DE" dirty="0"/>
+          </a:p>
+          <a:p>
+            <a:endParaRPr lang="en-US" dirty="0"/>
+          </a:p>
+          <a:p>
+            <a:endParaRPr lang="en-US" dirty="0"/>
+          </a:p>
+          <a:p>
+            <a:endParaRPr lang="en-US" dirty="0"/>
+          </a:p>
+          <a:p>
+            <a:endParaRPr lang="en-US" dirty="0"/>
           </a:p>
         </p:txBody>
       </p:sp>
@@ -8803,14 +8653,9 @@
           <a:lstStyle/>
           <a:p>
             <a:r>
-              <a:rPr lang="de-DE" dirty="0"/>
-              <a:t>Motivation &amp; </a:t>
-            </a:r>
-            <a:r>
-              <a:rPr lang="de-DE" dirty="0" err="1"/>
-              <a:t>goals</a:t>
-            </a:r>
-            <a:endParaRPr lang="de-DE" dirty="0"/>
+              <a:rPr lang="en-US" dirty="0"/>
+              <a:t>Motivation &amp; goals</a:t>
+            </a:r>
           </a:p>
         </p:txBody>
       </p:sp>
@@ -8836,58 +8681,20 @@
           <a:lstStyle/>
           <a:p>
             <a:r>
-              <a:rPr lang="de-DE" dirty="0" err="1"/>
-              <a:t>Reduction</a:t>
-            </a:r>
-            <a:r>
-              <a:rPr lang="de-DE" dirty="0"/>
-              <a:t> </a:t>
-            </a:r>
-            <a:r>
-              <a:rPr lang="de-DE" dirty="0" err="1"/>
-              <a:t>of</a:t>
-            </a:r>
-            <a:r>
-              <a:rPr lang="de-DE" dirty="0"/>
-              <a:t> </a:t>
-            </a:r>
-            <a:r>
-              <a:rPr lang="de-DE" dirty="0" err="1"/>
-              <a:t>workload</a:t>
-            </a:r>
-            <a:endParaRPr lang="de-DE" dirty="0"/>
-          </a:p>
-          <a:p>
-            <a:r>
-              <a:rPr lang="de-DE" dirty="0" err="1"/>
-              <a:t>Optimized</a:t>
-            </a:r>
-            <a:r>
-              <a:rPr lang="de-DE" dirty="0"/>
-              <a:t> stock in </a:t>
-            </a:r>
-            <a:r>
-              <a:rPr lang="de-DE" dirty="0" err="1"/>
-              <a:t>production</a:t>
-            </a:r>
-            <a:endParaRPr lang="de-DE" dirty="0"/>
-          </a:p>
-          <a:p>
-            <a:r>
-              <a:rPr lang="de-DE" dirty="0" err="1"/>
-              <a:t>Reduce</a:t>
-            </a:r>
-            <a:r>
-              <a:rPr lang="de-DE" dirty="0"/>
-              <a:t> </a:t>
-            </a:r>
-            <a:r>
-              <a:rPr lang="de-DE" dirty="0" err="1"/>
-              <a:t>lead</a:t>
-            </a:r>
-            <a:r>
-              <a:rPr lang="de-DE" dirty="0"/>
-              <a:t> time</a:t>
+              <a:rPr lang="en-US" dirty="0"/>
+              <a:t>Reduction of workload</a:t>
+            </a:r>
+          </a:p>
+          <a:p>
+            <a:r>
+              <a:rPr lang="en-US" dirty="0"/>
+              <a:t>Optimized stock in production</a:t>
+            </a:r>
+          </a:p>
+          <a:p>
+            <a:r>
+              <a:rPr lang="en-US" dirty="0"/>
+              <a:t>Reduce lead time</a:t>
             </a:r>
           </a:p>
         </p:txBody>
@@ -8975,7 +8782,7 @@
           <a:lstStyle/>
           <a:p>
             <a:pPr algn="ctr"/>
-            <a:endParaRPr lang="de-DE">
+            <a:endParaRPr lang="en-US" dirty="0">
               <a:ln w="0"/>
               <a:solidFill>
                 <a:schemeClr val="tx1"/>
@@ -9044,7 +8851,7 @@
           <a:lstStyle/>
           <a:p>
             <a:pPr algn="ctr"/>
-            <a:endParaRPr lang="de-DE">
+            <a:endParaRPr lang="en-US" dirty="0">
               <a:ln w="0"/>
               <a:solidFill>
                 <a:schemeClr val="tx1"/>
@@ -9087,18 +8894,9 @@
           <a:lstStyle/>
           <a:p>
             <a:r>
-              <a:rPr lang="de-DE" dirty="0" err="1"/>
-              <a:t>Current</a:t>
-            </a:r>
-            <a:r>
-              <a:rPr lang="de-DE" dirty="0"/>
-              <a:t> </a:t>
-            </a:r>
-            <a:r>
-              <a:rPr lang="de-DE" dirty="0" err="1"/>
-              <a:t>state</a:t>
-            </a:r>
-            <a:endParaRPr lang="de-DE" dirty="0"/>
+              <a:rPr lang="en-US" dirty="0"/>
+              <a:t>Current state</a:t>
+            </a:r>
           </a:p>
         </p:txBody>
       </p:sp>
@@ -9170,7 +8968,7 @@
             <a:lstStyle/>
             <a:p>
               <a:pPr algn="ctr"/>
-              <a:endParaRPr lang="de-DE"/>
+              <a:endParaRPr lang="en-US" dirty="0"/>
             </a:p>
           </p:txBody>
         </p:sp>
@@ -9224,7 +9022,7 @@
             <a:lstStyle/>
             <a:p>
               <a:pPr algn="ctr"/>
-              <a:endParaRPr lang="de-DE"/>
+              <a:endParaRPr lang="en-US" dirty="0"/>
             </a:p>
           </p:txBody>
         </p:sp>
@@ -9271,7 +9069,7 @@
             <a:lstStyle/>
             <a:p>
               <a:pPr algn="ctr"/>
-              <a:endParaRPr lang="de-DE"/>
+              <a:endParaRPr lang="en-US" dirty="0"/>
             </a:p>
           </p:txBody>
         </p:sp>
@@ -9317,7 +9115,7 @@
             <a:lstStyle/>
             <a:p>
               <a:pPr algn="ctr"/>
-              <a:endParaRPr lang="de-DE"/>
+              <a:endParaRPr lang="en-US" dirty="0"/>
             </a:p>
           </p:txBody>
         </p:sp>
@@ -9363,7 +9161,7 @@
             <a:lstStyle/>
             <a:p>
               <a:pPr algn="ctr"/>
-              <a:endParaRPr lang="de-DE"/>
+              <a:endParaRPr lang="en-US" dirty="0"/>
             </a:p>
           </p:txBody>
         </p:sp>
@@ -9409,7 +9207,7 @@
             <a:lstStyle/>
             <a:p>
               <a:pPr algn="ctr"/>
-              <a:endParaRPr lang="de-DE"/>
+              <a:endParaRPr lang="en-US" dirty="0"/>
             </a:p>
           </p:txBody>
         </p:sp>
@@ -9455,7 +9253,7 @@
             <a:lstStyle/>
             <a:p>
               <a:pPr algn="ctr"/>
-              <a:endParaRPr lang="de-DE"/>
+              <a:endParaRPr lang="en-US" dirty="0"/>
             </a:p>
           </p:txBody>
         </p:sp>
@@ -9501,7 +9299,7 @@
             <a:lstStyle/>
             <a:p>
               <a:pPr algn="ctr"/>
-              <a:endParaRPr lang="de-DE"/>
+              <a:endParaRPr lang="en-US" dirty="0"/>
             </a:p>
           </p:txBody>
         </p:sp>
@@ -9547,7 +9345,7 @@
             <a:lstStyle/>
             <a:p>
               <a:pPr algn="ctr"/>
-              <a:endParaRPr lang="de-DE"/>
+              <a:endParaRPr lang="en-US" dirty="0"/>
             </a:p>
           </p:txBody>
         </p:sp>
@@ -9580,18 +9378,9 @@
             <a:lstStyle/>
             <a:p>
               <a:r>
-                <a:rPr lang="de-DE" dirty="0" err="1"/>
-                <a:t>Pre</a:t>
+                <a:rPr lang="en-US" dirty="0"/>
+                <a:t>Pre production</a:t>
               </a:r>
-              <a:r>
-                <a:rPr lang="de-DE" dirty="0"/>
-                <a:t> </a:t>
-              </a:r>
-              <a:r>
-                <a:rPr lang="de-DE" dirty="0" err="1"/>
-                <a:t>production</a:t>
-              </a:r>
-              <a:endParaRPr lang="de-DE" dirty="0"/>
             </a:p>
           </p:txBody>
         </p:sp>
@@ -9642,7 +9431,7 @@
             <a:lstStyle/>
             <a:p>
               <a:pPr algn="ctr"/>
-              <a:endParaRPr lang="de-DE"/>
+              <a:endParaRPr lang="en-US" dirty="0"/>
             </a:p>
           </p:txBody>
         </p:sp>
@@ -9693,7 +9482,7 @@
             <a:lstStyle/>
             <a:p>
               <a:pPr algn="ctr"/>
-              <a:endParaRPr lang="de-DE"/>
+              <a:endParaRPr lang="en-US" dirty="0"/>
             </a:p>
           </p:txBody>
         </p:sp>
@@ -9744,7 +9533,7 @@
             <a:lstStyle/>
             <a:p>
               <a:pPr algn="ctr"/>
-              <a:endParaRPr lang="de-DE"/>
+              <a:endParaRPr lang="en-US" dirty="0"/>
             </a:p>
           </p:txBody>
         </p:sp>
@@ -9795,7 +9584,7 @@
             <a:lstStyle/>
             <a:p>
               <a:pPr algn="ctr"/>
-              <a:endParaRPr lang="de-DE"/>
+              <a:endParaRPr lang="en-US" dirty="0"/>
             </a:p>
           </p:txBody>
         </p:sp>
@@ -9846,7 +9635,7 @@
             <a:lstStyle/>
             <a:p>
               <a:pPr algn="ctr"/>
-              <a:endParaRPr lang="de-DE"/>
+              <a:endParaRPr lang="en-US" dirty="0"/>
             </a:p>
           </p:txBody>
         </p:sp>
@@ -9897,7 +9686,7 @@
             <a:lstStyle/>
             <a:p>
               <a:pPr algn="ctr"/>
-              <a:endParaRPr lang="de-DE"/>
+              <a:endParaRPr lang="en-US" dirty="0"/>
             </a:p>
           </p:txBody>
         </p:sp>
@@ -9948,7 +9737,7 @@
             <a:lstStyle/>
             <a:p>
               <a:pPr algn="ctr"/>
-              <a:endParaRPr lang="de-DE"/>
+              <a:endParaRPr lang="en-US" dirty="0"/>
             </a:p>
           </p:txBody>
         </p:sp>
@@ -9999,7 +9788,7 @@
             <a:lstStyle/>
             <a:p>
               <a:pPr algn="ctr"/>
-              <a:endParaRPr lang="de-DE"/>
+              <a:endParaRPr lang="en-US" dirty="0"/>
             </a:p>
           </p:txBody>
         </p:sp>
@@ -10050,7 +9839,7 @@
             <a:lstStyle/>
             <a:p>
               <a:pPr algn="ctr"/>
-              <a:endParaRPr lang="de-DE"/>
+              <a:endParaRPr lang="en-US" dirty="0"/>
             </a:p>
           </p:txBody>
         </p:sp>
@@ -10555,14 +10344,9 @@
             <a:lstStyle/>
             <a:p>
               <a:r>
-                <a:rPr lang="de-DE" dirty="0"/>
-                <a:t>End </a:t>
+                <a:rPr lang="en-US" dirty="0"/>
+                <a:t>End production</a:t>
               </a:r>
-              <a:r>
-                <a:rPr lang="de-DE" dirty="0" err="1"/>
-                <a:t>production</a:t>
-              </a:r>
-              <a:endParaRPr lang="de-DE" dirty="0"/>
             </a:p>
           </p:txBody>
         </p:sp>
@@ -10617,7 +10401,7 @@
           <a:lstStyle/>
           <a:p>
             <a:pPr algn="ctr"/>
-            <a:endParaRPr lang="de-DE" b="1">
+            <a:endParaRPr lang="en-US" b="1" dirty="0">
               <a:ln w="22225">
                 <a:solidFill>
                   <a:schemeClr val="accent2"/>
@@ -10676,7 +10460,7 @@
           <a:lstStyle/>
           <a:p>
             <a:r>
-              <a:rPr lang="de-DE" dirty="0"/>
+              <a:rPr lang="en-US" dirty="0"/>
               <a:t>SAP</a:t>
             </a:r>
           </a:p>
@@ -10711,48 +10495,8 @@
           <a:lstStyle/>
           <a:p>
             <a:r>
-              <a:rPr lang="de-DE" b="1" dirty="0"/>
-              <a:t>Manuel </a:t>
-            </a:r>
-            <a:r>
-              <a:rPr lang="de-DE" b="1" dirty="0" err="1"/>
-              <a:t>sequencing</a:t>
-            </a:r>
-            <a:r>
-              <a:rPr lang="de-DE" b="1" dirty="0"/>
-              <a:t> per </a:t>
-            </a:r>
-            <a:r>
-              <a:rPr lang="de-DE" b="1" dirty="0" err="1"/>
-              <a:t>production</a:t>
-            </a:r>
-            <a:r>
-              <a:rPr lang="de-DE" b="1" dirty="0"/>
-              <a:t> </a:t>
-            </a:r>
-            <a:r>
-              <a:rPr lang="de-DE" b="1" dirty="0" err="1"/>
-              <a:t>line</a:t>
-            </a:r>
-            <a:r>
-              <a:rPr lang="de-DE" b="1" dirty="0"/>
-              <a:t> (</a:t>
-            </a:r>
-            <a:r>
-              <a:rPr lang="de-DE" b="1" dirty="0" err="1"/>
-              <a:t>once</a:t>
-            </a:r>
-            <a:r>
-              <a:rPr lang="de-DE" b="1" dirty="0"/>
-              <a:t> per </a:t>
-            </a:r>
-            <a:r>
-              <a:rPr lang="de-DE" b="1" dirty="0" err="1"/>
-              <a:t>week</a:t>
-            </a:r>
-            <a:r>
-              <a:rPr lang="de-DE" b="1" dirty="0"/>
-              <a:t>)</a:t>
+              <a:rPr lang="en-US" b="1" dirty="0"/>
+              <a:t>Manuel sequencing per production line (once per week)</a:t>
             </a:r>
           </a:p>
         </p:txBody>
@@ -10799,20 +10543,8 @@
           <a:lstStyle/>
           <a:p>
             <a:r>
-              <a:rPr lang="de-DE" dirty="0" err="1"/>
-              <a:t>Costumer</a:t>
-            </a:r>
-            <a:r>
-              <a:rPr lang="de-DE" dirty="0"/>
-              <a:t> </a:t>
-            </a:r>
-            <a:r>
-              <a:rPr lang="de-DE" dirty="0" err="1"/>
-              <a:t>demand</a:t>
-            </a:r>
-            <a:r>
-              <a:rPr lang="de-DE" dirty="0"/>
-              <a:t> via EDI</a:t>
+              <a:rPr lang="en-US" dirty="0"/>
+              <a:t>Costumer demand via EDI</a:t>
             </a:r>
           </a:p>
         </p:txBody>
@@ -10867,7 +10599,7 @@
           <a:lstStyle/>
           <a:p>
             <a:pPr algn="ctr"/>
-            <a:endParaRPr lang="de-DE" b="1">
+            <a:endParaRPr lang="en-US" b="1" dirty="0">
               <a:ln w="22225">
                 <a:solidFill>
                   <a:schemeClr val="accent2"/>
@@ -10926,32 +10658,8 @@
           <a:lstStyle/>
           <a:p>
             <a:r>
-              <a:rPr lang="de-DE" dirty="0"/>
-              <a:t>End </a:t>
-            </a:r>
-            <a:r>
-              <a:rPr lang="de-DE" dirty="0" err="1"/>
-              <a:t>production</a:t>
-            </a:r>
-            <a:r>
-              <a:rPr lang="de-DE" dirty="0"/>
-              <a:t> </a:t>
-            </a:r>
-            <a:r>
-              <a:rPr lang="de-DE" dirty="0" err="1"/>
-              <a:t>planning</a:t>
-            </a:r>
-            <a:r>
-              <a:rPr lang="de-DE" dirty="0"/>
-              <a:t> </a:t>
-            </a:r>
-            <a:r>
-              <a:rPr lang="de-DE" dirty="0" err="1"/>
-              <a:t>system</a:t>
-            </a:r>
-            <a:r>
-              <a:rPr lang="de-DE" dirty="0"/>
-              <a:t> </a:t>
+              <a:rPr lang="en-US" dirty="0"/>
+              <a:t>End production planning system </a:t>
             </a:r>
           </a:p>
         </p:txBody>
@@ -11006,7 +10714,7 @@
           <a:lstStyle/>
           <a:p>
             <a:pPr algn="ctr"/>
-            <a:endParaRPr lang="de-DE" b="1">
+            <a:endParaRPr lang="en-US" b="1" dirty="0">
               <a:ln w="22225">
                 <a:solidFill>
                   <a:schemeClr val="accent2"/>
@@ -11065,36 +10773,8 @@
           <a:lstStyle/>
           <a:p>
             <a:r>
-              <a:rPr lang="de-DE" dirty="0" err="1"/>
-              <a:t>Pre</a:t>
-            </a:r>
-            <a:r>
-              <a:rPr lang="de-DE" dirty="0"/>
-              <a:t> </a:t>
-            </a:r>
-            <a:r>
-              <a:rPr lang="de-DE" dirty="0" err="1"/>
-              <a:t>production</a:t>
-            </a:r>
-            <a:r>
-              <a:rPr lang="de-DE" dirty="0"/>
-              <a:t> </a:t>
-            </a:r>
-            <a:r>
-              <a:rPr lang="de-DE" dirty="0" err="1"/>
-              <a:t>planning</a:t>
-            </a:r>
-            <a:r>
-              <a:rPr lang="de-DE" dirty="0"/>
-              <a:t> </a:t>
-            </a:r>
-            <a:r>
-              <a:rPr lang="de-DE" dirty="0" err="1"/>
-              <a:t>system</a:t>
-            </a:r>
-            <a:r>
-              <a:rPr lang="de-DE" dirty="0"/>
-              <a:t> </a:t>
+              <a:rPr lang="en-US" dirty="0"/>
+              <a:t>Preproduction planning system </a:t>
             </a:r>
           </a:p>
         </p:txBody>
@@ -11269,7 +10949,7 @@
           <a:lstStyle/>
           <a:p>
             <a:pPr algn="ctr"/>
-            <a:endParaRPr lang="de-DE">
+            <a:endParaRPr lang="en-US" dirty="0">
               <a:ln w="0"/>
               <a:solidFill>
                 <a:schemeClr val="tx1"/>
@@ -11338,7 +11018,7 @@
           <a:lstStyle/>
           <a:p>
             <a:pPr algn="ctr"/>
-            <a:endParaRPr lang="de-DE">
+            <a:endParaRPr lang="en-US" dirty="0">
               <a:ln w="0"/>
               <a:solidFill>
                 <a:schemeClr val="tx1"/>
@@ -11402,7 +11082,7 @@
           <a:lstStyle/>
           <a:p>
             <a:pPr algn="ctr"/>
-            <a:endParaRPr lang="de-DE"/>
+            <a:endParaRPr lang="en-US" dirty="0"/>
           </a:p>
         </p:txBody>
       </p:sp>
@@ -11456,7 +11136,7 @@
           <a:lstStyle/>
           <a:p>
             <a:pPr algn="ctr"/>
-            <a:endParaRPr lang="de-DE"/>
+            <a:endParaRPr lang="en-US" dirty="0"/>
           </a:p>
         </p:txBody>
       </p:sp>
@@ -11503,7 +11183,7 @@
           <a:lstStyle/>
           <a:p>
             <a:pPr algn="ctr"/>
-            <a:endParaRPr lang="de-DE"/>
+            <a:endParaRPr lang="en-US" dirty="0"/>
           </a:p>
         </p:txBody>
       </p:sp>
@@ -11549,7 +11229,7 @@
           <a:lstStyle/>
           <a:p>
             <a:pPr algn="ctr"/>
-            <a:endParaRPr lang="de-DE"/>
+            <a:endParaRPr lang="en-US" dirty="0"/>
           </a:p>
         </p:txBody>
       </p:sp>
@@ -11595,7 +11275,7 @@
           <a:lstStyle/>
           <a:p>
             <a:pPr algn="ctr"/>
-            <a:endParaRPr lang="de-DE"/>
+            <a:endParaRPr lang="en-US" dirty="0"/>
           </a:p>
         </p:txBody>
       </p:sp>
@@ -11641,7 +11321,7 @@
           <a:lstStyle/>
           <a:p>
             <a:pPr algn="ctr"/>
-            <a:endParaRPr lang="de-DE"/>
+            <a:endParaRPr lang="en-US" dirty="0"/>
           </a:p>
         </p:txBody>
       </p:sp>
@@ -11687,7 +11367,7 @@
           <a:lstStyle/>
           <a:p>
             <a:pPr algn="ctr"/>
-            <a:endParaRPr lang="de-DE"/>
+            <a:endParaRPr lang="en-US" dirty="0"/>
           </a:p>
         </p:txBody>
       </p:sp>
@@ -11733,7 +11413,7 @@
           <a:lstStyle/>
           <a:p>
             <a:pPr algn="ctr"/>
-            <a:endParaRPr lang="de-DE"/>
+            <a:endParaRPr lang="en-US" dirty="0"/>
           </a:p>
         </p:txBody>
       </p:sp>
@@ -11779,7 +11459,7 @@
           <a:lstStyle/>
           <a:p>
             <a:pPr algn="ctr"/>
-            <a:endParaRPr lang="de-DE"/>
+            <a:endParaRPr lang="en-US" dirty="0"/>
           </a:p>
         </p:txBody>
       </p:sp>
@@ -11812,18 +11492,9 @@
           <a:lstStyle/>
           <a:p>
             <a:r>
-              <a:rPr lang="de-DE" dirty="0" err="1"/>
-              <a:t>Pre</a:t>
-            </a:r>
-            <a:r>
-              <a:rPr lang="de-DE" dirty="0"/>
-              <a:t> </a:t>
-            </a:r>
-            <a:r>
-              <a:rPr lang="de-DE" dirty="0" err="1"/>
-              <a:t>production</a:t>
-            </a:r>
-            <a:endParaRPr lang="de-DE" dirty="0"/>
+              <a:rPr lang="en-US" dirty="0"/>
+              <a:t>Pre production</a:t>
+            </a:r>
           </a:p>
         </p:txBody>
       </p:sp>
@@ -11874,7 +11545,7 @@
           <a:lstStyle/>
           <a:p>
             <a:pPr algn="ctr"/>
-            <a:endParaRPr lang="de-DE"/>
+            <a:endParaRPr lang="en-US" dirty="0"/>
           </a:p>
         </p:txBody>
       </p:sp>
@@ -11925,7 +11596,7 @@
           <a:lstStyle/>
           <a:p>
             <a:pPr algn="ctr"/>
-            <a:endParaRPr lang="de-DE"/>
+            <a:endParaRPr lang="en-US" dirty="0"/>
           </a:p>
         </p:txBody>
       </p:sp>
@@ -11976,7 +11647,7 @@
           <a:lstStyle/>
           <a:p>
             <a:pPr algn="ctr"/>
-            <a:endParaRPr lang="de-DE"/>
+            <a:endParaRPr lang="en-US" dirty="0"/>
           </a:p>
         </p:txBody>
       </p:sp>
@@ -12027,7 +11698,7 @@
           <a:lstStyle/>
           <a:p>
             <a:pPr algn="ctr"/>
-            <a:endParaRPr lang="de-DE"/>
+            <a:endParaRPr lang="en-US" dirty="0"/>
           </a:p>
         </p:txBody>
       </p:sp>
@@ -12078,7 +11749,7 @@
           <a:lstStyle/>
           <a:p>
             <a:pPr algn="ctr"/>
-            <a:endParaRPr lang="de-DE"/>
+            <a:endParaRPr lang="en-US" dirty="0"/>
           </a:p>
         </p:txBody>
       </p:sp>
@@ -12129,7 +11800,7 @@
           <a:lstStyle/>
           <a:p>
             <a:pPr algn="ctr"/>
-            <a:endParaRPr lang="de-DE"/>
+            <a:endParaRPr lang="en-US" dirty="0"/>
           </a:p>
         </p:txBody>
       </p:sp>
@@ -12180,7 +11851,7 @@
           <a:lstStyle/>
           <a:p>
             <a:pPr algn="ctr"/>
-            <a:endParaRPr lang="de-DE"/>
+            <a:endParaRPr lang="en-US" dirty="0"/>
           </a:p>
         </p:txBody>
       </p:sp>
@@ -12231,7 +11902,7 @@
           <a:lstStyle/>
           <a:p>
             <a:pPr algn="ctr"/>
-            <a:endParaRPr lang="de-DE"/>
+            <a:endParaRPr lang="en-US" dirty="0"/>
           </a:p>
         </p:txBody>
       </p:sp>
@@ -12282,7 +11953,7 @@
           <a:lstStyle/>
           <a:p>
             <a:pPr algn="ctr"/>
-            <a:endParaRPr lang="de-DE"/>
+            <a:endParaRPr lang="en-US" dirty="0"/>
           </a:p>
         </p:txBody>
       </p:sp>
@@ -12787,14 +12458,9 @@
           <a:lstStyle/>
           <a:p>
             <a:r>
-              <a:rPr lang="de-DE" dirty="0"/>
-              <a:t>End </a:t>
-            </a:r>
-            <a:r>
-              <a:rPr lang="de-DE" dirty="0" err="1"/>
-              <a:t>production</a:t>
-            </a:r>
-            <a:endParaRPr lang="de-DE" dirty="0"/>
+              <a:rPr lang="en-US" dirty="0"/>
+              <a:t>End production</a:t>
+            </a:r>
           </a:p>
         </p:txBody>
       </p:sp>
@@ -12848,7 +12514,7 @@
           <a:lstStyle/>
           <a:p>
             <a:pPr algn="ctr"/>
-            <a:endParaRPr lang="de-DE" b="1">
+            <a:endParaRPr lang="en-US" b="1" dirty="0">
               <a:ln w="22225">
                 <a:solidFill>
                   <a:schemeClr val="accent2"/>
@@ -12907,7 +12573,7 @@
           <a:lstStyle/>
           <a:p>
             <a:r>
-              <a:rPr lang="de-DE" dirty="0"/>
+              <a:rPr lang="en-US" dirty="0"/>
               <a:t>SAP</a:t>
             </a:r>
           </a:p>
@@ -12942,18 +12608,9 @@
           <a:lstStyle/>
           <a:p>
             <a:r>
-              <a:rPr lang="de-DE" b="1" dirty="0" err="1"/>
-              <a:t>Continous</a:t>
-            </a:r>
-            <a:r>
-              <a:rPr lang="de-DE" b="1" dirty="0"/>
-              <a:t> AI </a:t>
-            </a:r>
-            <a:r>
-              <a:rPr lang="de-DE" b="1" dirty="0" err="1"/>
-              <a:t>planning</a:t>
-            </a:r>
-            <a:endParaRPr lang="de-DE" b="1" dirty="0"/>
+              <a:rPr lang="en-US" b="1" dirty="0"/>
+              <a:t>Continuous AI planning</a:t>
+            </a:r>
           </a:p>
         </p:txBody>
       </p:sp>
@@ -12999,20 +12656,8 @@
           <a:lstStyle/>
           <a:p>
             <a:r>
-              <a:rPr lang="de-DE" dirty="0" err="1"/>
-              <a:t>Costumer</a:t>
-            </a:r>
-            <a:r>
-              <a:rPr lang="de-DE" dirty="0"/>
-              <a:t> </a:t>
-            </a:r>
-            <a:r>
-              <a:rPr lang="de-DE" dirty="0" err="1"/>
-              <a:t>demand</a:t>
-            </a:r>
-            <a:r>
-              <a:rPr lang="de-DE" dirty="0"/>
-              <a:t> via EDI</a:t>
+              <a:rPr lang="en-US" dirty="0"/>
+              <a:t>Costumer demand via EDI</a:t>
             </a:r>
           </a:p>
         </p:txBody>
@@ -13067,7 +12712,7 @@
           <a:lstStyle/>
           <a:p>
             <a:pPr algn="ctr"/>
-            <a:endParaRPr lang="de-DE" b="1">
+            <a:endParaRPr lang="en-US" b="1" dirty="0">
               <a:ln w="22225">
                 <a:solidFill>
                   <a:schemeClr val="accent2"/>
@@ -13126,32 +12771,8 @@
           <a:lstStyle/>
           <a:p>
             <a:r>
-              <a:rPr lang="de-DE" dirty="0"/>
-              <a:t>End </a:t>
-            </a:r>
-            <a:r>
-              <a:rPr lang="de-DE" dirty="0" err="1"/>
-              <a:t>production</a:t>
-            </a:r>
-            <a:r>
-              <a:rPr lang="de-DE" dirty="0"/>
-              <a:t> </a:t>
-            </a:r>
-            <a:r>
-              <a:rPr lang="de-DE" dirty="0" err="1"/>
-              <a:t>planning</a:t>
-            </a:r>
-            <a:r>
-              <a:rPr lang="de-DE" dirty="0"/>
-              <a:t> </a:t>
-            </a:r>
-            <a:r>
-              <a:rPr lang="de-DE" dirty="0" err="1"/>
-              <a:t>system</a:t>
-            </a:r>
-            <a:r>
-              <a:rPr lang="de-DE" dirty="0"/>
-              <a:t> </a:t>
+              <a:rPr lang="en-US" dirty="0"/>
+              <a:t>End production planning system </a:t>
             </a:r>
           </a:p>
         </p:txBody>
@@ -13206,7 +12827,7 @@
           <a:lstStyle/>
           <a:p>
             <a:pPr algn="ctr"/>
-            <a:endParaRPr lang="de-DE" b="1">
+            <a:endParaRPr lang="en-US" b="1" dirty="0">
               <a:ln w="22225">
                 <a:solidFill>
                   <a:schemeClr val="accent2"/>
@@ -13265,36 +12886,8 @@
           <a:lstStyle/>
           <a:p>
             <a:r>
-              <a:rPr lang="de-DE" dirty="0" err="1"/>
-              <a:t>Pre</a:t>
-            </a:r>
-            <a:r>
-              <a:rPr lang="de-DE" dirty="0"/>
-              <a:t> </a:t>
-            </a:r>
-            <a:r>
-              <a:rPr lang="de-DE" dirty="0" err="1"/>
-              <a:t>production</a:t>
-            </a:r>
-            <a:r>
-              <a:rPr lang="de-DE" dirty="0"/>
-              <a:t> </a:t>
-            </a:r>
-            <a:r>
-              <a:rPr lang="de-DE" dirty="0" err="1"/>
-              <a:t>planning</a:t>
-            </a:r>
-            <a:r>
-              <a:rPr lang="de-DE" dirty="0"/>
-              <a:t> </a:t>
-            </a:r>
-            <a:r>
-              <a:rPr lang="de-DE" dirty="0" err="1"/>
-              <a:t>system</a:t>
-            </a:r>
-            <a:r>
-              <a:rPr lang="de-DE" dirty="0"/>
-              <a:t> </a:t>
+              <a:rPr lang="en-US" dirty="0"/>
+              <a:t>Preproduction planning system </a:t>
             </a:r>
           </a:p>
         </p:txBody>
@@ -13416,14 +13009,9 @@
           <a:lstStyle/>
           <a:p>
             <a:r>
-              <a:rPr lang="de-DE" dirty="0"/>
-              <a:t>Goal </a:t>
-            </a:r>
-            <a:r>
-              <a:rPr lang="de-DE" dirty="0" err="1"/>
-              <a:t>state</a:t>
-            </a:r>
-            <a:endParaRPr lang="de-DE" dirty="0"/>
+              <a:rPr lang="en-US" dirty="0"/>
+              <a:t>Goal state</a:t>
+            </a:r>
           </a:p>
         </p:txBody>
       </p:sp>
@@ -13484,203 +13072,62 @@
           <a:lstStyle/>
           <a:p>
             <a:r>
-              <a:rPr lang="de-DE" dirty="0" err="1"/>
-              <a:t>Retrieving</a:t>
-            </a:r>
-            <a:r>
-              <a:rPr lang="de-DE" dirty="0"/>
-              <a:t> </a:t>
-            </a:r>
-            <a:r>
-              <a:rPr lang="de-DE" dirty="0" err="1"/>
-              <a:t>necessary</a:t>
-            </a:r>
-            <a:r>
-              <a:rPr lang="de-DE" dirty="0"/>
-              <a:t> (</a:t>
-            </a:r>
-            <a:r>
-              <a:rPr lang="de-DE" dirty="0" err="1"/>
-              <a:t>historic</a:t>
-            </a:r>
-            <a:r>
-              <a:rPr lang="de-DE" dirty="0"/>
-              <a:t>) </a:t>
-            </a:r>
-            <a:r>
-              <a:rPr lang="de-DE" dirty="0" err="1"/>
-              <a:t>data</a:t>
-            </a:r>
-            <a:endParaRPr lang="de-DE" dirty="0"/>
+              <a:rPr lang="en-US" dirty="0"/>
+              <a:t>Retrieving necessary (historic) data</a:t>
+            </a:r>
           </a:p>
           <a:p>
             <a:pPr lvl="1"/>
             <a:r>
-              <a:rPr lang="de-DE" dirty="0"/>
-              <a:t>Customer </a:t>
-            </a:r>
-            <a:r>
-              <a:rPr lang="de-DE" dirty="0" err="1"/>
-              <a:t>demand</a:t>
-            </a:r>
-            <a:r>
-              <a:rPr lang="de-DE" dirty="0"/>
-              <a:t> (SAP)</a:t>
+              <a:rPr lang="en-US" dirty="0"/>
+              <a:t>Customer demand (SAP)</a:t>
             </a:r>
           </a:p>
           <a:p>
             <a:pPr lvl="1"/>
             <a:r>
-              <a:rPr lang="de-DE" dirty="0"/>
-              <a:t>Cycle time </a:t>
-            </a:r>
-            <a:r>
-              <a:rPr lang="de-DE" dirty="0" err="1"/>
-              <a:t>for</a:t>
-            </a:r>
-            <a:r>
-              <a:rPr lang="de-DE" dirty="0"/>
-              <a:t> </a:t>
-            </a:r>
-            <a:r>
-              <a:rPr lang="de-DE" dirty="0" err="1"/>
-              <a:t>product</a:t>
-            </a:r>
-            <a:r>
-              <a:rPr lang="de-DE" dirty="0"/>
-              <a:t> per </a:t>
-            </a:r>
-            <a:r>
-              <a:rPr lang="de-DE" dirty="0" err="1"/>
-              <a:t>line</a:t>
-            </a:r>
-            <a:r>
-              <a:rPr lang="de-DE" dirty="0"/>
-              <a:t> (</a:t>
-            </a:r>
-            <a:r>
-              <a:rPr lang="de-DE" dirty="0" err="1"/>
-              <a:t>Production</a:t>
-            </a:r>
-            <a:r>
-              <a:rPr lang="de-DE" dirty="0"/>
-              <a:t> System)</a:t>
+              <a:rPr lang="en-US" dirty="0"/>
+              <a:t>Cycle time for product per line (Production System)</a:t>
             </a:r>
           </a:p>
           <a:p>
             <a:pPr lvl="1"/>
             <a:r>
-              <a:rPr lang="de-DE" dirty="0" err="1"/>
-              <a:t>Availability</a:t>
-            </a:r>
-            <a:r>
-              <a:rPr lang="de-DE" dirty="0"/>
-              <a:t> </a:t>
-            </a:r>
-            <a:r>
-              <a:rPr lang="de-DE" dirty="0" err="1"/>
-              <a:t>of</a:t>
-            </a:r>
-            <a:r>
-              <a:rPr lang="de-DE" dirty="0"/>
-              <a:t> </a:t>
-            </a:r>
-            <a:r>
-              <a:rPr lang="de-DE" dirty="0" err="1"/>
-              <a:t>staff</a:t>
-            </a:r>
-            <a:r>
-              <a:rPr lang="de-DE" dirty="0"/>
-              <a:t> (Personell </a:t>
-            </a:r>
-            <a:r>
-              <a:rPr lang="de-DE" dirty="0" err="1"/>
-              <a:t>planning</a:t>
-            </a:r>
-            <a:r>
-              <a:rPr lang="de-DE" dirty="0"/>
-              <a:t> </a:t>
-            </a:r>
-            <a:r>
-              <a:rPr lang="de-DE" dirty="0" err="1"/>
-              <a:t>system</a:t>
-            </a:r>
-            <a:r>
-              <a:rPr lang="de-DE" dirty="0"/>
-              <a:t>)</a:t>
+              <a:rPr lang="en-US" dirty="0"/>
+              <a:t>Availability of staff (Personnel planning system)</a:t>
             </a:r>
           </a:p>
           <a:p>
             <a:pPr lvl="1"/>
             <a:r>
-              <a:rPr lang="de-DE" dirty="0" err="1"/>
-              <a:t>Produceable</a:t>
-            </a:r>
-            <a:r>
-              <a:rPr lang="de-DE" dirty="0"/>
-              <a:t> </a:t>
-            </a:r>
-            <a:r>
-              <a:rPr lang="de-DE" dirty="0" err="1"/>
-              <a:t>products</a:t>
-            </a:r>
-            <a:r>
-              <a:rPr lang="de-DE" dirty="0"/>
-              <a:t> per </a:t>
-            </a:r>
-            <a:r>
-              <a:rPr lang="de-DE" dirty="0" err="1"/>
-              <a:t>line</a:t>
-            </a:r>
-            <a:r>
-              <a:rPr lang="de-DE" dirty="0"/>
-              <a:t> (</a:t>
-            </a:r>
-            <a:r>
-              <a:rPr lang="de-DE" dirty="0" err="1"/>
-              <a:t>Production</a:t>
-            </a:r>
-            <a:r>
-              <a:rPr lang="de-DE" dirty="0"/>
-              <a:t> System)</a:t>
+              <a:rPr lang="en-US" dirty="0"/>
+              <a:t>Produce able products per line (Production System)</a:t>
             </a:r>
           </a:p>
           <a:p>
             <a:pPr lvl="1"/>
             <a:r>
-              <a:rPr lang="de-DE" dirty="0" err="1"/>
-              <a:t>Machine</a:t>
-            </a:r>
-            <a:r>
-              <a:rPr lang="de-DE" dirty="0"/>
-              <a:t> </a:t>
-            </a:r>
-            <a:r>
-              <a:rPr lang="de-DE" dirty="0" err="1"/>
-              <a:t>availability</a:t>
-            </a:r>
-            <a:r>
-              <a:rPr lang="de-DE" dirty="0"/>
-              <a:t> (Excel)</a:t>
+              <a:rPr lang="en-US" dirty="0"/>
+              <a:t>Machine availability (Excel)</a:t>
             </a:r>
           </a:p>
           <a:p>
             <a:pPr marL="457200" lvl="1" indent="0">
               <a:buNone/>
             </a:pPr>
-            <a:endParaRPr lang="de-DE" dirty="0"/>
+            <a:endParaRPr lang="en-US" dirty="0"/>
           </a:p>
           <a:p>
             <a:pPr lvl="1"/>
-            <a:endParaRPr lang="de-DE" dirty="0"/>
+            <a:endParaRPr lang="en-US" dirty="0"/>
           </a:p>
           <a:p>
             <a:pPr lvl="1"/>
-            <a:endParaRPr lang="de-DE" dirty="0"/>
+            <a:endParaRPr lang="en-US" dirty="0"/>
           </a:p>
           <a:p>
             <a:pPr lvl="1"/>
-            <a:endParaRPr lang="de-DE" dirty="0"/>
+            <a:endParaRPr lang="en-US" dirty="0"/>
           </a:p>
         </p:txBody>
       </p:sp>
@@ -13726,7 +13173,7 @@
           <a:lstStyle/>
           <a:p>
             <a:pPr algn="ctr"/>
-            <a:endParaRPr lang="de-DE"/>
+            <a:endParaRPr lang="en-US" dirty="0"/>
           </a:p>
         </p:txBody>
       </p:sp>
@@ -13759,62 +13206,9 @@
           <a:lstStyle/>
           <a:p>
             <a:r>
-              <a:rPr lang="de-DE" sz="2400" dirty="0"/>
-              <a:t>Need </a:t>
-            </a:r>
-            <a:r>
-              <a:rPr lang="de-DE" sz="2400" dirty="0" err="1"/>
-              <a:t>to</a:t>
-            </a:r>
-            <a:r>
-              <a:rPr lang="de-DE" sz="2400" dirty="0"/>
-              <a:t> </a:t>
-            </a:r>
-            <a:r>
-              <a:rPr lang="de-DE" sz="2400" dirty="0" err="1"/>
-              <a:t>combine</a:t>
-            </a:r>
-            <a:r>
-              <a:rPr lang="de-DE" sz="2400" dirty="0"/>
-              <a:t> </a:t>
-            </a:r>
-            <a:r>
-              <a:rPr lang="de-DE" sz="2400" dirty="0" err="1"/>
-              <a:t>several</a:t>
-            </a:r>
-            <a:r>
-              <a:rPr lang="de-DE" sz="2400" dirty="0"/>
-              <a:t> </a:t>
-            </a:r>
-            <a:r>
-              <a:rPr lang="de-DE" sz="2400" dirty="0" err="1"/>
-              <a:t>data</a:t>
-            </a:r>
-            <a:r>
-              <a:rPr lang="de-DE" sz="2400" dirty="0"/>
-              <a:t> </a:t>
-            </a:r>
-            <a:r>
-              <a:rPr lang="de-DE" sz="2400" dirty="0" err="1"/>
-              <a:t>sources</a:t>
-            </a:r>
-            <a:r>
-              <a:rPr lang="de-DE" sz="2400" dirty="0"/>
-              <a:t> </a:t>
-            </a:r>
-            <a:r>
-              <a:rPr lang="de-DE" sz="2400" dirty="0" err="1"/>
-              <a:t>from</a:t>
-            </a:r>
-            <a:r>
-              <a:rPr lang="de-DE" sz="2400" dirty="0"/>
-              <a:t> different </a:t>
-            </a:r>
-            <a:r>
-              <a:rPr lang="de-DE" sz="2400" dirty="0" err="1"/>
-              <a:t>department</a:t>
-            </a:r>
-            <a:endParaRPr lang="de-DE" sz="2400" dirty="0"/>
+              <a:rPr lang="en-US" sz="2400" dirty="0"/>
+              <a:t>Need to combine several data sources from different department</a:t>
+            </a:r>
           </a:p>
         </p:txBody>
       </p:sp>
@@ -13866,12 +13260,8 @@
           </a:lstStyle>
           <a:p>
             <a:r>
-              <a:rPr lang="de-DE" dirty="0" err="1"/>
-              <a:t>Challenges</a:t>
-            </a:r>
-            <a:r>
-              <a:rPr lang="de-DE" dirty="0"/>
-              <a:t> (1)</a:t>
+              <a:rPr lang="en-US" dirty="0"/>
+              <a:t>Challenges (1)</a:t>
             </a:r>
           </a:p>
         </p:txBody>
@@ -13935,140 +13325,59 @@
           <a:lstStyle/>
           <a:p>
             <a:r>
-              <a:rPr lang="de-DE" dirty="0"/>
-              <a:t>Shortterm pull-</a:t>
-            </a:r>
-            <a:r>
-              <a:rPr lang="de-DE" dirty="0" err="1"/>
-              <a:t>in‘s</a:t>
-            </a:r>
-            <a:r>
-              <a:rPr lang="de-DE" dirty="0"/>
-              <a:t> </a:t>
-            </a:r>
-            <a:r>
-              <a:rPr lang="de-DE" dirty="0" err="1"/>
-              <a:t>from</a:t>
-            </a:r>
-            <a:r>
-              <a:rPr lang="de-DE" dirty="0"/>
-              <a:t> </a:t>
-            </a:r>
-            <a:r>
-              <a:rPr lang="de-DE" dirty="0" err="1"/>
-              <a:t>customer</a:t>
-            </a:r>
-            <a:endParaRPr lang="de-DE" dirty="0"/>
-          </a:p>
-          <a:p>
-            <a:r>
-              <a:rPr lang="de-DE" dirty="0" err="1"/>
-              <a:t>Capacity</a:t>
-            </a:r>
-            <a:r>
-              <a:rPr lang="de-DE" dirty="0"/>
-              <a:t> </a:t>
-            </a:r>
-            <a:r>
-              <a:rPr lang="de-DE" dirty="0" err="1"/>
-              <a:t>constraints</a:t>
-            </a:r>
-            <a:endParaRPr lang="de-DE" dirty="0"/>
+              <a:rPr lang="en-US" dirty="0"/>
+              <a:t>Short-term pull-in‘s from customer</a:t>
+            </a:r>
+          </a:p>
+          <a:p>
+            <a:r>
+              <a:rPr lang="en-US" dirty="0"/>
+              <a:t>Capacity constraints</a:t>
+            </a:r>
           </a:p>
           <a:p>
             <a:pPr lvl="1"/>
             <a:r>
-              <a:rPr lang="de-DE" dirty="0"/>
-              <a:t>Customer </a:t>
-            </a:r>
-            <a:r>
-              <a:rPr lang="de-DE" dirty="0" err="1"/>
-              <a:t>demand</a:t>
-            </a:r>
-            <a:r>
-              <a:rPr lang="de-DE" dirty="0"/>
-              <a:t> </a:t>
-            </a:r>
-            <a:r>
-              <a:rPr lang="de-DE" dirty="0" err="1"/>
-              <a:t>higher</a:t>
-            </a:r>
-            <a:r>
-              <a:rPr lang="de-DE" dirty="0"/>
-              <a:t> </a:t>
-            </a:r>
-            <a:r>
-              <a:rPr lang="de-DE" dirty="0" err="1"/>
-              <a:t>than</a:t>
-            </a:r>
-            <a:r>
-              <a:rPr lang="de-DE" dirty="0"/>
-              <a:t> </a:t>
-            </a:r>
-            <a:r>
-              <a:rPr lang="de-DE" dirty="0" err="1"/>
-              <a:t>available</a:t>
-            </a:r>
-            <a:r>
-              <a:rPr lang="de-DE" dirty="0"/>
-              <a:t> </a:t>
-            </a:r>
-            <a:r>
-              <a:rPr lang="de-DE" dirty="0" err="1"/>
-              <a:t>capacity</a:t>
-            </a:r>
-            <a:endParaRPr lang="de-DE" dirty="0"/>
+              <a:rPr lang="en-US" dirty="0"/>
+              <a:t>Customer demand higher than available capacity</a:t>
+            </a:r>
           </a:p>
           <a:p>
             <a:pPr lvl="1"/>
             <a:r>
-              <a:rPr lang="de-DE" dirty="0" err="1"/>
-              <a:t>Machine</a:t>
-            </a:r>
-            <a:r>
-              <a:rPr lang="de-DE" dirty="0"/>
-              <a:t> </a:t>
-            </a:r>
-            <a:r>
-              <a:rPr lang="de-DE" dirty="0" err="1"/>
-              <a:t>failure</a:t>
-            </a:r>
-            <a:endParaRPr lang="de-DE" dirty="0"/>
+              <a:rPr lang="en-US" dirty="0"/>
+              <a:t>Machine failure</a:t>
+            </a:r>
           </a:p>
           <a:p>
             <a:pPr lvl="1"/>
             <a:r>
-              <a:rPr lang="de-DE" dirty="0"/>
-              <a:t>Material </a:t>
-            </a:r>
-            <a:r>
-              <a:rPr lang="de-DE" dirty="0" err="1"/>
-              <a:t>shortage</a:t>
-            </a:r>
-            <a:endParaRPr lang="de-DE" dirty="0"/>
+              <a:rPr lang="en-US" dirty="0"/>
+              <a:t>Material shortage</a:t>
+            </a:r>
           </a:p>
           <a:p>
             <a:pPr lvl="1"/>
-            <a:endParaRPr lang="de-DE" dirty="0"/>
+            <a:endParaRPr lang="en-US" dirty="0"/>
           </a:p>
           <a:p>
             <a:pPr lvl="1"/>
-            <a:endParaRPr lang="de-DE" dirty="0"/>
-          </a:p>
-          <a:p>
-            <a:endParaRPr lang="de-DE" dirty="0"/>
+            <a:endParaRPr lang="en-US" dirty="0"/>
+          </a:p>
+          <a:p>
+            <a:endParaRPr lang="en-US" dirty="0"/>
           </a:p>
           <a:p>
             <a:pPr lvl="1"/>
-            <a:endParaRPr lang="de-DE" dirty="0"/>
+            <a:endParaRPr lang="en-US" dirty="0"/>
           </a:p>
           <a:p>
             <a:pPr lvl="1"/>
-            <a:endParaRPr lang="de-DE" dirty="0"/>
+            <a:endParaRPr lang="en-US" dirty="0"/>
           </a:p>
           <a:p>
             <a:pPr lvl="1"/>
-            <a:endParaRPr lang="de-DE" dirty="0"/>
+            <a:endParaRPr lang="en-US" dirty="0"/>
           </a:p>
         </p:txBody>
       </p:sp>
@@ -14114,7 +13423,7 @@
           <a:lstStyle/>
           <a:p>
             <a:pPr algn="ctr"/>
-            <a:endParaRPr lang="de-DE"/>
+            <a:endParaRPr lang="en-US" dirty="0"/>
           </a:p>
         </p:txBody>
       </p:sp>
@@ -14147,46 +13456,9 @@
           <a:lstStyle/>
           <a:p>
             <a:r>
-              <a:rPr lang="de-DE" sz="2400" dirty="0"/>
-              <a:t>Need </a:t>
-            </a:r>
-            <a:r>
-              <a:rPr lang="de-DE" sz="2400" dirty="0" err="1"/>
-              <a:t>to</a:t>
-            </a:r>
-            <a:r>
-              <a:rPr lang="de-DE" sz="2400" dirty="0"/>
-              <a:t> </a:t>
-            </a:r>
-            <a:r>
-              <a:rPr lang="de-DE" sz="2400" dirty="0" err="1"/>
-              <a:t>priorize</a:t>
-            </a:r>
-            <a:r>
-              <a:rPr lang="de-DE" sz="2400" dirty="0"/>
-              <a:t> </a:t>
-            </a:r>
-            <a:r>
-              <a:rPr lang="de-DE" sz="2400" dirty="0" err="1"/>
-              <a:t>demand</a:t>
-            </a:r>
-            <a:r>
-              <a:rPr lang="de-DE" sz="2400" dirty="0"/>
-              <a:t> </a:t>
-            </a:r>
-            <a:r>
-              <a:rPr lang="de-DE" sz="2400" dirty="0" err="1"/>
-              <a:t>of</a:t>
-            </a:r>
-            <a:r>
-              <a:rPr lang="de-DE" sz="2400" dirty="0"/>
-              <a:t> </a:t>
-            </a:r>
-            <a:r>
-              <a:rPr lang="de-DE" sz="2400" dirty="0" err="1"/>
-              <a:t>customer</a:t>
-            </a:r>
-            <a:endParaRPr lang="de-DE" sz="2400" dirty="0"/>
+              <a:rPr lang="en-US" sz="2400" dirty="0"/>
+              <a:t>Need to prioritize demand of customer</a:t>
+            </a:r>
           </a:p>
         </p:txBody>
       </p:sp>
@@ -14238,12 +13510,8 @@
           </a:lstStyle>
           <a:p>
             <a:r>
-              <a:rPr lang="de-DE" dirty="0" err="1"/>
-              <a:t>Challenges</a:t>
-            </a:r>
-            <a:r>
-              <a:rPr lang="de-DE" dirty="0"/>
-              <a:t> (2)</a:t>
+              <a:rPr lang="en-US" dirty="0"/>
+              <a:t>Challenges (2)</a:t>
             </a:r>
           </a:p>
         </p:txBody>
@@ -14305,121 +13573,32 @@
           <a:lstStyle/>
           <a:p>
             <a:r>
-              <a:rPr lang="de-DE" dirty="0" err="1"/>
-              <a:t>Get</a:t>
-            </a:r>
-            <a:r>
-              <a:rPr lang="de-DE" dirty="0"/>
-              <a:t> in-</a:t>
-            </a:r>
-            <a:r>
-              <a:rPr lang="de-DE" dirty="0" err="1"/>
-              <a:t>depth</a:t>
-            </a:r>
-            <a:r>
-              <a:rPr lang="de-DE" dirty="0"/>
-              <a:t> expert </a:t>
-            </a:r>
-            <a:r>
-              <a:rPr lang="de-DE" dirty="0" err="1"/>
-              <a:t>knowledge</a:t>
-            </a:r>
-            <a:r>
-              <a:rPr lang="de-DE" dirty="0"/>
-              <a:t> </a:t>
-            </a:r>
-            <a:r>
-              <a:rPr lang="de-DE" dirty="0" err="1"/>
-              <a:t>from</a:t>
-            </a:r>
-            <a:r>
-              <a:rPr lang="de-DE" dirty="0"/>
-              <a:t> </a:t>
-            </a:r>
-            <a:r>
-              <a:rPr lang="de-DE" dirty="0" err="1"/>
-              <a:t>employees</a:t>
-            </a:r>
-            <a:r>
-              <a:rPr lang="de-DE" dirty="0"/>
-              <a:t> </a:t>
-            </a:r>
-            <a:r>
-              <a:rPr lang="de-DE" dirty="0" err="1"/>
-              <a:t>who</a:t>
-            </a:r>
-            <a:r>
-              <a:rPr lang="de-DE" dirty="0"/>
-              <a:t> will </a:t>
-            </a:r>
-            <a:r>
-              <a:rPr lang="de-DE" dirty="0" err="1"/>
-              <a:t>be</a:t>
-            </a:r>
-            <a:r>
-              <a:rPr lang="de-DE" dirty="0"/>
-              <a:t> </a:t>
-            </a:r>
-            <a:r>
-              <a:rPr lang="de-DE" dirty="0" err="1"/>
-              <a:t>relocated</a:t>
-            </a:r>
-            <a:r>
-              <a:rPr lang="de-DE" dirty="0"/>
-              <a:t> after </a:t>
-            </a:r>
-            <a:r>
-              <a:rPr lang="de-DE" dirty="0" err="1"/>
-              <a:t>the</a:t>
-            </a:r>
-            <a:r>
-              <a:rPr lang="de-DE" dirty="0"/>
-              <a:t> </a:t>
-            </a:r>
-            <a:r>
-              <a:rPr lang="de-DE" dirty="0" err="1"/>
-              <a:t>system</a:t>
-            </a:r>
-            <a:r>
-              <a:rPr lang="de-DE" dirty="0"/>
-              <a:t> </a:t>
-            </a:r>
-            <a:r>
-              <a:rPr lang="de-DE" dirty="0" err="1"/>
-              <a:t>is</a:t>
-            </a:r>
-            <a:r>
-              <a:rPr lang="de-DE" dirty="0"/>
-              <a:t> </a:t>
-            </a:r>
-            <a:r>
-              <a:rPr lang="de-DE" dirty="0" err="1"/>
-              <a:t>implemented</a:t>
-            </a:r>
-            <a:endParaRPr lang="de-DE" dirty="0"/>
+              <a:rPr lang="en-US" dirty="0"/>
+              <a:t>Get in-depth expert knowledge from employees who will be relocated after the system is implemented</a:t>
+            </a:r>
           </a:p>
           <a:p>
             <a:pPr lvl="1"/>
-            <a:endParaRPr lang="de-DE" dirty="0"/>
+            <a:endParaRPr lang="en-US" dirty="0"/>
           </a:p>
           <a:p>
             <a:pPr lvl="1"/>
-            <a:endParaRPr lang="de-DE" dirty="0"/>
-          </a:p>
-          <a:p>
-            <a:endParaRPr lang="de-DE" dirty="0"/>
+            <a:endParaRPr lang="en-US" dirty="0"/>
+          </a:p>
+          <a:p>
+            <a:endParaRPr lang="en-US" dirty="0"/>
           </a:p>
           <a:p>
             <a:pPr lvl="1"/>
-            <a:endParaRPr lang="de-DE" dirty="0"/>
+            <a:endParaRPr lang="en-US" dirty="0"/>
           </a:p>
           <a:p>
             <a:pPr lvl="1"/>
-            <a:endParaRPr lang="de-DE" dirty="0"/>
+            <a:endParaRPr lang="en-US" dirty="0"/>
           </a:p>
           <a:p>
             <a:pPr lvl="1"/>
-            <a:endParaRPr lang="de-DE" dirty="0"/>
+            <a:endParaRPr lang="en-US" dirty="0"/>
           </a:p>
         </p:txBody>
       </p:sp>
@@ -14465,7 +13644,7 @@
           <a:lstStyle/>
           <a:p>
             <a:pPr algn="ctr"/>
-            <a:endParaRPr lang="de-DE"/>
+            <a:endParaRPr lang="en-US" dirty="0"/>
           </a:p>
         </p:txBody>
       </p:sp>
@@ -14498,42 +13677,9 @@
           <a:lstStyle/>
           <a:p>
             <a:r>
-              <a:rPr lang="de-DE" sz="2400" dirty="0" err="1"/>
-              <a:t>Avoid</a:t>
-            </a:r>
-            <a:r>
-              <a:rPr lang="de-DE" sz="2400" dirty="0"/>
-              <a:t> </a:t>
-            </a:r>
-            <a:r>
-              <a:rPr lang="de-DE" sz="2400" dirty="0" err="1"/>
-              <a:t>resistence</a:t>
-            </a:r>
-            <a:r>
-              <a:rPr lang="de-DE" sz="2400" dirty="0"/>
-              <a:t> </a:t>
-            </a:r>
-            <a:r>
-              <a:rPr lang="de-DE" sz="2400" dirty="0" err="1"/>
-              <a:t>of</a:t>
-            </a:r>
-            <a:r>
-              <a:rPr lang="de-DE" sz="2400" dirty="0"/>
-              <a:t> </a:t>
-            </a:r>
-            <a:r>
-              <a:rPr lang="de-DE" sz="2400" dirty="0" err="1"/>
-              <a:t>affected</a:t>
-            </a:r>
-            <a:r>
-              <a:rPr lang="de-DE" sz="2400" dirty="0"/>
-              <a:t> </a:t>
-            </a:r>
-            <a:r>
-              <a:rPr lang="de-DE" sz="2400" dirty="0" err="1"/>
-              <a:t>employees</a:t>
-            </a:r>
-            <a:endParaRPr lang="de-DE" sz="2400" dirty="0"/>
+              <a:rPr lang="en-US" sz="2400" dirty="0"/>
+              <a:t>Avoid resistance of affected employees</a:t>
+            </a:r>
           </a:p>
         </p:txBody>
       </p:sp>
@@ -14585,12 +13731,8 @@
           </a:lstStyle>
           <a:p>
             <a:r>
-              <a:rPr lang="de-DE" dirty="0" err="1"/>
-              <a:t>Challenges</a:t>
-            </a:r>
-            <a:r>
-              <a:rPr lang="de-DE" dirty="0"/>
-              <a:t> (3)</a:t>
+              <a:rPr lang="en-US" dirty="0"/>
+              <a:t>Challenges (3)</a:t>
             </a:r>
           </a:p>
         </p:txBody>
@@ -14657,303 +13799,60 @@
               <a:buNone/>
             </a:pPr>
             <a:r>
-              <a:rPr lang="de-DE" dirty="0"/>
-              <a:t>Problem: Combine </a:t>
-            </a:r>
-            <a:r>
-              <a:rPr lang="de-DE" dirty="0" err="1"/>
-              <a:t>several</a:t>
-            </a:r>
-            <a:r>
-              <a:rPr lang="de-DE" dirty="0"/>
-              <a:t> </a:t>
-            </a:r>
-            <a:r>
-              <a:rPr lang="de-DE" dirty="0" err="1"/>
-              <a:t>data</a:t>
-            </a:r>
-            <a:r>
-              <a:rPr lang="de-DE" dirty="0"/>
-              <a:t> </a:t>
-            </a:r>
-            <a:r>
-              <a:rPr lang="de-DE" dirty="0" err="1"/>
-              <a:t>sources</a:t>
-            </a:r>
-            <a:r>
-              <a:rPr lang="de-DE" dirty="0"/>
-              <a:t> </a:t>
-            </a:r>
-            <a:r>
-              <a:rPr lang="de-DE" dirty="0" err="1"/>
-              <a:t>from</a:t>
-            </a:r>
-            <a:r>
-              <a:rPr lang="de-DE" dirty="0"/>
-              <a:t> different </a:t>
-            </a:r>
-            <a:r>
-              <a:rPr lang="de-DE" dirty="0" err="1"/>
-              <a:t>department</a:t>
-            </a:r>
-            <a:endParaRPr lang="de-DE" dirty="0"/>
+              <a:rPr lang="en-US" dirty="0"/>
+              <a:t>Problem: Combine several data sources from different department</a:t>
+            </a:r>
           </a:p>
           <a:p>
             <a:pPr marL="0" indent="0">
               <a:buNone/>
             </a:pPr>
-            <a:endParaRPr lang="de-DE" dirty="0"/>
+            <a:endParaRPr lang="en-US" dirty="0"/>
           </a:p>
           <a:p>
             <a:pPr marL="0" indent="0">
               <a:buNone/>
             </a:pPr>
-            <a:endParaRPr lang="de-DE" dirty="0"/>
-          </a:p>
-          <a:p>
-            <a:r>
-              <a:rPr lang="de-DE" dirty="0" err="1"/>
-              <a:t>Employ</a:t>
-            </a:r>
-            <a:r>
-              <a:rPr lang="de-DE" dirty="0"/>
-              <a:t> CDO </a:t>
-            </a:r>
-            <a:r>
-              <a:rPr lang="de-DE" dirty="0" err="1"/>
-              <a:t>that</a:t>
-            </a:r>
-            <a:r>
-              <a:rPr lang="de-DE" dirty="0"/>
-              <a:t> </a:t>
-            </a:r>
-            <a:r>
-              <a:rPr lang="de-DE" dirty="0" err="1"/>
-              <a:t>has</a:t>
-            </a:r>
-            <a:r>
-              <a:rPr lang="de-DE" dirty="0"/>
-              <a:t> </a:t>
-            </a:r>
-            <a:r>
-              <a:rPr lang="de-DE" dirty="0" err="1"/>
-              <a:t>the</a:t>
-            </a:r>
-            <a:r>
-              <a:rPr lang="de-DE" dirty="0"/>
-              <a:t> power </a:t>
-            </a:r>
-            <a:r>
-              <a:rPr lang="de-DE" dirty="0" err="1"/>
-              <a:t>to</a:t>
-            </a:r>
-            <a:r>
-              <a:rPr lang="de-DE" dirty="0"/>
-              <a:t> </a:t>
-            </a:r>
-            <a:r>
-              <a:rPr lang="de-DE" dirty="0" err="1"/>
-              <a:t>access</a:t>
-            </a:r>
-            <a:r>
-              <a:rPr lang="de-DE" dirty="0"/>
-              <a:t> all </a:t>
-            </a:r>
-            <a:r>
-              <a:rPr lang="de-DE" dirty="0" err="1"/>
-              <a:t>data</a:t>
-            </a:r>
-            <a:r>
-              <a:rPr lang="de-DE" dirty="0"/>
-              <a:t> </a:t>
-            </a:r>
-            <a:r>
-              <a:rPr lang="de-DE" dirty="0" err="1"/>
-              <a:t>sources</a:t>
-            </a:r>
-            <a:r>
-              <a:rPr lang="de-DE" dirty="0"/>
-              <a:t> </a:t>
-            </a:r>
-            <a:r>
-              <a:rPr lang="de-DE" dirty="0" err="1"/>
-              <a:t>without</a:t>
-            </a:r>
-            <a:r>
-              <a:rPr lang="de-DE" dirty="0"/>
-              <a:t> time </a:t>
-            </a:r>
-            <a:r>
-              <a:rPr lang="de-DE" dirty="0" err="1"/>
-              <a:t>consuming</a:t>
-            </a:r>
-            <a:r>
-              <a:rPr lang="de-DE" dirty="0"/>
-              <a:t> IT </a:t>
-            </a:r>
-            <a:r>
-              <a:rPr lang="de-DE" dirty="0" err="1"/>
-              <a:t>department</a:t>
-            </a:r>
-            <a:r>
-              <a:rPr lang="de-DE" dirty="0"/>
-              <a:t> </a:t>
-            </a:r>
-            <a:r>
-              <a:rPr lang="de-DE" dirty="0" err="1"/>
-              <a:t>approval</a:t>
-            </a:r>
-            <a:endParaRPr lang="de-DE" dirty="0"/>
-          </a:p>
-          <a:p>
-            <a:r>
-              <a:rPr lang="de-DE" dirty="0"/>
-              <a:t>In </a:t>
-            </a:r>
-            <a:r>
-              <a:rPr lang="de-DE" dirty="0" err="1"/>
-              <a:t>general</a:t>
-            </a:r>
-            <a:r>
-              <a:rPr lang="de-DE" dirty="0"/>
-              <a:t>: </a:t>
-            </a:r>
-            <a:r>
-              <a:rPr lang="de-DE" dirty="0" err="1"/>
-              <a:t>Avoid</a:t>
-            </a:r>
-            <a:r>
-              <a:rPr lang="de-DE" dirty="0"/>
-              <a:t> </a:t>
-            </a:r>
-            <a:r>
-              <a:rPr lang="de-DE" dirty="0" err="1"/>
-              <a:t>using</a:t>
-            </a:r>
-            <a:r>
-              <a:rPr lang="de-DE" dirty="0"/>
-              <a:t> </a:t>
-            </a:r>
-            <a:r>
-              <a:rPr lang="de-DE" dirty="0" err="1"/>
-              <a:t>excel</a:t>
-            </a:r>
-            <a:r>
-              <a:rPr lang="de-DE" dirty="0"/>
-              <a:t> </a:t>
-            </a:r>
-            <a:r>
-              <a:rPr lang="de-DE" dirty="0" err="1"/>
-              <a:t>for</a:t>
-            </a:r>
-            <a:r>
-              <a:rPr lang="de-DE" dirty="0"/>
-              <a:t> </a:t>
-            </a:r>
-            <a:r>
-              <a:rPr lang="de-DE" dirty="0" err="1"/>
-              <a:t>data</a:t>
-            </a:r>
-            <a:r>
-              <a:rPr lang="de-DE" dirty="0"/>
-              <a:t> </a:t>
-            </a:r>
-            <a:r>
-              <a:rPr lang="de-DE" dirty="0" err="1"/>
-              <a:t>storage</a:t>
-            </a:r>
-            <a:r>
-              <a:rPr lang="de-DE" dirty="0"/>
-              <a:t> (e.g. </a:t>
-            </a:r>
-            <a:r>
-              <a:rPr lang="de-DE" dirty="0" err="1"/>
-              <a:t>use</a:t>
-            </a:r>
-            <a:r>
-              <a:rPr lang="de-DE" dirty="0"/>
-              <a:t> different source </a:t>
-            </a:r>
-            <a:r>
-              <a:rPr lang="de-DE" dirty="0" err="1"/>
-              <a:t>for</a:t>
-            </a:r>
-            <a:r>
-              <a:rPr lang="de-DE" dirty="0"/>
-              <a:t> </a:t>
-            </a:r>
-            <a:r>
-              <a:rPr lang="de-DE" dirty="0" err="1"/>
-              <a:t>machine</a:t>
-            </a:r>
-            <a:r>
-              <a:rPr lang="de-DE" dirty="0"/>
-              <a:t> </a:t>
-            </a:r>
-            <a:r>
-              <a:rPr lang="de-DE" dirty="0" err="1"/>
-              <a:t>availability</a:t>
-            </a:r>
-            <a:r>
-              <a:rPr lang="de-DE" dirty="0"/>
-              <a:t>)</a:t>
-            </a:r>
-          </a:p>
-          <a:p>
-            <a:r>
-              <a:rPr lang="de-DE" dirty="0"/>
-              <a:t>New </a:t>
-            </a:r>
-            <a:r>
-              <a:rPr lang="de-DE" dirty="0" err="1"/>
-              <a:t>data-warehouse</a:t>
-            </a:r>
-            <a:r>
-              <a:rPr lang="de-DE" dirty="0"/>
-              <a:t> </a:t>
-            </a:r>
-            <a:r>
-              <a:rPr lang="de-DE" dirty="0" err="1"/>
-              <a:t>for</a:t>
-            </a:r>
-            <a:r>
-              <a:rPr lang="de-DE" dirty="0"/>
-              <a:t> </a:t>
-            </a:r>
-            <a:r>
-              <a:rPr lang="de-DE" dirty="0" err="1"/>
-              <a:t>combined</a:t>
-            </a:r>
-            <a:r>
-              <a:rPr lang="de-DE" dirty="0"/>
-              <a:t> </a:t>
-            </a:r>
-            <a:r>
-              <a:rPr lang="de-DE" dirty="0" err="1"/>
-              <a:t>data</a:t>
-            </a:r>
-            <a:endParaRPr lang="de-DE" dirty="0"/>
-          </a:p>
-          <a:p>
-            <a:endParaRPr lang="de-DE" dirty="0"/>
-          </a:p>
-          <a:p>
-            <a:endParaRPr lang="de-DE" dirty="0"/>
-          </a:p>
-          <a:p>
-            <a:endParaRPr lang="de-DE" dirty="0"/>
+            <a:endParaRPr lang="en-US" dirty="0"/>
+          </a:p>
+          <a:p>
+            <a:r>
+              <a:rPr lang="en-US" dirty="0"/>
+              <a:t>Employ CDO that has the power to access all data sources without time consuming IT department approval</a:t>
+            </a:r>
+          </a:p>
+          <a:p>
+            <a:r>
+              <a:rPr lang="en-US" dirty="0"/>
+              <a:t>In general: Avoid using excel for data storage (e.g. use different source for machine availability)</a:t>
+            </a:r>
+          </a:p>
+          <a:p>
+            <a:r>
+              <a:rPr lang="en-US" dirty="0"/>
+              <a:t>New data-warehouse for combined data</a:t>
+            </a:r>
+          </a:p>
+          <a:p>
+            <a:endParaRPr lang="en-US" dirty="0"/>
+          </a:p>
+          <a:p>
+            <a:endParaRPr lang="en-US" dirty="0"/>
+          </a:p>
+          <a:p>
+            <a:endParaRPr lang="en-US" dirty="0"/>
           </a:p>
           <a:p>
             <a:pPr lvl="1"/>
-            <a:endParaRPr lang="de-DE" dirty="0"/>
+            <a:endParaRPr lang="en-US" dirty="0"/>
           </a:p>
           <a:p>
             <a:pPr lvl="1"/>
-            <a:endParaRPr lang="de-DE" dirty="0"/>
+            <a:endParaRPr lang="en-US" dirty="0"/>
           </a:p>
           <a:p>
             <a:pPr lvl="1"/>
-            <a:endParaRPr lang="de-DE" dirty="0"/>
+            <a:endParaRPr lang="en-US" dirty="0"/>
           </a:p>
         </p:txBody>
       </p:sp>
@@ -15005,7 +13904,7 @@
           </a:lstStyle>
           <a:p>
             <a:r>
-              <a:rPr lang="de-DE" dirty="0"/>
+              <a:rPr lang="en-US" dirty="0"/>
               <a:t>Solutions (1)</a:t>
             </a:r>
           </a:p>

--- a/desandere.pptx
+++ b/desandere.pptx
@@ -4978,10 +4978,35 @@
           </a:bodyPr>
           <a:lstStyle/>
           <a:p>
+            <a:pPr algn="l"/>
             <a:r>
               <a:rPr lang="en-US" dirty="0"/>
-              <a:t>Automized sequence planning in automotive production with AI </a:t>
-            </a:r>
+              <a:t>Automized sequence planning in automotive production with AI</a:t>
+            </a:r>
+            <a:br>
+              <a:rPr lang="en-US" dirty="0"/>
+            </a:br>
+            <a:r>
+              <a:rPr lang="en-US" sz="1800" dirty="0"/>
+              <a:t>Johannes </a:t>
+            </a:r>
+            <a:r>
+              <a:rPr lang="en-US" sz="1800" dirty="0" err="1"/>
+              <a:t>Artmeier</a:t>
+            </a:r>
+            <a:r>
+              <a:rPr lang="en-US" sz="1800" dirty="0"/>
+              <a:t>, Lucas </a:t>
+            </a:r>
+            <a:r>
+              <a:rPr lang="en-US" sz="1800" dirty="0" err="1"/>
+              <a:t>Fobian</a:t>
+            </a:r>
+            <a:r>
+              <a:rPr lang="en-US" sz="1800" dirty="0"/>
+              <a:t>, Andreas Neuhierl </a:t>
+            </a:r>
+            <a:endParaRPr lang="en-US" dirty="0"/>
           </a:p>
         </p:txBody>
       </p:sp>
